--- a/Data/cover_image.pptx
+++ b/Data/cover_image.pptx
@@ -104,6 +104,11 @@
       </a:defRPr>
     </a:lvl9pPr>
   </p:defaultTextStyle>
+  <p:extLst>
+    <p:ext uri="{EFAFB233-063F-42B5-8137-9DF3F51BA10A}">
+      <p15:sldGuideLst xmlns:p15="http://schemas.microsoft.com/office/powerpoint/2012/main"/>
+    </p:ext>
+  </p:extLst>
 </p:presentation>
 </file>
 
@@ -3321,251 +3326,12 @@
           <a:chExt cx="0" cy="0"/>
         </a:xfrm>
       </p:grpSpPr>
-      <p:sp>
-        <p:nvSpPr>
-          <p:cNvPr id="4" name="Rectangle: Rounded Corners 3">
-            <a:extLst>
-              <a:ext uri="{FF2B5EF4-FFF2-40B4-BE49-F238E27FC236}">
-                <a16:creationId xmlns:a16="http://schemas.microsoft.com/office/drawing/2014/main" id="{7DDC64BD-8508-452A-AEB2-D69F8A0B982D}"/>
-              </a:ext>
-            </a:extLst>
-          </p:cNvPr>
-          <p:cNvSpPr/>
-          <p:nvPr/>
-        </p:nvSpPr>
-        <p:spPr>
-          <a:xfrm>
-            <a:off x="3827479" y="112263"/>
-            <a:ext cx="4288389" cy="2254216"/>
-          </a:xfrm>
-          <a:prstGeom prst="roundRect">
-            <a:avLst/>
-          </a:prstGeom>
-          <a:solidFill>
-            <a:srgbClr val="FFCC33"/>
-          </a:solidFill>
-        </p:spPr>
-        <p:style>
-          <a:lnRef idx="2">
-            <a:schemeClr val="accent1">
-              <a:shade val="50000"/>
-            </a:schemeClr>
-          </a:lnRef>
-          <a:fillRef idx="1">
-            <a:schemeClr val="accent1"/>
-          </a:fillRef>
-          <a:effectRef idx="0">
-            <a:schemeClr val="accent1"/>
-          </a:effectRef>
-          <a:fontRef idx="minor">
-            <a:schemeClr val="lt1"/>
-          </a:fontRef>
-        </p:style>
-        <p:txBody>
-          <a:bodyPr rtlCol="0" anchor="ctr"/>
-          <a:lstStyle/>
-          <a:p>
-            <a:pPr algn="ctr"/>
-            <a:r>
-              <a:rPr lang="en-US" sz="3600" dirty="0">
-                <a:solidFill>
-                  <a:srgbClr val="780019"/>
-                </a:solidFill>
-                <a:latin typeface="Arial" panose="020B0604020202020204" pitchFamily="34" charset="0"/>
-                <a:cs typeface="Arial" panose="020B0604020202020204" pitchFamily="34" charset="0"/>
-              </a:rPr>
-              <a:t>Molecular Phenomena at Aqueous Interfaces</a:t>
-            </a:r>
-          </a:p>
-        </p:txBody>
-      </p:sp>
-      <p:sp>
-        <p:nvSpPr>
-          <p:cNvPr id="5" name="Rectangle: Rounded Corners 4">
-            <a:extLst>
-              <a:ext uri="{FF2B5EF4-FFF2-40B4-BE49-F238E27FC236}">
-                <a16:creationId xmlns:a16="http://schemas.microsoft.com/office/drawing/2014/main" id="{0A89D17F-2F5B-4D52-A6E6-BF73C0E7748B}"/>
-              </a:ext>
-            </a:extLst>
-          </p:cNvPr>
-          <p:cNvSpPr/>
-          <p:nvPr/>
-        </p:nvSpPr>
-        <p:spPr>
-          <a:xfrm>
-            <a:off x="720544" y="3974475"/>
-            <a:ext cx="4288389" cy="2254216"/>
-          </a:xfrm>
-          <a:prstGeom prst="roundRect">
-            <a:avLst/>
-          </a:prstGeom>
-          <a:solidFill>
-            <a:srgbClr val="FFCC33"/>
-          </a:solidFill>
-        </p:spPr>
-        <p:style>
-          <a:lnRef idx="2">
-            <a:schemeClr val="accent1">
-              <a:shade val="50000"/>
-            </a:schemeClr>
-          </a:lnRef>
-          <a:fillRef idx="1">
-            <a:schemeClr val="accent1"/>
-          </a:fillRef>
-          <a:effectRef idx="0">
-            <a:schemeClr val="accent1"/>
-          </a:effectRef>
-          <a:fontRef idx="minor">
-            <a:schemeClr val="lt1"/>
-          </a:fontRef>
-        </p:style>
-        <p:txBody>
-          <a:bodyPr rtlCol="0" anchor="ctr"/>
-          <a:lstStyle/>
-          <a:p>
-            <a:pPr algn="ctr"/>
-            <a:r>
-              <a:rPr lang="en-US" sz="3600" dirty="0">
-                <a:solidFill>
-                  <a:srgbClr val="780019"/>
-                </a:solidFill>
-                <a:latin typeface="Arial" panose="020B0604020202020204" pitchFamily="34" charset="0"/>
-                <a:cs typeface="Arial" panose="020B0604020202020204" pitchFamily="34" charset="0"/>
-              </a:rPr>
-              <a:t>Molecular Simulations &amp; Machine Learning</a:t>
-            </a:r>
-          </a:p>
-        </p:txBody>
-      </p:sp>
-      <p:sp>
-        <p:nvSpPr>
-          <p:cNvPr id="6" name="Rectangle: Rounded Corners 5">
-            <a:extLst>
-              <a:ext uri="{FF2B5EF4-FFF2-40B4-BE49-F238E27FC236}">
-                <a16:creationId xmlns:a16="http://schemas.microsoft.com/office/drawing/2014/main" id="{C5D43A14-59FA-41AE-86C5-18F6F4355354}"/>
-              </a:ext>
-            </a:extLst>
-          </p:cNvPr>
-          <p:cNvSpPr/>
-          <p:nvPr/>
-        </p:nvSpPr>
-        <p:spPr>
-          <a:xfrm>
-            <a:off x="7225617" y="3942391"/>
-            <a:ext cx="4288389" cy="2254216"/>
-          </a:xfrm>
-          <a:prstGeom prst="roundRect">
-            <a:avLst/>
-          </a:prstGeom>
-          <a:solidFill>
-            <a:srgbClr val="FFCC33"/>
-          </a:solidFill>
-        </p:spPr>
-        <p:style>
-          <a:lnRef idx="2">
-            <a:schemeClr val="accent1">
-              <a:shade val="50000"/>
-            </a:schemeClr>
-          </a:lnRef>
-          <a:fillRef idx="1">
-            <a:schemeClr val="accent1"/>
-          </a:fillRef>
-          <a:effectRef idx="0">
-            <a:schemeClr val="accent1"/>
-          </a:effectRef>
-          <a:fontRef idx="minor">
-            <a:schemeClr val="lt1"/>
-          </a:fontRef>
-        </p:style>
-        <p:txBody>
-          <a:bodyPr rtlCol="0" anchor="ctr"/>
-          <a:lstStyle/>
-          <a:p>
-            <a:pPr algn="ctr"/>
-            <a:r>
-              <a:rPr lang="en-US" sz="3600" dirty="0">
-                <a:solidFill>
-                  <a:srgbClr val="780019"/>
-                </a:solidFill>
-                <a:latin typeface="Arial" panose="020B0604020202020204" pitchFamily="34" charset="0"/>
-                <a:cs typeface="Arial" panose="020B0604020202020204" pitchFamily="34" charset="0"/>
-              </a:rPr>
-              <a:t>Advanced methods and software development</a:t>
-            </a:r>
-          </a:p>
-        </p:txBody>
-      </p:sp>
-      <p:sp>
-        <p:nvSpPr>
-          <p:cNvPr id="8" name="Rectangle 7">
-            <a:extLst>
-              <a:ext uri="{FF2B5EF4-FFF2-40B4-BE49-F238E27FC236}">
-                <a16:creationId xmlns:a16="http://schemas.microsoft.com/office/drawing/2014/main" id="{6AF81367-D731-43AB-8913-54CC4B515938}"/>
-              </a:ext>
-            </a:extLst>
-          </p:cNvPr>
-          <p:cNvSpPr/>
-          <p:nvPr/>
-        </p:nvSpPr>
-        <p:spPr>
-          <a:xfrm>
-            <a:off x="4796434" y="2720567"/>
-            <a:ext cx="2613426" cy="898314"/>
-          </a:xfrm>
-          <a:prstGeom prst="rect">
-            <a:avLst/>
-          </a:prstGeom>
-          <a:solidFill>
-            <a:srgbClr val="780019"/>
-          </a:solidFill>
-          <a:scene3d>
-            <a:camera prst="orthographicFront"/>
-            <a:lightRig rig="threePt" dir="t"/>
-          </a:scene3d>
-          <a:sp3d>
-            <a:bevelT/>
-          </a:sp3d>
-        </p:spPr>
-        <p:style>
-          <a:lnRef idx="2">
-            <a:schemeClr val="accent1">
-              <a:shade val="50000"/>
-            </a:schemeClr>
-          </a:lnRef>
-          <a:fillRef idx="1">
-            <a:schemeClr val="accent1"/>
-          </a:fillRef>
-          <a:effectRef idx="0">
-            <a:schemeClr val="accent1"/>
-          </a:effectRef>
-          <a:fontRef idx="minor">
-            <a:schemeClr val="lt1"/>
-          </a:fontRef>
-        </p:style>
-        <p:txBody>
-          <a:bodyPr rtlCol="0" anchor="ctr"/>
-          <a:lstStyle/>
-          <a:p>
-            <a:pPr algn="ctr"/>
-            <a:r>
-              <a:rPr lang="en-US" sz="3600" dirty="0">
-                <a:solidFill>
-                  <a:srgbClr val="FFCC33"/>
-                </a:solidFill>
-                <a:latin typeface="Arial" panose="020B0604020202020204" pitchFamily="34" charset="0"/>
-                <a:cs typeface="Arial" panose="020B0604020202020204" pitchFamily="34" charset="0"/>
-              </a:rPr>
-              <a:t>SAMPEL</a:t>
-            </a:r>
-          </a:p>
-        </p:txBody>
-      </p:sp>
       <p:grpSp>
         <p:nvGrpSpPr>
-          <p:cNvPr id="23" name="Group 22">
-            <a:extLst>
-              <a:ext uri="{FF2B5EF4-FFF2-40B4-BE49-F238E27FC236}">
-                <a16:creationId xmlns:a16="http://schemas.microsoft.com/office/drawing/2014/main" id="{7490DF72-05C5-4870-9D2A-BB66D0BE1410}"/>
+          <p:cNvPr id="2" name="Group 1">
+            <a:extLst>
+              <a:ext uri="{FF2B5EF4-FFF2-40B4-BE49-F238E27FC236}">
+                <a16:creationId xmlns:a16="http://schemas.microsoft.com/office/drawing/2014/main" id="{DF11FC94-137D-4459-A404-58D67DF47E40}"/>
               </a:ext>
             </a:extLst>
           </p:cNvPr>
@@ -3574,18 +3340,18 @@
         </p:nvGrpSpPr>
         <p:grpSpPr>
           <a:xfrm>
-            <a:off x="4727843" y="5708916"/>
-            <a:ext cx="974558" cy="962013"/>
-            <a:chOff x="4358875" y="3634049"/>
-            <a:chExt cx="974558" cy="962013"/>
+            <a:off x="404746" y="149667"/>
+            <a:ext cx="11471456" cy="6558666"/>
+            <a:chOff x="720544" y="112263"/>
+            <a:chExt cx="11471456" cy="6558666"/>
           </a:xfrm>
         </p:grpSpPr>
         <p:sp>
           <p:nvSpPr>
-            <p:cNvPr id="18" name="Graphic 13" descr="Wrench with solid fill">
+            <p:cNvPr id="4" name="Rectangle: Rounded Corners 3">
               <a:extLst>
                 <a:ext uri="{FF2B5EF4-FFF2-40B4-BE49-F238E27FC236}">
-                  <a16:creationId xmlns:a16="http://schemas.microsoft.com/office/drawing/2014/main" id="{F9BB96D2-F97A-46A3-9398-19B18ADDA3E1}"/>
+                  <a16:creationId xmlns:a16="http://schemas.microsoft.com/office/drawing/2014/main" id="{7DDC64BD-8508-452A-AEB2-D69F8A0B982D}"/>
                 </a:ext>
               </a:extLst>
             </p:cNvPr>
@@ -3594,214 +3360,56 @@
           </p:nvSpPr>
           <p:spPr>
             <a:xfrm>
-              <a:off x="4427466" y="3707031"/>
-              <a:ext cx="837374" cy="839686"/>
+              <a:off x="3827479" y="112263"/>
+              <a:ext cx="4288389" cy="2254216"/>
             </a:xfrm>
-            <a:custGeom>
+            <a:prstGeom prst="roundRect">
               <a:avLst/>
-              <a:gdLst>
-                <a:gd name="connsiteX0" fmla="*/ 743490 w 837374"/>
-                <a:gd name="connsiteY0" fmla="*/ 180766 h 839686"/>
-                <a:gd name="connsiteX1" fmla="*/ 675862 w 837374"/>
-                <a:gd name="connsiteY1" fmla="*/ 162668 h 839686"/>
-                <a:gd name="connsiteX2" fmla="*/ 657765 w 837374"/>
-                <a:gd name="connsiteY2" fmla="*/ 95041 h 839686"/>
-                <a:gd name="connsiteX3" fmla="*/ 743490 w 837374"/>
-                <a:gd name="connsiteY3" fmla="*/ 9316 h 839686"/>
-                <a:gd name="connsiteX4" fmla="*/ 593947 w 837374"/>
-                <a:gd name="connsiteY4" fmla="*/ 37891 h 839686"/>
-                <a:gd name="connsiteX5" fmla="*/ 552037 w 837374"/>
-                <a:gd name="connsiteY5" fmla="*/ 183623 h 839686"/>
-                <a:gd name="connsiteX6" fmla="*/ 182467 w 837374"/>
-                <a:gd name="connsiteY6" fmla="*/ 553194 h 839686"/>
-                <a:gd name="connsiteX7" fmla="*/ 37687 w 837374"/>
-                <a:gd name="connsiteY7" fmla="*/ 596056 h 839686"/>
-                <a:gd name="connsiteX8" fmla="*/ 9112 w 837374"/>
-                <a:gd name="connsiteY8" fmla="*/ 744646 h 839686"/>
-                <a:gd name="connsiteX9" fmla="*/ 94837 w 837374"/>
-                <a:gd name="connsiteY9" fmla="*/ 658921 h 839686"/>
-                <a:gd name="connsiteX10" fmla="*/ 161512 w 837374"/>
-                <a:gd name="connsiteY10" fmla="*/ 677019 h 839686"/>
-                <a:gd name="connsiteX11" fmla="*/ 179610 w 837374"/>
-                <a:gd name="connsiteY11" fmla="*/ 744646 h 839686"/>
-                <a:gd name="connsiteX12" fmla="*/ 93885 w 837374"/>
-                <a:gd name="connsiteY12" fmla="*/ 830371 h 839686"/>
-                <a:gd name="connsiteX13" fmla="*/ 243427 w 837374"/>
-                <a:gd name="connsiteY13" fmla="*/ 801796 h 839686"/>
-                <a:gd name="connsiteX14" fmla="*/ 285337 w 837374"/>
-                <a:gd name="connsiteY14" fmla="*/ 656064 h 839686"/>
-                <a:gd name="connsiteX15" fmla="*/ 654907 w 837374"/>
-                <a:gd name="connsiteY15" fmla="*/ 286493 h 839686"/>
-                <a:gd name="connsiteX16" fmla="*/ 799687 w 837374"/>
-                <a:gd name="connsiteY16" fmla="*/ 243631 h 839686"/>
-                <a:gd name="connsiteX17" fmla="*/ 828262 w 837374"/>
-                <a:gd name="connsiteY17" fmla="*/ 95041 h 839686"/>
-                <a:gd name="connsiteX18" fmla="*/ 743490 w 837374"/>
-                <a:gd name="connsiteY18" fmla="*/ 180766 h 839686"/>
-              </a:gdLst>
-              <a:ahLst/>
-              <a:cxnLst>
-                <a:cxn ang="0">
-                  <a:pos x="connsiteX0" y="connsiteY0"/>
-                </a:cxn>
-                <a:cxn ang="0">
-                  <a:pos x="connsiteX1" y="connsiteY1"/>
-                </a:cxn>
-                <a:cxn ang="0">
-                  <a:pos x="connsiteX2" y="connsiteY2"/>
-                </a:cxn>
-                <a:cxn ang="0">
-                  <a:pos x="connsiteX3" y="connsiteY3"/>
-                </a:cxn>
-                <a:cxn ang="0">
-                  <a:pos x="connsiteX4" y="connsiteY4"/>
-                </a:cxn>
-                <a:cxn ang="0">
-                  <a:pos x="connsiteX5" y="connsiteY5"/>
-                </a:cxn>
-                <a:cxn ang="0">
-                  <a:pos x="connsiteX6" y="connsiteY6"/>
-                </a:cxn>
-                <a:cxn ang="0">
-                  <a:pos x="connsiteX7" y="connsiteY7"/>
-                </a:cxn>
-                <a:cxn ang="0">
-                  <a:pos x="connsiteX8" y="connsiteY8"/>
-                </a:cxn>
-                <a:cxn ang="0">
-                  <a:pos x="connsiteX9" y="connsiteY9"/>
-                </a:cxn>
-                <a:cxn ang="0">
-                  <a:pos x="connsiteX10" y="connsiteY10"/>
-                </a:cxn>
-                <a:cxn ang="0">
-                  <a:pos x="connsiteX11" y="connsiteY11"/>
-                </a:cxn>
-                <a:cxn ang="0">
-                  <a:pos x="connsiteX12" y="connsiteY12"/>
-                </a:cxn>
-                <a:cxn ang="0">
-                  <a:pos x="connsiteX13" y="connsiteY13"/>
-                </a:cxn>
-                <a:cxn ang="0">
-                  <a:pos x="connsiteX14" y="connsiteY14"/>
-                </a:cxn>
-                <a:cxn ang="0">
-                  <a:pos x="connsiteX15" y="connsiteY15"/>
-                </a:cxn>
-                <a:cxn ang="0">
-                  <a:pos x="connsiteX16" y="connsiteY16"/>
-                </a:cxn>
-                <a:cxn ang="0">
-                  <a:pos x="connsiteX17" y="connsiteY17"/>
-                </a:cxn>
-                <a:cxn ang="0">
-                  <a:pos x="connsiteX18" y="connsiteY18"/>
-                </a:cxn>
-              </a:cxnLst>
-              <a:rect l="l" t="t" r="r" b="b"/>
-              <a:pathLst>
-                <a:path w="837374" h="839686">
-                  <a:moveTo>
-                    <a:pt x="743490" y="180766"/>
-                  </a:moveTo>
-                  <a:lnTo>
-                    <a:pt x="675862" y="162668"/>
-                  </a:lnTo>
-                  <a:lnTo>
-                    <a:pt x="657765" y="95041"/>
-                  </a:lnTo>
-                  <a:lnTo>
-                    <a:pt x="743490" y="9316"/>
-                  </a:lnTo>
-                  <a:cubicBezTo>
-                    <a:pt x="692055" y="-9734"/>
-                    <a:pt x="634905" y="743"/>
-                    <a:pt x="593947" y="37891"/>
-                  </a:cubicBezTo>
-                  <a:cubicBezTo>
-                    <a:pt x="553942" y="75038"/>
-                    <a:pt x="536797" y="131236"/>
-                    <a:pt x="552037" y="183623"/>
-                  </a:cubicBezTo>
-                  <a:lnTo>
-                    <a:pt x="182467" y="553194"/>
-                  </a:lnTo>
-                  <a:cubicBezTo>
-                    <a:pt x="130080" y="538906"/>
-                    <a:pt x="73882" y="556051"/>
-                    <a:pt x="37687" y="596056"/>
-                  </a:cubicBezTo>
-                  <a:cubicBezTo>
-                    <a:pt x="1492" y="636061"/>
-                    <a:pt x="-9938" y="693211"/>
-                    <a:pt x="9112" y="744646"/>
-                  </a:cubicBezTo>
-                  <a:lnTo>
-                    <a:pt x="94837" y="658921"/>
-                  </a:lnTo>
-                  <a:lnTo>
-                    <a:pt x="161512" y="677019"/>
-                  </a:lnTo>
-                  <a:lnTo>
-                    <a:pt x="179610" y="744646"/>
-                  </a:lnTo>
-                  <a:lnTo>
-                    <a:pt x="93885" y="830371"/>
-                  </a:lnTo>
-                  <a:cubicBezTo>
-                    <a:pt x="145320" y="849421"/>
-                    <a:pt x="202470" y="838944"/>
-                    <a:pt x="243427" y="801796"/>
-                  </a:cubicBezTo>
-                  <a:cubicBezTo>
-                    <a:pt x="283432" y="764648"/>
-                    <a:pt x="300577" y="708451"/>
-                    <a:pt x="285337" y="656064"/>
-                  </a:cubicBezTo>
-                  <a:lnTo>
-                    <a:pt x="654907" y="286493"/>
-                  </a:lnTo>
-                  <a:cubicBezTo>
-                    <a:pt x="707295" y="300781"/>
-                    <a:pt x="763492" y="283636"/>
-                    <a:pt x="799687" y="243631"/>
-                  </a:cubicBezTo>
-                  <a:cubicBezTo>
-                    <a:pt x="835882" y="203626"/>
-                    <a:pt x="847312" y="146476"/>
-                    <a:pt x="828262" y="95041"/>
-                  </a:cubicBezTo>
-                  <a:lnTo>
-                    <a:pt x="743490" y="180766"/>
-                  </a:lnTo>
-                  <a:close/>
-                </a:path>
-              </a:pathLst>
-            </a:custGeom>
+            </a:prstGeom>
             <a:solidFill>
-              <a:srgbClr val="780019"/>
+              <a:srgbClr val="FFCC33"/>
             </a:solidFill>
-            <a:ln w="9525" cap="flat">
-              <a:noFill/>
-              <a:prstDash val="solid"/>
-              <a:miter/>
-            </a:ln>
           </p:spPr>
+          <p:style>
+            <a:lnRef idx="2">
+              <a:schemeClr val="accent1">
+                <a:shade val="50000"/>
+              </a:schemeClr>
+            </a:lnRef>
+            <a:fillRef idx="1">
+              <a:schemeClr val="accent1"/>
+            </a:fillRef>
+            <a:effectRef idx="0">
+              <a:schemeClr val="accent1"/>
+            </a:effectRef>
+            <a:fontRef idx="minor">
+              <a:schemeClr val="lt1"/>
+            </a:fontRef>
+          </p:style>
           <p:txBody>
             <a:bodyPr rtlCol="0" anchor="ctr"/>
             <a:lstStyle/>
             <a:p>
-              <a:endParaRPr lang="en-US"/>
+              <a:pPr algn="ctr"/>
+              <a:r>
+                <a:rPr lang="en-US" sz="3600" dirty="0">
+                  <a:solidFill>
+                    <a:srgbClr val="780019"/>
+                  </a:solidFill>
+                  <a:latin typeface="Arial" panose="020B0604020202020204" pitchFamily="34" charset="0"/>
+                  <a:cs typeface="Arial" panose="020B0604020202020204" pitchFamily="34" charset="0"/>
+                </a:rPr>
+                <a:t>Molecular Phenomena at Aqueous Interfaces</a:t>
+              </a:r>
             </a:p>
           </p:txBody>
         </p:sp>
         <p:sp>
           <p:nvSpPr>
-            <p:cNvPr id="19" name="Rectangle 18">
+            <p:cNvPr id="5" name="Rectangle: Rounded Corners 4">
               <a:extLst>
                 <a:ext uri="{FF2B5EF4-FFF2-40B4-BE49-F238E27FC236}">
-                  <a16:creationId xmlns:a16="http://schemas.microsoft.com/office/drawing/2014/main" id="{F9041E9E-8ACE-48AE-B4A8-A833BA179C80}"/>
+                  <a16:creationId xmlns:a16="http://schemas.microsoft.com/office/drawing/2014/main" id="{0A89D17F-2F5B-4D52-A6E6-BF73C0E7748B}"/>
                 </a:ext>
               </a:extLst>
             </p:cNvPr>
@@ -3810,7 +3418,477 @@
           </p:nvSpPr>
           <p:spPr>
             <a:xfrm>
-              <a:off x="4358875" y="3634049"/>
+              <a:off x="720544" y="3974475"/>
+              <a:ext cx="4288389" cy="2254216"/>
+            </a:xfrm>
+            <a:prstGeom prst="roundRect">
+              <a:avLst/>
+            </a:prstGeom>
+            <a:solidFill>
+              <a:srgbClr val="FFCC33"/>
+            </a:solidFill>
+          </p:spPr>
+          <p:style>
+            <a:lnRef idx="2">
+              <a:schemeClr val="accent1">
+                <a:shade val="50000"/>
+              </a:schemeClr>
+            </a:lnRef>
+            <a:fillRef idx="1">
+              <a:schemeClr val="accent1"/>
+            </a:fillRef>
+            <a:effectRef idx="0">
+              <a:schemeClr val="accent1"/>
+            </a:effectRef>
+            <a:fontRef idx="minor">
+              <a:schemeClr val="lt1"/>
+            </a:fontRef>
+          </p:style>
+          <p:txBody>
+            <a:bodyPr rtlCol="0" anchor="ctr"/>
+            <a:lstStyle/>
+            <a:p>
+              <a:pPr algn="ctr"/>
+              <a:r>
+                <a:rPr lang="en-US" sz="3600" dirty="0">
+                  <a:solidFill>
+                    <a:srgbClr val="780019"/>
+                  </a:solidFill>
+                  <a:latin typeface="Arial" panose="020B0604020202020204" pitchFamily="34" charset="0"/>
+                  <a:cs typeface="Arial" panose="020B0604020202020204" pitchFamily="34" charset="0"/>
+                </a:rPr>
+                <a:t>Molecular Simulations &amp; Machine Learning</a:t>
+              </a:r>
+            </a:p>
+          </p:txBody>
+        </p:sp>
+        <p:sp>
+          <p:nvSpPr>
+            <p:cNvPr id="6" name="Rectangle: Rounded Corners 5">
+              <a:extLst>
+                <a:ext uri="{FF2B5EF4-FFF2-40B4-BE49-F238E27FC236}">
+                  <a16:creationId xmlns:a16="http://schemas.microsoft.com/office/drawing/2014/main" id="{C5D43A14-59FA-41AE-86C5-18F6F4355354}"/>
+                </a:ext>
+              </a:extLst>
+            </p:cNvPr>
+            <p:cNvSpPr/>
+            <p:nvPr/>
+          </p:nvSpPr>
+          <p:spPr>
+            <a:xfrm>
+              <a:off x="7225617" y="3942391"/>
+              <a:ext cx="4288389" cy="2254216"/>
+            </a:xfrm>
+            <a:prstGeom prst="roundRect">
+              <a:avLst/>
+            </a:prstGeom>
+            <a:solidFill>
+              <a:srgbClr val="FFCC33"/>
+            </a:solidFill>
+          </p:spPr>
+          <p:style>
+            <a:lnRef idx="2">
+              <a:schemeClr val="accent1">
+                <a:shade val="50000"/>
+              </a:schemeClr>
+            </a:lnRef>
+            <a:fillRef idx="1">
+              <a:schemeClr val="accent1"/>
+            </a:fillRef>
+            <a:effectRef idx="0">
+              <a:schemeClr val="accent1"/>
+            </a:effectRef>
+            <a:fontRef idx="minor">
+              <a:schemeClr val="lt1"/>
+            </a:fontRef>
+          </p:style>
+          <p:txBody>
+            <a:bodyPr rtlCol="0" anchor="ctr"/>
+            <a:lstStyle/>
+            <a:p>
+              <a:pPr algn="ctr"/>
+              <a:r>
+                <a:rPr lang="en-US" sz="3600" dirty="0">
+                  <a:solidFill>
+                    <a:srgbClr val="780019"/>
+                  </a:solidFill>
+                  <a:latin typeface="Arial" panose="020B0604020202020204" pitchFamily="34" charset="0"/>
+                  <a:cs typeface="Arial" panose="020B0604020202020204" pitchFamily="34" charset="0"/>
+                </a:rPr>
+                <a:t>Advanced methods and software to study mechanisms</a:t>
+              </a:r>
+            </a:p>
+          </p:txBody>
+        </p:sp>
+        <p:sp>
+          <p:nvSpPr>
+            <p:cNvPr id="8" name="Rectangle 7">
+              <a:extLst>
+                <a:ext uri="{FF2B5EF4-FFF2-40B4-BE49-F238E27FC236}">
+                  <a16:creationId xmlns:a16="http://schemas.microsoft.com/office/drawing/2014/main" id="{6AF81367-D731-43AB-8913-54CC4B515938}"/>
+                </a:ext>
+              </a:extLst>
+            </p:cNvPr>
+            <p:cNvSpPr/>
+            <p:nvPr/>
+          </p:nvSpPr>
+          <p:spPr>
+            <a:xfrm>
+              <a:off x="4796434" y="2720567"/>
+              <a:ext cx="2613426" cy="898314"/>
+            </a:xfrm>
+            <a:prstGeom prst="rect">
+              <a:avLst/>
+            </a:prstGeom>
+            <a:solidFill>
+              <a:srgbClr val="780019"/>
+            </a:solidFill>
+            <a:scene3d>
+              <a:camera prst="orthographicFront"/>
+              <a:lightRig rig="threePt" dir="t"/>
+            </a:scene3d>
+            <a:sp3d>
+              <a:bevelT/>
+            </a:sp3d>
+          </p:spPr>
+          <p:style>
+            <a:lnRef idx="2">
+              <a:schemeClr val="accent1">
+                <a:shade val="50000"/>
+              </a:schemeClr>
+            </a:lnRef>
+            <a:fillRef idx="1">
+              <a:schemeClr val="accent1"/>
+            </a:fillRef>
+            <a:effectRef idx="0">
+              <a:schemeClr val="accent1"/>
+            </a:effectRef>
+            <a:fontRef idx="minor">
+              <a:schemeClr val="lt1"/>
+            </a:fontRef>
+          </p:style>
+          <p:txBody>
+            <a:bodyPr rtlCol="0" anchor="ctr"/>
+            <a:lstStyle/>
+            <a:p>
+              <a:pPr algn="ctr"/>
+              <a:r>
+                <a:rPr lang="en-US" sz="3600" dirty="0">
+                  <a:solidFill>
+                    <a:srgbClr val="FFCC33"/>
+                  </a:solidFill>
+                  <a:latin typeface="Arial" panose="020B0604020202020204" pitchFamily="34" charset="0"/>
+                  <a:cs typeface="Arial" panose="020B0604020202020204" pitchFamily="34" charset="0"/>
+                </a:rPr>
+                <a:t>SAMPEL</a:t>
+              </a:r>
+            </a:p>
+          </p:txBody>
+        </p:sp>
+        <p:grpSp>
+          <p:nvGrpSpPr>
+            <p:cNvPr id="23" name="Group 22">
+              <a:extLst>
+                <a:ext uri="{FF2B5EF4-FFF2-40B4-BE49-F238E27FC236}">
+                  <a16:creationId xmlns:a16="http://schemas.microsoft.com/office/drawing/2014/main" id="{7490DF72-05C5-4870-9D2A-BB66D0BE1410}"/>
+                </a:ext>
+              </a:extLst>
+            </p:cNvPr>
+            <p:cNvGrpSpPr/>
+            <p:nvPr/>
+          </p:nvGrpSpPr>
+          <p:grpSpPr>
+            <a:xfrm>
+              <a:off x="4727843" y="5708916"/>
+              <a:ext cx="974558" cy="962013"/>
+              <a:chOff x="4358875" y="3634049"/>
+              <a:chExt cx="974558" cy="962013"/>
+            </a:xfrm>
+          </p:grpSpPr>
+          <p:sp>
+            <p:nvSpPr>
+              <p:cNvPr id="18" name="Graphic 13" descr="Wrench with solid fill">
+                <a:extLst>
+                  <a:ext uri="{FF2B5EF4-FFF2-40B4-BE49-F238E27FC236}">
+                    <a16:creationId xmlns:a16="http://schemas.microsoft.com/office/drawing/2014/main" id="{F9BB96D2-F97A-46A3-9398-19B18ADDA3E1}"/>
+                  </a:ext>
+                </a:extLst>
+              </p:cNvPr>
+              <p:cNvSpPr/>
+              <p:nvPr/>
+            </p:nvSpPr>
+            <p:spPr>
+              <a:xfrm>
+                <a:off x="4427466" y="3707031"/>
+                <a:ext cx="837374" cy="839686"/>
+              </a:xfrm>
+              <a:custGeom>
+                <a:avLst/>
+                <a:gdLst>
+                  <a:gd name="connsiteX0" fmla="*/ 743490 w 837374"/>
+                  <a:gd name="connsiteY0" fmla="*/ 180766 h 839686"/>
+                  <a:gd name="connsiteX1" fmla="*/ 675862 w 837374"/>
+                  <a:gd name="connsiteY1" fmla="*/ 162668 h 839686"/>
+                  <a:gd name="connsiteX2" fmla="*/ 657765 w 837374"/>
+                  <a:gd name="connsiteY2" fmla="*/ 95041 h 839686"/>
+                  <a:gd name="connsiteX3" fmla="*/ 743490 w 837374"/>
+                  <a:gd name="connsiteY3" fmla="*/ 9316 h 839686"/>
+                  <a:gd name="connsiteX4" fmla="*/ 593947 w 837374"/>
+                  <a:gd name="connsiteY4" fmla="*/ 37891 h 839686"/>
+                  <a:gd name="connsiteX5" fmla="*/ 552037 w 837374"/>
+                  <a:gd name="connsiteY5" fmla="*/ 183623 h 839686"/>
+                  <a:gd name="connsiteX6" fmla="*/ 182467 w 837374"/>
+                  <a:gd name="connsiteY6" fmla="*/ 553194 h 839686"/>
+                  <a:gd name="connsiteX7" fmla="*/ 37687 w 837374"/>
+                  <a:gd name="connsiteY7" fmla="*/ 596056 h 839686"/>
+                  <a:gd name="connsiteX8" fmla="*/ 9112 w 837374"/>
+                  <a:gd name="connsiteY8" fmla="*/ 744646 h 839686"/>
+                  <a:gd name="connsiteX9" fmla="*/ 94837 w 837374"/>
+                  <a:gd name="connsiteY9" fmla="*/ 658921 h 839686"/>
+                  <a:gd name="connsiteX10" fmla="*/ 161512 w 837374"/>
+                  <a:gd name="connsiteY10" fmla="*/ 677019 h 839686"/>
+                  <a:gd name="connsiteX11" fmla="*/ 179610 w 837374"/>
+                  <a:gd name="connsiteY11" fmla="*/ 744646 h 839686"/>
+                  <a:gd name="connsiteX12" fmla="*/ 93885 w 837374"/>
+                  <a:gd name="connsiteY12" fmla="*/ 830371 h 839686"/>
+                  <a:gd name="connsiteX13" fmla="*/ 243427 w 837374"/>
+                  <a:gd name="connsiteY13" fmla="*/ 801796 h 839686"/>
+                  <a:gd name="connsiteX14" fmla="*/ 285337 w 837374"/>
+                  <a:gd name="connsiteY14" fmla="*/ 656064 h 839686"/>
+                  <a:gd name="connsiteX15" fmla="*/ 654907 w 837374"/>
+                  <a:gd name="connsiteY15" fmla="*/ 286493 h 839686"/>
+                  <a:gd name="connsiteX16" fmla="*/ 799687 w 837374"/>
+                  <a:gd name="connsiteY16" fmla="*/ 243631 h 839686"/>
+                  <a:gd name="connsiteX17" fmla="*/ 828262 w 837374"/>
+                  <a:gd name="connsiteY17" fmla="*/ 95041 h 839686"/>
+                  <a:gd name="connsiteX18" fmla="*/ 743490 w 837374"/>
+                  <a:gd name="connsiteY18" fmla="*/ 180766 h 839686"/>
+                </a:gdLst>
+                <a:ahLst/>
+                <a:cxnLst>
+                  <a:cxn ang="0">
+                    <a:pos x="connsiteX0" y="connsiteY0"/>
+                  </a:cxn>
+                  <a:cxn ang="0">
+                    <a:pos x="connsiteX1" y="connsiteY1"/>
+                  </a:cxn>
+                  <a:cxn ang="0">
+                    <a:pos x="connsiteX2" y="connsiteY2"/>
+                  </a:cxn>
+                  <a:cxn ang="0">
+                    <a:pos x="connsiteX3" y="connsiteY3"/>
+                  </a:cxn>
+                  <a:cxn ang="0">
+                    <a:pos x="connsiteX4" y="connsiteY4"/>
+                  </a:cxn>
+                  <a:cxn ang="0">
+                    <a:pos x="connsiteX5" y="connsiteY5"/>
+                  </a:cxn>
+                  <a:cxn ang="0">
+                    <a:pos x="connsiteX6" y="connsiteY6"/>
+                  </a:cxn>
+                  <a:cxn ang="0">
+                    <a:pos x="connsiteX7" y="connsiteY7"/>
+                  </a:cxn>
+                  <a:cxn ang="0">
+                    <a:pos x="connsiteX8" y="connsiteY8"/>
+                  </a:cxn>
+                  <a:cxn ang="0">
+                    <a:pos x="connsiteX9" y="connsiteY9"/>
+                  </a:cxn>
+                  <a:cxn ang="0">
+                    <a:pos x="connsiteX10" y="connsiteY10"/>
+                  </a:cxn>
+                  <a:cxn ang="0">
+                    <a:pos x="connsiteX11" y="connsiteY11"/>
+                  </a:cxn>
+                  <a:cxn ang="0">
+                    <a:pos x="connsiteX12" y="connsiteY12"/>
+                  </a:cxn>
+                  <a:cxn ang="0">
+                    <a:pos x="connsiteX13" y="connsiteY13"/>
+                  </a:cxn>
+                  <a:cxn ang="0">
+                    <a:pos x="connsiteX14" y="connsiteY14"/>
+                  </a:cxn>
+                  <a:cxn ang="0">
+                    <a:pos x="connsiteX15" y="connsiteY15"/>
+                  </a:cxn>
+                  <a:cxn ang="0">
+                    <a:pos x="connsiteX16" y="connsiteY16"/>
+                  </a:cxn>
+                  <a:cxn ang="0">
+                    <a:pos x="connsiteX17" y="connsiteY17"/>
+                  </a:cxn>
+                  <a:cxn ang="0">
+                    <a:pos x="connsiteX18" y="connsiteY18"/>
+                  </a:cxn>
+                </a:cxnLst>
+                <a:rect l="l" t="t" r="r" b="b"/>
+                <a:pathLst>
+                  <a:path w="837374" h="839686">
+                    <a:moveTo>
+                      <a:pt x="743490" y="180766"/>
+                    </a:moveTo>
+                    <a:lnTo>
+                      <a:pt x="675862" y="162668"/>
+                    </a:lnTo>
+                    <a:lnTo>
+                      <a:pt x="657765" y="95041"/>
+                    </a:lnTo>
+                    <a:lnTo>
+                      <a:pt x="743490" y="9316"/>
+                    </a:lnTo>
+                    <a:cubicBezTo>
+                      <a:pt x="692055" y="-9734"/>
+                      <a:pt x="634905" y="743"/>
+                      <a:pt x="593947" y="37891"/>
+                    </a:cubicBezTo>
+                    <a:cubicBezTo>
+                      <a:pt x="553942" y="75038"/>
+                      <a:pt x="536797" y="131236"/>
+                      <a:pt x="552037" y="183623"/>
+                    </a:cubicBezTo>
+                    <a:lnTo>
+                      <a:pt x="182467" y="553194"/>
+                    </a:lnTo>
+                    <a:cubicBezTo>
+                      <a:pt x="130080" y="538906"/>
+                      <a:pt x="73882" y="556051"/>
+                      <a:pt x="37687" y="596056"/>
+                    </a:cubicBezTo>
+                    <a:cubicBezTo>
+                      <a:pt x="1492" y="636061"/>
+                      <a:pt x="-9938" y="693211"/>
+                      <a:pt x="9112" y="744646"/>
+                    </a:cubicBezTo>
+                    <a:lnTo>
+                      <a:pt x="94837" y="658921"/>
+                    </a:lnTo>
+                    <a:lnTo>
+                      <a:pt x="161512" y="677019"/>
+                    </a:lnTo>
+                    <a:lnTo>
+                      <a:pt x="179610" y="744646"/>
+                    </a:lnTo>
+                    <a:lnTo>
+                      <a:pt x="93885" y="830371"/>
+                    </a:lnTo>
+                    <a:cubicBezTo>
+                      <a:pt x="145320" y="849421"/>
+                      <a:pt x="202470" y="838944"/>
+                      <a:pt x="243427" y="801796"/>
+                    </a:cubicBezTo>
+                    <a:cubicBezTo>
+                      <a:pt x="283432" y="764648"/>
+                      <a:pt x="300577" y="708451"/>
+                      <a:pt x="285337" y="656064"/>
+                    </a:cubicBezTo>
+                    <a:lnTo>
+                      <a:pt x="654907" y="286493"/>
+                    </a:lnTo>
+                    <a:cubicBezTo>
+                      <a:pt x="707295" y="300781"/>
+                      <a:pt x="763492" y="283636"/>
+                      <a:pt x="799687" y="243631"/>
+                    </a:cubicBezTo>
+                    <a:cubicBezTo>
+                      <a:pt x="835882" y="203626"/>
+                      <a:pt x="847312" y="146476"/>
+                      <a:pt x="828262" y="95041"/>
+                    </a:cubicBezTo>
+                    <a:lnTo>
+                      <a:pt x="743490" y="180766"/>
+                    </a:lnTo>
+                    <a:close/>
+                  </a:path>
+                </a:pathLst>
+              </a:custGeom>
+              <a:solidFill>
+                <a:srgbClr val="780019"/>
+              </a:solidFill>
+              <a:ln w="9525" cap="flat">
+                <a:noFill/>
+                <a:prstDash val="solid"/>
+                <a:miter/>
+              </a:ln>
+            </p:spPr>
+            <p:txBody>
+              <a:bodyPr rtlCol="0" anchor="ctr"/>
+              <a:lstStyle/>
+              <a:p>
+                <a:endParaRPr lang="en-US"/>
+              </a:p>
+            </p:txBody>
+          </p:sp>
+          <p:sp>
+            <p:nvSpPr>
+              <p:cNvPr id="19" name="Rectangle 18">
+                <a:extLst>
+                  <a:ext uri="{FF2B5EF4-FFF2-40B4-BE49-F238E27FC236}">
+                    <a16:creationId xmlns:a16="http://schemas.microsoft.com/office/drawing/2014/main" id="{F9041E9E-8ACE-48AE-B4A8-A833BA179C80}"/>
+                  </a:ext>
+                </a:extLst>
+              </p:cNvPr>
+              <p:cNvSpPr/>
+              <p:nvPr/>
+            </p:nvSpPr>
+            <p:spPr>
+              <a:xfrm>
+                <a:off x="4358875" y="3634049"/>
+                <a:ext cx="974558" cy="962013"/>
+              </a:xfrm>
+              <a:prstGeom prst="rect">
+                <a:avLst/>
+              </a:prstGeom>
+              <a:noFill/>
+              <a:ln>
+                <a:solidFill>
+                  <a:schemeClr val="tx1"/>
+                </a:solidFill>
+              </a:ln>
+            </p:spPr>
+            <p:style>
+              <a:lnRef idx="2">
+                <a:schemeClr val="accent1">
+                  <a:shade val="50000"/>
+                </a:schemeClr>
+              </a:lnRef>
+              <a:fillRef idx="1">
+                <a:schemeClr val="accent1"/>
+              </a:fillRef>
+              <a:effectRef idx="0">
+                <a:schemeClr val="accent1"/>
+              </a:effectRef>
+              <a:fontRef idx="minor">
+                <a:schemeClr val="lt1"/>
+              </a:fontRef>
+            </p:style>
+            <p:txBody>
+              <a:bodyPr rtlCol="0" anchor="ctr"/>
+              <a:lstStyle/>
+              <a:p>
+                <a:pPr algn="ctr"/>
+                <a:endParaRPr lang="en-US"/>
+              </a:p>
+            </p:txBody>
+          </p:sp>
+        </p:grpSp>
+        <p:sp>
+          <p:nvSpPr>
+            <p:cNvPr id="21" name="Rectangle 20">
+              <a:extLst>
+                <a:ext uri="{FF2B5EF4-FFF2-40B4-BE49-F238E27FC236}">
+                  <a16:creationId xmlns:a16="http://schemas.microsoft.com/office/drawing/2014/main" id="{7049B988-0202-4671-8109-F45D4F7BAAFD}"/>
+                </a:ext>
+              </a:extLst>
+            </p:cNvPr>
+            <p:cNvSpPr/>
+            <p:nvPr/>
+          </p:nvSpPr>
+          <p:spPr>
+            <a:xfrm>
+              <a:off x="11217442" y="5700338"/>
               <a:ext cx="974558" cy="962013"/>
             </a:xfrm>
             <a:prstGeom prst="rect">
@@ -3848,85 +3926,124 @@
             </a:p>
           </p:txBody>
         </p:sp>
-      </p:grpSp>
-      <p:sp>
-        <p:nvSpPr>
-          <p:cNvPr id="21" name="Rectangle 20">
-            <a:extLst>
-              <a:ext uri="{FF2B5EF4-FFF2-40B4-BE49-F238E27FC236}">
-                <a16:creationId xmlns:a16="http://schemas.microsoft.com/office/drawing/2014/main" id="{7049B988-0202-4671-8109-F45D4F7BAAFD}"/>
-              </a:ext>
-            </a:extLst>
-          </p:cNvPr>
-          <p:cNvSpPr/>
-          <p:nvPr/>
-        </p:nvSpPr>
-        <p:spPr>
-          <a:xfrm>
-            <a:off x="11217442" y="5700338"/>
-            <a:ext cx="974558" cy="962013"/>
-          </a:xfrm>
-          <a:prstGeom prst="rect">
-            <a:avLst/>
-          </a:prstGeom>
-          <a:noFill/>
-          <a:ln>
-            <a:solidFill>
-              <a:schemeClr val="tx1"/>
-            </a:solidFill>
-          </a:ln>
-        </p:spPr>
-        <p:style>
-          <a:lnRef idx="2">
-            <a:schemeClr val="accent1">
-              <a:shade val="50000"/>
-            </a:schemeClr>
-          </a:lnRef>
-          <a:fillRef idx="1">
-            <a:schemeClr val="accent1"/>
-          </a:fillRef>
-          <a:effectRef idx="0">
-            <a:schemeClr val="accent1"/>
-          </a:effectRef>
-          <a:fontRef idx="minor">
-            <a:schemeClr val="lt1"/>
-          </a:fontRef>
-        </p:style>
-        <p:txBody>
-          <a:bodyPr rtlCol="0" anchor="ctr"/>
-          <a:lstStyle/>
-          <a:p>
-            <a:pPr algn="ctr"/>
-            <a:endParaRPr lang="en-US"/>
-          </a:p>
-        </p:txBody>
-      </p:sp>
-      <p:grpSp>
-        <p:nvGrpSpPr>
-          <p:cNvPr id="20" name="Group 19">
-            <a:extLst>
-              <a:ext uri="{FF2B5EF4-FFF2-40B4-BE49-F238E27FC236}">
-                <a16:creationId xmlns:a16="http://schemas.microsoft.com/office/drawing/2014/main" id="{49629430-B553-45A5-90BC-9550C43D53E6}"/>
-              </a:ext>
-            </a:extLst>
-          </p:cNvPr>
-          <p:cNvGrpSpPr/>
-          <p:nvPr/>
-        </p:nvGrpSpPr>
-        <p:grpSpPr>
-          <a:xfrm>
-            <a:off x="7628589" y="1764726"/>
-            <a:ext cx="974558" cy="962013"/>
-            <a:chOff x="7650079" y="1825389"/>
-            <a:chExt cx="974558" cy="962013"/>
-          </a:xfrm>
-        </p:grpSpPr>
+        <p:grpSp>
+          <p:nvGrpSpPr>
+            <p:cNvPr id="20" name="Group 19">
+              <a:extLst>
+                <a:ext uri="{FF2B5EF4-FFF2-40B4-BE49-F238E27FC236}">
+                  <a16:creationId xmlns:a16="http://schemas.microsoft.com/office/drawing/2014/main" id="{49629430-B553-45A5-90BC-9550C43D53E6}"/>
+                </a:ext>
+              </a:extLst>
+            </p:cNvPr>
+            <p:cNvGrpSpPr/>
+            <p:nvPr/>
+          </p:nvGrpSpPr>
+          <p:grpSpPr>
+            <a:xfrm>
+              <a:off x="7628589" y="1764726"/>
+              <a:ext cx="974558" cy="962013"/>
+              <a:chOff x="7650079" y="1825389"/>
+              <a:chExt cx="974558" cy="962013"/>
+            </a:xfrm>
+          </p:grpSpPr>
+          <p:pic>
+            <p:nvPicPr>
+              <p:cNvPr id="12" name="Graphic 11" descr="Search Inventory with solid fill">
+                <a:extLst>
+                  <a:ext uri="{FF2B5EF4-FFF2-40B4-BE49-F238E27FC236}">
+                    <a16:creationId xmlns:a16="http://schemas.microsoft.com/office/drawing/2014/main" id="{98FCCB3A-2319-4271-B6AE-E9B1F4AF54B5}"/>
+                  </a:ext>
+                </a:extLst>
+              </p:cNvPr>
+              <p:cNvPicPr>
+                <a:picLocks noChangeAspect="1"/>
+              </p:cNvPicPr>
+              <p:nvPr/>
+            </p:nvPicPr>
+            <p:blipFill>
+              <a:blip r:embed="rId2">
+                <a:extLst>
+                  <a:ext uri="{28A0092B-C50C-407E-A947-70E740481C1C}">
+                    <a14:useLocalDpi xmlns:a14="http://schemas.microsoft.com/office/drawing/2010/main" val="0"/>
+                  </a:ext>
+                  <a:ext uri="{96DAC541-7B7A-43D3-8B79-37D633B846F1}">
+                    <asvg:svgBlip xmlns:asvg="http://schemas.microsoft.com/office/drawing/2016/SVG/main" r:embed="rId3"/>
+                  </a:ext>
+                </a:extLst>
+              </a:blip>
+              <a:stretch>
+                <a:fillRect/>
+              </a:stretch>
+            </p:blipFill>
+            <p:spPr>
+              <a:xfrm>
+                <a:off x="7666189" y="1860883"/>
+                <a:ext cx="920347" cy="920347"/>
+              </a:xfrm>
+              <a:prstGeom prst="rect">
+                <a:avLst/>
+              </a:prstGeom>
+            </p:spPr>
+          </p:pic>
+          <p:sp>
+            <p:nvSpPr>
+              <p:cNvPr id="22" name="Rectangle 21">
+                <a:extLst>
+                  <a:ext uri="{FF2B5EF4-FFF2-40B4-BE49-F238E27FC236}">
+                    <a16:creationId xmlns:a16="http://schemas.microsoft.com/office/drawing/2014/main" id="{4C227C38-F164-4E77-B726-65E40DACBB8B}"/>
+                  </a:ext>
+                </a:extLst>
+              </p:cNvPr>
+              <p:cNvSpPr/>
+              <p:nvPr/>
+            </p:nvSpPr>
+            <p:spPr>
+              <a:xfrm>
+                <a:off x="7650079" y="1825389"/>
+                <a:ext cx="974558" cy="962013"/>
+              </a:xfrm>
+              <a:prstGeom prst="rect">
+                <a:avLst/>
+              </a:prstGeom>
+              <a:noFill/>
+              <a:ln>
+                <a:solidFill>
+                  <a:schemeClr val="tx1"/>
+                </a:solidFill>
+              </a:ln>
+            </p:spPr>
+            <p:style>
+              <a:lnRef idx="2">
+                <a:schemeClr val="accent1">
+                  <a:shade val="50000"/>
+                </a:schemeClr>
+              </a:lnRef>
+              <a:fillRef idx="1">
+                <a:schemeClr val="accent1"/>
+              </a:fillRef>
+              <a:effectRef idx="0">
+                <a:schemeClr val="accent1"/>
+              </a:effectRef>
+              <a:fontRef idx="minor">
+                <a:schemeClr val="lt1"/>
+              </a:fontRef>
+            </p:style>
+            <p:txBody>
+              <a:bodyPr rtlCol="0" anchor="ctr"/>
+              <a:lstStyle/>
+              <a:p>
+                <a:pPr algn="ctr"/>
+                <a:endParaRPr lang="en-US"/>
+              </a:p>
+            </p:txBody>
+          </p:sp>
+        </p:grpSp>
         <p:pic>
           <p:nvPicPr>
-            <p:cNvPr id="12" name="Graphic 11" descr="Search Inventory with solid fill">
+            <p:cNvPr id="26" name="Graphic 25" descr="Lightbulb and gear with solid fill">
               <a:extLst>
                 <a:ext uri="{FF2B5EF4-FFF2-40B4-BE49-F238E27FC236}">
-                  <a16:creationId xmlns:a16="http://schemas.microsoft.com/office/drawing/2014/main" id="{98FCCB3A-2319-4271-B6AE-E9B1F4AF54B5}"/>
+                  <a16:creationId xmlns:a16="http://schemas.microsoft.com/office/drawing/2014/main" id="{0DBB2E0F-D9E7-4497-8B64-FD61226F89DC}"/>
                 </a:ext>
               </a:extLst>
             </p:cNvPr>
@@ -3936,13 +4053,13 @@
             <p:nvPr/>
           </p:nvPicPr>
           <p:blipFill>
-            <a:blip r:embed="rId2">
+            <a:blip r:embed="rId4">
               <a:extLst>
                 <a:ext uri="{28A0092B-C50C-407E-A947-70E740481C1C}">
                   <a14:useLocalDpi xmlns:a14="http://schemas.microsoft.com/office/drawing/2010/main" val="0"/>
                 </a:ext>
                 <a:ext uri="{96DAC541-7B7A-43D3-8B79-37D633B846F1}">
-                  <asvg:svgBlip xmlns:asvg="http://schemas.microsoft.com/office/drawing/2016/SVG/main" r:embed="rId3"/>
+                  <asvg:svgBlip xmlns:asvg="http://schemas.microsoft.com/office/drawing/2016/SVG/main" r:embed="rId5"/>
                 </a:ext>
               </a:extLst>
             </a:blip>
@@ -3952,106 +4069,15 @@
           </p:blipFill>
           <p:spPr>
             <a:xfrm>
-              <a:off x="7666189" y="1860883"/>
-              <a:ext cx="920347" cy="920347"/>
+              <a:off x="11277600" y="5708916"/>
+              <a:ext cx="914400" cy="914400"/>
             </a:xfrm>
             <a:prstGeom prst="rect">
               <a:avLst/>
             </a:prstGeom>
           </p:spPr>
         </p:pic>
-        <p:sp>
-          <p:nvSpPr>
-            <p:cNvPr id="22" name="Rectangle 21">
-              <a:extLst>
-                <a:ext uri="{FF2B5EF4-FFF2-40B4-BE49-F238E27FC236}">
-                  <a16:creationId xmlns:a16="http://schemas.microsoft.com/office/drawing/2014/main" id="{4C227C38-F164-4E77-B726-65E40DACBB8B}"/>
-                </a:ext>
-              </a:extLst>
-            </p:cNvPr>
-            <p:cNvSpPr/>
-            <p:nvPr/>
-          </p:nvSpPr>
-          <p:spPr>
-            <a:xfrm>
-              <a:off x="7650079" y="1825389"/>
-              <a:ext cx="974558" cy="962013"/>
-            </a:xfrm>
-            <a:prstGeom prst="rect">
-              <a:avLst/>
-            </a:prstGeom>
-            <a:noFill/>
-            <a:ln>
-              <a:solidFill>
-                <a:schemeClr val="tx1"/>
-              </a:solidFill>
-            </a:ln>
-          </p:spPr>
-          <p:style>
-            <a:lnRef idx="2">
-              <a:schemeClr val="accent1">
-                <a:shade val="50000"/>
-              </a:schemeClr>
-            </a:lnRef>
-            <a:fillRef idx="1">
-              <a:schemeClr val="accent1"/>
-            </a:fillRef>
-            <a:effectRef idx="0">
-              <a:schemeClr val="accent1"/>
-            </a:effectRef>
-            <a:fontRef idx="minor">
-              <a:schemeClr val="lt1"/>
-            </a:fontRef>
-          </p:style>
-          <p:txBody>
-            <a:bodyPr rtlCol="0" anchor="ctr"/>
-            <a:lstStyle/>
-            <a:p>
-              <a:pPr algn="ctr"/>
-              <a:endParaRPr lang="en-US"/>
-            </a:p>
-          </p:txBody>
-        </p:sp>
       </p:grpSp>
-      <p:pic>
-        <p:nvPicPr>
-          <p:cNvPr id="26" name="Graphic 25" descr="Lightbulb and gear with solid fill">
-            <a:extLst>
-              <a:ext uri="{FF2B5EF4-FFF2-40B4-BE49-F238E27FC236}">
-                <a16:creationId xmlns:a16="http://schemas.microsoft.com/office/drawing/2014/main" id="{0DBB2E0F-D9E7-4497-8B64-FD61226F89DC}"/>
-              </a:ext>
-            </a:extLst>
-          </p:cNvPr>
-          <p:cNvPicPr>
-            <a:picLocks noChangeAspect="1"/>
-          </p:cNvPicPr>
-          <p:nvPr/>
-        </p:nvPicPr>
-        <p:blipFill>
-          <a:blip r:embed="rId4">
-            <a:extLst>
-              <a:ext uri="{28A0092B-C50C-407E-A947-70E740481C1C}">
-                <a14:useLocalDpi xmlns:a14="http://schemas.microsoft.com/office/drawing/2010/main" val="0"/>
-              </a:ext>
-              <a:ext uri="{96DAC541-7B7A-43D3-8B79-37D633B846F1}">
-                <asvg:svgBlip xmlns:asvg="http://schemas.microsoft.com/office/drawing/2016/SVG/main" r:embed="rId5"/>
-              </a:ext>
-            </a:extLst>
-          </a:blip>
-          <a:stretch>
-            <a:fillRect/>
-          </a:stretch>
-        </p:blipFill>
-        <p:spPr>
-          <a:xfrm>
-            <a:off x="11277600" y="5708916"/>
-            <a:ext cx="914400" cy="914400"/>
-          </a:xfrm>
-          <a:prstGeom prst="rect">
-            <a:avLst/>
-          </a:prstGeom>
-        </p:spPr>
-      </p:pic>
     </p:spTree>
     <p:extLst>
       <p:ext uri="{BB962C8B-B14F-4D97-AF65-F5344CB8AC3E}">

--- a/Data/cover_image.pptx
+++ b/Data/cover_image.pptx
@@ -259,7 +259,7 @@
           <a:p>
             <a:fld id="{D0F1932F-1C99-447E-95F3-773EBA18C860}" type="datetimeFigureOut">
               <a:rPr lang="en-US" smtClean="0"/>
-              <a:t>3/17/2022</a:t>
+              <a:t>3/21/22</a:t>
             </a:fld>
             <a:endParaRPr lang="en-US"/>
           </a:p>
@@ -457,7 +457,7 @@
           <a:p>
             <a:fld id="{D0F1932F-1C99-447E-95F3-773EBA18C860}" type="datetimeFigureOut">
               <a:rPr lang="en-US" smtClean="0"/>
-              <a:t>3/17/2022</a:t>
+              <a:t>3/21/22</a:t>
             </a:fld>
             <a:endParaRPr lang="en-US"/>
           </a:p>
@@ -665,7 +665,7 @@
           <a:p>
             <a:fld id="{D0F1932F-1C99-447E-95F3-773EBA18C860}" type="datetimeFigureOut">
               <a:rPr lang="en-US" smtClean="0"/>
-              <a:t>3/17/2022</a:t>
+              <a:t>3/21/22</a:t>
             </a:fld>
             <a:endParaRPr lang="en-US"/>
           </a:p>
@@ -863,7 +863,7 @@
           <a:p>
             <a:fld id="{D0F1932F-1C99-447E-95F3-773EBA18C860}" type="datetimeFigureOut">
               <a:rPr lang="en-US" smtClean="0"/>
-              <a:t>3/17/2022</a:t>
+              <a:t>3/21/22</a:t>
             </a:fld>
             <a:endParaRPr lang="en-US"/>
           </a:p>
@@ -1138,7 +1138,7 @@
           <a:p>
             <a:fld id="{D0F1932F-1C99-447E-95F3-773EBA18C860}" type="datetimeFigureOut">
               <a:rPr lang="en-US" smtClean="0"/>
-              <a:t>3/17/2022</a:t>
+              <a:t>3/21/22</a:t>
             </a:fld>
             <a:endParaRPr lang="en-US"/>
           </a:p>
@@ -1403,7 +1403,7 @@
           <a:p>
             <a:fld id="{D0F1932F-1C99-447E-95F3-773EBA18C860}" type="datetimeFigureOut">
               <a:rPr lang="en-US" smtClean="0"/>
-              <a:t>3/17/2022</a:t>
+              <a:t>3/21/22</a:t>
             </a:fld>
             <a:endParaRPr lang="en-US"/>
           </a:p>
@@ -1815,7 +1815,7 @@
           <a:p>
             <a:fld id="{D0F1932F-1C99-447E-95F3-773EBA18C860}" type="datetimeFigureOut">
               <a:rPr lang="en-US" smtClean="0"/>
-              <a:t>3/17/2022</a:t>
+              <a:t>3/21/22</a:t>
             </a:fld>
             <a:endParaRPr lang="en-US"/>
           </a:p>
@@ -1956,7 +1956,7 @@
           <a:p>
             <a:fld id="{D0F1932F-1C99-447E-95F3-773EBA18C860}" type="datetimeFigureOut">
               <a:rPr lang="en-US" smtClean="0"/>
-              <a:t>3/17/2022</a:t>
+              <a:t>3/21/22</a:t>
             </a:fld>
             <a:endParaRPr lang="en-US"/>
           </a:p>
@@ -2069,7 +2069,7 @@
           <a:p>
             <a:fld id="{D0F1932F-1C99-447E-95F3-773EBA18C860}" type="datetimeFigureOut">
               <a:rPr lang="en-US" smtClean="0"/>
-              <a:t>3/17/2022</a:t>
+              <a:t>3/21/22</a:t>
             </a:fld>
             <a:endParaRPr lang="en-US"/>
           </a:p>
@@ -2380,7 +2380,7 @@
           <a:p>
             <a:fld id="{D0F1932F-1C99-447E-95F3-773EBA18C860}" type="datetimeFigureOut">
               <a:rPr lang="en-US" smtClean="0"/>
-              <a:t>3/17/2022</a:t>
+              <a:t>3/21/22</a:t>
             </a:fld>
             <a:endParaRPr lang="en-US"/>
           </a:p>
@@ -2668,7 +2668,7 @@
           <a:p>
             <a:fld id="{D0F1932F-1C99-447E-95F3-773EBA18C860}" type="datetimeFigureOut">
               <a:rPr lang="en-US" smtClean="0"/>
-              <a:t>3/17/2022</a:t>
+              <a:t>3/21/22</a:t>
             </a:fld>
             <a:endParaRPr lang="en-US"/>
           </a:p>
@@ -2909,7 +2909,7 @@
           <a:p>
             <a:fld id="{D0F1932F-1C99-447E-95F3-773EBA18C860}" type="datetimeFigureOut">
               <a:rPr lang="en-US" smtClean="0"/>
-              <a:t>3/17/2022</a:t>
+              <a:t>3/21/22</a:t>
             </a:fld>
             <a:endParaRPr lang="en-US"/>
           </a:p>
@@ -3399,7 +3399,7 @@
                   <a:latin typeface="Arial" panose="020B0604020202020204" pitchFamily="34" charset="0"/>
                   <a:cs typeface="Arial" panose="020B0604020202020204" pitchFamily="34" charset="0"/>
                 </a:rPr>
-                <a:t>Molecular Phenomena at Aqueous Interfaces</a:t>
+                <a:t>Molecular Phenomena in Aqueous Systems</a:t>
               </a:r>
             </a:p>
           </p:txBody>
@@ -3515,7 +3515,7 @@
                   <a:latin typeface="Arial" panose="020B0604020202020204" pitchFamily="34" charset="0"/>
                   <a:cs typeface="Arial" panose="020B0604020202020204" pitchFamily="34" charset="0"/>
                 </a:rPr>
-                <a:t>Advanced methods and software to study mechanisms</a:t>
+                <a:t>Advanced Methods and Software to Study Mechanisms</a:t>
               </a:r>
             </a:p>
           </p:txBody>
@@ -3940,9 +3940,9 @@
           </p:nvGrpSpPr>
           <p:grpSpPr>
             <a:xfrm>
-              <a:off x="7628589" y="1764726"/>
+              <a:off x="7693905" y="2004212"/>
               <a:ext cx="974558" cy="962013"/>
-              <a:chOff x="7650079" y="1825389"/>
+              <a:chOff x="7715395" y="2064875"/>
               <a:chExt cx="974558" cy="962013"/>
             </a:xfrm>
           </p:grpSpPr>
@@ -3977,7 +3977,7 @@
             </p:blipFill>
             <p:spPr>
               <a:xfrm>
-                <a:off x="7666189" y="1860883"/>
+                <a:off x="7742500" y="2085707"/>
                 <a:ext cx="920347" cy="920347"/>
               </a:xfrm>
               <a:prstGeom prst="rect">
@@ -3999,7 +3999,7 @@
             </p:nvSpPr>
             <p:spPr>
               <a:xfrm>
-                <a:off x="7650079" y="1825389"/>
+                <a:off x="7715395" y="2064875"/>
                 <a:ext cx="974558" cy="962013"/>
               </a:xfrm>
               <a:prstGeom prst="rect">

--- a/Data/cover_image.pptx
+++ b/Data/cover_image.pptx
@@ -3515,7 +3515,7 @@
                   <a:latin typeface="Arial" panose="020B0604020202020204" pitchFamily="34" charset="0"/>
                   <a:cs typeface="Arial" panose="020B0604020202020204" pitchFamily="34" charset="0"/>
                 </a:rPr>
-                <a:t>Advanced Methods and Software to Study Mechanisms</a:t>
+                <a:t>Advanced Methods &amp; Software to Study Mechanisms</a:t>
               </a:r>
             </a:p>
           </p:txBody>

--- a/Data/cover_image.pptx
+++ b/Data/cover_image.pptx
@@ -6,6 +6,9 @@
   </p:sldMasterIdLst>
   <p:sldIdLst>
     <p:sldId id="256" r:id="rId2"/>
+    <p:sldId id="258" r:id="rId3"/>
+    <p:sldId id="259" r:id="rId4"/>
+    <p:sldId id="260" r:id="rId5"/>
   </p:sldIdLst>
   <p:sldSz cx="12192000" cy="6858000"/>
   <p:notesSz cx="6858000" cy="9144000"/>
@@ -259,7 +262,7 @@
           <a:p>
             <a:fld id="{D0F1932F-1C99-447E-95F3-773EBA18C860}" type="datetimeFigureOut">
               <a:rPr lang="en-US" smtClean="0"/>
-              <a:t>3/21/22</a:t>
+              <a:t>8/17/22</a:t>
             </a:fld>
             <a:endParaRPr lang="en-US"/>
           </a:p>
@@ -457,7 +460,7 @@
           <a:p>
             <a:fld id="{D0F1932F-1C99-447E-95F3-773EBA18C860}" type="datetimeFigureOut">
               <a:rPr lang="en-US" smtClean="0"/>
-              <a:t>3/21/22</a:t>
+              <a:t>8/17/22</a:t>
             </a:fld>
             <a:endParaRPr lang="en-US"/>
           </a:p>
@@ -665,7 +668,7 @@
           <a:p>
             <a:fld id="{D0F1932F-1C99-447E-95F3-773EBA18C860}" type="datetimeFigureOut">
               <a:rPr lang="en-US" smtClean="0"/>
-              <a:t>3/21/22</a:t>
+              <a:t>8/17/22</a:t>
             </a:fld>
             <a:endParaRPr lang="en-US"/>
           </a:p>
@@ -863,7 +866,7 @@
           <a:p>
             <a:fld id="{D0F1932F-1C99-447E-95F3-773EBA18C860}" type="datetimeFigureOut">
               <a:rPr lang="en-US" smtClean="0"/>
-              <a:t>3/21/22</a:t>
+              <a:t>8/17/22</a:t>
             </a:fld>
             <a:endParaRPr lang="en-US"/>
           </a:p>
@@ -1138,7 +1141,7 @@
           <a:p>
             <a:fld id="{D0F1932F-1C99-447E-95F3-773EBA18C860}" type="datetimeFigureOut">
               <a:rPr lang="en-US" smtClean="0"/>
-              <a:t>3/21/22</a:t>
+              <a:t>8/17/22</a:t>
             </a:fld>
             <a:endParaRPr lang="en-US"/>
           </a:p>
@@ -1403,7 +1406,7 @@
           <a:p>
             <a:fld id="{D0F1932F-1C99-447E-95F3-773EBA18C860}" type="datetimeFigureOut">
               <a:rPr lang="en-US" smtClean="0"/>
-              <a:t>3/21/22</a:t>
+              <a:t>8/17/22</a:t>
             </a:fld>
             <a:endParaRPr lang="en-US"/>
           </a:p>
@@ -1815,7 +1818,7 @@
           <a:p>
             <a:fld id="{D0F1932F-1C99-447E-95F3-773EBA18C860}" type="datetimeFigureOut">
               <a:rPr lang="en-US" smtClean="0"/>
-              <a:t>3/21/22</a:t>
+              <a:t>8/17/22</a:t>
             </a:fld>
             <a:endParaRPr lang="en-US"/>
           </a:p>
@@ -1956,7 +1959,7 @@
           <a:p>
             <a:fld id="{D0F1932F-1C99-447E-95F3-773EBA18C860}" type="datetimeFigureOut">
               <a:rPr lang="en-US" smtClean="0"/>
-              <a:t>3/21/22</a:t>
+              <a:t>8/17/22</a:t>
             </a:fld>
             <a:endParaRPr lang="en-US"/>
           </a:p>
@@ -2069,7 +2072,7 @@
           <a:p>
             <a:fld id="{D0F1932F-1C99-447E-95F3-773EBA18C860}" type="datetimeFigureOut">
               <a:rPr lang="en-US" smtClean="0"/>
-              <a:t>3/21/22</a:t>
+              <a:t>8/17/22</a:t>
             </a:fld>
             <a:endParaRPr lang="en-US"/>
           </a:p>
@@ -2380,7 +2383,7 @@
           <a:p>
             <a:fld id="{D0F1932F-1C99-447E-95F3-773EBA18C860}" type="datetimeFigureOut">
               <a:rPr lang="en-US" smtClean="0"/>
-              <a:t>3/21/22</a:t>
+              <a:t>8/17/22</a:t>
             </a:fld>
             <a:endParaRPr lang="en-US"/>
           </a:p>
@@ -2668,7 +2671,7 @@
           <a:p>
             <a:fld id="{D0F1932F-1C99-447E-95F3-773EBA18C860}" type="datetimeFigureOut">
               <a:rPr lang="en-US" smtClean="0"/>
-              <a:t>3/21/22</a:t>
+              <a:t>8/17/22</a:t>
             </a:fld>
             <a:endParaRPr lang="en-US"/>
           </a:p>
@@ -2909,7 +2912,7 @@
           <a:p>
             <a:fld id="{D0F1932F-1C99-447E-95F3-773EBA18C860}" type="datetimeFigureOut">
               <a:rPr lang="en-US" smtClean="0"/>
-              <a:t>3/21/22</a:t>
+              <a:t>8/17/22</a:t>
             </a:fld>
             <a:endParaRPr lang="en-US"/>
           </a:p>
@@ -4091,6 +4094,1836 @@
 </p:sld>
 </file>
 
+<file path=ppt/slides/slide2.xml><?xml version="1.0" encoding="utf-8"?>
+<p:sld xmlns:a="http://schemas.openxmlformats.org/drawingml/2006/main" xmlns:r="http://schemas.openxmlformats.org/officeDocument/2006/relationships" xmlns:p="http://schemas.openxmlformats.org/presentationml/2006/main">
+  <p:cSld>
+    <p:spTree>
+      <p:nvGrpSpPr>
+        <p:cNvPr id="1" name=""/>
+        <p:cNvGrpSpPr/>
+        <p:nvPr/>
+      </p:nvGrpSpPr>
+      <p:grpSpPr>
+        <a:xfrm>
+          <a:off x="0" y="0"/>
+          <a:ext cx="0" cy="0"/>
+          <a:chOff x="0" y="0"/>
+          <a:chExt cx="0" cy="0"/>
+        </a:xfrm>
+      </p:grpSpPr>
+      <p:grpSp>
+        <p:nvGrpSpPr>
+          <p:cNvPr id="9" name="Group 8">
+            <a:extLst>
+              <a:ext uri="{FF2B5EF4-FFF2-40B4-BE49-F238E27FC236}">
+                <a16:creationId xmlns:a16="http://schemas.microsoft.com/office/drawing/2014/main" id="{4F3CCB9E-A603-ABD1-3B1A-7828CBDC88D2}"/>
+              </a:ext>
+            </a:extLst>
+          </p:cNvPr>
+          <p:cNvGrpSpPr/>
+          <p:nvPr/>
+        </p:nvGrpSpPr>
+        <p:grpSpPr>
+          <a:xfrm>
+            <a:off x="35595" y="-50676"/>
+            <a:ext cx="12150310" cy="6879180"/>
+            <a:chOff x="-258928" y="-286041"/>
+            <a:chExt cx="12150310" cy="6879180"/>
+          </a:xfrm>
+        </p:grpSpPr>
+        <p:grpSp>
+          <p:nvGrpSpPr>
+            <p:cNvPr id="2" name="Group 1">
+              <a:extLst>
+                <a:ext uri="{FF2B5EF4-FFF2-40B4-BE49-F238E27FC236}">
+                  <a16:creationId xmlns:a16="http://schemas.microsoft.com/office/drawing/2014/main" id="{DF11FC94-137D-4459-A404-58D67DF47E40}"/>
+                </a:ext>
+              </a:extLst>
+            </p:cNvPr>
+            <p:cNvGrpSpPr/>
+            <p:nvPr/>
+          </p:nvGrpSpPr>
+          <p:grpSpPr>
+            <a:xfrm>
+              <a:off x="-258928" y="-286041"/>
+              <a:ext cx="12150310" cy="6879180"/>
+              <a:chOff x="56870" y="-323445"/>
+              <a:chExt cx="12150310" cy="6879180"/>
+            </a:xfrm>
+          </p:grpSpPr>
+          <p:sp>
+            <p:nvSpPr>
+              <p:cNvPr id="4" name="Rectangle: Rounded Corners 3">
+                <a:extLst>
+                  <a:ext uri="{FF2B5EF4-FFF2-40B4-BE49-F238E27FC236}">
+                    <a16:creationId xmlns:a16="http://schemas.microsoft.com/office/drawing/2014/main" id="{7DDC64BD-8508-452A-AEB2-D69F8A0B982D}"/>
+                  </a:ext>
+                </a:extLst>
+              </p:cNvPr>
+              <p:cNvSpPr/>
+              <p:nvPr/>
+            </p:nvSpPr>
+            <p:spPr>
+              <a:xfrm>
+                <a:off x="3827477" y="-235961"/>
+                <a:ext cx="4288389" cy="2254216"/>
+              </a:xfrm>
+              <a:prstGeom prst="roundRect">
+                <a:avLst/>
+              </a:prstGeom>
+              <a:solidFill>
+                <a:srgbClr val="FFCC33"/>
+              </a:solidFill>
+            </p:spPr>
+            <p:style>
+              <a:lnRef idx="2">
+                <a:schemeClr val="accent1">
+                  <a:shade val="50000"/>
+                </a:schemeClr>
+              </a:lnRef>
+              <a:fillRef idx="1">
+                <a:schemeClr val="accent1"/>
+              </a:fillRef>
+              <a:effectRef idx="0">
+                <a:schemeClr val="accent1"/>
+              </a:effectRef>
+              <a:fontRef idx="minor">
+                <a:schemeClr val="lt1"/>
+              </a:fontRef>
+            </p:style>
+            <p:txBody>
+              <a:bodyPr rtlCol="0" anchor="ctr"/>
+              <a:lstStyle/>
+              <a:p>
+                <a:pPr algn="ctr"/>
+                <a:r>
+                  <a:rPr lang="en-US" sz="3600" dirty="0">
+                    <a:solidFill>
+                      <a:srgbClr val="780019"/>
+                    </a:solidFill>
+                    <a:latin typeface="Arial" panose="020B0604020202020204" pitchFamily="34" charset="0"/>
+                    <a:cs typeface="Arial" panose="020B0604020202020204" pitchFamily="34" charset="0"/>
+                  </a:rPr>
+                  <a:t>Molecular Phenomena in Aqueous Systems</a:t>
+                </a:r>
+              </a:p>
+            </p:txBody>
+          </p:sp>
+          <p:sp>
+            <p:nvSpPr>
+              <p:cNvPr id="5" name="Rectangle: Rounded Corners 4">
+                <a:extLst>
+                  <a:ext uri="{FF2B5EF4-FFF2-40B4-BE49-F238E27FC236}">
+                    <a16:creationId xmlns:a16="http://schemas.microsoft.com/office/drawing/2014/main" id="{0A89D17F-2F5B-4D52-A6E6-BF73C0E7748B}"/>
+                  </a:ext>
+                </a:extLst>
+              </p:cNvPr>
+              <p:cNvSpPr/>
+              <p:nvPr/>
+            </p:nvSpPr>
+            <p:spPr>
+              <a:xfrm>
+                <a:off x="56870" y="4269438"/>
+                <a:ext cx="4288389" cy="2254216"/>
+              </a:xfrm>
+              <a:prstGeom prst="roundRect">
+                <a:avLst/>
+              </a:prstGeom>
+              <a:solidFill>
+                <a:srgbClr val="FFCC33"/>
+              </a:solidFill>
+            </p:spPr>
+            <p:style>
+              <a:lnRef idx="2">
+                <a:schemeClr val="accent1">
+                  <a:shade val="50000"/>
+                </a:schemeClr>
+              </a:lnRef>
+              <a:fillRef idx="1">
+                <a:schemeClr val="accent1"/>
+              </a:fillRef>
+              <a:effectRef idx="0">
+                <a:schemeClr val="accent1"/>
+              </a:effectRef>
+              <a:fontRef idx="minor">
+                <a:schemeClr val="lt1"/>
+              </a:fontRef>
+            </p:style>
+            <p:txBody>
+              <a:bodyPr rtlCol="0" anchor="ctr"/>
+              <a:lstStyle/>
+              <a:p>
+                <a:pPr algn="ctr"/>
+                <a:r>
+                  <a:rPr lang="en-US" sz="3600" dirty="0">
+                    <a:solidFill>
+                      <a:srgbClr val="780019"/>
+                    </a:solidFill>
+                    <a:latin typeface="Arial" panose="020B0604020202020204" pitchFamily="34" charset="0"/>
+                    <a:cs typeface="Arial" panose="020B0604020202020204" pitchFamily="34" charset="0"/>
+                  </a:rPr>
+                  <a:t>Molecular Simulations &amp; Machine Learning</a:t>
+                </a:r>
+              </a:p>
+            </p:txBody>
+          </p:sp>
+          <p:sp>
+            <p:nvSpPr>
+              <p:cNvPr id="6" name="Rectangle: Rounded Corners 5">
+                <a:extLst>
+                  <a:ext uri="{FF2B5EF4-FFF2-40B4-BE49-F238E27FC236}">
+                    <a16:creationId xmlns:a16="http://schemas.microsoft.com/office/drawing/2014/main" id="{C5D43A14-59FA-41AE-86C5-18F6F4355354}"/>
+                  </a:ext>
+                </a:extLst>
+              </p:cNvPr>
+              <p:cNvSpPr/>
+              <p:nvPr/>
+            </p:nvSpPr>
+            <p:spPr>
+              <a:xfrm>
+                <a:off x="7918791" y="4281599"/>
+                <a:ext cx="4288389" cy="2254216"/>
+              </a:xfrm>
+              <a:prstGeom prst="roundRect">
+                <a:avLst/>
+              </a:prstGeom>
+              <a:solidFill>
+                <a:srgbClr val="FFCC33"/>
+              </a:solidFill>
+            </p:spPr>
+            <p:style>
+              <a:lnRef idx="2">
+                <a:schemeClr val="accent1">
+                  <a:shade val="50000"/>
+                </a:schemeClr>
+              </a:lnRef>
+              <a:fillRef idx="1">
+                <a:schemeClr val="accent1"/>
+              </a:fillRef>
+              <a:effectRef idx="0">
+                <a:schemeClr val="accent1"/>
+              </a:effectRef>
+              <a:fontRef idx="minor">
+                <a:schemeClr val="lt1"/>
+              </a:fontRef>
+            </p:style>
+            <p:txBody>
+              <a:bodyPr rtlCol="0" anchor="ctr"/>
+              <a:lstStyle/>
+              <a:p>
+                <a:pPr algn="ctr"/>
+                <a:r>
+                  <a:rPr lang="en-US" sz="3600" dirty="0">
+                    <a:solidFill>
+                      <a:srgbClr val="780019"/>
+                    </a:solidFill>
+                    <a:latin typeface="Arial" panose="020B0604020202020204" pitchFamily="34" charset="0"/>
+                    <a:cs typeface="Arial" panose="020B0604020202020204" pitchFamily="34" charset="0"/>
+                  </a:rPr>
+                  <a:t>Advanced Methods &amp; Software to Study Mechanisms</a:t>
+                </a:r>
+              </a:p>
+            </p:txBody>
+          </p:sp>
+          <p:sp>
+            <p:nvSpPr>
+              <p:cNvPr id="18" name="Graphic 13" descr="Wrench with solid fill">
+                <a:extLst>
+                  <a:ext uri="{FF2B5EF4-FFF2-40B4-BE49-F238E27FC236}">
+                    <a16:creationId xmlns:a16="http://schemas.microsoft.com/office/drawing/2014/main" id="{F9BB96D2-F97A-46A3-9398-19B18ADDA3E1}"/>
+                  </a:ext>
+                </a:extLst>
+              </p:cNvPr>
+              <p:cNvSpPr/>
+              <p:nvPr/>
+            </p:nvSpPr>
+            <p:spPr>
+              <a:xfrm>
+                <a:off x="1170026" y="4389799"/>
+                <a:ext cx="2062075" cy="2067768"/>
+              </a:xfrm>
+              <a:custGeom>
+                <a:avLst/>
+                <a:gdLst>
+                  <a:gd name="connsiteX0" fmla="*/ 743490 w 837374"/>
+                  <a:gd name="connsiteY0" fmla="*/ 180766 h 839686"/>
+                  <a:gd name="connsiteX1" fmla="*/ 675862 w 837374"/>
+                  <a:gd name="connsiteY1" fmla="*/ 162668 h 839686"/>
+                  <a:gd name="connsiteX2" fmla="*/ 657765 w 837374"/>
+                  <a:gd name="connsiteY2" fmla="*/ 95041 h 839686"/>
+                  <a:gd name="connsiteX3" fmla="*/ 743490 w 837374"/>
+                  <a:gd name="connsiteY3" fmla="*/ 9316 h 839686"/>
+                  <a:gd name="connsiteX4" fmla="*/ 593947 w 837374"/>
+                  <a:gd name="connsiteY4" fmla="*/ 37891 h 839686"/>
+                  <a:gd name="connsiteX5" fmla="*/ 552037 w 837374"/>
+                  <a:gd name="connsiteY5" fmla="*/ 183623 h 839686"/>
+                  <a:gd name="connsiteX6" fmla="*/ 182467 w 837374"/>
+                  <a:gd name="connsiteY6" fmla="*/ 553194 h 839686"/>
+                  <a:gd name="connsiteX7" fmla="*/ 37687 w 837374"/>
+                  <a:gd name="connsiteY7" fmla="*/ 596056 h 839686"/>
+                  <a:gd name="connsiteX8" fmla="*/ 9112 w 837374"/>
+                  <a:gd name="connsiteY8" fmla="*/ 744646 h 839686"/>
+                  <a:gd name="connsiteX9" fmla="*/ 94837 w 837374"/>
+                  <a:gd name="connsiteY9" fmla="*/ 658921 h 839686"/>
+                  <a:gd name="connsiteX10" fmla="*/ 161512 w 837374"/>
+                  <a:gd name="connsiteY10" fmla="*/ 677019 h 839686"/>
+                  <a:gd name="connsiteX11" fmla="*/ 179610 w 837374"/>
+                  <a:gd name="connsiteY11" fmla="*/ 744646 h 839686"/>
+                  <a:gd name="connsiteX12" fmla="*/ 93885 w 837374"/>
+                  <a:gd name="connsiteY12" fmla="*/ 830371 h 839686"/>
+                  <a:gd name="connsiteX13" fmla="*/ 243427 w 837374"/>
+                  <a:gd name="connsiteY13" fmla="*/ 801796 h 839686"/>
+                  <a:gd name="connsiteX14" fmla="*/ 285337 w 837374"/>
+                  <a:gd name="connsiteY14" fmla="*/ 656064 h 839686"/>
+                  <a:gd name="connsiteX15" fmla="*/ 654907 w 837374"/>
+                  <a:gd name="connsiteY15" fmla="*/ 286493 h 839686"/>
+                  <a:gd name="connsiteX16" fmla="*/ 799687 w 837374"/>
+                  <a:gd name="connsiteY16" fmla="*/ 243631 h 839686"/>
+                  <a:gd name="connsiteX17" fmla="*/ 828262 w 837374"/>
+                  <a:gd name="connsiteY17" fmla="*/ 95041 h 839686"/>
+                  <a:gd name="connsiteX18" fmla="*/ 743490 w 837374"/>
+                  <a:gd name="connsiteY18" fmla="*/ 180766 h 839686"/>
+                </a:gdLst>
+                <a:ahLst/>
+                <a:cxnLst>
+                  <a:cxn ang="0">
+                    <a:pos x="connsiteX0" y="connsiteY0"/>
+                  </a:cxn>
+                  <a:cxn ang="0">
+                    <a:pos x="connsiteX1" y="connsiteY1"/>
+                  </a:cxn>
+                  <a:cxn ang="0">
+                    <a:pos x="connsiteX2" y="connsiteY2"/>
+                  </a:cxn>
+                  <a:cxn ang="0">
+                    <a:pos x="connsiteX3" y="connsiteY3"/>
+                  </a:cxn>
+                  <a:cxn ang="0">
+                    <a:pos x="connsiteX4" y="connsiteY4"/>
+                  </a:cxn>
+                  <a:cxn ang="0">
+                    <a:pos x="connsiteX5" y="connsiteY5"/>
+                  </a:cxn>
+                  <a:cxn ang="0">
+                    <a:pos x="connsiteX6" y="connsiteY6"/>
+                  </a:cxn>
+                  <a:cxn ang="0">
+                    <a:pos x="connsiteX7" y="connsiteY7"/>
+                  </a:cxn>
+                  <a:cxn ang="0">
+                    <a:pos x="connsiteX8" y="connsiteY8"/>
+                  </a:cxn>
+                  <a:cxn ang="0">
+                    <a:pos x="connsiteX9" y="connsiteY9"/>
+                  </a:cxn>
+                  <a:cxn ang="0">
+                    <a:pos x="connsiteX10" y="connsiteY10"/>
+                  </a:cxn>
+                  <a:cxn ang="0">
+                    <a:pos x="connsiteX11" y="connsiteY11"/>
+                  </a:cxn>
+                  <a:cxn ang="0">
+                    <a:pos x="connsiteX12" y="connsiteY12"/>
+                  </a:cxn>
+                  <a:cxn ang="0">
+                    <a:pos x="connsiteX13" y="connsiteY13"/>
+                  </a:cxn>
+                  <a:cxn ang="0">
+                    <a:pos x="connsiteX14" y="connsiteY14"/>
+                  </a:cxn>
+                  <a:cxn ang="0">
+                    <a:pos x="connsiteX15" y="connsiteY15"/>
+                  </a:cxn>
+                  <a:cxn ang="0">
+                    <a:pos x="connsiteX16" y="connsiteY16"/>
+                  </a:cxn>
+                  <a:cxn ang="0">
+                    <a:pos x="connsiteX17" y="connsiteY17"/>
+                  </a:cxn>
+                  <a:cxn ang="0">
+                    <a:pos x="connsiteX18" y="connsiteY18"/>
+                  </a:cxn>
+                </a:cxnLst>
+                <a:rect l="l" t="t" r="r" b="b"/>
+                <a:pathLst>
+                  <a:path w="837374" h="839686">
+                    <a:moveTo>
+                      <a:pt x="743490" y="180766"/>
+                    </a:moveTo>
+                    <a:lnTo>
+                      <a:pt x="675862" y="162668"/>
+                    </a:lnTo>
+                    <a:lnTo>
+                      <a:pt x="657765" y="95041"/>
+                    </a:lnTo>
+                    <a:lnTo>
+                      <a:pt x="743490" y="9316"/>
+                    </a:lnTo>
+                    <a:cubicBezTo>
+                      <a:pt x="692055" y="-9734"/>
+                      <a:pt x="634905" y="743"/>
+                      <a:pt x="593947" y="37891"/>
+                    </a:cubicBezTo>
+                    <a:cubicBezTo>
+                      <a:pt x="553942" y="75038"/>
+                      <a:pt x="536797" y="131236"/>
+                      <a:pt x="552037" y="183623"/>
+                    </a:cubicBezTo>
+                    <a:lnTo>
+                      <a:pt x="182467" y="553194"/>
+                    </a:lnTo>
+                    <a:cubicBezTo>
+                      <a:pt x="130080" y="538906"/>
+                      <a:pt x="73882" y="556051"/>
+                      <a:pt x="37687" y="596056"/>
+                    </a:cubicBezTo>
+                    <a:cubicBezTo>
+                      <a:pt x="1492" y="636061"/>
+                      <a:pt x="-9938" y="693211"/>
+                      <a:pt x="9112" y="744646"/>
+                    </a:cubicBezTo>
+                    <a:lnTo>
+                      <a:pt x="94837" y="658921"/>
+                    </a:lnTo>
+                    <a:lnTo>
+                      <a:pt x="161512" y="677019"/>
+                    </a:lnTo>
+                    <a:lnTo>
+                      <a:pt x="179610" y="744646"/>
+                    </a:lnTo>
+                    <a:lnTo>
+                      <a:pt x="93885" y="830371"/>
+                    </a:lnTo>
+                    <a:cubicBezTo>
+                      <a:pt x="145320" y="849421"/>
+                      <a:pt x="202470" y="838944"/>
+                      <a:pt x="243427" y="801796"/>
+                    </a:cubicBezTo>
+                    <a:cubicBezTo>
+                      <a:pt x="283432" y="764648"/>
+                      <a:pt x="300577" y="708451"/>
+                      <a:pt x="285337" y="656064"/>
+                    </a:cubicBezTo>
+                    <a:lnTo>
+                      <a:pt x="654907" y="286493"/>
+                    </a:lnTo>
+                    <a:cubicBezTo>
+                      <a:pt x="707295" y="300781"/>
+                      <a:pt x="763492" y="283636"/>
+                      <a:pt x="799687" y="243631"/>
+                    </a:cubicBezTo>
+                    <a:cubicBezTo>
+                      <a:pt x="835882" y="203626"/>
+                      <a:pt x="847312" y="146476"/>
+                      <a:pt x="828262" y="95041"/>
+                    </a:cubicBezTo>
+                    <a:lnTo>
+                      <a:pt x="743490" y="180766"/>
+                    </a:lnTo>
+                    <a:close/>
+                  </a:path>
+                </a:pathLst>
+              </a:custGeom>
+              <a:solidFill>
+                <a:srgbClr val="0D0D0D">
+                  <a:alpha val="9804"/>
+                </a:srgbClr>
+              </a:solidFill>
+              <a:ln w="9525" cap="flat">
+                <a:noFill/>
+                <a:prstDash val="solid"/>
+                <a:miter/>
+              </a:ln>
+            </p:spPr>
+            <p:txBody>
+              <a:bodyPr rtlCol="0" anchor="ctr"/>
+              <a:lstStyle/>
+              <a:p>
+                <a:endParaRPr lang="en-US"/>
+              </a:p>
+            </p:txBody>
+          </p:sp>
+          <p:pic>
+            <p:nvPicPr>
+              <p:cNvPr id="12" name="Graphic 11" descr="Search Inventory with solid fill">
+                <a:extLst>
+                  <a:ext uri="{FF2B5EF4-FFF2-40B4-BE49-F238E27FC236}">
+                    <a16:creationId xmlns:a16="http://schemas.microsoft.com/office/drawing/2014/main" id="{98FCCB3A-2319-4271-B6AE-E9B1F4AF54B5}"/>
+                  </a:ext>
+                </a:extLst>
+              </p:cNvPr>
+              <p:cNvPicPr>
+                <a:picLocks noChangeAspect="1"/>
+              </p:cNvPicPr>
+              <p:nvPr/>
+            </p:nvPicPr>
+            <p:blipFill>
+              <a:blip r:embed="rId2">
+                <a:extLst>
+                  <a:ext uri="{28A0092B-C50C-407E-A947-70E740481C1C}">
+                    <a14:useLocalDpi xmlns:a14="http://schemas.microsoft.com/office/drawing/2010/main" val="0"/>
+                  </a:ext>
+                  <a:ext uri="{96DAC541-7B7A-43D3-8B79-37D633B846F1}">
+                    <asvg:svgBlip xmlns:asvg="http://schemas.microsoft.com/office/drawing/2016/SVG/main" r:embed="rId3"/>
+                  </a:ext>
+                </a:extLst>
+              </a:blip>
+              <a:stretch>
+                <a:fillRect/>
+              </a:stretch>
+            </p:blipFill>
+            <p:spPr>
+              <a:xfrm>
+                <a:off x="4757079" y="-323445"/>
+                <a:ext cx="2429183" cy="2429183"/>
+              </a:xfrm>
+              <a:prstGeom prst="rect">
+                <a:avLst/>
+              </a:prstGeom>
+            </p:spPr>
+          </p:pic>
+          <p:pic>
+            <p:nvPicPr>
+              <p:cNvPr id="26" name="Graphic 25" descr="Lightbulb and gear with solid fill">
+                <a:extLst>
+                  <a:ext uri="{FF2B5EF4-FFF2-40B4-BE49-F238E27FC236}">
+                    <a16:creationId xmlns:a16="http://schemas.microsoft.com/office/drawing/2014/main" id="{0DBB2E0F-D9E7-4497-8B64-FD61226F89DC}"/>
+                  </a:ext>
+                </a:extLst>
+              </p:cNvPr>
+              <p:cNvPicPr>
+                <a:picLocks noChangeAspect="1"/>
+              </p:cNvPicPr>
+              <p:nvPr/>
+            </p:nvPicPr>
+            <p:blipFill>
+              <a:blip r:embed="rId4">
+                <a:extLst>
+                  <a:ext uri="{28A0092B-C50C-407E-A947-70E740481C1C}">
+                    <a14:useLocalDpi xmlns:a14="http://schemas.microsoft.com/office/drawing/2010/main" val="0"/>
+                  </a:ext>
+                  <a:ext uri="{96DAC541-7B7A-43D3-8B79-37D633B846F1}">
+                    <asvg:svgBlip xmlns:asvg="http://schemas.microsoft.com/office/drawing/2016/SVG/main" r:embed="rId5"/>
+                  </a:ext>
+                </a:extLst>
+              </a:blip>
+              <a:stretch>
+                <a:fillRect/>
+              </a:stretch>
+            </p:blipFill>
+            <p:spPr>
+              <a:xfrm>
+                <a:off x="8955673" y="4341112"/>
+                <a:ext cx="2214623" cy="2214623"/>
+              </a:xfrm>
+              <a:prstGeom prst="rect">
+                <a:avLst/>
+              </a:prstGeom>
+            </p:spPr>
+          </p:pic>
+        </p:grpSp>
+        <p:pic>
+          <p:nvPicPr>
+            <p:cNvPr id="7" name="Picture 6">
+              <a:extLst>
+                <a:ext uri="{FF2B5EF4-FFF2-40B4-BE49-F238E27FC236}">
+                  <a16:creationId xmlns:a16="http://schemas.microsoft.com/office/drawing/2014/main" id="{58C6BE8E-2A42-86E1-2B4A-76027763CE7A}"/>
+                </a:ext>
+              </a:extLst>
+            </p:cNvPr>
+            <p:cNvPicPr>
+              <a:picLocks noChangeAspect="1"/>
+            </p:cNvPicPr>
+            <p:nvPr/>
+          </p:nvPicPr>
+          <p:blipFill>
+            <a:blip r:embed="rId6">
+              <a:extLst>
+                <a:ext uri="{28A0092B-C50C-407E-A947-70E740481C1C}">
+                  <a14:useLocalDpi xmlns:a14="http://schemas.microsoft.com/office/drawing/2010/main" val="0"/>
+                </a:ext>
+              </a:extLst>
+            </a:blip>
+            <a:stretch>
+              <a:fillRect/>
+            </a:stretch>
+          </p:blipFill>
+          <p:spPr>
+            <a:xfrm>
+              <a:off x="4159989" y="2230626"/>
+              <a:ext cx="3312475" cy="3319099"/>
+            </a:xfrm>
+            <a:prstGeom prst="rect">
+              <a:avLst/>
+            </a:prstGeom>
+          </p:spPr>
+        </p:pic>
+      </p:grpSp>
+    </p:spTree>
+    <p:extLst>
+      <p:ext uri="{BB962C8B-B14F-4D97-AF65-F5344CB8AC3E}">
+        <p14:creationId xmlns:p14="http://schemas.microsoft.com/office/powerpoint/2010/main" val="2084953141"/>
+      </p:ext>
+    </p:extLst>
+  </p:cSld>
+  <p:clrMapOvr>
+    <a:masterClrMapping/>
+  </p:clrMapOvr>
+</p:sld>
+</file>
+
+<file path=ppt/slides/slide3.xml><?xml version="1.0" encoding="utf-8"?>
+<p:sld xmlns:a="http://schemas.openxmlformats.org/drawingml/2006/main" xmlns:r="http://schemas.openxmlformats.org/officeDocument/2006/relationships" xmlns:p="http://schemas.openxmlformats.org/presentationml/2006/main">
+  <p:cSld>
+    <p:spTree>
+      <p:nvGrpSpPr>
+        <p:cNvPr id="1" name=""/>
+        <p:cNvGrpSpPr/>
+        <p:nvPr/>
+      </p:nvGrpSpPr>
+      <p:grpSpPr>
+        <a:xfrm>
+          <a:off x="0" y="0"/>
+          <a:ext cx="0" cy="0"/>
+          <a:chOff x="0" y="0"/>
+          <a:chExt cx="0" cy="0"/>
+        </a:xfrm>
+      </p:grpSpPr>
+      <p:grpSp>
+        <p:nvGrpSpPr>
+          <p:cNvPr id="9" name="Group 8">
+            <a:extLst>
+              <a:ext uri="{FF2B5EF4-FFF2-40B4-BE49-F238E27FC236}">
+                <a16:creationId xmlns:a16="http://schemas.microsoft.com/office/drawing/2014/main" id="{4F3CCB9E-A603-ABD1-3B1A-7828CBDC88D2}"/>
+              </a:ext>
+            </a:extLst>
+          </p:cNvPr>
+          <p:cNvGrpSpPr/>
+          <p:nvPr/>
+        </p:nvGrpSpPr>
+        <p:grpSpPr>
+          <a:xfrm>
+            <a:off x="-22012" y="0"/>
+            <a:ext cx="12214013" cy="6858001"/>
+            <a:chOff x="-316535" y="-264861"/>
+            <a:chExt cx="12214013" cy="6858001"/>
+          </a:xfrm>
+        </p:grpSpPr>
+        <p:pic>
+          <p:nvPicPr>
+            <p:cNvPr id="7" name="Picture 6">
+              <a:extLst>
+                <a:ext uri="{FF2B5EF4-FFF2-40B4-BE49-F238E27FC236}">
+                  <a16:creationId xmlns:a16="http://schemas.microsoft.com/office/drawing/2014/main" id="{58C6BE8E-2A42-86E1-2B4A-76027763CE7A}"/>
+                </a:ext>
+              </a:extLst>
+            </p:cNvPr>
+            <p:cNvPicPr>
+              <a:picLocks noChangeAspect="1"/>
+            </p:cNvPicPr>
+            <p:nvPr/>
+          </p:nvPicPr>
+          <p:blipFill>
+            <a:blip r:embed="rId2">
+              <a:extLst>
+                <a:ext uri="{28A0092B-C50C-407E-A947-70E740481C1C}">
+                  <a14:useLocalDpi xmlns:a14="http://schemas.microsoft.com/office/drawing/2010/main" val="0"/>
+                </a:ext>
+              </a:extLst>
+            </a:blip>
+            <a:stretch>
+              <a:fillRect/>
+            </a:stretch>
+          </p:blipFill>
+          <p:spPr>
+            <a:xfrm>
+              <a:off x="4938217" y="2754014"/>
+              <a:ext cx="1726520" cy="1729973"/>
+            </a:xfrm>
+            <a:prstGeom prst="rect">
+              <a:avLst/>
+            </a:prstGeom>
+          </p:spPr>
+        </p:pic>
+        <p:grpSp>
+          <p:nvGrpSpPr>
+            <p:cNvPr id="2" name="Group 1">
+              <a:extLst>
+                <a:ext uri="{FF2B5EF4-FFF2-40B4-BE49-F238E27FC236}">
+                  <a16:creationId xmlns:a16="http://schemas.microsoft.com/office/drawing/2014/main" id="{DF11FC94-137D-4459-A404-58D67DF47E40}"/>
+                </a:ext>
+              </a:extLst>
+            </p:cNvPr>
+            <p:cNvGrpSpPr/>
+            <p:nvPr/>
+          </p:nvGrpSpPr>
+          <p:grpSpPr>
+            <a:xfrm>
+              <a:off x="-316535" y="-264861"/>
+              <a:ext cx="12214013" cy="6858001"/>
+              <a:chOff x="-737" y="-302265"/>
+              <a:chExt cx="12214013" cy="6858001"/>
+            </a:xfrm>
+          </p:grpSpPr>
+          <p:sp>
+            <p:nvSpPr>
+              <p:cNvPr id="4" name="Rectangle: Rounded Corners 3">
+                <a:extLst>
+                  <a:ext uri="{FF2B5EF4-FFF2-40B4-BE49-F238E27FC236}">
+                    <a16:creationId xmlns:a16="http://schemas.microsoft.com/office/drawing/2014/main" id="{7DDC64BD-8508-452A-AEB2-D69F8A0B982D}"/>
+                  </a:ext>
+                </a:extLst>
+              </p:cNvPr>
+              <p:cNvSpPr/>
+              <p:nvPr/>
+            </p:nvSpPr>
+            <p:spPr>
+              <a:xfrm>
+                <a:off x="3659837" y="-302265"/>
+                <a:ext cx="4914876" cy="2995125"/>
+              </a:xfrm>
+              <a:prstGeom prst="roundRect">
+                <a:avLst/>
+              </a:prstGeom>
+              <a:solidFill>
+                <a:srgbClr val="FFCC33"/>
+              </a:solidFill>
+            </p:spPr>
+            <p:style>
+              <a:lnRef idx="2">
+                <a:schemeClr val="accent1">
+                  <a:shade val="50000"/>
+                </a:schemeClr>
+              </a:lnRef>
+              <a:fillRef idx="1">
+                <a:schemeClr val="accent1"/>
+              </a:fillRef>
+              <a:effectRef idx="0">
+                <a:schemeClr val="accent1"/>
+              </a:effectRef>
+              <a:fontRef idx="minor">
+                <a:schemeClr val="lt1"/>
+              </a:fontRef>
+            </p:style>
+            <p:txBody>
+              <a:bodyPr rtlCol="0" anchor="ctr"/>
+              <a:lstStyle/>
+              <a:p>
+                <a:pPr algn="ctr"/>
+                <a:endParaRPr lang="en-US" sz="3600" dirty="0">
+                  <a:solidFill>
+                    <a:srgbClr val="780019"/>
+                  </a:solidFill>
+                  <a:latin typeface="Arial" panose="020B0604020202020204" pitchFamily="34" charset="0"/>
+                  <a:cs typeface="Arial" panose="020B0604020202020204" pitchFamily="34" charset="0"/>
+                </a:endParaRPr>
+              </a:p>
+              <a:p>
+                <a:pPr algn="r"/>
+                <a:r>
+                  <a:rPr lang="en-US" sz="3600" dirty="0">
+                    <a:solidFill>
+                      <a:srgbClr val="780019"/>
+                    </a:solidFill>
+                    <a:latin typeface="Arial" panose="020B0604020202020204" pitchFamily="34" charset="0"/>
+                    <a:cs typeface="Arial" panose="020B0604020202020204" pitchFamily="34" charset="0"/>
+                  </a:rPr>
+                  <a:t>Molecular Phenomena in Aqueous Systems</a:t>
+                </a:r>
+              </a:p>
+            </p:txBody>
+          </p:sp>
+          <p:sp>
+            <p:nvSpPr>
+              <p:cNvPr id="5" name="Rectangle: Rounded Corners 4">
+                <a:extLst>
+                  <a:ext uri="{FF2B5EF4-FFF2-40B4-BE49-F238E27FC236}">
+                    <a16:creationId xmlns:a16="http://schemas.microsoft.com/office/drawing/2014/main" id="{0A89D17F-2F5B-4D52-A6E6-BF73C0E7748B}"/>
+                  </a:ext>
+                </a:extLst>
+              </p:cNvPr>
+              <p:cNvSpPr/>
+              <p:nvPr/>
+            </p:nvSpPr>
+            <p:spPr>
+              <a:xfrm>
+                <a:off x="-737" y="3353489"/>
+                <a:ext cx="5254752" cy="3202246"/>
+              </a:xfrm>
+              <a:prstGeom prst="roundRect">
+                <a:avLst/>
+              </a:prstGeom>
+              <a:solidFill>
+                <a:srgbClr val="FFCC33"/>
+              </a:solidFill>
+            </p:spPr>
+            <p:style>
+              <a:lnRef idx="2">
+                <a:schemeClr val="accent1">
+                  <a:shade val="50000"/>
+                </a:schemeClr>
+              </a:lnRef>
+              <a:fillRef idx="1">
+                <a:schemeClr val="accent1"/>
+              </a:fillRef>
+              <a:effectRef idx="0">
+                <a:schemeClr val="accent1"/>
+              </a:effectRef>
+              <a:fontRef idx="minor">
+                <a:schemeClr val="lt1"/>
+              </a:fontRef>
+            </p:style>
+            <p:txBody>
+              <a:bodyPr rtlCol="0" anchor="ctr"/>
+              <a:lstStyle/>
+              <a:p>
+                <a:pPr algn="ctr"/>
+                <a:endParaRPr lang="en-US" sz="3600" dirty="0">
+                  <a:solidFill>
+                    <a:srgbClr val="780019"/>
+                  </a:solidFill>
+                  <a:latin typeface="Arial" panose="020B0604020202020204" pitchFamily="34" charset="0"/>
+                  <a:cs typeface="Arial" panose="020B0604020202020204" pitchFamily="34" charset="0"/>
+                </a:endParaRPr>
+              </a:p>
+              <a:p>
+                <a:pPr algn="ctr"/>
+                <a:endParaRPr lang="en-US" sz="3600" dirty="0">
+                  <a:solidFill>
+                    <a:srgbClr val="780019"/>
+                  </a:solidFill>
+                  <a:latin typeface="Arial" panose="020B0604020202020204" pitchFamily="34" charset="0"/>
+                  <a:cs typeface="Arial" panose="020B0604020202020204" pitchFamily="34" charset="0"/>
+                </a:endParaRPr>
+              </a:p>
+              <a:p>
+                <a:pPr algn="r"/>
+                <a:r>
+                  <a:rPr lang="en-US" sz="3600" dirty="0">
+                    <a:solidFill>
+                      <a:srgbClr val="780019"/>
+                    </a:solidFill>
+                    <a:latin typeface="Arial" panose="020B0604020202020204" pitchFamily="34" charset="0"/>
+                    <a:cs typeface="Arial" panose="020B0604020202020204" pitchFamily="34" charset="0"/>
+                  </a:rPr>
+                  <a:t>Molecular Simulations &amp; Machine Learning</a:t>
+                </a:r>
+              </a:p>
+            </p:txBody>
+          </p:sp>
+          <p:sp>
+            <p:nvSpPr>
+              <p:cNvPr id="6" name="Rectangle: Rounded Corners 5">
+                <a:extLst>
+                  <a:ext uri="{FF2B5EF4-FFF2-40B4-BE49-F238E27FC236}">
+                    <a16:creationId xmlns:a16="http://schemas.microsoft.com/office/drawing/2014/main" id="{C5D43A14-59FA-41AE-86C5-18F6F4355354}"/>
+                  </a:ext>
+                </a:extLst>
+              </p:cNvPr>
+              <p:cNvSpPr/>
+              <p:nvPr/>
+            </p:nvSpPr>
+            <p:spPr>
+              <a:xfrm>
+                <a:off x="6980536" y="3366904"/>
+                <a:ext cx="5232740" cy="3188832"/>
+              </a:xfrm>
+              <a:prstGeom prst="roundRect">
+                <a:avLst/>
+              </a:prstGeom>
+              <a:solidFill>
+                <a:srgbClr val="FFCC33"/>
+              </a:solidFill>
+            </p:spPr>
+            <p:style>
+              <a:lnRef idx="2">
+                <a:schemeClr val="accent1">
+                  <a:shade val="50000"/>
+                </a:schemeClr>
+              </a:lnRef>
+              <a:fillRef idx="1">
+                <a:schemeClr val="accent1"/>
+              </a:fillRef>
+              <a:effectRef idx="0">
+                <a:schemeClr val="accent1"/>
+              </a:effectRef>
+              <a:fontRef idx="minor">
+                <a:schemeClr val="lt1"/>
+              </a:fontRef>
+            </p:style>
+            <p:txBody>
+              <a:bodyPr rtlCol="0" anchor="ctr"/>
+              <a:lstStyle/>
+              <a:p>
+                <a:pPr algn="ctr"/>
+                <a:endParaRPr lang="en-US" sz="3600" dirty="0">
+                  <a:solidFill>
+                    <a:srgbClr val="780019"/>
+                  </a:solidFill>
+                  <a:latin typeface="Arial" panose="020B0604020202020204" pitchFamily="34" charset="0"/>
+                  <a:cs typeface="Arial" panose="020B0604020202020204" pitchFamily="34" charset="0"/>
+                </a:endParaRPr>
+              </a:p>
+              <a:p>
+                <a:pPr algn="ctr"/>
+                <a:endParaRPr lang="en-US" sz="3600" dirty="0">
+                  <a:solidFill>
+                    <a:srgbClr val="780019"/>
+                  </a:solidFill>
+                  <a:latin typeface="Arial" panose="020B0604020202020204" pitchFamily="34" charset="0"/>
+                  <a:cs typeface="Arial" panose="020B0604020202020204" pitchFamily="34" charset="0"/>
+                </a:endParaRPr>
+              </a:p>
+              <a:p>
+                <a:pPr algn="r"/>
+                <a:r>
+                  <a:rPr lang="en-US" sz="3600" dirty="0">
+                    <a:solidFill>
+                      <a:srgbClr val="780019"/>
+                    </a:solidFill>
+                    <a:latin typeface="Arial" panose="020B0604020202020204" pitchFamily="34" charset="0"/>
+                    <a:cs typeface="Arial" panose="020B0604020202020204" pitchFamily="34" charset="0"/>
+                  </a:rPr>
+                  <a:t>Advanced Methods &amp; Software to Study Mechanisms</a:t>
+                </a:r>
+              </a:p>
+            </p:txBody>
+          </p:sp>
+        </p:grpSp>
+      </p:grpSp>
+      <p:pic>
+        <p:nvPicPr>
+          <p:cNvPr id="3" name="Graphic 2" descr="Search Inventory with solid fill">
+            <a:extLst>
+              <a:ext uri="{FF2B5EF4-FFF2-40B4-BE49-F238E27FC236}">
+                <a16:creationId xmlns:a16="http://schemas.microsoft.com/office/drawing/2014/main" id="{8A94A877-8A16-9110-7E84-E7D676901E98}"/>
+              </a:ext>
+            </a:extLst>
+          </p:cNvPr>
+          <p:cNvPicPr>
+            <a:picLocks noChangeAspect="1"/>
+          </p:cNvPicPr>
+          <p:nvPr/>
+        </p:nvPicPr>
+        <p:blipFill>
+          <a:blip r:embed="rId3">
+            <a:extLst>
+              <a:ext uri="{28A0092B-C50C-407E-A947-70E740481C1C}">
+                <a14:useLocalDpi xmlns:a14="http://schemas.microsoft.com/office/drawing/2010/main" val="0"/>
+              </a:ext>
+              <a:ext uri="{96DAC541-7B7A-43D3-8B79-37D633B846F1}">
+                <asvg:svgBlip xmlns:asvg="http://schemas.microsoft.com/office/drawing/2016/SVG/main" r:embed="rId4"/>
+              </a:ext>
+            </a:extLst>
+          </a:blip>
+          <a:stretch>
+            <a:fillRect/>
+          </a:stretch>
+        </p:blipFill>
+        <p:spPr>
+          <a:xfrm>
+            <a:off x="3638562" y="0"/>
+            <a:ext cx="1286563" cy="1286563"/>
+          </a:xfrm>
+          <a:prstGeom prst="rect">
+            <a:avLst/>
+          </a:prstGeom>
+        </p:spPr>
+      </p:pic>
+      <p:sp>
+        <p:nvSpPr>
+          <p:cNvPr id="8" name="Graphic 13" descr="Wrench with solid fill">
+            <a:extLst>
+              <a:ext uri="{FF2B5EF4-FFF2-40B4-BE49-F238E27FC236}">
+                <a16:creationId xmlns:a16="http://schemas.microsoft.com/office/drawing/2014/main" id="{0E1665E4-18A1-B168-375D-8B423344C89C}"/>
+              </a:ext>
+            </a:extLst>
+          </p:cNvPr>
+          <p:cNvSpPr/>
+          <p:nvPr/>
+        </p:nvSpPr>
+        <p:spPr>
+          <a:xfrm>
+            <a:off x="186871" y="3811673"/>
+            <a:ext cx="1202542" cy="1205862"/>
+          </a:xfrm>
+          <a:custGeom>
+            <a:avLst/>
+            <a:gdLst>
+              <a:gd name="connsiteX0" fmla="*/ 743490 w 837374"/>
+              <a:gd name="connsiteY0" fmla="*/ 180766 h 839686"/>
+              <a:gd name="connsiteX1" fmla="*/ 675862 w 837374"/>
+              <a:gd name="connsiteY1" fmla="*/ 162668 h 839686"/>
+              <a:gd name="connsiteX2" fmla="*/ 657765 w 837374"/>
+              <a:gd name="connsiteY2" fmla="*/ 95041 h 839686"/>
+              <a:gd name="connsiteX3" fmla="*/ 743490 w 837374"/>
+              <a:gd name="connsiteY3" fmla="*/ 9316 h 839686"/>
+              <a:gd name="connsiteX4" fmla="*/ 593947 w 837374"/>
+              <a:gd name="connsiteY4" fmla="*/ 37891 h 839686"/>
+              <a:gd name="connsiteX5" fmla="*/ 552037 w 837374"/>
+              <a:gd name="connsiteY5" fmla="*/ 183623 h 839686"/>
+              <a:gd name="connsiteX6" fmla="*/ 182467 w 837374"/>
+              <a:gd name="connsiteY6" fmla="*/ 553194 h 839686"/>
+              <a:gd name="connsiteX7" fmla="*/ 37687 w 837374"/>
+              <a:gd name="connsiteY7" fmla="*/ 596056 h 839686"/>
+              <a:gd name="connsiteX8" fmla="*/ 9112 w 837374"/>
+              <a:gd name="connsiteY8" fmla="*/ 744646 h 839686"/>
+              <a:gd name="connsiteX9" fmla="*/ 94837 w 837374"/>
+              <a:gd name="connsiteY9" fmla="*/ 658921 h 839686"/>
+              <a:gd name="connsiteX10" fmla="*/ 161512 w 837374"/>
+              <a:gd name="connsiteY10" fmla="*/ 677019 h 839686"/>
+              <a:gd name="connsiteX11" fmla="*/ 179610 w 837374"/>
+              <a:gd name="connsiteY11" fmla="*/ 744646 h 839686"/>
+              <a:gd name="connsiteX12" fmla="*/ 93885 w 837374"/>
+              <a:gd name="connsiteY12" fmla="*/ 830371 h 839686"/>
+              <a:gd name="connsiteX13" fmla="*/ 243427 w 837374"/>
+              <a:gd name="connsiteY13" fmla="*/ 801796 h 839686"/>
+              <a:gd name="connsiteX14" fmla="*/ 285337 w 837374"/>
+              <a:gd name="connsiteY14" fmla="*/ 656064 h 839686"/>
+              <a:gd name="connsiteX15" fmla="*/ 654907 w 837374"/>
+              <a:gd name="connsiteY15" fmla="*/ 286493 h 839686"/>
+              <a:gd name="connsiteX16" fmla="*/ 799687 w 837374"/>
+              <a:gd name="connsiteY16" fmla="*/ 243631 h 839686"/>
+              <a:gd name="connsiteX17" fmla="*/ 828262 w 837374"/>
+              <a:gd name="connsiteY17" fmla="*/ 95041 h 839686"/>
+              <a:gd name="connsiteX18" fmla="*/ 743490 w 837374"/>
+              <a:gd name="connsiteY18" fmla="*/ 180766 h 839686"/>
+            </a:gdLst>
+            <a:ahLst/>
+            <a:cxnLst>
+              <a:cxn ang="0">
+                <a:pos x="connsiteX0" y="connsiteY0"/>
+              </a:cxn>
+              <a:cxn ang="0">
+                <a:pos x="connsiteX1" y="connsiteY1"/>
+              </a:cxn>
+              <a:cxn ang="0">
+                <a:pos x="connsiteX2" y="connsiteY2"/>
+              </a:cxn>
+              <a:cxn ang="0">
+                <a:pos x="connsiteX3" y="connsiteY3"/>
+              </a:cxn>
+              <a:cxn ang="0">
+                <a:pos x="connsiteX4" y="connsiteY4"/>
+              </a:cxn>
+              <a:cxn ang="0">
+                <a:pos x="connsiteX5" y="connsiteY5"/>
+              </a:cxn>
+              <a:cxn ang="0">
+                <a:pos x="connsiteX6" y="connsiteY6"/>
+              </a:cxn>
+              <a:cxn ang="0">
+                <a:pos x="connsiteX7" y="connsiteY7"/>
+              </a:cxn>
+              <a:cxn ang="0">
+                <a:pos x="connsiteX8" y="connsiteY8"/>
+              </a:cxn>
+              <a:cxn ang="0">
+                <a:pos x="connsiteX9" y="connsiteY9"/>
+              </a:cxn>
+              <a:cxn ang="0">
+                <a:pos x="connsiteX10" y="connsiteY10"/>
+              </a:cxn>
+              <a:cxn ang="0">
+                <a:pos x="connsiteX11" y="connsiteY11"/>
+              </a:cxn>
+              <a:cxn ang="0">
+                <a:pos x="connsiteX12" y="connsiteY12"/>
+              </a:cxn>
+              <a:cxn ang="0">
+                <a:pos x="connsiteX13" y="connsiteY13"/>
+              </a:cxn>
+              <a:cxn ang="0">
+                <a:pos x="connsiteX14" y="connsiteY14"/>
+              </a:cxn>
+              <a:cxn ang="0">
+                <a:pos x="connsiteX15" y="connsiteY15"/>
+              </a:cxn>
+              <a:cxn ang="0">
+                <a:pos x="connsiteX16" y="connsiteY16"/>
+              </a:cxn>
+              <a:cxn ang="0">
+                <a:pos x="connsiteX17" y="connsiteY17"/>
+              </a:cxn>
+              <a:cxn ang="0">
+                <a:pos x="connsiteX18" y="connsiteY18"/>
+              </a:cxn>
+            </a:cxnLst>
+            <a:rect l="l" t="t" r="r" b="b"/>
+            <a:pathLst>
+              <a:path w="837374" h="839686">
+                <a:moveTo>
+                  <a:pt x="743490" y="180766"/>
+                </a:moveTo>
+                <a:lnTo>
+                  <a:pt x="675862" y="162668"/>
+                </a:lnTo>
+                <a:lnTo>
+                  <a:pt x="657765" y="95041"/>
+                </a:lnTo>
+                <a:lnTo>
+                  <a:pt x="743490" y="9316"/>
+                </a:lnTo>
+                <a:cubicBezTo>
+                  <a:pt x="692055" y="-9734"/>
+                  <a:pt x="634905" y="743"/>
+                  <a:pt x="593947" y="37891"/>
+                </a:cubicBezTo>
+                <a:cubicBezTo>
+                  <a:pt x="553942" y="75038"/>
+                  <a:pt x="536797" y="131236"/>
+                  <a:pt x="552037" y="183623"/>
+                </a:cubicBezTo>
+                <a:lnTo>
+                  <a:pt x="182467" y="553194"/>
+                </a:lnTo>
+                <a:cubicBezTo>
+                  <a:pt x="130080" y="538906"/>
+                  <a:pt x="73882" y="556051"/>
+                  <a:pt x="37687" y="596056"/>
+                </a:cubicBezTo>
+                <a:cubicBezTo>
+                  <a:pt x="1492" y="636061"/>
+                  <a:pt x="-9938" y="693211"/>
+                  <a:pt x="9112" y="744646"/>
+                </a:cubicBezTo>
+                <a:lnTo>
+                  <a:pt x="94837" y="658921"/>
+                </a:lnTo>
+                <a:lnTo>
+                  <a:pt x="161512" y="677019"/>
+                </a:lnTo>
+                <a:lnTo>
+                  <a:pt x="179610" y="744646"/>
+                </a:lnTo>
+                <a:lnTo>
+                  <a:pt x="93885" y="830371"/>
+                </a:lnTo>
+                <a:cubicBezTo>
+                  <a:pt x="145320" y="849421"/>
+                  <a:pt x="202470" y="838944"/>
+                  <a:pt x="243427" y="801796"/>
+                </a:cubicBezTo>
+                <a:cubicBezTo>
+                  <a:pt x="283432" y="764648"/>
+                  <a:pt x="300577" y="708451"/>
+                  <a:pt x="285337" y="656064"/>
+                </a:cubicBezTo>
+                <a:lnTo>
+                  <a:pt x="654907" y="286493"/>
+                </a:lnTo>
+                <a:cubicBezTo>
+                  <a:pt x="707295" y="300781"/>
+                  <a:pt x="763492" y="283636"/>
+                  <a:pt x="799687" y="243631"/>
+                </a:cubicBezTo>
+                <a:cubicBezTo>
+                  <a:pt x="835882" y="203626"/>
+                  <a:pt x="847312" y="146476"/>
+                  <a:pt x="828262" y="95041"/>
+                </a:cubicBezTo>
+                <a:lnTo>
+                  <a:pt x="743490" y="180766"/>
+                </a:lnTo>
+                <a:close/>
+              </a:path>
+            </a:pathLst>
+          </a:custGeom>
+          <a:solidFill>
+            <a:srgbClr val="780019"/>
+          </a:solidFill>
+          <a:ln w="9525" cap="flat">
+            <a:noFill/>
+            <a:prstDash val="solid"/>
+            <a:miter/>
+          </a:ln>
+        </p:spPr>
+        <p:txBody>
+          <a:bodyPr rtlCol="0" anchor="ctr"/>
+          <a:lstStyle/>
+          <a:p>
+            <a:endParaRPr lang="en-US"/>
+          </a:p>
+        </p:txBody>
+      </p:sp>
+      <p:pic>
+        <p:nvPicPr>
+          <p:cNvPr id="10" name="Graphic 9" descr="Lightbulb and gear with solid fill">
+            <a:extLst>
+              <a:ext uri="{FF2B5EF4-FFF2-40B4-BE49-F238E27FC236}">
+                <a16:creationId xmlns:a16="http://schemas.microsoft.com/office/drawing/2014/main" id="{357942F7-DBBB-E6A8-116D-619A80FD7D60}"/>
+              </a:ext>
+            </a:extLst>
+          </p:cNvPr>
+          <p:cNvPicPr>
+            <a:picLocks noChangeAspect="1"/>
+          </p:cNvPicPr>
+          <p:nvPr/>
+        </p:nvPicPr>
+        <p:blipFill>
+          <a:blip r:embed="rId5">
+            <a:extLst>
+              <a:ext uri="{28A0092B-C50C-407E-A947-70E740481C1C}">
+                <a14:useLocalDpi xmlns:a14="http://schemas.microsoft.com/office/drawing/2010/main" val="0"/>
+              </a:ext>
+              <a:ext uri="{96DAC541-7B7A-43D3-8B79-37D633B846F1}">
+                <asvg:svgBlip xmlns:asvg="http://schemas.microsoft.com/office/drawing/2016/SVG/main" r:embed="rId6"/>
+              </a:ext>
+            </a:extLst>
+          </a:blip>
+          <a:stretch>
+            <a:fillRect/>
+          </a:stretch>
+        </p:blipFill>
+        <p:spPr>
+          <a:xfrm>
+            <a:off x="7141970" y="3669169"/>
+            <a:ext cx="1348366" cy="1348366"/>
+          </a:xfrm>
+          <a:prstGeom prst="rect">
+            <a:avLst/>
+          </a:prstGeom>
+        </p:spPr>
+      </p:pic>
+    </p:spTree>
+    <p:extLst>
+      <p:ext uri="{BB962C8B-B14F-4D97-AF65-F5344CB8AC3E}">
+        <p14:creationId xmlns:p14="http://schemas.microsoft.com/office/powerpoint/2010/main" val="3578679167"/>
+      </p:ext>
+    </p:extLst>
+  </p:cSld>
+  <p:clrMapOvr>
+    <a:masterClrMapping/>
+  </p:clrMapOvr>
+</p:sld>
+</file>
+
+<file path=ppt/slides/slide4.xml><?xml version="1.0" encoding="utf-8"?>
+<p:sld xmlns:a="http://schemas.openxmlformats.org/drawingml/2006/main" xmlns:r="http://schemas.openxmlformats.org/officeDocument/2006/relationships" xmlns:p="http://schemas.openxmlformats.org/presentationml/2006/main">
+  <p:cSld>
+    <p:spTree>
+      <p:nvGrpSpPr>
+        <p:cNvPr id="1" name=""/>
+        <p:cNvGrpSpPr/>
+        <p:nvPr/>
+      </p:nvGrpSpPr>
+      <p:grpSpPr>
+        <a:xfrm>
+          <a:off x="0" y="0"/>
+          <a:ext cx="0" cy="0"/>
+          <a:chOff x="0" y="0"/>
+          <a:chExt cx="0" cy="0"/>
+        </a:xfrm>
+      </p:grpSpPr>
+      <p:grpSp>
+        <p:nvGrpSpPr>
+          <p:cNvPr id="9" name="Group 8">
+            <a:extLst>
+              <a:ext uri="{FF2B5EF4-FFF2-40B4-BE49-F238E27FC236}">
+                <a16:creationId xmlns:a16="http://schemas.microsoft.com/office/drawing/2014/main" id="{4F3CCB9E-A603-ABD1-3B1A-7828CBDC88D2}"/>
+              </a:ext>
+            </a:extLst>
+          </p:cNvPr>
+          <p:cNvGrpSpPr/>
+          <p:nvPr/>
+        </p:nvGrpSpPr>
+        <p:grpSpPr>
+          <a:xfrm>
+            <a:off x="-22012" y="1"/>
+            <a:ext cx="12214013" cy="6858000"/>
+            <a:chOff x="-316535" y="-264860"/>
+            <a:chExt cx="12214013" cy="6858000"/>
+          </a:xfrm>
+        </p:grpSpPr>
+        <p:grpSp>
+          <p:nvGrpSpPr>
+            <p:cNvPr id="2" name="Group 1">
+              <a:extLst>
+                <a:ext uri="{FF2B5EF4-FFF2-40B4-BE49-F238E27FC236}">
+                  <a16:creationId xmlns:a16="http://schemas.microsoft.com/office/drawing/2014/main" id="{DF11FC94-137D-4459-A404-58D67DF47E40}"/>
+                </a:ext>
+              </a:extLst>
+            </p:cNvPr>
+            <p:cNvGrpSpPr/>
+            <p:nvPr/>
+          </p:nvGrpSpPr>
+          <p:grpSpPr>
+            <a:xfrm>
+              <a:off x="-316535" y="-264860"/>
+              <a:ext cx="12214013" cy="6858000"/>
+              <a:chOff x="-737" y="-302264"/>
+              <a:chExt cx="12214013" cy="6858000"/>
+            </a:xfrm>
+          </p:grpSpPr>
+          <p:sp>
+            <p:nvSpPr>
+              <p:cNvPr id="4" name="Rectangle: Rounded Corners 3">
+                <a:extLst>
+                  <a:ext uri="{FF2B5EF4-FFF2-40B4-BE49-F238E27FC236}">
+                    <a16:creationId xmlns:a16="http://schemas.microsoft.com/office/drawing/2014/main" id="{7DDC64BD-8508-452A-AEB2-D69F8A0B982D}"/>
+                  </a:ext>
+                </a:extLst>
+              </p:cNvPr>
+              <p:cNvSpPr/>
+              <p:nvPr/>
+            </p:nvSpPr>
+            <p:spPr>
+              <a:xfrm>
+                <a:off x="4128183" y="-302264"/>
+                <a:ext cx="4446529" cy="2709714"/>
+              </a:xfrm>
+              <a:prstGeom prst="roundRect">
+                <a:avLst/>
+              </a:prstGeom>
+              <a:solidFill>
+                <a:srgbClr val="FFCC33"/>
+              </a:solidFill>
+            </p:spPr>
+            <p:style>
+              <a:lnRef idx="2">
+                <a:schemeClr val="accent1">
+                  <a:shade val="50000"/>
+                </a:schemeClr>
+              </a:lnRef>
+              <a:fillRef idx="1">
+                <a:schemeClr val="accent1"/>
+              </a:fillRef>
+              <a:effectRef idx="0">
+                <a:schemeClr val="accent1"/>
+              </a:effectRef>
+              <a:fontRef idx="minor">
+                <a:schemeClr val="lt1"/>
+              </a:fontRef>
+            </p:style>
+            <p:txBody>
+              <a:bodyPr rtlCol="0" anchor="ctr"/>
+              <a:lstStyle/>
+              <a:p>
+                <a:pPr algn="ctr"/>
+                <a:endParaRPr lang="en-US" sz="3600" dirty="0">
+                  <a:solidFill>
+                    <a:srgbClr val="780019"/>
+                  </a:solidFill>
+                  <a:latin typeface="Arial" panose="020B0604020202020204" pitchFamily="34" charset="0"/>
+                  <a:cs typeface="Arial" panose="020B0604020202020204" pitchFamily="34" charset="0"/>
+                </a:endParaRPr>
+              </a:p>
+              <a:p>
+                <a:pPr algn="r"/>
+                <a:r>
+                  <a:rPr lang="en-US" sz="3600" dirty="0">
+                    <a:solidFill>
+                      <a:srgbClr val="780019"/>
+                    </a:solidFill>
+                    <a:latin typeface="Arial" panose="020B0604020202020204" pitchFamily="34" charset="0"/>
+                    <a:cs typeface="Arial" panose="020B0604020202020204" pitchFamily="34" charset="0"/>
+                  </a:rPr>
+                  <a:t>Molecular Phenomena in Aqueous Systems</a:t>
+                </a:r>
+              </a:p>
+            </p:txBody>
+          </p:sp>
+          <p:sp>
+            <p:nvSpPr>
+              <p:cNvPr id="5" name="Rectangle: Rounded Corners 4">
+                <a:extLst>
+                  <a:ext uri="{FF2B5EF4-FFF2-40B4-BE49-F238E27FC236}">
+                    <a16:creationId xmlns:a16="http://schemas.microsoft.com/office/drawing/2014/main" id="{0A89D17F-2F5B-4D52-A6E6-BF73C0E7748B}"/>
+                  </a:ext>
+                </a:extLst>
+              </p:cNvPr>
+              <p:cNvSpPr/>
+              <p:nvPr/>
+            </p:nvSpPr>
+            <p:spPr>
+              <a:xfrm>
+                <a:off x="-737" y="3846021"/>
+                <a:ext cx="4446528" cy="2709714"/>
+              </a:xfrm>
+              <a:prstGeom prst="roundRect">
+                <a:avLst/>
+              </a:prstGeom>
+              <a:solidFill>
+                <a:srgbClr val="FFCC33"/>
+              </a:solidFill>
+            </p:spPr>
+            <p:style>
+              <a:lnRef idx="2">
+                <a:schemeClr val="accent1">
+                  <a:shade val="50000"/>
+                </a:schemeClr>
+              </a:lnRef>
+              <a:fillRef idx="1">
+                <a:schemeClr val="accent1"/>
+              </a:fillRef>
+              <a:effectRef idx="0">
+                <a:schemeClr val="accent1"/>
+              </a:effectRef>
+              <a:fontRef idx="minor">
+                <a:schemeClr val="lt1"/>
+              </a:fontRef>
+            </p:style>
+            <p:txBody>
+              <a:bodyPr rtlCol="0" anchor="ctr"/>
+              <a:lstStyle/>
+              <a:p>
+                <a:pPr algn="ctr"/>
+                <a:endParaRPr lang="en-US" sz="3600" dirty="0">
+                  <a:solidFill>
+                    <a:srgbClr val="780019"/>
+                  </a:solidFill>
+                  <a:latin typeface="Arial" panose="020B0604020202020204" pitchFamily="34" charset="0"/>
+                  <a:cs typeface="Arial" panose="020B0604020202020204" pitchFamily="34" charset="0"/>
+                </a:endParaRPr>
+              </a:p>
+              <a:p>
+                <a:pPr algn="ctr"/>
+                <a:endParaRPr lang="en-US" sz="3600" dirty="0">
+                  <a:solidFill>
+                    <a:srgbClr val="780019"/>
+                  </a:solidFill>
+                  <a:latin typeface="Arial" panose="020B0604020202020204" pitchFamily="34" charset="0"/>
+                  <a:cs typeface="Arial" panose="020B0604020202020204" pitchFamily="34" charset="0"/>
+                </a:endParaRPr>
+              </a:p>
+              <a:p>
+                <a:pPr algn="r"/>
+                <a:r>
+                  <a:rPr lang="en-US" sz="3600" dirty="0">
+                    <a:solidFill>
+                      <a:srgbClr val="780019"/>
+                    </a:solidFill>
+                    <a:latin typeface="Arial" panose="020B0604020202020204" pitchFamily="34" charset="0"/>
+                    <a:cs typeface="Arial" panose="020B0604020202020204" pitchFamily="34" charset="0"/>
+                  </a:rPr>
+                  <a:t>Molecular Simulations &amp; Machine Learning</a:t>
+                </a:r>
+              </a:p>
+            </p:txBody>
+          </p:sp>
+          <p:sp>
+            <p:nvSpPr>
+              <p:cNvPr id="6" name="Rectangle: Rounded Corners 5">
+                <a:extLst>
+                  <a:ext uri="{FF2B5EF4-FFF2-40B4-BE49-F238E27FC236}">
+                    <a16:creationId xmlns:a16="http://schemas.microsoft.com/office/drawing/2014/main" id="{C5D43A14-59FA-41AE-86C5-18F6F4355354}"/>
+                  </a:ext>
+                </a:extLst>
+              </p:cNvPr>
+              <p:cNvSpPr/>
+              <p:nvPr/>
+            </p:nvSpPr>
+            <p:spPr>
+              <a:xfrm>
+                <a:off x="7766748" y="3846022"/>
+                <a:ext cx="4446528" cy="2709714"/>
+              </a:xfrm>
+              <a:prstGeom prst="roundRect">
+                <a:avLst/>
+              </a:prstGeom>
+              <a:solidFill>
+                <a:srgbClr val="FFCC33"/>
+              </a:solidFill>
+            </p:spPr>
+            <p:style>
+              <a:lnRef idx="2">
+                <a:schemeClr val="accent1">
+                  <a:shade val="50000"/>
+                </a:schemeClr>
+              </a:lnRef>
+              <a:fillRef idx="1">
+                <a:schemeClr val="accent1"/>
+              </a:fillRef>
+              <a:effectRef idx="0">
+                <a:schemeClr val="accent1"/>
+              </a:effectRef>
+              <a:fontRef idx="minor">
+                <a:schemeClr val="lt1"/>
+              </a:fontRef>
+            </p:style>
+            <p:txBody>
+              <a:bodyPr rtlCol="0" anchor="ctr"/>
+              <a:lstStyle/>
+              <a:p>
+                <a:pPr algn="ctr"/>
+                <a:endParaRPr lang="en-US" sz="3200" dirty="0">
+                  <a:solidFill>
+                    <a:srgbClr val="780019"/>
+                  </a:solidFill>
+                  <a:latin typeface="Arial" panose="020B0604020202020204" pitchFamily="34" charset="0"/>
+                  <a:cs typeface="Arial" panose="020B0604020202020204" pitchFamily="34" charset="0"/>
+                </a:endParaRPr>
+              </a:p>
+              <a:p>
+                <a:pPr algn="ctr"/>
+                <a:endParaRPr lang="en-US" sz="3200" dirty="0">
+                  <a:solidFill>
+                    <a:srgbClr val="780019"/>
+                  </a:solidFill>
+                  <a:latin typeface="Arial" panose="020B0604020202020204" pitchFamily="34" charset="0"/>
+                  <a:cs typeface="Arial" panose="020B0604020202020204" pitchFamily="34" charset="0"/>
+                </a:endParaRPr>
+              </a:p>
+              <a:p>
+                <a:pPr algn="r"/>
+                <a:r>
+                  <a:rPr lang="en-US" sz="3200" dirty="0">
+                    <a:solidFill>
+                      <a:srgbClr val="780019"/>
+                    </a:solidFill>
+                    <a:latin typeface="Arial" panose="020B0604020202020204" pitchFamily="34" charset="0"/>
+                    <a:cs typeface="Arial" panose="020B0604020202020204" pitchFamily="34" charset="0"/>
+                  </a:rPr>
+                  <a:t>Advanced Methods &amp; Software to Study Mechanisms</a:t>
+                </a:r>
+              </a:p>
+            </p:txBody>
+          </p:sp>
+        </p:grpSp>
+        <p:pic>
+          <p:nvPicPr>
+            <p:cNvPr id="11" name="Picture 10">
+              <a:extLst>
+                <a:ext uri="{FF2B5EF4-FFF2-40B4-BE49-F238E27FC236}">
+                  <a16:creationId xmlns:a16="http://schemas.microsoft.com/office/drawing/2014/main" id="{5238675F-2C41-B62A-C599-95DBACE6D039}"/>
+                </a:ext>
+              </a:extLst>
+            </p:cNvPr>
+            <p:cNvPicPr>
+              <a:picLocks noChangeAspect="1"/>
+            </p:cNvPicPr>
+            <p:nvPr/>
+          </p:nvPicPr>
+          <p:blipFill>
+            <a:blip r:embed="rId2">
+              <a:extLst>
+                <a:ext uri="{28A0092B-C50C-407E-A947-70E740481C1C}">
+                  <a14:useLocalDpi xmlns:a14="http://schemas.microsoft.com/office/drawing/2010/main" val="0"/>
+                </a:ext>
+              </a:extLst>
+            </a:blip>
+            <a:stretch>
+              <a:fillRect/>
+            </a:stretch>
+          </p:blipFill>
+          <p:spPr>
+            <a:xfrm>
+              <a:off x="4389705" y="2617825"/>
+              <a:ext cx="2823544" cy="2829190"/>
+            </a:xfrm>
+            <a:prstGeom prst="rect">
+              <a:avLst/>
+            </a:prstGeom>
+          </p:spPr>
+        </p:pic>
+      </p:grpSp>
+      <p:pic>
+        <p:nvPicPr>
+          <p:cNvPr id="3" name="Graphic 2" descr="Search Inventory with solid fill">
+            <a:extLst>
+              <a:ext uri="{FF2B5EF4-FFF2-40B4-BE49-F238E27FC236}">
+                <a16:creationId xmlns:a16="http://schemas.microsoft.com/office/drawing/2014/main" id="{8A94A877-8A16-9110-7E84-E7D676901E98}"/>
+              </a:ext>
+            </a:extLst>
+          </p:cNvPr>
+          <p:cNvPicPr>
+            <a:picLocks noChangeAspect="1"/>
+          </p:cNvPicPr>
+          <p:nvPr/>
+        </p:nvPicPr>
+        <p:blipFill>
+          <a:blip r:embed="rId3">
+            <a:extLst>
+              <a:ext uri="{28A0092B-C50C-407E-A947-70E740481C1C}">
+                <a14:useLocalDpi xmlns:a14="http://schemas.microsoft.com/office/drawing/2010/main" val="0"/>
+              </a:ext>
+              <a:ext uri="{96DAC541-7B7A-43D3-8B79-37D633B846F1}">
+                <asvg:svgBlip xmlns:asvg="http://schemas.microsoft.com/office/drawing/2016/SVG/main" r:embed="rId4"/>
+              </a:ext>
+            </a:extLst>
+          </a:blip>
+          <a:stretch>
+            <a:fillRect/>
+          </a:stretch>
+        </p:blipFill>
+        <p:spPr>
+          <a:xfrm>
+            <a:off x="4106908" y="0"/>
+            <a:ext cx="1286563" cy="1286563"/>
+          </a:xfrm>
+          <a:prstGeom prst="rect">
+            <a:avLst/>
+          </a:prstGeom>
+        </p:spPr>
+      </p:pic>
+      <p:sp>
+        <p:nvSpPr>
+          <p:cNvPr id="8" name="Graphic 13" descr="Wrench with solid fill">
+            <a:extLst>
+              <a:ext uri="{FF2B5EF4-FFF2-40B4-BE49-F238E27FC236}">
+                <a16:creationId xmlns:a16="http://schemas.microsoft.com/office/drawing/2014/main" id="{0E1665E4-18A1-B168-375D-8B423344C89C}"/>
+              </a:ext>
+            </a:extLst>
+          </p:cNvPr>
+          <p:cNvSpPr/>
+          <p:nvPr/>
+        </p:nvSpPr>
+        <p:spPr>
+          <a:xfrm>
+            <a:off x="142626" y="4297281"/>
+            <a:ext cx="1202542" cy="1205862"/>
+          </a:xfrm>
+          <a:custGeom>
+            <a:avLst/>
+            <a:gdLst>
+              <a:gd name="connsiteX0" fmla="*/ 743490 w 837374"/>
+              <a:gd name="connsiteY0" fmla="*/ 180766 h 839686"/>
+              <a:gd name="connsiteX1" fmla="*/ 675862 w 837374"/>
+              <a:gd name="connsiteY1" fmla="*/ 162668 h 839686"/>
+              <a:gd name="connsiteX2" fmla="*/ 657765 w 837374"/>
+              <a:gd name="connsiteY2" fmla="*/ 95041 h 839686"/>
+              <a:gd name="connsiteX3" fmla="*/ 743490 w 837374"/>
+              <a:gd name="connsiteY3" fmla="*/ 9316 h 839686"/>
+              <a:gd name="connsiteX4" fmla="*/ 593947 w 837374"/>
+              <a:gd name="connsiteY4" fmla="*/ 37891 h 839686"/>
+              <a:gd name="connsiteX5" fmla="*/ 552037 w 837374"/>
+              <a:gd name="connsiteY5" fmla="*/ 183623 h 839686"/>
+              <a:gd name="connsiteX6" fmla="*/ 182467 w 837374"/>
+              <a:gd name="connsiteY6" fmla="*/ 553194 h 839686"/>
+              <a:gd name="connsiteX7" fmla="*/ 37687 w 837374"/>
+              <a:gd name="connsiteY7" fmla="*/ 596056 h 839686"/>
+              <a:gd name="connsiteX8" fmla="*/ 9112 w 837374"/>
+              <a:gd name="connsiteY8" fmla="*/ 744646 h 839686"/>
+              <a:gd name="connsiteX9" fmla="*/ 94837 w 837374"/>
+              <a:gd name="connsiteY9" fmla="*/ 658921 h 839686"/>
+              <a:gd name="connsiteX10" fmla="*/ 161512 w 837374"/>
+              <a:gd name="connsiteY10" fmla="*/ 677019 h 839686"/>
+              <a:gd name="connsiteX11" fmla="*/ 179610 w 837374"/>
+              <a:gd name="connsiteY11" fmla="*/ 744646 h 839686"/>
+              <a:gd name="connsiteX12" fmla="*/ 93885 w 837374"/>
+              <a:gd name="connsiteY12" fmla="*/ 830371 h 839686"/>
+              <a:gd name="connsiteX13" fmla="*/ 243427 w 837374"/>
+              <a:gd name="connsiteY13" fmla="*/ 801796 h 839686"/>
+              <a:gd name="connsiteX14" fmla="*/ 285337 w 837374"/>
+              <a:gd name="connsiteY14" fmla="*/ 656064 h 839686"/>
+              <a:gd name="connsiteX15" fmla="*/ 654907 w 837374"/>
+              <a:gd name="connsiteY15" fmla="*/ 286493 h 839686"/>
+              <a:gd name="connsiteX16" fmla="*/ 799687 w 837374"/>
+              <a:gd name="connsiteY16" fmla="*/ 243631 h 839686"/>
+              <a:gd name="connsiteX17" fmla="*/ 828262 w 837374"/>
+              <a:gd name="connsiteY17" fmla="*/ 95041 h 839686"/>
+              <a:gd name="connsiteX18" fmla="*/ 743490 w 837374"/>
+              <a:gd name="connsiteY18" fmla="*/ 180766 h 839686"/>
+            </a:gdLst>
+            <a:ahLst/>
+            <a:cxnLst>
+              <a:cxn ang="0">
+                <a:pos x="connsiteX0" y="connsiteY0"/>
+              </a:cxn>
+              <a:cxn ang="0">
+                <a:pos x="connsiteX1" y="connsiteY1"/>
+              </a:cxn>
+              <a:cxn ang="0">
+                <a:pos x="connsiteX2" y="connsiteY2"/>
+              </a:cxn>
+              <a:cxn ang="0">
+                <a:pos x="connsiteX3" y="connsiteY3"/>
+              </a:cxn>
+              <a:cxn ang="0">
+                <a:pos x="connsiteX4" y="connsiteY4"/>
+              </a:cxn>
+              <a:cxn ang="0">
+                <a:pos x="connsiteX5" y="connsiteY5"/>
+              </a:cxn>
+              <a:cxn ang="0">
+                <a:pos x="connsiteX6" y="connsiteY6"/>
+              </a:cxn>
+              <a:cxn ang="0">
+                <a:pos x="connsiteX7" y="connsiteY7"/>
+              </a:cxn>
+              <a:cxn ang="0">
+                <a:pos x="connsiteX8" y="connsiteY8"/>
+              </a:cxn>
+              <a:cxn ang="0">
+                <a:pos x="connsiteX9" y="connsiteY9"/>
+              </a:cxn>
+              <a:cxn ang="0">
+                <a:pos x="connsiteX10" y="connsiteY10"/>
+              </a:cxn>
+              <a:cxn ang="0">
+                <a:pos x="connsiteX11" y="connsiteY11"/>
+              </a:cxn>
+              <a:cxn ang="0">
+                <a:pos x="connsiteX12" y="connsiteY12"/>
+              </a:cxn>
+              <a:cxn ang="0">
+                <a:pos x="connsiteX13" y="connsiteY13"/>
+              </a:cxn>
+              <a:cxn ang="0">
+                <a:pos x="connsiteX14" y="connsiteY14"/>
+              </a:cxn>
+              <a:cxn ang="0">
+                <a:pos x="connsiteX15" y="connsiteY15"/>
+              </a:cxn>
+              <a:cxn ang="0">
+                <a:pos x="connsiteX16" y="connsiteY16"/>
+              </a:cxn>
+              <a:cxn ang="0">
+                <a:pos x="connsiteX17" y="connsiteY17"/>
+              </a:cxn>
+              <a:cxn ang="0">
+                <a:pos x="connsiteX18" y="connsiteY18"/>
+              </a:cxn>
+            </a:cxnLst>
+            <a:rect l="l" t="t" r="r" b="b"/>
+            <a:pathLst>
+              <a:path w="837374" h="839686">
+                <a:moveTo>
+                  <a:pt x="743490" y="180766"/>
+                </a:moveTo>
+                <a:lnTo>
+                  <a:pt x="675862" y="162668"/>
+                </a:lnTo>
+                <a:lnTo>
+                  <a:pt x="657765" y="95041"/>
+                </a:lnTo>
+                <a:lnTo>
+                  <a:pt x="743490" y="9316"/>
+                </a:lnTo>
+                <a:cubicBezTo>
+                  <a:pt x="692055" y="-9734"/>
+                  <a:pt x="634905" y="743"/>
+                  <a:pt x="593947" y="37891"/>
+                </a:cubicBezTo>
+                <a:cubicBezTo>
+                  <a:pt x="553942" y="75038"/>
+                  <a:pt x="536797" y="131236"/>
+                  <a:pt x="552037" y="183623"/>
+                </a:cubicBezTo>
+                <a:lnTo>
+                  <a:pt x="182467" y="553194"/>
+                </a:lnTo>
+                <a:cubicBezTo>
+                  <a:pt x="130080" y="538906"/>
+                  <a:pt x="73882" y="556051"/>
+                  <a:pt x="37687" y="596056"/>
+                </a:cubicBezTo>
+                <a:cubicBezTo>
+                  <a:pt x="1492" y="636061"/>
+                  <a:pt x="-9938" y="693211"/>
+                  <a:pt x="9112" y="744646"/>
+                </a:cubicBezTo>
+                <a:lnTo>
+                  <a:pt x="94837" y="658921"/>
+                </a:lnTo>
+                <a:lnTo>
+                  <a:pt x="161512" y="677019"/>
+                </a:lnTo>
+                <a:lnTo>
+                  <a:pt x="179610" y="744646"/>
+                </a:lnTo>
+                <a:lnTo>
+                  <a:pt x="93885" y="830371"/>
+                </a:lnTo>
+                <a:cubicBezTo>
+                  <a:pt x="145320" y="849421"/>
+                  <a:pt x="202470" y="838944"/>
+                  <a:pt x="243427" y="801796"/>
+                </a:cubicBezTo>
+                <a:cubicBezTo>
+                  <a:pt x="283432" y="764648"/>
+                  <a:pt x="300577" y="708451"/>
+                  <a:pt x="285337" y="656064"/>
+                </a:cubicBezTo>
+                <a:lnTo>
+                  <a:pt x="654907" y="286493"/>
+                </a:lnTo>
+                <a:cubicBezTo>
+                  <a:pt x="707295" y="300781"/>
+                  <a:pt x="763492" y="283636"/>
+                  <a:pt x="799687" y="243631"/>
+                </a:cubicBezTo>
+                <a:cubicBezTo>
+                  <a:pt x="835882" y="203626"/>
+                  <a:pt x="847312" y="146476"/>
+                  <a:pt x="828262" y="95041"/>
+                </a:cubicBezTo>
+                <a:lnTo>
+                  <a:pt x="743490" y="180766"/>
+                </a:lnTo>
+                <a:close/>
+              </a:path>
+            </a:pathLst>
+          </a:custGeom>
+          <a:solidFill>
+            <a:srgbClr val="780019"/>
+          </a:solidFill>
+          <a:ln w="9525" cap="flat">
+            <a:noFill/>
+            <a:prstDash val="solid"/>
+            <a:miter/>
+          </a:ln>
+        </p:spPr>
+        <p:txBody>
+          <a:bodyPr rtlCol="0" anchor="ctr"/>
+          <a:lstStyle/>
+          <a:p>
+            <a:endParaRPr lang="en-US"/>
+          </a:p>
+        </p:txBody>
+      </p:sp>
+      <p:pic>
+        <p:nvPicPr>
+          <p:cNvPr id="10" name="Graphic 9" descr="Lightbulb and gear with solid fill">
+            <a:extLst>
+              <a:ext uri="{FF2B5EF4-FFF2-40B4-BE49-F238E27FC236}">
+                <a16:creationId xmlns:a16="http://schemas.microsoft.com/office/drawing/2014/main" id="{357942F7-DBBB-E6A8-116D-619A80FD7D60}"/>
+              </a:ext>
+            </a:extLst>
+          </p:cNvPr>
+          <p:cNvPicPr>
+            <a:picLocks noChangeAspect="1"/>
+          </p:cNvPicPr>
+          <p:nvPr/>
+        </p:nvPicPr>
+        <p:blipFill>
+          <a:blip r:embed="rId5">
+            <a:extLst>
+              <a:ext uri="{28A0092B-C50C-407E-A947-70E740481C1C}">
+                <a14:useLocalDpi xmlns:a14="http://schemas.microsoft.com/office/drawing/2010/main" val="0"/>
+              </a:ext>
+              <a:ext uri="{96DAC541-7B7A-43D3-8B79-37D633B846F1}">
+                <asvg:svgBlip xmlns:asvg="http://schemas.microsoft.com/office/drawing/2016/SVG/main" r:embed="rId6"/>
+              </a:ext>
+            </a:extLst>
+          </a:blip>
+          <a:stretch>
+            <a:fillRect/>
+          </a:stretch>
+        </p:blipFill>
+        <p:spPr>
+          <a:xfrm>
+            <a:off x="7950747" y="4148286"/>
+            <a:ext cx="1205379" cy="1205379"/>
+          </a:xfrm>
+          <a:prstGeom prst="rect">
+            <a:avLst/>
+          </a:prstGeom>
+        </p:spPr>
+      </p:pic>
+    </p:spTree>
+    <p:extLst>
+      <p:ext uri="{BB962C8B-B14F-4D97-AF65-F5344CB8AC3E}">
+        <p14:creationId xmlns:p14="http://schemas.microsoft.com/office/powerpoint/2010/main" val="4147769947"/>
+      </p:ext>
+    </p:extLst>
+  </p:cSld>
+  <p:clrMapOvr>
+    <a:masterClrMapping/>
+  </p:clrMapOvr>
+</p:sld>
+</file>
+
 <file path=ppt/theme/theme1.xml><?xml version="1.0" encoding="utf-8"?>
 <a:theme xmlns:a="http://schemas.openxmlformats.org/drawingml/2006/main" name="Office Theme">
   <a:themeElements>

--- a/Data/cover_image.pptx
+++ b/Data/cover_image.pptx
@@ -2,21 +2,25 @@
 <file path=ppt/presentation.xml><?xml version="1.0" encoding="utf-8"?>
 <p:presentation xmlns:a="http://schemas.openxmlformats.org/drawingml/2006/main" xmlns:r="http://schemas.openxmlformats.org/officeDocument/2006/relationships" xmlns:p="http://schemas.openxmlformats.org/presentationml/2006/main" saveSubsetFonts="1">
   <p:sldMasterIdLst>
-    <p:sldMasterId id="2147483648" r:id="rId1"/>
+    <p:sldMasterId id="2147483708" r:id="rId1"/>
   </p:sldMasterIdLst>
+  <p:notesMasterIdLst>
+    <p:notesMasterId r:id="rId7"/>
+  </p:notesMasterIdLst>
   <p:sldIdLst>
-    <p:sldId id="256" r:id="rId2"/>
-    <p:sldId id="258" r:id="rId3"/>
-    <p:sldId id="259" r:id="rId4"/>
-    <p:sldId id="260" r:id="rId5"/>
+    <p:sldId id="260" r:id="rId2"/>
+    <p:sldId id="263" r:id="rId3"/>
+    <p:sldId id="269" r:id="rId4"/>
+    <p:sldId id="272" r:id="rId5"/>
+    <p:sldId id="271" r:id="rId6"/>
   </p:sldIdLst>
-  <p:sldSz cx="12192000" cy="6858000"/>
+  <p:sldSz cx="22758400" cy="12801600"/>
   <p:notesSz cx="6858000" cy="9144000"/>
   <p:defaultTextStyle>
     <a:defPPr>
       <a:defRPr lang="en-US"/>
     </a:defPPr>
-    <a:lvl1pPr marL="0" algn="l" defTabSz="914400" rtl="0" eaLnBrk="1" latinLnBrk="0" hangingPunct="1">
+    <a:lvl1pPr marL="0" algn="l" defTabSz="457200" rtl="0" eaLnBrk="1" latinLnBrk="0" hangingPunct="1">
       <a:defRPr sz="1800" kern="1200">
         <a:solidFill>
           <a:schemeClr val="tx1"/>
@@ -26,7 +30,7 @@
         <a:cs typeface="+mn-cs"/>
       </a:defRPr>
     </a:lvl1pPr>
-    <a:lvl2pPr marL="457200" algn="l" defTabSz="914400" rtl="0" eaLnBrk="1" latinLnBrk="0" hangingPunct="1">
+    <a:lvl2pPr marL="457200" algn="l" defTabSz="457200" rtl="0" eaLnBrk="1" latinLnBrk="0" hangingPunct="1">
       <a:defRPr sz="1800" kern="1200">
         <a:solidFill>
           <a:schemeClr val="tx1"/>
@@ -36,7 +40,7 @@
         <a:cs typeface="+mn-cs"/>
       </a:defRPr>
     </a:lvl2pPr>
-    <a:lvl3pPr marL="914400" algn="l" defTabSz="914400" rtl="0" eaLnBrk="1" latinLnBrk="0" hangingPunct="1">
+    <a:lvl3pPr marL="914400" algn="l" defTabSz="457200" rtl="0" eaLnBrk="1" latinLnBrk="0" hangingPunct="1">
       <a:defRPr sz="1800" kern="1200">
         <a:solidFill>
           <a:schemeClr val="tx1"/>
@@ -46,7 +50,7 @@
         <a:cs typeface="+mn-cs"/>
       </a:defRPr>
     </a:lvl3pPr>
-    <a:lvl4pPr marL="1371600" algn="l" defTabSz="914400" rtl="0" eaLnBrk="1" latinLnBrk="0" hangingPunct="1">
+    <a:lvl4pPr marL="1371600" algn="l" defTabSz="457200" rtl="0" eaLnBrk="1" latinLnBrk="0" hangingPunct="1">
       <a:defRPr sz="1800" kern="1200">
         <a:solidFill>
           <a:schemeClr val="tx1"/>
@@ -56,7 +60,7 @@
         <a:cs typeface="+mn-cs"/>
       </a:defRPr>
     </a:lvl4pPr>
-    <a:lvl5pPr marL="1828800" algn="l" defTabSz="914400" rtl="0" eaLnBrk="1" latinLnBrk="0" hangingPunct="1">
+    <a:lvl5pPr marL="1828800" algn="l" defTabSz="457200" rtl="0" eaLnBrk="1" latinLnBrk="0" hangingPunct="1">
       <a:defRPr sz="1800" kern="1200">
         <a:solidFill>
           <a:schemeClr val="tx1"/>
@@ -66,7 +70,7 @@
         <a:cs typeface="+mn-cs"/>
       </a:defRPr>
     </a:lvl5pPr>
-    <a:lvl6pPr marL="2286000" algn="l" defTabSz="914400" rtl="0" eaLnBrk="1" latinLnBrk="0" hangingPunct="1">
+    <a:lvl6pPr marL="2286000" algn="l" defTabSz="457200" rtl="0" eaLnBrk="1" latinLnBrk="0" hangingPunct="1">
       <a:defRPr sz="1800" kern="1200">
         <a:solidFill>
           <a:schemeClr val="tx1"/>
@@ -76,7 +80,7 @@
         <a:cs typeface="+mn-cs"/>
       </a:defRPr>
     </a:lvl6pPr>
-    <a:lvl7pPr marL="2743200" algn="l" defTabSz="914400" rtl="0" eaLnBrk="1" latinLnBrk="0" hangingPunct="1">
+    <a:lvl7pPr marL="2743200" algn="l" defTabSz="457200" rtl="0" eaLnBrk="1" latinLnBrk="0" hangingPunct="1">
       <a:defRPr sz="1800" kern="1200">
         <a:solidFill>
           <a:schemeClr val="tx1"/>
@@ -86,7 +90,7 @@
         <a:cs typeface="+mn-cs"/>
       </a:defRPr>
     </a:lvl7pPr>
-    <a:lvl8pPr marL="3200400" algn="l" defTabSz="914400" rtl="0" eaLnBrk="1" latinLnBrk="0" hangingPunct="1">
+    <a:lvl8pPr marL="3200400" algn="l" defTabSz="457200" rtl="0" eaLnBrk="1" latinLnBrk="0" hangingPunct="1">
       <a:defRPr sz="1800" kern="1200">
         <a:solidFill>
           <a:schemeClr val="tx1"/>
@@ -96,7 +100,7 @@
         <a:cs typeface="+mn-cs"/>
       </a:defRPr>
     </a:lvl8pPr>
-    <a:lvl9pPr marL="3657600" algn="l" defTabSz="914400" rtl="0" eaLnBrk="1" latinLnBrk="0" hangingPunct="1">
+    <a:lvl9pPr marL="3657600" algn="l" defTabSz="457200" rtl="0" eaLnBrk="1" latinLnBrk="0" hangingPunct="1">
       <a:defRPr sz="1800" kern="1200">
         <a:solidFill>
           <a:schemeClr val="tx1"/>
@@ -109,10 +113,459 @@
   </p:defaultTextStyle>
   <p:extLst>
     <p:ext uri="{EFAFB233-063F-42B5-8137-9DF3F51BA10A}">
-      <p15:sldGuideLst xmlns:p15="http://schemas.microsoft.com/office/powerpoint/2012/main"/>
+      <p15:sldGuideLst xmlns:p15="http://schemas.microsoft.com/office/powerpoint/2012/main">
+        <p15:guide id="1" orient="horz" pos="4032" userDrawn="1">
+          <p15:clr>
+            <a:srgbClr val="A4A3A4"/>
+          </p15:clr>
+        </p15:guide>
+        <p15:guide id="2" pos="7168" userDrawn="1">
+          <p15:clr>
+            <a:srgbClr val="A4A3A4"/>
+          </p15:clr>
+        </p15:guide>
+      </p15:sldGuideLst>
     </p:ext>
   </p:extLst>
 </p:presentation>
+</file>
+
+<file path=ppt/notesMasters/notesMaster1.xml><?xml version="1.0" encoding="utf-8"?>
+<p:notesMaster xmlns:a="http://schemas.openxmlformats.org/drawingml/2006/main" xmlns:r="http://schemas.openxmlformats.org/officeDocument/2006/relationships" xmlns:p="http://schemas.openxmlformats.org/presentationml/2006/main">
+  <p:cSld>
+    <p:bg>
+      <p:bgRef idx="1001">
+        <a:schemeClr val="bg1"/>
+      </p:bgRef>
+    </p:bg>
+    <p:spTree>
+      <p:nvGrpSpPr>
+        <p:cNvPr id="1" name=""/>
+        <p:cNvGrpSpPr/>
+        <p:nvPr/>
+      </p:nvGrpSpPr>
+      <p:grpSpPr>
+        <a:xfrm>
+          <a:off x="0" y="0"/>
+          <a:ext cx="0" cy="0"/>
+          <a:chOff x="0" y="0"/>
+          <a:chExt cx="0" cy="0"/>
+        </a:xfrm>
+      </p:grpSpPr>
+      <p:sp>
+        <p:nvSpPr>
+          <p:cNvPr id="2" name="Header Placeholder 1"/>
+          <p:cNvSpPr>
+            <a:spLocks noGrp="1"/>
+          </p:cNvSpPr>
+          <p:nvPr>
+            <p:ph type="hdr" sz="quarter"/>
+          </p:nvPr>
+        </p:nvSpPr>
+        <p:spPr>
+          <a:xfrm>
+            <a:off x="0" y="0"/>
+            <a:ext cx="2971800" cy="458788"/>
+          </a:xfrm>
+          <a:prstGeom prst="rect">
+            <a:avLst/>
+          </a:prstGeom>
+        </p:spPr>
+        <p:txBody>
+          <a:bodyPr vert="horz" lIns="91440" tIns="45720" rIns="91440" bIns="45720" rtlCol="0"/>
+          <a:lstStyle>
+            <a:lvl1pPr algn="l">
+              <a:defRPr sz="1200"/>
+            </a:lvl1pPr>
+          </a:lstStyle>
+          <a:p>
+            <a:endParaRPr lang="en-US"/>
+          </a:p>
+        </p:txBody>
+      </p:sp>
+      <p:sp>
+        <p:nvSpPr>
+          <p:cNvPr id="3" name="Date Placeholder 2"/>
+          <p:cNvSpPr>
+            <a:spLocks noGrp="1"/>
+          </p:cNvSpPr>
+          <p:nvPr>
+            <p:ph type="dt" idx="1"/>
+          </p:nvPr>
+        </p:nvSpPr>
+        <p:spPr>
+          <a:xfrm>
+            <a:off x="3884613" y="0"/>
+            <a:ext cx="2971800" cy="458788"/>
+          </a:xfrm>
+          <a:prstGeom prst="rect">
+            <a:avLst/>
+          </a:prstGeom>
+        </p:spPr>
+        <p:txBody>
+          <a:bodyPr vert="horz" lIns="91440" tIns="45720" rIns="91440" bIns="45720" rtlCol="0"/>
+          <a:lstStyle>
+            <a:lvl1pPr algn="r">
+              <a:defRPr sz="1200"/>
+            </a:lvl1pPr>
+          </a:lstStyle>
+          <a:p>
+            <a:fld id="{D6EBDCDB-5C13-8D41-86D7-695E06C502A8}" type="datetimeFigureOut">
+              <a:rPr lang="en-US" smtClean="0"/>
+              <a:t>10/17/22</a:t>
+            </a:fld>
+            <a:endParaRPr lang="en-US"/>
+          </a:p>
+        </p:txBody>
+      </p:sp>
+      <p:sp>
+        <p:nvSpPr>
+          <p:cNvPr id="4" name="Slide Image Placeholder 3"/>
+          <p:cNvSpPr>
+            <a:spLocks noGrp="1" noRot="1" noChangeAspect="1"/>
+          </p:cNvSpPr>
+          <p:nvPr>
+            <p:ph type="sldImg" idx="2"/>
+          </p:nvPr>
+        </p:nvSpPr>
+        <p:spPr>
+          <a:xfrm>
+            <a:off x="685800" y="1143000"/>
+            <a:ext cx="5486400" cy="3086100"/>
+          </a:xfrm>
+          <a:prstGeom prst="rect">
+            <a:avLst/>
+          </a:prstGeom>
+          <a:noFill/>
+          <a:ln w="12700">
+            <a:solidFill>
+              <a:prstClr val="black"/>
+            </a:solidFill>
+          </a:ln>
+        </p:spPr>
+        <p:txBody>
+          <a:bodyPr vert="horz" lIns="91440" tIns="45720" rIns="91440" bIns="45720" rtlCol="0" anchor="ctr"/>
+          <a:lstStyle/>
+          <a:p>
+            <a:endParaRPr lang="en-US"/>
+          </a:p>
+        </p:txBody>
+      </p:sp>
+      <p:sp>
+        <p:nvSpPr>
+          <p:cNvPr id="5" name="Notes Placeholder 4"/>
+          <p:cNvSpPr>
+            <a:spLocks noGrp="1"/>
+          </p:cNvSpPr>
+          <p:nvPr>
+            <p:ph type="body" sz="quarter" idx="3"/>
+          </p:nvPr>
+        </p:nvSpPr>
+        <p:spPr>
+          <a:xfrm>
+            <a:off x="685800" y="4400550"/>
+            <a:ext cx="5486400" cy="3600450"/>
+          </a:xfrm>
+          <a:prstGeom prst="rect">
+            <a:avLst/>
+          </a:prstGeom>
+        </p:spPr>
+        <p:txBody>
+          <a:bodyPr vert="horz" lIns="91440" tIns="45720" rIns="91440" bIns="45720" rtlCol="0"/>
+          <a:lstStyle/>
+          <a:p>
+            <a:pPr lvl="0"/>
+            <a:r>
+              <a:rPr lang="en-US"/>
+              <a:t>Click to edit Master text styles</a:t>
+            </a:r>
+          </a:p>
+          <a:p>
+            <a:pPr lvl="1"/>
+            <a:r>
+              <a:rPr lang="en-US"/>
+              <a:t>Second level</a:t>
+            </a:r>
+          </a:p>
+          <a:p>
+            <a:pPr lvl="2"/>
+            <a:r>
+              <a:rPr lang="en-US"/>
+              <a:t>Third level</a:t>
+            </a:r>
+          </a:p>
+          <a:p>
+            <a:pPr lvl="3"/>
+            <a:r>
+              <a:rPr lang="en-US"/>
+              <a:t>Fourth level</a:t>
+            </a:r>
+          </a:p>
+          <a:p>
+            <a:pPr lvl="4"/>
+            <a:r>
+              <a:rPr lang="en-US"/>
+              <a:t>Fifth level</a:t>
+            </a:r>
+          </a:p>
+        </p:txBody>
+      </p:sp>
+      <p:sp>
+        <p:nvSpPr>
+          <p:cNvPr id="6" name="Footer Placeholder 5"/>
+          <p:cNvSpPr>
+            <a:spLocks noGrp="1"/>
+          </p:cNvSpPr>
+          <p:nvPr>
+            <p:ph type="ftr" sz="quarter" idx="4"/>
+          </p:nvPr>
+        </p:nvSpPr>
+        <p:spPr>
+          <a:xfrm>
+            <a:off x="0" y="8685213"/>
+            <a:ext cx="2971800" cy="458787"/>
+          </a:xfrm>
+          <a:prstGeom prst="rect">
+            <a:avLst/>
+          </a:prstGeom>
+        </p:spPr>
+        <p:txBody>
+          <a:bodyPr vert="horz" lIns="91440" tIns="45720" rIns="91440" bIns="45720" rtlCol="0" anchor="b"/>
+          <a:lstStyle>
+            <a:lvl1pPr algn="l">
+              <a:defRPr sz="1200"/>
+            </a:lvl1pPr>
+          </a:lstStyle>
+          <a:p>
+            <a:endParaRPr lang="en-US"/>
+          </a:p>
+        </p:txBody>
+      </p:sp>
+      <p:sp>
+        <p:nvSpPr>
+          <p:cNvPr id="7" name="Slide Number Placeholder 6"/>
+          <p:cNvSpPr>
+            <a:spLocks noGrp="1"/>
+          </p:cNvSpPr>
+          <p:nvPr>
+            <p:ph type="sldNum" sz="quarter" idx="5"/>
+          </p:nvPr>
+        </p:nvSpPr>
+        <p:spPr>
+          <a:xfrm>
+            <a:off x="3884613" y="8685213"/>
+            <a:ext cx="2971800" cy="458787"/>
+          </a:xfrm>
+          <a:prstGeom prst="rect">
+            <a:avLst/>
+          </a:prstGeom>
+        </p:spPr>
+        <p:txBody>
+          <a:bodyPr vert="horz" lIns="91440" tIns="45720" rIns="91440" bIns="45720" rtlCol="0" anchor="b"/>
+          <a:lstStyle>
+            <a:lvl1pPr algn="r">
+              <a:defRPr sz="1200"/>
+            </a:lvl1pPr>
+          </a:lstStyle>
+          <a:p>
+            <a:fld id="{42B99F90-2D11-554C-9047-395FADAF76A3}" type="slidenum">
+              <a:rPr lang="en-US" smtClean="0"/>
+              <a:t>‹#›</a:t>
+            </a:fld>
+            <a:endParaRPr lang="en-US"/>
+          </a:p>
+        </p:txBody>
+      </p:sp>
+    </p:spTree>
+    <p:extLst>
+      <p:ext uri="{BB962C8B-B14F-4D97-AF65-F5344CB8AC3E}">
+        <p14:creationId xmlns:p14="http://schemas.microsoft.com/office/powerpoint/2010/main" val="1237187244"/>
+      </p:ext>
+    </p:extLst>
+  </p:cSld>
+  <p:clrMap bg1="lt1" tx1="dk1" bg2="lt2" tx2="dk2" accent1="accent1" accent2="accent2" accent3="accent3" accent4="accent4" accent5="accent5" accent6="accent6" hlink="hlink" folHlink="folHlink"/>
+  <p:notesStyle>
+    <a:lvl1pPr marL="0" algn="l" defTabSz="1228954" rtl="0" eaLnBrk="1" latinLnBrk="0" hangingPunct="1">
+      <a:defRPr sz="1613" kern="1200">
+        <a:solidFill>
+          <a:schemeClr val="tx1"/>
+        </a:solidFill>
+        <a:latin typeface="+mn-lt"/>
+        <a:ea typeface="+mn-ea"/>
+        <a:cs typeface="+mn-cs"/>
+      </a:defRPr>
+    </a:lvl1pPr>
+    <a:lvl2pPr marL="614477" algn="l" defTabSz="1228954" rtl="0" eaLnBrk="1" latinLnBrk="0" hangingPunct="1">
+      <a:defRPr sz="1613" kern="1200">
+        <a:solidFill>
+          <a:schemeClr val="tx1"/>
+        </a:solidFill>
+        <a:latin typeface="+mn-lt"/>
+        <a:ea typeface="+mn-ea"/>
+        <a:cs typeface="+mn-cs"/>
+      </a:defRPr>
+    </a:lvl2pPr>
+    <a:lvl3pPr marL="1228954" algn="l" defTabSz="1228954" rtl="0" eaLnBrk="1" latinLnBrk="0" hangingPunct="1">
+      <a:defRPr sz="1613" kern="1200">
+        <a:solidFill>
+          <a:schemeClr val="tx1"/>
+        </a:solidFill>
+        <a:latin typeface="+mn-lt"/>
+        <a:ea typeface="+mn-ea"/>
+        <a:cs typeface="+mn-cs"/>
+      </a:defRPr>
+    </a:lvl3pPr>
+    <a:lvl4pPr marL="1843430" algn="l" defTabSz="1228954" rtl="0" eaLnBrk="1" latinLnBrk="0" hangingPunct="1">
+      <a:defRPr sz="1613" kern="1200">
+        <a:solidFill>
+          <a:schemeClr val="tx1"/>
+        </a:solidFill>
+        <a:latin typeface="+mn-lt"/>
+        <a:ea typeface="+mn-ea"/>
+        <a:cs typeface="+mn-cs"/>
+      </a:defRPr>
+    </a:lvl4pPr>
+    <a:lvl5pPr marL="2457907" algn="l" defTabSz="1228954" rtl="0" eaLnBrk="1" latinLnBrk="0" hangingPunct="1">
+      <a:defRPr sz="1613" kern="1200">
+        <a:solidFill>
+          <a:schemeClr val="tx1"/>
+        </a:solidFill>
+        <a:latin typeface="+mn-lt"/>
+        <a:ea typeface="+mn-ea"/>
+        <a:cs typeface="+mn-cs"/>
+      </a:defRPr>
+    </a:lvl5pPr>
+    <a:lvl6pPr marL="3072384" algn="l" defTabSz="1228954" rtl="0" eaLnBrk="1" latinLnBrk="0" hangingPunct="1">
+      <a:defRPr sz="1613" kern="1200">
+        <a:solidFill>
+          <a:schemeClr val="tx1"/>
+        </a:solidFill>
+        <a:latin typeface="+mn-lt"/>
+        <a:ea typeface="+mn-ea"/>
+        <a:cs typeface="+mn-cs"/>
+      </a:defRPr>
+    </a:lvl6pPr>
+    <a:lvl7pPr marL="3686861" algn="l" defTabSz="1228954" rtl="0" eaLnBrk="1" latinLnBrk="0" hangingPunct="1">
+      <a:defRPr sz="1613" kern="1200">
+        <a:solidFill>
+          <a:schemeClr val="tx1"/>
+        </a:solidFill>
+        <a:latin typeface="+mn-lt"/>
+        <a:ea typeface="+mn-ea"/>
+        <a:cs typeface="+mn-cs"/>
+      </a:defRPr>
+    </a:lvl7pPr>
+    <a:lvl8pPr marL="4301338" algn="l" defTabSz="1228954" rtl="0" eaLnBrk="1" latinLnBrk="0" hangingPunct="1">
+      <a:defRPr sz="1613" kern="1200">
+        <a:solidFill>
+          <a:schemeClr val="tx1"/>
+        </a:solidFill>
+        <a:latin typeface="+mn-lt"/>
+        <a:ea typeface="+mn-ea"/>
+        <a:cs typeface="+mn-cs"/>
+      </a:defRPr>
+    </a:lvl8pPr>
+    <a:lvl9pPr marL="4915814" algn="l" defTabSz="1228954" rtl="0" eaLnBrk="1" latinLnBrk="0" hangingPunct="1">
+      <a:defRPr sz="1613" kern="1200">
+        <a:solidFill>
+          <a:schemeClr val="tx1"/>
+        </a:solidFill>
+        <a:latin typeface="+mn-lt"/>
+        <a:ea typeface="+mn-ea"/>
+        <a:cs typeface="+mn-cs"/>
+      </a:defRPr>
+    </a:lvl9pPr>
+  </p:notesStyle>
+</p:notesMaster>
+</file>
+
+<file path=ppt/notesSlides/notesSlide1.xml><?xml version="1.0" encoding="utf-8"?>
+<p:notes xmlns:a="http://schemas.openxmlformats.org/drawingml/2006/main" xmlns:r="http://schemas.openxmlformats.org/officeDocument/2006/relationships" xmlns:p="http://schemas.openxmlformats.org/presentationml/2006/main">
+  <p:cSld>
+    <p:spTree>
+      <p:nvGrpSpPr>
+        <p:cNvPr id="1" name=""/>
+        <p:cNvGrpSpPr/>
+        <p:nvPr/>
+      </p:nvGrpSpPr>
+      <p:grpSpPr>
+        <a:xfrm>
+          <a:off x="0" y="0"/>
+          <a:ext cx="0" cy="0"/>
+          <a:chOff x="0" y="0"/>
+          <a:chExt cx="0" cy="0"/>
+        </a:xfrm>
+      </p:grpSpPr>
+      <p:sp>
+        <p:nvSpPr>
+          <p:cNvPr id="2" name="Slide Image Placeholder 1"/>
+          <p:cNvSpPr>
+            <a:spLocks noGrp="1" noRot="1" noChangeAspect="1"/>
+          </p:cNvSpPr>
+          <p:nvPr>
+            <p:ph type="sldImg"/>
+          </p:nvPr>
+        </p:nvSpPr>
+        <p:spPr>
+          <a:xfrm>
+            <a:off x="685800" y="1143000"/>
+            <a:ext cx="5486400" cy="3086100"/>
+          </a:xfrm>
+        </p:spPr>
+      </p:sp>
+      <p:sp>
+        <p:nvSpPr>
+          <p:cNvPr id="3" name="Notes Placeholder 2"/>
+          <p:cNvSpPr>
+            <a:spLocks noGrp="1"/>
+          </p:cNvSpPr>
+          <p:nvPr>
+            <p:ph type="body" idx="1"/>
+          </p:nvPr>
+        </p:nvSpPr>
+        <p:spPr/>
+        <p:txBody>
+          <a:bodyPr/>
+          <a:lstStyle/>
+          <a:p>
+            <a:endParaRPr lang="en-US"/>
+          </a:p>
+        </p:txBody>
+      </p:sp>
+      <p:sp>
+        <p:nvSpPr>
+          <p:cNvPr id="4" name="Slide Number Placeholder 3"/>
+          <p:cNvSpPr>
+            <a:spLocks noGrp="1"/>
+          </p:cNvSpPr>
+          <p:nvPr>
+            <p:ph type="sldNum" sz="quarter" idx="5"/>
+          </p:nvPr>
+        </p:nvSpPr>
+        <p:spPr/>
+        <p:txBody>
+          <a:bodyPr/>
+          <a:lstStyle/>
+          <a:p>
+            <a:fld id="{42B99F90-2D11-554C-9047-395FADAF76A3}" type="slidenum">
+              <a:rPr lang="en-US" smtClean="0"/>
+              <a:t>1</a:t>
+            </a:fld>
+            <a:endParaRPr lang="en-US"/>
+          </a:p>
+        </p:txBody>
+      </p:sp>
+    </p:spTree>
+    <p:extLst>
+      <p:ext uri="{BB962C8B-B14F-4D97-AF65-F5344CB8AC3E}">
+        <p14:creationId xmlns:p14="http://schemas.microsoft.com/office/powerpoint/2010/main" val="196946012"/>
+      </p:ext>
+    </p:extLst>
+  </p:cSld>
+  <p:clrMapOvr>
+    <a:masterClrMapping/>
+  </p:clrMapOvr>
+</p:notes>
 </file>
 
 <file path=ppt/slideLayouts/slideLayout1.xml><?xml version="1.0" encoding="utf-8"?>
@@ -134,13 +587,7 @@
       </p:grpSpPr>
       <p:sp>
         <p:nvSpPr>
-          <p:cNvPr id="2" name="Title 1">
-            <a:extLst>
-              <a:ext uri="{FF2B5EF4-FFF2-40B4-BE49-F238E27FC236}">
-                <a16:creationId xmlns:a16="http://schemas.microsoft.com/office/drawing/2014/main" id="{50E6B6CB-F70E-4B6B-AE09-3520B59C41EE}"/>
-              </a:ext>
-            </a:extLst>
-          </p:cNvPr>
+          <p:cNvPr id="2" name="Title 1"/>
           <p:cNvSpPr>
             <a:spLocks noGrp="1"/>
           </p:cNvSpPr>
@@ -150,15 +597,15 @@
         </p:nvSpPr>
         <p:spPr>
           <a:xfrm>
-            <a:off x="1524000" y="1122363"/>
-            <a:ext cx="9144000" cy="2387600"/>
+            <a:off x="2844800" y="2095078"/>
+            <a:ext cx="17068800" cy="4456853"/>
           </a:xfrm>
         </p:spPr>
         <p:txBody>
           <a:bodyPr anchor="b"/>
           <a:lstStyle>
             <a:lvl1pPr algn="ctr">
-              <a:defRPr sz="6000"/>
+              <a:defRPr sz="11200"/>
             </a:lvl1pPr>
           </a:lstStyle>
           <a:p>
@@ -166,18 +613,13 @@
               <a:rPr lang="en-US"/>
               <a:t>Click to edit Master title style</a:t>
             </a:r>
-          </a:p>
-        </p:txBody>
-      </p:sp>
-      <p:sp>
-        <p:nvSpPr>
-          <p:cNvPr id="3" name="Subtitle 2">
-            <a:extLst>
-              <a:ext uri="{FF2B5EF4-FFF2-40B4-BE49-F238E27FC236}">
-                <a16:creationId xmlns:a16="http://schemas.microsoft.com/office/drawing/2014/main" id="{86101AAC-A5BC-4E59-BCD4-73486F037278}"/>
-              </a:ext>
-            </a:extLst>
-          </p:cNvPr>
+            <a:endParaRPr lang="en-US" dirty="0"/>
+          </a:p>
+        </p:txBody>
+      </p:sp>
+      <p:sp>
+        <p:nvSpPr>
+          <p:cNvPr id="3" name="Subtitle 2"/>
           <p:cNvSpPr>
             <a:spLocks noGrp="1"/>
           </p:cNvSpPr>
@@ -187,8 +629,8 @@
         </p:nvSpPr>
         <p:spPr>
           <a:xfrm>
-            <a:off x="1524000" y="3602038"/>
-            <a:ext cx="9144000" cy="1655762"/>
+            <a:off x="2844800" y="6723804"/>
+            <a:ext cx="17068800" cy="3090756"/>
           </a:xfrm>
         </p:spPr>
         <p:txBody>
@@ -196,39 +638,39 @@
           <a:lstStyle>
             <a:lvl1pPr marL="0" indent="0" algn="ctr">
               <a:buNone/>
-              <a:defRPr sz="2400"/>
+              <a:defRPr sz="4480"/>
             </a:lvl1pPr>
-            <a:lvl2pPr marL="457200" indent="0" algn="ctr">
+            <a:lvl2pPr marL="853455" indent="0" algn="ctr">
               <a:buNone/>
-              <a:defRPr sz="2000"/>
+              <a:defRPr sz="3733"/>
             </a:lvl2pPr>
-            <a:lvl3pPr marL="914400" indent="0" algn="ctr">
+            <a:lvl3pPr marL="1706910" indent="0" algn="ctr">
               <a:buNone/>
-              <a:defRPr sz="1800"/>
+              <a:defRPr sz="3360"/>
             </a:lvl3pPr>
-            <a:lvl4pPr marL="1371600" indent="0" algn="ctr">
+            <a:lvl4pPr marL="2560366" indent="0" algn="ctr">
               <a:buNone/>
-              <a:defRPr sz="1600"/>
+              <a:defRPr sz="2987"/>
             </a:lvl4pPr>
-            <a:lvl5pPr marL="1828800" indent="0" algn="ctr">
+            <a:lvl5pPr marL="3413821" indent="0" algn="ctr">
               <a:buNone/>
-              <a:defRPr sz="1600"/>
+              <a:defRPr sz="2987"/>
             </a:lvl5pPr>
-            <a:lvl6pPr marL="2286000" indent="0" algn="ctr">
+            <a:lvl6pPr marL="4267276" indent="0" algn="ctr">
               <a:buNone/>
-              <a:defRPr sz="1600"/>
+              <a:defRPr sz="2987"/>
             </a:lvl6pPr>
-            <a:lvl7pPr marL="2743200" indent="0" algn="ctr">
+            <a:lvl7pPr marL="5120731" indent="0" algn="ctr">
               <a:buNone/>
-              <a:defRPr sz="1600"/>
+              <a:defRPr sz="2987"/>
             </a:lvl7pPr>
-            <a:lvl8pPr marL="3200400" indent="0" algn="ctr">
+            <a:lvl8pPr marL="5974187" indent="0" algn="ctr">
               <a:buNone/>
-              <a:defRPr sz="1600"/>
+              <a:defRPr sz="2987"/>
             </a:lvl8pPr>
-            <a:lvl9pPr marL="3657600" indent="0" algn="ctr">
+            <a:lvl9pPr marL="6827642" indent="0" algn="ctr">
               <a:buNone/>
-              <a:defRPr sz="1600"/>
+              <a:defRPr sz="2987"/>
             </a:lvl9pPr>
           </a:lstStyle>
           <a:p>
@@ -236,18 +678,13 @@
               <a:rPr lang="en-US"/>
               <a:t>Click to edit Master subtitle style</a:t>
             </a:r>
-          </a:p>
-        </p:txBody>
-      </p:sp>
-      <p:sp>
-        <p:nvSpPr>
-          <p:cNvPr id="4" name="Date Placeholder 3">
-            <a:extLst>
-              <a:ext uri="{FF2B5EF4-FFF2-40B4-BE49-F238E27FC236}">
-                <a16:creationId xmlns:a16="http://schemas.microsoft.com/office/drawing/2014/main" id="{8EC1F11A-69D5-42A5-A9D3-0DA2AEF5B09E}"/>
-              </a:ext>
-            </a:extLst>
-          </p:cNvPr>
+            <a:endParaRPr lang="en-US" dirty="0"/>
+          </a:p>
+        </p:txBody>
+      </p:sp>
+      <p:sp>
+        <p:nvSpPr>
+          <p:cNvPr id="4" name="Date Placeholder 3"/>
           <p:cNvSpPr>
             <a:spLocks noGrp="1"/>
           </p:cNvSpPr>
@@ -262,7 +699,7 @@
           <a:p>
             <a:fld id="{D0F1932F-1C99-447E-95F3-773EBA18C860}" type="datetimeFigureOut">
               <a:rPr lang="en-US" smtClean="0"/>
-              <a:t>8/17/22</a:t>
+              <a:t>10/17/22</a:t>
             </a:fld>
             <a:endParaRPr lang="en-US"/>
           </a:p>
@@ -270,13 +707,7 @@
       </p:sp>
       <p:sp>
         <p:nvSpPr>
-          <p:cNvPr id="5" name="Footer Placeholder 4">
-            <a:extLst>
-              <a:ext uri="{FF2B5EF4-FFF2-40B4-BE49-F238E27FC236}">
-                <a16:creationId xmlns:a16="http://schemas.microsoft.com/office/drawing/2014/main" id="{C6035222-629D-4DF4-9A22-38BE5BE0358C}"/>
-              </a:ext>
-            </a:extLst>
-          </p:cNvPr>
+          <p:cNvPr id="5" name="Footer Placeholder 4"/>
           <p:cNvSpPr>
             <a:spLocks noGrp="1"/>
           </p:cNvSpPr>
@@ -295,13 +726,7 @@
       </p:sp>
       <p:sp>
         <p:nvSpPr>
-          <p:cNvPr id="6" name="Slide Number Placeholder 5">
-            <a:extLst>
-              <a:ext uri="{FF2B5EF4-FFF2-40B4-BE49-F238E27FC236}">
-                <a16:creationId xmlns:a16="http://schemas.microsoft.com/office/drawing/2014/main" id="{3AD0B77D-0A59-4010-8BB2-81C11913BA0D}"/>
-              </a:ext>
-            </a:extLst>
-          </p:cNvPr>
+          <p:cNvPr id="6" name="Slide Number Placeholder 5"/>
           <p:cNvSpPr>
             <a:spLocks noGrp="1"/>
           </p:cNvSpPr>
@@ -325,7 +750,7 @@
     </p:spTree>
     <p:extLst>
       <p:ext uri="{BB962C8B-B14F-4D97-AF65-F5344CB8AC3E}">
-        <p14:creationId xmlns:p14="http://schemas.microsoft.com/office/powerpoint/2010/main" val="1603940606"/>
+        <p14:creationId xmlns:p14="http://schemas.microsoft.com/office/powerpoint/2010/main" val="1276299895"/>
       </p:ext>
     </p:extLst>
   </p:cSld>
@@ -354,13 +779,7 @@
       </p:grpSpPr>
       <p:sp>
         <p:nvSpPr>
-          <p:cNvPr id="2" name="Title 1">
-            <a:extLst>
-              <a:ext uri="{FF2B5EF4-FFF2-40B4-BE49-F238E27FC236}">
-                <a16:creationId xmlns:a16="http://schemas.microsoft.com/office/drawing/2014/main" id="{3CD4C6A5-F2BD-4851-8CC3-7B2E3DB4E5F2}"/>
-              </a:ext>
-            </a:extLst>
-          </p:cNvPr>
+          <p:cNvPr id="2" name="Title 1"/>
           <p:cNvSpPr>
             <a:spLocks noGrp="1"/>
           </p:cNvSpPr>
@@ -377,18 +796,13 @@
               <a:rPr lang="en-US"/>
               <a:t>Click to edit Master title style</a:t>
             </a:r>
-          </a:p>
-        </p:txBody>
-      </p:sp>
-      <p:sp>
-        <p:nvSpPr>
-          <p:cNvPr id="3" name="Vertical Text Placeholder 2">
-            <a:extLst>
-              <a:ext uri="{FF2B5EF4-FFF2-40B4-BE49-F238E27FC236}">
-                <a16:creationId xmlns:a16="http://schemas.microsoft.com/office/drawing/2014/main" id="{B6E5FA95-96BE-4F69-A2D4-69329B4602A8}"/>
-              </a:ext>
-            </a:extLst>
-          </p:cNvPr>
+            <a:endParaRPr lang="en-US" dirty="0"/>
+          </a:p>
+        </p:txBody>
+      </p:sp>
+      <p:sp>
+        <p:nvSpPr>
+          <p:cNvPr id="3" name="Vertical Text Placeholder 2"/>
           <p:cNvSpPr>
             <a:spLocks noGrp="1"/>
           </p:cNvSpPr>
@@ -434,18 +848,13 @@
               <a:rPr lang="en-US"/>
               <a:t>Fifth level</a:t>
             </a:r>
-          </a:p>
-        </p:txBody>
-      </p:sp>
-      <p:sp>
-        <p:nvSpPr>
-          <p:cNvPr id="4" name="Date Placeholder 3">
-            <a:extLst>
-              <a:ext uri="{FF2B5EF4-FFF2-40B4-BE49-F238E27FC236}">
-                <a16:creationId xmlns:a16="http://schemas.microsoft.com/office/drawing/2014/main" id="{E5327018-C2B9-49B9-A0F4-AA1D40C5B26C}"/>
-              </a:ext>
-            </a:extLst>
-          </p:cNvPr>
+            <a:endParaRPr lang="en-US" dirty="0"/>
+          </a:p>
+        </p:txBody>
+      </p:sp>
+      <p:sp>
+        <p:nvSpPr>
+          <p:cNvPr id="4" name="Date Placeholder 3"/>
           <p:cNvSpPr>
             <a:spLocks noGrp="1"/>
           </p:cNvSpPr>
@@ -460,7 +869,7 @@
           <a:p>
             <a:fld id="{D0F1932F-1C99-447E-95F3-773EBA18C860}" type="datetimeFigureOut">
               <a:rPr lang="en-US" smtClean="0"/>
-              <a:t>8/17/22</a:t>
+              <a:t>10/17/22</a:t>
             </a:fld>
             <a:endParaRPr lang="en-US"/>
           </a:p>
@@ -468,13 +877,7 @@
       </p:sp>
       <p:sp>
         <p:nvSpPr>
-          <p:cNvPr id="5" name="Footer Placeholder 4">
-            <a:extLst>
-              <a:ext uri="{FF2B5EF4-FFF2-40B4-BE49-F238E27FC236}">
-                <a16:creationId xmlns:a16="http://schemas.microsoft.com/office/drawing/2014/main" id="{45E42C59-2C76-4B34-8C44-5CE831A36CED}"/>
-              </a:ext>
-            </a:extLst>
-          </p:cNvPr>
+          <p:cNvPr id="5" name="Footer Placeholder 4"/>
           <p:cNvSpPr>
             <a:spLocks noGrp="1"/>
           </p:cNvSpPr>
@@ -493,13 +896,7 @@
       </p:sp>
       <p:sp>
         <p:nvSpPr>
-          <p:cNvPr id="6" name="Slide Number Placeholder 5">
-            <a:extLst>
-              <a:ext uri="{FF2B5EF4-FFF2-40B4-BE49-F238E27FC236}">
-                <a16:creationId xmlns:a16="http://schemas.microsoft.com/office/drawing/2014/main" id="{EC9BD12D-AFD0-4D0C-9173-171F8B86879D}"/>
-              </a:ext>
-            </a:extLst>
-          </p:cNvPr>
+          <p:cNvPr id="6" name="Slide Number Placeholder 5"/>
           <p:cNvSpPr>
             <a:spLocks noGrp="1"/>
           </p:cNvSpPr>
@@ -523,7 +920,7 @@
     </p:spTree>
     <p:extLst>
       <p:ext uri="{BB962C8B-B14F-4D97-AF65-F5344CB8AC3E}">
-        <p14:creationId xmlns:p14="http://schemas.microsoft.com/office/powerpoint/2010/main" val="1774453041"/>
+        <p14:creationId xmlns:p14="http://schemas.microsoft.com/office/powerpoint/2010/main" val="2103185112"/>
       </p:ext>
     </p:extLst>
   </p:cSld>
@@ -552,13 +949,7 @@
       </p:grpSpPr>
       <p:sp>
         <p:nvSpPr>
-          <p:cNvPr id="2" name="Vertical Title 1">
-            <a:extLst>
-              <a:ext uri="{FF2B5EF4-FFF2-40B4-BE49-F238E27FC236}">
-                <a16:creationId xmlns:a16="http://schemas.microsoft.com/office/drawing/2014/main" id="{4E53E2FC-EB87-4B77-A396-8F9BFC044456}"/>
-              </a:ext>
-            </a:extLst>
-          </p:cNvPr>
+          <p:cNvPr id="2" name="Vertical Title 1"/>
           <p:cNvSpPr>
             <a:spLocks noGrp="1"/>
           </p:cNvSpPr>
@@ -568,8 +959,8 @@
         </p:nvSpPr>
         <p:spPr>
           <a:xfrm>
-            <a:off x="8724900" y="365125"/>
-            <a:ext cx="2628900" cy="5811838"/>
+            <a:off x="16286480" y="681567"/>
+            <a:ext cx="4907280" cy="10848764"/>
           </a:xfrm>
         </p:spPr>
         <p:txBody>
@@ -580,18 +971,13 @@
               <a:rPr lang="en-US"/>
               <a:t>Click to edit Master title style</a:t>
             </a:r>
-          </a:p>
-        </p:txBody>
-      </p:sp>
-      <p:sp>
-        <p:nvSpPr>
-          <p:cNvPr id="3" name="Vertical Text Placeholder 2">
-            <a:extLst>
-              <a:ext uri="{FF2B5EF4-FFF2-40B4-BE49-F238E27FC236}">
-                <a16:creationId xmlns:a16="http://schemas.microsoft.com/office/drawing/2014/main" id="{667C0F75-BA66-42C0-8B72-CF6F921FFF7A}"/>
-              </a:ext>
-            </a:extLst>
-          </p:cNvPr>
+            <a:endParaRPr lang="en-US" dirty="0"/>
+          </a:p>
+        </p:txBody>
+      </p:sp>
+      <p:sp>
+        <p:nvSpPr>
+          <p:cNvPr id="3" name="Vertical Text Placeholder 2"/>
           <p:cNvSpPr>
             <a:spLocks noGrp="1"/>
           </p:cNvSpPr>
@@ -601,8 +987,8 @@
         </p:nvSpPr>
         <p:spPr>
           <a:xfrm>
-            <a:off x="838200" y="365125"/>
-            <a:ext cx="7734300" cy="5811838"/>
+            <a:off x="1564640" y="681567"/>
+            <a:ext cx="14437360" cy="10848764"/>
           </a:xfrm>
         </p:spPr>
         <p:txBody>
@@ -642,18 +1028,13 @@
               <a:rPr lang="en-US"/>
               <a:t>Fifth level</a:t>
             </a:r>
-          </a:p>
-        </p:txBody>
-      </p:sp>
-      <p:sp>
-        <p:nvSpPr>
-          <p:cNvPr id="4" name="Date Placeholder 3">
-            <a:extLst>
-              <a:ext uri="{FF2B5EF4-FFF2-40B4-BE49-F238E27FC236}">
-                <a16:creationId xmlns:a16="http://schemas.microsoft.com/office/drawing/2014/main" id="{81E3BE89-7C97-4667-98EF-8AB4252FB762}"/>
-              </a:ext>
-            </a:extLst>
-          </p:cNvPr>
+            <a:endParaRPr lang="en-US" dirty="0"/>
+          </a:p>
+        </p:txBody>
+      </p:sp>
+      <p:sp>
+        <p:nvSpPr>
+          <p:cNvPr id="4" name="Date Placeholder 3"/>
           <p:cNvSpPr>
             <a:spLocks noGrp="1"/>
           </p:cNvSpPr>
@@ -668,7 +1049,7 @@
           <a:p>
             <a:fld id="{D0F1932F-1C99-447E-95F3-773EBA18C860}" type="datetimeFigureOut">
               <a:rPr lang="en-US" smtClean="0"/>
-              <a:t>8/17/22</a:t>
+              <a:t>10/17/22</a:t>
             </a:fld>
             <a:endParaRPr lang="en-US"/>
           </a:p>
@@ -676,13 +1057,7 @@
       </p:sp>
       <p:sp>
         <p:nvSpPr>
-          <p:cNvPr id="5" name="Footer Placeholder 4">
-            <a:extLst>
-              <a:ext uri="{FF2B5EF4-FFF2-40B4-BE49-F238E27FC236}">
-                <a16:creationId xmlns:a16="http://schemas.microsoft.com/office/drawing/2014/main" id="{66067F1D-EF5F-4F08-8202-D9D155F7E624}"/>
-              </a:ext>
-            </a:extLst>
-          </p:cNvPr>
+          <p:cNvPr id="5" name="Footer Placeholder 4"/>
           <p:cNvSpPr>
             <a:spLocks noGrp="1"/>
           </p:cNvSpPr>
@@ -701,13 +1076,7 @@
       </p:sp>
       <p:sp>
         <p:nvSpPr>
-          <p:cNvPr id="6" name="Slide Number Placeholder 5">
-            <a:extLst>
-              <a:ext uri="{FF2B5EF4-FFF2-40B4-BE49-F238E27FC236}">
-                <a16:creationId xmlns:a16="http://schemas.microsoft.com/office/drawing/2014/main" id="{42FF7BF6-E911-4F97-BFF8-3F0C84EB0D34}"/>
-              </a:ext>
-            </a:extLst>
-          </p:cNvPr>
+          <p:cNvPr id="6" name="Slide Number Placeholder 5"/>
           <p:cNvSpPr>
             <a:spLocks noGrp="1"/>
           </p:cNvSpPr>
@@ -731,7 +1100,7 @@
     </p:spTree>
     <p:extLst>
       <p:ext uri="{BB962C8B-B14F-4D97-AF65-F5344CB8AC3E}">
-        <p14:creationId xmlns:p14="http://schemas.microsoft.com/office/powerpoint/2010/main" val="2935700579"/>
+        <p14:creationId xmlns:p14="http://schemas.microsoft.com/office/powerpoint/2010/main" val="211000033"/>
       </p:ext>
     </p:extLst>
   </p:cSld>
@@ -760,13 +1129,7 @@
       </p:grpSpPr>
       <p:sp>
         <p:nvSpPr>
-          <p:cNvPr id="2" name="Title 1">
-            <a:extLst>
-              <a:ext uri="{FF2B5EF4-FFF2-40B4-BE49-F238E27FC236}">
-                <a16:creationId xmlns:a16="http://schemas.microsoft.com/office/drawing/2014/main" id="{9655735B-FE80-439C-89D3-706CE6E338B2}"/>
-              </a:ext>
-            </a:extLst>
-          </p:cNvPr>
+          <p:cNvPr id="2" name="Title 1"/>
           <p:cNvSpPr>
             <a:spLocks noGrp="1"/>
           </p:cNvSpPr>
@@ -783,18 +1146,13 @@
               <a:rPr lang="en-US"/>
               <a:t>Click to edit Master title style</a:t>
             </a:r>
-          </a:p>
-        </p:txBody>
-      </p:sp>
-      <p:sp>
-        <p:nvSpPr>
-          <p:cNvPr id="3" name="Content Placeholder 2">
-            <a:extLst>
-              <a:ext uri="{FF2B5EF4-FFF2-40B4-BE49-F238E27FC236}">
-                <a16:creationId xmlns:a16="http://schemas.microsoft.com/office/drawing/2014/main" id="{D697A33A-E6EF-4E6D-A1A9-EF8BF9B80360}"/>
-              </a:ext>
-            </a:extLst>
-          </p:cNvPr>
+            <a:endParaRPr lang="en-US" dirty="0"/>
+          </a:p>
+        </p:txBody>
+      </p:sp>
+      <p:sp>
+        <p:nvSpPr>
+          <p:cNvPr id="3" name="Content Placeholder 2"/>
           <p:cNvSpPr>
             <a:spLocks noGrp="1"/>
           </p:cNvSpPr>
@@ -840,18 +1198,13 @@
               <a:rPr lang="en-US"/>
               <a:t>Fifth level</a:t>
             </a:r>
-          </a:p>
-        </p:txBody>
-      </p:sp>
-      <p:sp>
-        <p:nvSpPr>
-          <p:cNvPr id="4" name="Date Placeholder 3">
-            <a:extLst>
-              <a:ext uri="{FF2B5EF4-FFF2-40B4-BE49-F238E27FC236}">
-                <a16:creationId xmlns:a16="http://schemas.microsoft.com/office/drawing/2014/main" id="{04E1C941-8DB8-42BA-BAE2-F636B44B2E72}"/>
-              </a:ext>
-            </a:extLst>
-          </p:cNvPr>
+            <a:endParaRPr lang="en-US" dirty="0"/>
+          </a:p>
+        </p:txBody>
+      </p:sp>
+      <p:sp>
+        <p:nvSpPr>
+          <p:cNvPr id="4" name="Date Placeholder 3"/>
           <p:cNvSpPr>
             <a:spLocks noGrp="1"/>
           </p:cNvSpPr>
@@ -866,7 +1219,7 @@
           <a:p>
             <a:fld id="{D0F1932F-1C99-447E-95F3-773EBA18C860}" type="datetimeFigureOut">
               <a:rPr lang="en-US" smtClean="0"/>
-              <a:t>8/17/22</a:t>
+              <a:t>10/17/22</a:t>
             </a:fld>
             <a:endParaRPr lang="en-US"/>
           </a:p>
@@ -874,13 +1227,7 @@
       </p:sp>
       <p:sp>
         <p:nvSpPr>
-          <p:cNvPr id="5" name="Footer Placeholder 4">
-            <a:extLst>
-              <a:ext uri="{FF2B5EF4-FFF2-40B4-BE49-F238E27FC236}">
-                <a16:creationId xmlns:a16="http://schemas.microsoft.com/office/drawing/2014/main" id="{9A8FA1E8-2DED-4333-9D81-FF3F3BD5D42C}"/>
-              </a:ext>
-            </a:extLst>
-          </p:cNvPr>
+          <p:cNvPr id="5" name="Footer Placeholder 4"/>
           <p:cNvSpPr>
             <a:spLocks noGrp="1"/>
           </p:cNvSpPr>
@@ -899,13 +1246,7 @@
       </p:sp>
       <p:sp>
         <p:nvSpPr>
-          <p:cNvPr id="6" name="Slide Number Placeholder 5">
-            <a:extLst>
-              <a:ext uri="{FF2B5EF4-FFF2-40B4-BE49-F238E27FC236}">
-                <a16:creationId xmlns:a16="http://schemas.microsoft.com/office/drawing/2014/main" id="{278974D5-6231-43E3-B764-6F327BAED266}"/>
-              </a:ext>
-            </a:extLst>
-          </p:cNvPr>
+          <p:cNvPr id="6" name="Slide Number Placeholder 5"/>
           <p:cNvSpPr>
             <a:spLocks noGrp="1"/>
           </p:cNvSpPr>
@@ -929,7 +1270,7 @@
     </p:spTree>
     <p:extLst>
       <p:ext uri="{BB962C8B-B14F-4D97-AF65-F5344CB8AC3E}">
-        <p14:creationId xmlns:p14="http://schemas.microsoft.com/office/powerpoint/2010/main" val="1172604292"/>
+        <p14:creationId xmlns:p14="http://schemas.microsoft.com/office/powerpoint/2010/main" val="177395681"/>
       </p:ext>
     </p:extLst>
   </p:cSld>
@@ -958,13 +1299,7 @@
       </p:grpSpPr>
       <p:sp>
         <p:nvSpPr>
-          <p:cNvPr id="2" name="Title 1">
-            <a:extLst>
-              <a:ext uri="{FF2B5EF4-FFF2-40B4-BE49-F238E27FC236}">
-                <a16:creationId xmlns:a16="http://schemas.microsoft.com/office/drawing/2014/main" id="{6690EF72-E9A4-438D-8223-531316F146AD}"/>
-              </a:ext>
-            </a:extLst>
-          </p:cNvPr>
+          <p:cNvPr id="2" name="Title 1"/>
           <p:cNvSpPr>
             <a:spLocks noGrp="1"/>
           </p:cNvSpPr>
@@ -974,15 +1309,15 @@
         </p:nvSpPr>
         <p:spPr>
           <a:xfrm>
-            <a:off x="831850" y="1709738"/>
-            <a:ext cx="10515600" cy="2852737"/>
+            <a:off x="1552787" y="3191512"/>
+            <a:ext cx="19629120" cy="5325109"/>
           </a:xfrm>
         </p:spPr>
         <p:txBody>
           <a:bodyPr anchor="b"/>
           <a:lstStyle>
             <a:lvl1pPr>
-              <a:defRPr sz="6000"/>
+              <a:defRPr sz="11200"/>
             </a:lvl1pPr>
           </a:lstStyle>
           <a:p>
@@ -990,18 +1325,13 @@
               <a:rPr lang="en-US"/>
               <a:t>Click to edit Master title style</a:t>
             </a:r>
-          </a:p>
-        </p:txBody>
-      </p:sp>
-      <p:sp>
-        <p:nvSpPr>
-          <p:cNvPr id="3" name="Text Placeholder 2">
-            <a:extLst>
-              <a:ext uri="{FF2B5EF4-FFF2-40B4-BE49-F238E27FC236}">
-                <a16:creationId xmlns:a16="http://schemas.microsoft.com/office/drawing/2014/main" id="{FFAAA3AF-3599-491A-9A05-3AA2C3816396}"/>
-              </a:ext>
-            </a:extLst>
-          </p:cNvPr>
+            <a:endParaRPr lang="en-US" dirty="0"/>
+          </a:p>
+        </p:txBody>
+      </p:sp>
+      <p:sp>
+        <p:nvSpPr>
+          <p:cNvPr id="3" name="Text Placeholder 2"/>
           <p:cNvSpPr>
             <a:spLocks noGrp="1"/>
           </p:cNvSpPr>
@@ -1011,8 +1341,8 @@
         </p:nvSpPr>
         <p:spPr>
           <a:xfrm>
-            <a:off x="831850" y="4589463"/>
-            <a:ext cx="10515600" cy="1500187"/>
+            <a:off x="1552787" y="8566999"/>
+            <a:ext cx="19629120" cy="2800349"/>
           </a:xfrm>
         </p:spPr>
         <p:txBody>
@@ -1020,7 +1350,7 @@
           <a:lstStyle>
             <a:lvl1pPr marL="0" indent="0">
               <a:buNone/>
-              <a:defRPr sz="2400">
+              <a:defRPr sz="4480">
                 <a:solidFill>
                   <a:schemeClr val="tx1">
                     <a:tint val="75000"/>
@@ -1028,9 +1358,9 @@
                 </a:solidFill>
               </a:defRPr>
             </a:lvl1pPr>
-            <a:lvl2pPr marL="457200" indent="0">
+            <a:lvl2pPr marL="853455" indent="0">
               <a:buNone/>
-              <a:defRPr sz="2000">
+              <a:defRPr sz="3733">
                 <a:solidFill>
                   <a:schemeClr val="tx1">
                     <a:tint val="75000"/>
@@ -1038,9 +1368,9 @@
                 </a:solidFill>
               </a:defRPr>
             </a:lvl2pPr>
-            <a:lvl3pPr marL="914400" indent="0">
+            <a:lvl3pPr marL="1706910" indent="0">
               <a:buNone/>
-              <a:defRPr sz="1800">
+              <a:defRPr sz="3360">
                 <a:solidFill>
                   <a:schemeClr val="tx1">
                     <a:tint val="75000"/>
@@ -1048,9 +1378,9 @@
                 </a:solidFill>
               </a:defRPr>
             </a:lvl3pPr>
-            <a:lvl4pPr marL="1371600" indent="0">
+            <a:lvl4pPr marL="2560366" indent="0">
               <a:buNone/>
-              <a:defRPr sz="1600">
+              <a:defRPr sz="2987">
                 <a:solidFill>
                   <a:schemeClr val="tx1">
                     <a:tint val="75000"/>
@@ -1058,9 +1388,9 @@
                 </a:solidFill>
               </a:defRPr>
             </a:lvl4pPr>
-            <a:lvl5pPr marL="1828800" indent="0">
+            <a:lvl5pPr marL="3413821" indent="0">
               <a:buNone/>
-              <a:defRPr sz="1600">
+              <a:defRPr sz="2987">
                 <a:solidFill>
                   <a:schemeClr val="tx1">
                     <a:tint val="75000"/>
@@ -1068,9 +1398,9 @@
                 </a:solidFill>
               </a:defRPr>
             </a:lvl5pPr>
-            <a:lvl6pPr marL="2286000" indent="0">
+            <a:lvl6pPr marL="4267276" indent="0">
               <a:buNone/>
-              <a:defRPr sz="1600">
+              <a:defRPr sz="2987">
                 <a:solidFill>
                   <a:schemeClr val="tx1">
                     <a:tint val="75000"/>
@@ -1078,9 +1408,9 @@
                 </a:solidFill>
               </a:defRPr>
             </a:lvl6pPr>
-            <a:lvl7pPr marL="2743200" indent="0">
+            <a:lvl7pPr marL="5120731" indent="0">
               <a:buNone/>
-              <a:defRPr sz="1600">
+              <a:defRPr sz="2987">
                 <a:solidFill>
                   <a:schemeClr val="tx1">
                     <a:tint val="75000"/>
@@ -1088,9 +1418,9 @@
                 </a:solidFill>
               </a:defRPr>
             </a:lvl7pPr>
-            <a:lvl8pPr marL="3200400" indent="0">
+            <a:lvl8pPr marL="5974187" indent="0">
               <a:buNone/>
-              <a:defRPr sz="1600">
+              <a:defRPr sz="2987">
                 <a:solidFill>
                   <a:schemeClr val="tx1">
                     <a:tint val="75000"/>
@@ -1098,9 +1428,9 @@
                 </a:solidFill>
               </a:defRPr>
             </a:lvl8pPr>
-            <a:lvl9pPr marL="3657600" indent="0">
+            <a:lvl9pPr marL="6827642" indent="0">
               <a:buNone/>
-              <a:defRPr sz="1600">
+              <a:defRPr sz="2987">
                 <a:solidFill>
                   <a:schemeClr val="tx1">
                     <a:tint val="75000"/>
@@ -1120,13 +1450,7 @@
       </p:sp>
       <p:sp>
         <p:nvSpPr>
-          <p:cNvPr id="4" name="Date Placeholder 3">
-            <a:extLst>
-              <a:ext uri="{FF2B5EF4-FFF2-40B4-BE49-F238E27FC236}">
-                <a16:creationId xmlns:a16="http://schemas.microsoft.com/office/drawing/2014/main" id="{647D103A-0BE0-490C-B720-7D09BAEA2115}"/>
-              </a:ext>
-            </a:extLst>
-          </p:cNvPr>
+          <p:cNvPr id="4" name="Date Placeholder 3"/>
           <p:cNvSpPr>
             <a:spLocks noGrp="1"/>
           </p:cNvSpPr>
@@ -1141,7 +1465,7 @@
           <a:p>
             <a:fld id="{D0F1932F-1C99-447E-95F3-773EBA18C860}" type="datetimeFigureOut">
               <a:rPr lang="en-US" smtClean="0"/>
-              <a:t>8/17/22</a:t>
+              <a:t>10/17/22</a:t>
             </a:fld>
             <a:endParaRPr lang="en-US"/>
           </a:p>
@@ -1149,13 +1473,7 @@
       </p:sp>
       <p:sp>
         <p:nvSpPr>
-          <p:cNvPr id="5" name="Footer Placeholder 4">
-            <a:extLst>
-              <a:ext uri="{FF2B5EF4-FFF2-40B4-BE49-F238E27FC236}">
-                <a16:creationId xmlns:a16="http://schemas.microsoft.com/office/drawing/2014/main" id="{09B79EDF-5CCD-474D-B5F3-550B5955C743}"/>
-              </a:ext>
-            </a:extLst>
-          </p:cNvPr>
+          <p:cNvPr id="5" name="Footer Placeholder 4"/>
           <p:cNvSpPr>
             <a:spLocks noGrp="1"/>
           </p:cNvSpPr>
@@ -1174,13 +1492,7 @@
       </p:sp>
       <p:sp>
         <p:nvSpPr>
-          <p:cNvPr id="6" name="Slide Number Placeholder 5">
-            <a:extLst>
-              <a:ext uri="{FF2B5EF4-FFF2-40B4-BE49-F238E27FC236}">
-                <a16:creationId xmlns:a16="http://schemas.microsoft.com/office/drawing/2014/main" id="{920D851C-6A9D-4049-A5EA-BFADCCC4E5DD}"/>
-              </a:ext>
-            </a:extLst>
-          </p:cNvPr>
+          <p:cNvPr id="6" name="Slide Number Placeholder 5"/>
           <p:cNvSpPr>
             <a:spLocks noGrp="1"/>
           </p:cNvSpPr>
@@ -1204,7 +1516,7 @@
     </p:spTree>
     <p:extLst>
       <p:ext uri="{BB962C8B-B14F-4D97-AF65-F5344CB8AC3E}">
-        <p14:creationId xmlns:p14="http://schemas.microsoft.com/office/powerpoint/2010/main" val="2772158735"/>
+        <p14:creationId xmlns:p14="http://schemas.microsoft.com/office/powerpoint/2010/main" val="2300359849"/>
       </p:ext>
     </p:extLst>
   </p:cSld>
@@ -1233,13 +1545,7 @@
       </p:grpSpPr>
       <p:sp>
         <p:nvSpPr>
-          <p:cNvPr id="2" name="Title 1">
-            <a:extLst>
-              <a:ext uri="{FF2B5EF4-FFF2-40B4-BE49-F238E27FC236}">
-                <a16:creationId xmlns:a16="http://schemas.microsoft.com/office/drawing/2014/main" id="{926396F6-752E-44D5-AC88-1C8C59389436}"/>
-              </a:ext>
-            </a:extLst>
-          </p:cNvPr>
+          <p:cNvPr id="2" name="Title 1"/>
           <p:cNvSpPr>
             <a:spLocks noGrp="1"/>
           </p:cNvSpPr>
@@ -1256,18 +1562,13 @@
               <a:rPr lang="en-US"/>
               <a:t>Click to edit Master title style</a:t>
             </a:r>
-          </a:p>
-        </p:txBody>
-      </p:sp>
-      <p:sp>
-        <p:nvSpPr>
-          <p:cNvPr id="3" name="Content Placeholder 2">
-            <a:extLst>
-              <a:ext uri="{FF2B5EF4-FFF2-40B4-BE49-F238E27FC236}">
-                <a16:creationId xmlns:a16="http://schemas.microsoft.com/office/drawing/2014/main" id="{01BE4435-72D3-49D3-A21B-8386A07E5CD0}"/>
-              </a:ext>
-            </a:extLst>
-          </p:cNvPr>
+            <a:endParaRPr lang="en-US" dirty="0"/>
+          </a:p>
+        </p:txBody>
+      </p:sp>
+      <p:sp>
+        <p:nvSpPr>
+          <p:cNvPr id="3" name="Content Placeholder 2"/>
           <p:cNvSpPr>
             <a:spLocks noGrp="1"/>
           </p:cNvSpPr>
@@ -1277,8 +1578,8 @@
         </p:nvSpPr>
         <p:spPr>
           <a:xfrm>
-            <a:off x="838200" y="1825625"/>
-            <a:ext cx="5181600" cy="4351338"/>
+            <a:off x="1564640" y="3407833"/>
+            <a:ext cx="9672320" cy="8122498"/>
           </a:xfrm>
         </p:spPr>
         <p:txBody>
@@ -1318,18 +1619,13 @@
               <a:rPr lang="en-US"/>
               <a:t>Fifth level</a:t>
             </a:r>
-          </a:p>
-        </p:txBody>
-      </p:sp>
-      <p:sp>
-        <p:nvSpPr>
-          <p:cNvPr id="4" name="Content Placeholder 3">
-            <a:extLst>
-              <a:ext uri="{FF2B5EF4-FFF2-40B4-BE49-F238E27FC236}">
-                <a16:creationId xmlns:a16="http://schemas.microsoft.com/office/drawing/2014/main" id="{59F2C646-EA27-4791-80E0-D5BAEA90BC2D}"/>
-              </a:ext>
-            </a:extLst>
-          </p:cNvPr>
+            <a:endParaRPr lang="en-US" dirty="0"/>
+          </a:p>
+        </p:txBody>
+      </p:sp>
+      <p:sp>
+        <p:nvSpPr>
+          <p:cNvPr id="4" name="Content Placeholder 3"/>
           <p:cNvSpPr>
             <a:spLocks noGrp="1"/>
           </p:cNvSpPr>
@@ -1339,8 +1635,8 @@
         </p:nvSpPr>
         <p:spPr>
           <a:xfrm>
-            <a:off x="6172200" y="1825625"/>
-            <a:ext cx="5181600" cy="4351338"/>
+            <a:off x="11521440" y="3407833"/>
+            <a:ext cx="9672320" cy="8122498"/>
           </a:xfrm>
         </p:spPr>
         <p:txBody>
@@ -1380,18 +1676,13 @@
               <a:rPr lang="en-US"/>
               <a:t>Fifth level</a:t>
             </a:r>
-          </a:p>
-        </p:txBody>
-      </p:sp>
-      <p:sp>
-        <p:nvSpPr>
-          <p:cNvPr id="5" name="Date Placeholder 4">
-            <a:extLst>
-              <a:ext uri="{FF2B5EF4-FFF2-40B4-BE49-F238E27FC236}">
-                <a16:creationId xmlns:a16="http://schemas.microsoft.com/office/drawing/2014/main" id="{A081453D-8EF6-40B1-9B2F-947CE72E328F}"/>
-              </a:ext>
-            </a:extLst>
-          </p:cNvPr>
+            <a:endParaRPr lang="en-US" dirty="0"/>
+          </a:p>
+        </p:txBody>
+      </p:sp>
+      <p:sp>
+        <p:nvSpPr>
+          <p:cNvPr id="5" name="Date Placeholder 4"/>
           <p:cNvSpPr>
             <a:spLocks noGrp="1"/>
           </p:cNvSpPr>
@@ -1406,7 +1697,7 @@
           <a:p>
             <a:fld id="{D0F1932F-1C99-447E-95F3-773EBA18C860}" type="datetimeFigureOut">
               <a:rPr lang="en-US" smtClean="0"/>
-              <a:t>8/17/22</a:t>
+              <a:t>10/17/22</a:t>
             </a:fld>
             <a:endParaRPr lang="en-US"/>
           </a:p>
@@ -1414,13 +1705,7 @@
       </p:sp>
       <p:sp>
         <p:nvSpPr>
-          <p:cNvPr id="6" name="Footer Placeholder 5">
-            <a:extLst>
-              <a:ext uri="{FF2B5EF4-FFF2-40B4-BE49-F238E27FC236}">
-                <a16:creationId xmlns:a16="http://schemas.microsoft.com/office/drawing/2014/main" id="{16FF9837-1BC8-4EB1-AA97-F65FF936845A}"/>
-              </a:ext>
-            </a:extLst>
-          </p:cNvPr>
+          <p:cNvPr id="6" name="Footer Placeholder 5"/>
           <p:cNvSpPr>
             <a:spLocks noGrp="1"/>
           </p:cNvSpPr>
@@ -1439,13 +1724,7 @@
       </p:sp>
       <p:sp>
         <p:nvSpPr>
-          <p:cNvPr id="7" name="Slide Number Placeholder 6">
-            <a:extLst>
-              <a:ext uri="{FF2B5EF4-FFF2-40B4-BE49-F238E27FC236}">
-                <a16:creationId xmlns:a16="http://schemas.microsoft.com/office/drawing/2014/main" id="{4DF1C5DB-168F-4F64-B555-C35DBFB37D1D}"/>
-              </a:ext>
-            </a:extLst>
-          </p:cNvPr>
+          <p:cNvPr id="7" name="Slide Number Placeholder 6"/>
           <p:cNvSpPr>
             <a:spLocks noGrp="1"/>
           </p:cNvSpPr>
@@ -1469,7 +1748,7 @@
     </p:spTree>
     <p:extLst>
       <p:ext uri="{BB962C8B-B14F-4D97-AF65-F5344CB8AC3E}">
-        <p14:creationId xmlns:p14="http://schemas.microsoft.com/office/powerpoint/2010/main" val="3518201053"/>
+        <p14:creationId xmlns:p14="http://schemas.microsoft.com/office/powerpoint/2010/main" val="1606944466"/>
       </p:ext>
     </p:extLst>
   </p:cSld>
@@ -1498,13 +1777,7 @@
       </p:grpSpPr>
       <p:sp>
         <p:nvSpPr>
-          <p:cNvPr id="2" name="Title 1">
-            <a:extLst>
-              <a:ext uri="{FF2B5EF4-FFF2-40B4-BE49-F238E27FC236}">
-                <a16:creationId xmlns:a16="http://schemas.microsoft.com/office/drawing/2014/main" id="{83CE5032-FA1E-43C6-9938-9DB1F4CDBE38}"/>
-              </a:ext>
-            </a:extLst>
-          </p:cNvPr>
+          <p:cNvPr id="2" name="Title 1"/>
           <p:cNvSpPr>
             <a:spLocks noGrp="1"/>
           </p:cNvSpPr>
@@ -1514,8 +1787,8 @@
         </p:nvSpPr>
         <p:spPr>
           <a:xfrm>
-            <a:off x="839788" y="365125"/>
-            <a:ext cx="10515600" cy="1325563"/>
+            <a:off x="1567604" y="681568"/>
+            <a:ext cx="19629120" cy="2474384"/>
           </a:xfrm>
         </p:spPr>
         <p:txBody>
@@ -1526,18 +1799,13 @@
               <a:rPr lang="en-US"/>
               <a:t>Click to edit Master title style</a:t>
             </a:r>
-          </a:p>
-        </p:txBody>
-      </p:sp>
-      <p:sp>
-        <p:nvSpPr>
-          <p:cNvPr id="3" name="Text Placeholder 2">
-            <a:extLst>
-              <a:ext uri="{FF2B5EF4-FFF2-40B4-BE49-F238E27FC236}">
-                <a16:creationId xmlns:a16="http://schemas.microsoft.com/office/drawing/2014/main" id="{9C25E44D-E2BF-4BDE-9425-D037AF946007}"/>
-              </a:ext>
-            </a:extLst>
-          </p:cNvPr>
+            <a:endParaRPr lang="en-US" dirty="0"/>
+          </a:p>
+        </p:txBody>
+      </p:sp>
+      <p:sp>
+        <p:nvSpPr>
+          <p:cNvPr id="3" name="Text Placeholder 2"/>
           <p:cNvSpPr>
             <a:spLocks noGrp="1"/>
           </p:cNvSpPr>
@@ -1547,8 +1815,8 @@
         </p:nvSpPr>
         <p:spPr>
           <a:xfrm>
-            <a:off x="839788" y="1681163"/>
-            <a:ext cx="5157787" cy="823912"/>
+            <a:off x="1567605" y="3138171"/>
+            <a:ext cx="9627869" cy="1537969"/>
           </a:xfrm>
         </p:spPr>
         <p:txBody>
@@ -1556,39 +1824,39 @@
           <a:lstStyle>
             <a:lvl1pPr marL="0" indent="0">
               <a:buNone/>
-              <a:defRPr sz="2400" b="1"/>
+              <a:defRPr sz="4480" b="1"/>
             </a:lvl1pPr>
-            <a:lvl2pPr marL="457200" indent="0">
+            <a:lvl2pPr marL="853455" indent="0">
               <a:buNone/>
-              <a:defRPr sz="2000" b="1"/>
+              <a:defRPr sz="3733" b="1"/>
             </a:lvl2pPr>
-            <a:lvl3pPr marL="914400" indent="0">
+            <a:lvl3pPr marL="1706910" indent="0">
               <a:buNone/>
-              <a:defRPr sz="1800" b="1"/>
+              <a:defRPr sz="3360" b="1"/>
             </a:lvl3pPr>
-            <a:lvl4pPr marL="1371600" indent="0">
+            <a:lvl4pPr marL="2560366" indent="0">
               <a:buNone/>
-              <a:defRPr sz="1600" b="1"/>
+              <a:defRPr sz="2987" b="1"/>
             </a:lvl4pPr>
-            <a:lvl5pPr marL="1828800" indent="0">
+            <a:lvl5pPr marL="3413821" indent="0">
               <a:buNone/>
-              <a:defRPr sz="1600" b="1"/>
+              <a:defRPr sz="2987" b="1"/>
             </a:lvl5pPr>
-            <a:lvl6pPr marL="2286000" indent="0">
+            <a:lvl6pPr marL="4267276" indent="0">
               <a:buNone/>
-              <a:defRPr sz="1600" b="1"/>
+              <a:defRPr sz="2987" b="1"/>
             </a:lvl6pPr>
-            <a:lvl7pPr marL="2743200" indent="0">
+            <a:lvl7pPr marL="5120731" indent="0">
               <a:buNone/>
-              <a:defRPr sz="1600" b="1"/>
+              <a:defRPr sz="2987" b="1"/>
             </a:lvl7pPr>
-            <a:lvl8pPr marL="3200400" indent="0">
+            <a:lvl8pPr marL="5974187" indent="0">
               <a:buNone/>
-              <a:defRPr sz="1600" b="1"/>
+              <a:defRPr sz="2987" b="1"/>
             </a:lvl8pPr>
-            <a:lvl9pPr marL="3657600" indent="0">
+            <a:lvl9pPr marL="6827642" indent="0">
               <a:buNone/>
-              <a:defRPr sz="1600" b="1"/>
+              <a:defRPr sz="2987" b="1"/>
             </a:lvl9pPr>
           </a:lstStyle>
           <a:p>
@@ -1602,13 +1870,7 @@
       </p:sp>
       <p:sp>
         <p:nvSpPr>
-          <p:cNvPr id="4" name="Content Placeholder 3">
-            <a:extLst>
-              <a:ext uri="{FF2B5EF4-FFF2-40B4-BE49-F238E27FC236}">
-                <a16:creationId xmlns:a16="http://schemas.microsoft.com/office/drawing/2014/main" id="{24DDBC69-FDB0-4C2C-8683-5B43793E9964}"/>
-              </a:ext>
-            </a:extLst>
-          </p:cNvPr>
+          <p:cNvPr id="4" name="Content Placeholder 3"/>
           <p:cNvSpPr>
             <a:spLocks noGrp="1"/>
           </p:cNvSpPr>
@@ -1618,8 +1880,8 @@
         </p:nvSpPr>
         <p:spPr>
           <a:xfrm>
-            <a:off x="839788" y="2505075"/>
-            <a:ext cx="5157787" cy="3684588"/>
+            <a:off x="1567605" y="4676140"/>
+            <a:ext cx="9627869" cy="6877898"/>
           </a:xfrm>
         </p:spPr>
         <p:txBody>
@@ -1659,18 +1921,13 @@
               <a:rPr lang="en-US"/>
               <a:t>Fifth level</a:t>
             </a:r>
-          </a:p>
-        </p:txBody>
-      </p:sp>
-      <p:sp>
-        <p:nvSpPr>
-          <p:cNvPr id="5" name="Text Placeholder 4">
-            <a:extLst>
-              <a:ext uri="{FF2B5EF4-FFF2-40B4-BE49-F238E27FC236}">
-                <a16:creationId xmlns:a16="http://schemas.microsoft.com/office/drawing/2014/main" id="{0639AF01-B466-463D-A866-A39C6B74D0C9}"/>
-              </a:ext>
-            </a:extLst>
-          </p:cNvPr>
+            <a:endParaRPr lang="en-US" dirty="0"/>
+          </a:p>
+        </p:txBody>
+      </p:sp>
+      <p:sp>
+        <p:nvSpPr>
+          <p:cNvPr id="5" name="Text Placeholder 4"/>
           <p:cNvSpPr>
             <a:spLocks noGrp="1"/>
           </p:cNvSpPr>
@@ -1680,8 +1937,8 @@
         </p:nvSpPr>
         <p:spPr>
           <a:xfrm>
-            <a:off x="6172200" y="1681163"/>
-            <a:ext cx="5183188" cy="823912"/>
+            <a:off x="11521440" y="3138171"/>
+            <a:ext cx="9675284" cy="1537969"/>
           </a:xfrm>
         </p:spPr>
         <p:txBody>
@@ -1689,39 +1946,39 @@
           <a:lstStyle>
             <a:lvl1pPr marL="0" indent="0">
               <a:buNone/>
-              <a:defRPr sz="2400" b="1"/>
+              <a:defRPr sz="4480" b="1"/>
             </a:lvl1pPr>
-            <a:lvl2pPr marL="457200" indent="0">
+            <a:lvl2pPr marL="853455" indent="0">
               <a:buNone/>
-              <a:defRPr sz="2000" b="1"/>
+              <a:defRPr sz="3733" b="1"/>
             </a:lvl2pPr>
-            <a:lvl3pPr marL="914400" indent="0">
+            <a:lvl3pPr marL="1706910" indent="0">
               <a:buNone/>
-              <a:defRPr sz="1800" b="1"/>
+              <a:defRPr sz="3360" b="1"/>
             </a:lvl3pPr>
-            <a:lvl4pPr marL="1371600" indent="0">
+            <a:lvl4pPr marL="2560366" indent="0">
               <a:buNone/>
-              <a:defRPr sz="1600" b="1"/>
+              <a:defRPr sz="2987" b="1"/>
             </a:lvl4pPr>
-            <a:lvl5pPr marL="1828800" indent="0">
+            <a:lvl5pPr marL="3413821" indent="0">
               <a:buNone/>
-              <a:defRPr sz="1600" b="1"/>
+              <a:defRPr sz="2987" b="1"/>
             </a:lvl5pPr>
-            <a:lvl6pPr marL="2286000" indent="0">
+            <a:lvl6pPr marL="4267276" indent="0">
               <a:buNone/>
-              <a:defRPr sz="1600" b="1"/>
+              <a:defRPr sz="2987" b="1"/>
             </a:lvl6pPr>
-            <a:lvl7pPr marL="2743200" indent="0">
+            <a:lvl7pPr marL="5120731" indent="0">
               <a:buNone/>
-              <a:defRPr sz="1600" b="1"/>
+              <a:defRPr sz="2987" b="1"/>
             </a:lvl7pPr>
-            <a:lvl8pPr marL="3200400" indent="0">
+            <a:lvl8pPr marL="5974187" indent="0">
               <a:buNone/>
-              <a:defRPr sz="1600" b="1"/>
+              <a:defRPr sz="2987" b="1"/>
             </a:lvl8pPr>
-            <a:lvl9pPr marL="3657600" indent="0">
+            <a:lvl9pPr marL="6827642" indent="0">
               <a:buNone/>
-              <a:defRPr sz="1600" b="1"/>
+              <a:defRPr sz="2987" b="1"/>
             </a:lvl9pPr>
           </a:lstStyle>
           <a:p>
@@ -1735,13 +1992,7 @@
       </p:sp>
       <p:sp>
         <p:nvSpPr>
-          <p:cNvPr id="6" name="Content Placeholder 5">
-            <a:extLst>
-              <a:ext uri="{FF2B5EF4-FFF2-40B4-BE49-F238E27FC236}">
-                <a16:creationId xmlns:a16="http://schemas.microsoft.com/office/drawing/2014/main" id="{B4CB7924-2E58-4A2F-981C-C75BCD8AC0DB}"/>
-              </a:ext>
-            </a:extLst>
-          </p:cNvPr>
+          <p:cNvPr id="6" name="Content Placeholder 5"/>
           <p:cNvSpPr>
             <a:spLocks noGrp="1"/>
           </p:cNvSpPr>
@@ -1751,8 +2002,8 @@
         </p:nvSpPr>
         <p:spPr>
           <a:xfrm>
-            <a:off x="6172200" y="2505075"/>
-            <a:ext cx="5183188" cy="3684588"/>
+            <a:off x="11521440" y="4676140"/>
+            <a:ext cx="9675284" cy="6877898"/>
           </a:xfrm>
         </p:spPr>
         <p:txBody>
@@ -1792,18 +2043,13 @@
               <a:rPr lang="en-US"/>
               <a:t>Fifth level</a:t>
             </a:r>
-          </a:p>
-        </p:txBody>
-      </p:sp>
-      <p:sp>
-        <p:nvSpPr>
-          <p:cNvPr id="7" name="Date Placeholder 6">
-            <a:extLst>
-              <a:ext uri="{FF2B5EF4-FFF2-40B4-BE49-F238E27FC236}">
-                <a16:creationId xmlns:a16="http://schemas.microsoft.com/office/drawing/2014/main" id="{2983B2BB-F1F1-4264-8278-D5D7EA867AAC}"/>
-              </a:ext>
-            </a:extLst>
-          </p:cNvPr>
+            <a:endParaRPr lang="en-US" dirty="0"/>
+          </a:p>
+        </p:txBody>
+      </p:sp>
+      <p:sp>
+        <p:nvSpPr>
+          <p:cNvPr id="7" name="Date Placeholder 6"/>
           <p:cNvSpPr>
             <a:spLocks noGrp="1"/>
           </p:cNvSpPr>
@@ -1818,7 +2064,7 @@
           <a:p>
             <a:fld id="{D0F1932F-1C99-447E-95F3-773EBA18C860}" type="datetimeFigureOut">
               <a:rPr lang="en-US" smtClean="0"/>
-              <a:t>8/17/22</a:t>
+              <a:t>10/17/22</a:t>
             </a:fld>
             <a:endParaRPr lang="en-US"/>
           </a:p>
@@ -1826,13 +2072,7 @@
       </p:sp>
       <p:sp>
         <p:nvSpPr>
-          <p:cNvPr id="8" name="Footer Placeholder 7">
-            <a:extLst>
-              <a:ext uri="{FF2B5EF4-FFF2-40B4-BE49-F238E27FC236}">
-                <a16:creationId xmlns:a16="http://schemas.microsoft.com/office/drawing/2014/main" id="{841C897A-0220-4355-B75E-8ACBB8C107CF}"/>
-              </a:ext>
-            </a:extLst>
-          </p:cNvPr>
+          <p:cNvPr id="8" name="Footer Placeholder 7"/>
           <p:cNvSpPr>
             <a:spLocks noGrp="1"/>
           </p:cNvSpPr>
@@ -1851,13 +2091,7 @@
       </p:sp>
       <p:sp>
         <p:nvSpPr>
-          <p:cNvPr id="9" name="Slide Number Placeholder 8">
-            <a:extLst>
-              <a:ext uri="{FF2B5EF4-FFF2-40B4-BE49-F238E27FC236}">
-                <a16:creationId xmlns:a16="http://schemas.microsoft.com/office/drawing/2014/main" id="{A781477A-E1B0-4EAC-B297-6F1701892FE5}"/>
-              </a:ext>
-            </a:extLst>
-          </p:cNvPr>
+          <p:cNvPr id="9" name="Slide Number Placeholder 8"/>
           <p:cNvSpPr>
             <a:spLocks noGrp="1"/>
           </p:cNvSpPr>
@@ -1881,7 +2115,7 @@
     </p:spTree>
     <p:extLst>
       <p:ext uri="{BB962C8B-B14F-4D97-AF65-F5344CB8AC3E}">
-        <p14:creationId xmlns:p14="http://schemas.microsoft.com/office/powerpoint/2010/main" val="2569169936"/>
+        <p14:creationId xmlns:p14="http://schemas.microsoft.com/office/powerpoint/2010/main" val="1559738561"/>
       </p:ext>
     </p:extLst>
   </p:cSld>
@@ -1910,13 +2144,7 @@
       </p:grpSpPr>
       <p:sp>
         <p:nvSpPr>
-          <p:cNvPr id="2" name="Title 1">
-            <a:extLst>
-              <a:ext uri="{FF2B5EF4-FFF2-40B4-BE49-F238E27FC236}">
-                <a16:creationId xmlns:a16="http://schemas.microsoft.com/office/drawing/2014/main" id="{1B09F95D-3893-46E8-96CA-698D1C557AB2}"/>
-              </a:ext>
-            </a:extLst>
-          </p:cNvPr>
+          <p:cNvPr id="2" name="Title 1"/>
           <p:cNvSpPr>
             <a:spLocks noGrp="1"/>
           </p:cNvSpPr>
@@ -1933,18 +2161,13 @@
               <a:rPr lang="en-US"/>
               <a:t>Click to edit Master title style</a:t>
             </a:r>
-          </a:p>
-        </p:txBody>
-      </p:sp>
-      <p:sp>
-        <p:nvSpPr>
-          <p:cNvPr id="3" name="Date Placeholder 2">
-            <a:extLst>
-              <a:ext uri="{FF2B5EF4-FFF2-40B4-BE49-F238E27FC236}">
-                <a16:creationId xmlns:a16="http://schemas.microsoft.com/office/drawing/2014/main" id="{A9F0BB55-8E7D-4EA9-B25B-ED58C8C17831}"/>
-              </a:ext>
-            </a:extLst>
-          </p:cNvPr>
+            <a:endParaRPr lang="en-US" dirty="0"/>
+          </a:p>
+        </p:txBody>
+      </p:sp>
+      <p:sp>
+        <p:nvSpPr>
+          <p:cNvPr id="3" name="Date Placeholder 2"/>
           <p:cNvSpPr>
             <a:spLocks noGrp="1"/>
           </p:cNvSpPr>
@@ -1959,7 +2182,7 @@
           <a:p>
             <a:fld id="{D0F1932F-1C99-447E-95F3-773EBA18C860}" type="datetimeFigureOut">
               <a:rPr lang="en-US" smtClean="0"/>
-              <a:t>8/17/22</a:t>
+              <a:t>10/17/22</a:t>
             </a:fld>
             <a:endParaRPr lang="en-US"/>
           </a:p>
@@ -1967,13 +2190,7 @@
       </p:sp>
       <p:sp>
         <p:nvSpPr>
-          <p:cNvPr id="4" name="Footer Placeholder 3">
-            <a:extLst>
-              <a:ext uri="{FF2B5EF4-FFF2-40B4-BE49-F238E27FC236}">
-                <a16:creationId xmlns:a16="http://schemas.microsoft.com/office/drawing/2014/main" id="{1031BCFA-D349-4DBA-B193-8F80108E3DFE}"/>
-              </a:ext>
-            </a:extLst>
-          </p:cNvPr>
+          <p:cNvPr id="4" name="Footer Placeholder 3"/>
           <p:cNvSpPr>
             <a:spLocks noGrp="1"/>
           </p:cNvSpPr>
@@ -1992,13 +2209,7 @@
       </p:sp>
       <p:sp>
         <p:nvSpPr>
-          <p:cNvPr id="5" name="Slide Number Placeholder 4">
-            <a:extLst>
-              <a:ext uri="{FF2B5EF4-FFF2-40B4-BE49-F238E27FC236}">
-                <a16:creationId xmlns:a16="http://schemas.microsoft.com/office/drawing/2014/main" id="{24903B4A-8115-41D9-AD8C-F62B060C2AE3}"/>
-              </a:ext>
-            </a:extLst>
-          </p:cNvPr>
+          <p:cNvPr id="5" name="Slide Number Placeholder 4"/>
           <p:cNvSpPr>
             <a:spLocks noGrp="1"/>
           </p:cNvSpPr>
@@ -2022,7 +2233,7 @@
     </p:spTree>
     <p:extLst>
       <p:ext uri="{BB962C8B-B14F-4D97-AF65-F5344CB8AC3E}">
-        <p14:creationId xmlns:p14="http://schemas.microsoft.com/office/powerpoint/2010/main" val="1964361626"/>
+        <p14:creationId xmlns:p14="http://schemas.microsoft.com/office/powerpoint/2010/main" val="3904867012"/>
       </p:ext>
     </p:extLst>
   </p:cSld>
@@ -2051,13 +2262,7 @@
       </p:grpSpPr>
       <p:sp>
         <p:nvSpPr>
-          <p:cNvPr id="2" name="Date Placeholder 1">
-            <a:extLst>
-              <a:ext uri="{FF2B5EF4-FFF2-40B4-BE49-F238E27FC236}">
-                <a16:creationId xmlns:a16="http://schemas.microsoft.com/office/drawing/2014/main" id="{7C72087A-AB5A-43BE-8CCD-CA6BF19C74CA}"/>
-              </a:ext>
-            </a:extLst>
-          </p:cNvPr>
+          <p:cNvPr id="2" name="Date Placeholder 1"/>
           <p:cNvSpPr>
             <a:spLocks noGrp="1"/>
           </p:cNvSpPr>
@@ -2072,7 +2277,7 @@
           <a:p>
             <a:fld id="{D0F1932F-1C99-447E-95F3-773EBA18C860}" type="datetimeFigureOut">
               <a:rPr lang="en-US" smtClean="0"/>
-              <a:t>8/17/22</a:t>
+              <a:t>10/17/22</a:t>
             </a:fld>
             <a:endParaRPr lang="en-US"/>
           </a:p>
@@ -2080,13 +2285,7 @@
       </p:sp>
       <p:sp>
         <p:nvSpPr>
-          <p:cNvPr id="3" name="Footer Placeholder 2">
-            <a:extLst>
-              <a:ext uri="{FF2B5EF4-FFF2-40B4-BE49-F238E27FC236}">
-                <a16:creationId xmlns:a16="http://schemas.microsoft.com/office/drawing/2014/main" id="{0BDDF564-E34B-493F-B9E7-FFC898D9A689}"/>
-              </a:ext>
-            </a:extLst>
-          </p:cNvPr>
+          <p:cNvPr id="3" name="Footer Placeholder 2"/>
           <p:cNvSpPr>
             <a:spLocks noGrp="1"/>
           </p:cNvSpPr>
@@ -2105,13 +2304,7 @@
       </p:sp>
       <p:sp>
         <p:nvSpPr>
-          <p:cNvPr id="4" name="Slide Number Placeholder 3">
-            <a:extLst>
-              <a:ext uri="{FF2B5EF4-FFF2-40B4-BE49-F238E27FC236}">
-                <a16:creationId xmlns:a16="http://schemas.microsoft.com/office/drawing/2014/main" id="{B8A686A0-162B-4ED9-AA68-48A69B795183}"/>
-              </a:ext>
-            </a:extLst>
-          </p:cNvPr>
+          <p:cNvPr id="4" name="Slide Number Placeholder 3"/>
           <p:cNvSpPr>
             <a:spLocks noGrp="1"/>
           </p:cNvSpPr>
@@ -2135,7 +2328,7 @@
     </p:spTree>
     <p:extLst>
       <p:ext uri="{BB962C8B-B14F-4D97-AF65-F5344CB8AC3E}">
-        <p14:creationId xmlns:p14="http://schemas.microsoft.com/office/powerpoint/2010/main" val="198280072"/>
+        <p14:creationId xmlns:p14="http://schemas.microsoft.com/office/powerpoint/2010/main" val="3729751238"/>
       </p:ext>
     </p:extLst>
   </p:cSld>
@@ -2164,13 +2357,7 @@
       </p:grpSpPr>
       <p:sp>
         <p:nvSpPr>
-          <p:cNvPr id="2" name="Title 1">
-            <a:extLst>
-              <a:ext uri="{FF2B5EF4-FFF2-40B4-BE49-F238E27FC236}">
-                <a16:creationId xmlns:a16="http://schemas.microsoft.com/office/drawing/2014/main" id="{51040F4F-A4A7-4C54-9351-B71F2AE723FF}"/>
-              </a:ext>
-            </a:extLst>
-          </p:cNvPr>
+          <p:cNvPr id="2" name="Title 1"/>
           <p:cNvSpPr>
             <a:spLocks noGrp="1"/>
           </p:cNvSpPr>
@@ -2180,15 +2367,15 @@
         </p:nvSpPr>
         <p:spPr>
           <a:xfrm>
-            <a:off x="839788" y="457200"/>
-            <a:ext cx="3932237" cy="1600200"/>
+            <a:off x="1567605" y="853440"/>
+            <a:ext cx="7340176" cy="2987040"/>
           </a:xfrm>
         </p:spPr>
         <p:txBody>
           <a:bodyPr anchor="b"/>
           <a:lstStyle>
             <a:lvl1pPr>
-              <a:defRPr sz="3200"/>
+              <a:defRPr sz="5973"/>
             </a:lvl1pPr>
           </a:lstStyle>
           <a:p>
@@ -2196,18 +2383,13 @@
               <a:rPr lang="en-US"/>
               <a:t>Click to edit Master title style</a:t>
             </a:r>
-          </a:p>
-        </p:txBody>
-      </p:sp>
-      <p:sp>
-        <p:nvSpPr>
-          <p:cNvPr id="3" name="Content Placeholder 2">
-            <a:extLst>
-              <a:ext uri="{FF2B5EF4-FFF2-40B4-BE49-F238E27FC236}">
-                <a16:creationId xmlns:a16="http://schemas.microsoft.com/office/drawing/2014/main" id="{155E2208-42FA-4D13-849E-B7EB8443C4C1}"/>
-              </a:ext>
-            </a:extLst>
-          </p:cNvPr>
+            <a:endParaRPr lang="en-US" dirty="0"/>
+          </a:p>
+        </p:txBody>
+      </p:sp>
+      <p:sp>
+        <p:nvSpPr>
+          <p:cNvPr id="3" name="Content Placeholder 2"/>
           <p:cNvSpPr>
             <a:spLocks noGrp="1"/>
           </p:cNvSpPr>
@@ -2217,39 +2399,39 @@
         </p:nvSpPr>
         <p:spPr>
           <a:xfrm>
-            <a:off x="5183188" y="987425"/>
-            <a:ext cx="6172200" cy="4873625"/>
+            <a:off x="9675284" y="1843194"/>
+            <a:ext cx="11521440" cy="9097433"/>
           </a:xfrm>
         </p:spPr>
         <p:txBody>
           <a:bodyPr/>
           <a:lstStyle>
             <a:lvl1pPr>
-              <a:defRPr sz="3200"/>
+              <a:defRPr sz="5973"/>
             </a:lvl1pPr>
             <a:lvl2pPr>
-              <a:defRPr sz="2800"/>
+              <a:defRPr sz="5227"/>
             </a:lvl2pPr>
             <a:lvl3pPr>
-              <a:defRPr sz="2400"/>
+              <a:defRPr sz="4480"/>
             </a:lvl3pPr>
             <a:lvl4pPr>
-              <a:defRPr sz="2000"/>
+              <a:defRPr sz="3733"/>
             </a:lvl4pPr>
             <a:lvl5pPr>
-              <a:defRPr sz="2000"/>
+              <a:defRPr sz="3733"/>
             </a:lvl5pPr>
             <a:lvl6pPr>
-              <a:defRPr sz="2000"/>
+              <a:defRPr sz="3733"/>
             </a:lvl6pPr>
             <a:lvl7pPr>
-              <a:defRPr sz="2000"/>
+              <a:defRPr sz="3733"/>
             </a:lvl7pPr>
             <a:lvl8pPr>
-              <a:defRPr sz="2000"/>
+              <a:defRPr sz="3733"/>
             </a:lvl8pPr>
             <a:lvl9pPr>
-              <a:defRPr sz="2000"/>
+              <a:defRPr sz="3733"/>
             </a:lvl9pPr>
           </a:lstStyle>
           <a:p>
@@ -2286,18 +2468,13 @@
               <a:rPr lang="en-US"/>
               <a:t>Fifth level</a:t>
             </a:r>
-          </a:p>
-        </p:txBody>
-      </p:sp>
-      <p:sp>
-        <p:nvSpPr>
-          <p:cNvPr id="4" name="Text Placeholder 3">
-            <a:extLst>
-              <a:ext uri="{FF2B5EF4-FFF2-40B4-BE49-F238E27FC236}">
-                <a16:creationId xmlns:a16="http://schemas.microsoft.com/office/drawing/2014/main" id="{755A1C7C-8FF2-453D-8C09-A2BDE0FAB365}"/>
-              </a:ext>
-            </a:extLst>
-          </p:cNvPr>
+            <a:endParaRPr lang="en-US" dirty="0"/>
+          </a:p>
+        </p:txBody>
+      </p:sp>
+      <p:sp>
+        <p:nvSpPr>
+          <p:cNvPr id="4" name="Text Placeholder 3"/>
           <p:cNvSpPr>
             <a:spLocks noGrp="1"/>
           </p:cNvSpPr>
@@ -2307,8 +2484,8 @@
         </p:nvSpPr>
         <p:spPr>
           <a:xfrm>
-            <a:off x="839788" y="2057400"/>
-            <a:ext cx="3932237" cy="3811588"/>
+            <a:off x="1567605" y="3840480"/>
+            <a:ext cx="7340176" cy="7114964"/>
           </a:xfrm>
         </p:spPr>
         <p:txBody>
@@ -2316,39 +2493,39 @@
           <a:lstStyle>
             <a:lvl1pPr marL="0" indent="0">
               <a:buNone/>
-              <a:defRPr sz="1600"/>
+              <a:defRPr sz="2987"/>
             </a:lvl1pPr>
-            <a:lvl2pPr marL="457200" indent="0">
+            <a:lvl2pPr marL="853455" indent="0">
               <a:buNone/>
-              <a:defRPr sz="1400"/>
+              <a:defRPr sz="2613"/>
             </a:lvl2pPr>
-            <a:lvl3pPr marL="914400" indent="0">
+            <a:lvl3pPr marL="1706910" indent="0">
               <a:buNone/>
-              <a:defRPr sz="1200"/>
+              <a:defRPr sz="2240"/>
             </a:lvl3pPr>
-            <a:lvl4pPr marL="1371600" indent="0">
+            <a:lvl4pPr marL="2560366" indent="0">
               <a:buNone/>
-              <a:defRPr sz="1000"/>
+              <a:defRPr sz="1867"/>
             </a:lvl4pPr>
-            <a:lvl5pPr marL="1828800" indent="0">
+            <a:lvl5pPr marL="3413821" indent="0">
               <a:buNone/>
-              <a:defRPr sz="1000"/>
+              <a:defRPr sz="1867"/>
             </a:lvl5pPr>
-            <a:lvl6pPr marL="2286000" indent="0">
+            <a:lvl6pPr marL="4267276" indent="0">
               <a:buNone/>
-              <a:defRPr sz="1000"/>
+              <a:defRPr sz="1867"/>
             </a:lvl6pPr>
-            <a:lvl7pPr marL="2743200" indent="0">
+            <a:lvl7pPr marL="5120731" indent="0">
               <a:buNone/>
-              <a:defRPr sz="1000"/>
+              <a:defRPr sz="1867"/>
             </a:lvl7pPr>
-            <a:lvl8pPr marL="3200400" indent="0">
+            <a:lvl8pPr marL="5974187" indent="0">
               <a:buNone/>
-              <a:defRPr sz="1000"/>
+              <a:defRPr sz="1867"/>
             </a:lvl8pPr>
-            <a:lvl9pPr marL="3657600" indent="0">
+            <a:lvl9pPr marL="6827642" indent="0">
               <a:buNone/>
-              <a:defRPr sz="1000"/>
+              <a:defRPr sz="1867"/>
             </a:lvl9pPr>
           </a:lstStyle>
           <a:p>
@@ -2362,13 +2539,7 @@
       </p:sp>
       <p:sp>
         <p:nvSpPr>
-          <p:cNvPr id="5" name="Date Placeholder 4">
-            <a:extLst>
-              <a:ext uri="{FF2B5EF4-FFF2-40B4-BE49-F238E27FC236}">
-                <a16:creationId xmlns:a16="http://schemas.microsoft.com/office/drawing/2014/main" id="{7AC79A09-EEE3-4AE7-A086-0559A64D2D97}"/>
-              </a:ext>
-            </a:extLst>
-          </p:cNvPr>
+          <p:cNvPr id="5" name="Date Placeholder 4"/>
           <p:cNvSpPr>
             <a:spLocks noGrp="1"/>
           </p:cNvSpPr>
@@ -2383,7 +2554,7 @@
           <a:p>
             <a:fld id="{D0F1932F-1C99-447E-95F3-773EBA18C860}" type="datetimeFigureOut">
               <a:rPr lang="en-US" smtClean="0"/>
-              <a:t>8/17/22</a:t>
+              <a:t>10/17/22</a:t>
             </a:fld>
             <a:endParaRPr lang="en-US"/>
           </a:p>
@@ -2391,13 +2562,7 @@
       </p:sp>
       <p:sp>
         <p:nvSpPr>
-          <p:cNvPr id="6" name="Footer Placeholder 5">
-            <a:extLst>
-              <a:ext uri="{FF2B5EF4-FFF2-40B4-BE49-F238E27FC236}">
-                <a16:creationId xmlns:a16="http://schemas.microsoft.com/office/drawing/2014/main" id="{CC571D26-8642-4208-9688-62291EC44595}"/>
-              </a:ext>
-            </a:extLst>
-          </p:cNvPr>
+          <p:cNvPr id="6" name="Footer Placeholder 5"/>
           <p:cNvSpPr>
             <a:spLocks noGrp="1"/>
           </p:cNvSpPr>
@@ -2416,13 +2581,7 @@
       </p:sp>
       <p:sp>
         <p:nvSpPr>
-          <p:cNvPr id="7" name="Slide Number Placeholder 6">
-            <a:extLst>
-              <a:ext uri="{FF2B5EF4-FFF2-40B4-BE49-F238E27FC236}">
-                <a16:creationId xmlns:a16="http://schemas.microsoft.com/office/drawing/2014/main" id="{F08C0CC5-98C9-47BE-9259-8F5F61013443}"/>
-              </a:ext>
-            </a:extLst>
-          </p:cNvPr>
+          <p:cNvPr id="7" name="Slide Number Placeholder 6"/>
           <p:cNvSpPr>
             <a:spLocks noGrp="1"/>
           </p:cNvSpPr>
@@ -2446,7 +2605,7 @@
     </p:spTree>
     <p:extLst>
       <p:ext uri="{BB962C8B-B14F-4D97-AF65-F5344CB8AC3E}">
-        <p14:creationId xmlns:p14="http://schemas.microsoft.com/office/powerpoint/2010/main" val="138416621"/>
+        <p14:creationId xmlns:p14="http://schemas.microsoft.com/office/powerpoint/2010/main" val="3401075171"/>
       </p:ext>
     </p:extLst>
   </p:cSld>
@@ -2475,13 +2634,7 @@
       </p:grpSpPr>
       <p:sp>
         <p:nvSpPr>
-          <p:cNvPr id="2" name="Title 1">
-            <a:extLst>
-              <a:ext uri="{FF2B5EF4-FFF2-40B4-BE49-F238E27FC236}">
-                <a16:creationId xmlns:a16="http://schemas.microsoft.com/office/drawing/2014/main" id="{4F02CF7A-10F6-4589-9FBF-A8F6A841E2E6}"/>
-              </a:ext>
-            </a:extLst>
-          </p:cNvPr>
+          <p:cNvPr id="2" name="Title 1"/>
           <p:cNvSpPr>
             <a:spLocks noGrp="1"/>
           </p:cNvSpPr>
@@ -2491,15 +2644,15 @@
         </p:nvSpPr>
         <p:spPr>
           <a:xfrm>
-            <a:off x="839788" y="457200"/>
-            <a:ext cx="3932237" cy="1600200"/>
+            <a:off x="1567605" y="853440"/>
+            <a:ext cx="7340176" cy="2987040"/>
           </a:xfrm>
         </p:spPr>
         <p:txBody>
           <a:bodyPr anchor="b"/>
           <a:lstStyle>
             <a:lvl1pPr>
-              <a:defRPr sz="3200"/>
+              <a:defRPr sz="5973"/>
             </a:lvl1pPr>
           </a:lstStyle>
           <a:p>
@@ -2507,20 +2660,15 @@
               <a:rPr lang="en-US"/>
               <a:t>Click to edit Master title style</a:t>
             </a:r>
-          </a:p>
-        </p:txBody>
-      </p:sp>
-      <p:sp>
-        <p:nvSpPr>
-          <p:cNvPr id="3" name="Picture Placeholder 2">
-            <a:extLst>
-              <a:ext uri="{FF2B5EF4-FFF2-40B4-BE49-F238E27FC236}">
-                <a16:creationId xmlns:a16="http://schemas.microsoft.com/office/drawing/2014/main" id="{7478A6AD-AC79-4DE7-9244-145EA6039A09}"/>
-              </a:ext>
-            </a:extLst>
-          </p:cNvPr>
+            <a:endParaRPr lang="en-US" dirty="0"/>
+          </a:p>
+        </p:txBody>
+      </p:sp>
+      <p:sp>
+        <p:nvSpPr>
+          <p:cNvPr id="3" name="Picture Placeholder 2"/>
           <p:cNvSpPr>
-            <a:spLocks noGrp="1"/>
+            <a:spLocks noGrp="1" noChangeAspect="1"/>
           </p:cNvSpPr>
           <p:nvPr>
             <p:ph type="pic" idx="1"/>
@@ -2528,64 +2676,62 @@
         </p:nvSpPr>
         <p:spPr>
           <a:xfrm>
-            <a:off x="5183188" y="987425"/>
-            <a:ext cx="6172200" cy="4873625"/>
+            <a:off x="9675284" y="1843194"/>
+            <a:ext cx="11521440" cy="9097433"/>
           </a:xfrm>
         </p:spPr>
         <p:txBody>
-          <a:bodyPr/>
+          <a:bodyPr anchor="t"/>
           <a:lstStyle>
             <a:lvl1pPr marL="0" indent="0">
               <a:buNone/>
-              <a:defRPr sz="3200"/>
+              <a:defRPr sz="5973"/>
             </a:lvl1pPr>
-            <a:lvl2pPr marL="457200" indent="0">
+            <a:lvl2pPr marL="853455" indent="0">
               <a:buNone/>
-              <a:defRPr sz="2800"/>
+              <a:defRPr sz="5227"/>
             </a:lvl2pPr>
-            <a:lvl3pPr marL="914400" indent="0">
+            <a:lvl3pPr marL="1706910" indent="0">
               <a:buNone/>
-              <a:defRPr sz="2400"/>
+              <a:defRPr sz="4480"/>
             </a:lvl3pPr>
-            <a:lvl4pPr marL="1371600" indent="0">
+            <a:lvl4pPr marL="2560366" indent="0">
               <a:buNone/>
-              <a:defRPr sz="2000"/>
+              <a:defRPr sz="3733"/>
             </a:lvl4pPr>
-            <a:lvl5pPr marL="1828800" indent="0">
+            <a:lvl5pPr marL="3413821" indent="0">
               <a:buNone/>
-              <a:defRPr sz="2000"/>
+              <a:defRPr sz="3733"/>
             </a:lvl5pPr>
-            <a:lvl6pPr marL="2286000" indent="0">
+            <a:lvl6pPr marL="4267276" indent="0">
               <a:buNone/>
-              <a:defRPr sz="2000"/>
+              <a:defRPr sz="3733"/>
             </a:lvl6pPr>
-            <a:lvl7pPr marL="2743200" indent="0">
+            <a:lvl7pPr marL="5120731" indent="0">
               <a:buNone/>
-              <a:defRPr sz="2000"/>
+              <a:defRPr sz="3733"/>
             </a:lvl7pPr>
-            <a:lvl8pPr marL="3200400" indent="0">
+            <a:lvl8pPr marL="5974187" indent="0">
               <a:buNone/>
-              <a:defRPr sz="2000"/>
+              <a:defRPr sz="3733"/>
             </a:lvl8pPr>
-            <a:lvl9pPr marL="3657600" indent="0">
+            <a:lvl9pPr marL="6827642" indent="0">
               <a:buNone/>
-              <a:defRPr sz="2000"/>
+              <a:defRPr sz="3733"/>
             </a:lvl9pPr>
           </a:lstStyle>
           <a:p>
-            <a:endParaRPr lang="en-US"/>
-          </a:p>
-        </p:txBody>
-      </p:sp>
-      <p:sp>
-        <p:nvSpPr>
-          <p:cNvPr id="4" name="Text Placeholder 3">
-            <a:extLst>
-              <a:ext uri="{FF2B5EF4-FFF2-40B4-BE49-F238E27FC236}">
-                <a16:creationId xmlns:a16="http://schemas.microsoft.com/office/drawing/2014/main" id="{49F3FE24-41B0-4123-B185-AFA9A9B82BCA}"/>
-              </a:ext>
-            </a:extLst>
-          </p:cNvPr>
+            <a:r>
+              <a:rPr lang="en-US"/>
+              <a:t>Click icon to add picture</a:t>
+            </a:r>
+            <a:endParaRPr lang="en-US" dirty="0"/>
+          </a:p>
+        </p:txBody>
+      </p:sp>
+      <p:sp>
+        <p:nvSpPr>
+          <p:cNvPr id="4" name="Text Placeholder 3"/>
           <p:cNvSpPr>
             <a:spLocks noGrp="1"/>
           </p:cNvSpPr>
@@ -2595,8 +2741,8 @@
         </p:nvSpPr>
         <p:spPr>
           <a:xfrm>
-            <a:off x="839788" y="2057400"/>
-            <a:ext cx="3932237" cy="3811588"/>
+            <a:off x="1567605" y="3840480"/>
+            <a:ext cx="7340176" cy="7114964"/>
           </a:xfrm>
         </p:spPr>
         <p:txBody>
@@ -2604,39 +2750,39 @@
           <a:lstStyle>
             <a:lvl1pPr marL="0" indent="0">
               <a:buNone/>
-              <a:defRPr sz="1600"/>
+              <a:defRPr sz="2987"/>
             </a:lvl1pPr>
-            <a:lvl2pPr marL="457200" indent="0">
+            <a:lvl2pPr marL="853455" indent="0">
               <a:buNone/>
-              <a:defRPr sz="1400"/>
+              <a:defRPr sz="2613"/>
             </a:lvl2pPr>
-            <a:lvl3pPr marL="914400" indent="0">
+            <a:lvl3pPr marL="1706910" indent="0">
               <a:buNone/>
-              <a:defRPr sz="1200"/>
+              <a:defRPr sz="2240"/>
             </a:lvl3pPr>
-            <a:lvl4pPr marL="1371600" indent="0">
+            <a:lvl4pPr marL="2560366" indent="0">
               <a:buNone/>
-              <a:defRPr sz="1000"/>
+              <a:defRPr sz="1867"/>
             </a:lvl4pPr>
-            <a:lvl5pPr marL="1828800" indent="0">
+            <a:lvl5pPr marL="3413821" indent="0">
               <a:buNone/>
-              <a:defRPr sz="1000"/>
+              <a:defRPr sz="1867"/>
             </a:lvl5pPr>
-            <a:lvl6pPr marL="2286000" indent="0">
+            <a:lvl6pPr marL="4267276" indent="0">
               <a:buNone/>
-              <a:defRPr sz="1000"/>
+              <a:defRPr sz="1867"/>
             </a:lvl6pPr>
-            <a:lvl7pPr marL="2743200" indent="0">
+            <a:lvl7pPr marL="5120731" indent="0">
               <a:buNone/>
-              <a:defRPr sz="1000"/>
+              <a:defRPr sz="1867"/>
             </a:lvl7pPr>
-            <a:lvl8pPr marL="3200400" indent="0">
+            <a:lvl8pPr marL="5974187" indent="0">
               <a:buNone/>
-              <a:defRPr sz="1000"/>
+              <a:defRPr sz="1867"/>
             </a:lvl8pPr>
-            <a:lvl9pPr marL="3657600" indent="0">
+            <a:lvl9pPr marL="6827642" indent="0">
               <a:buNone/>
-              <a:defRPr sz="1000"/>
+              <a:defRPr sz="1867"/>
             </a:lvl9pPr>
           </a:lstStyle>
           <a:p>
@@ -2650,13 +2796,7 @@
       </p:sp>
       <p:sp>
         <p:nvSpPr>
-          <p:cNvPr id="5" name="Date Placeholder 4">
-            <a:extLst>
-              <a:ext uri="{FF2B5EF4-FFF2-40B4-BE49-F238E27FC236}">
-                <a16:creationId xmlns:a16="http://schemas.microsoft.com/office/drawing/2014/main" id="{9B3141BE-5C55-4725-8154-67AE3CB1470F}"/>
-              </a:ext>
-            </a:extLst>
-          </p:cNvPr>
+          <p:cNvPr id="5" name="Date Placeholder 4"/>
           <p:cNvSpPr>
             <a:spLocks noGrp="1"/>
           </p:cNvSpPr>
@@ -2671,7 +2811,7 @@
           <a:p>
             <a:fld id="{D0F1932F-1C99-447E-95F3-773EBA18C860}" type="datetimeFigureOut">
               <a:rPr lang="en-US" smtClean="0"/>
-              <a:t>8/17/22</a:t>
+              <a:t>10/17/22</a:t>
             </a:fld>
             <a:endParaRPr lang="en-US"/>
           </a:p>
@@ -2679,13 +2819,7 @@
       </p:sp>
       <p:sp>
         <p:nvSpPr>
-          <p:cNvPr id="6" name="Footer Placeholder 5">
-            <a:extLst>
-              <a:ext uri="{FF2B5EF4-FFF2-40B4-BE49-F238E27FC236}">
-                <a16:creationId xmlns:a16="http://schemas.microsoft.com/office/drawing/2014/main" id="{0BFDFB7E-9815-4126-A4CE-C3A7CE93D69C}"/>
-              </a:ext>
-            </a:extLst>
-          </p:cNvPr>
+          <p:cNvPr id="6" name="Footer Placeholder 5"/>
           <p:cNvSpPr>
             <a:spLocks noGrp="1"/>
           </p:cNvSpPr>
@@ -2704,13 +2838,7 @@
       </p:sp>
       <p:sp>
         <p:nvSpPr>
-          <p:cNvPr id="7" name="Slide Number Placeholder 6">
-            <a:extLst>
-              <a:ext uri="{FF2B5EF4-FFF2-40B4-BE49-F238E27FC236}">
-                <a16:creationId xmlns:a16="http://schemas.microsoft.com/office/drawing/2014/main" id="{49B77C50-BB7C-4045-866F-3B1B37F485C8}"/>
-              </a:ext>
-            </a:extLst>
-          </p:cNvPr>
+          <p:cNvPr id="7" name="Slide Number Placeholder 6"/>
           <p:cNvSpPr>
             <a:spLocks noGrp="1"/>
           </p:cNvSpPr>
@@ -2734,7 +2862,7 @@
     </p:spTree>
     <p:extLst>
       <p:ext uri="{BB962C8B-B14F-4D97-AF65-F5344CB8AC3E}">
-        <p14:creationId xmlns:p14="http://schemas.microsoft.com/office/powerpoint/2010/main" val="1510439311"/>
+        <p14:creationId xmlns:p14="http://schemas.microsoft.com/office/powerpoint/2010/main" val="2162463135"/>
       </p:ext>
     </p:extLst>
   </p:cSld>
@@ -2768,13 +2896,7 @@
       </p:grpSpPr>
       <p:sp>
         <p:nvSpPr>
-          <p:cNvPr id="2" name="Title Placeholder 1">
-            <a:extLst>
-              <a:ext uri="{FF2B5EF4-FFF2-40B4-BE49-F238E27FC236}">
-                <a16:creationId xmlns:a16="http://schemas.microsoft.com/office/drawing/2014/main" id="{8592A52C-8461-4C49-8EBA-7488F6B01812}"/>
-              </a:ext>
-            </a:extLst>
-          </p:cNvPr>
+          <p:cNvPr id="2" name="Title Placeholder 1"/>
           <p:cNvSpPr>
             <a:spLocks noGrp="1"/>
           </p:cNvSpPr>
@@ -2784,8 +2906,8 @@
         </p:nvSpPr>
         <p:spPr>
           <a:xfrm>
-            <a:off x="838200" y="365125"/>
-            <a:ext cx="10515600" cy="1325563"/>
+            <a:off x="1564640" y="681568"/>
+            <a:ext cx="19629120" cy="2474384"/>
           </a:xfrm>
           <a:prstGeom prst="rect">
             <a:avLst/>
@@ -2801,18 +2923,13 @@
               <a:rPr lang="en-US"/>
               <a:t>Click to edit Master title style</a:t>
             </a:r>
-          </a:p>
-        </p:txBody>
-      </p:sp>
-      <p:sp>
-        <p:nvSpPr>
-          <p:cNvPr id="3" name="Text Placeholder 2">
-            <a:extLst>
-              <a:ext uri="{FF2B5EF4-FFF2-40B4-BE49-F238E27FC236}">
-                <a16:creationId xmlns:a16="http://schemas.microsoft.com/office/drawing/2014/main" id="{A9799779-AC30-463F-AB38-0B4370BA6BB2}"/>
-              </a:ext>
-            </a:extLst>
-          </p:cNvPr>
+            <a:endParaRPr lang="en-US" dirty="0"/>
+          </a:p>
+        </p:txBody>
+      </p:sp>
+      <p:sp>
+        <p:nvSpPr>
+          <p:cNvPr id="3" name="Text Placeholder 2"/>
           <p:cNvSpPr>
             <a:spLocks noGrp="1"/>
           </p:cNvSpPr>
@@ -2822,8 +2939,8 @@
         </p:nvSpPr>
         <p:spPr>
           <a:xfrm>
-            <a:off x="838200" y="1825625"/>
-            <a:ext cx="10515600" cy="4351338"/>
+            <a:off x="1564640" y="3407833"/>
+            <a:ext cx="19629120" cy="8122498"/>
           </a:xfrm>
           <a:prstGeom prst="rect">
             <a:avLst/>
@@ -2868,18 +2985,13 @@
               <a:rPr lang="en-US"/>
               <a:t>Fifth level</a:t>
             </a:r>
-          </a:p>
-        </p:txBody>
-      </p:sp>
-      <p:sp>
-        <p:nvSpPr>
-          <p:cNvPr id="4" name="Date Placeholder 3">
-            <a:extLst>
-              <a:ext uri="{FF2B5EF4-FFF2-40B4-BE49-F238E27FC236}">
-                <a16:creationId xmlns:a16="http://schemas.microsoft.com/office/drawing/2014/main" id="{9FB7574B-B261-40EA-B8F0-EB9E91ADAE42}"/>
-              </a:ext>
-            </a:extLst>
-          </p:cNvPr>
+            <a:endParaRPr lang="en-US" dirty="0"/>
+          </a:p>
+        </p:txBody>
+      </p:sp>
+      <p:sp>
+        <p:nvSpPr>
+          <p:cNvPr id="4" name="Date Placeholder 3"/>
           <p:cNvSpPr>
             <a:spLocks noGrp="1"/>
           </p:cNvSpPr>
@@ -2889,8 +3001,8 @@
         </p:nvSpPr>
         <p:spPr>
           <a:xfrm>
-            <a:off x="838200" y="6356350"/>
-            <a:ext cx="2743200" cy="365125"/>
+            <a:off x="1564640" y="11865187"/>
+            <a:ext cx="5120640" cy="681567"/>
           </a:xfrm>
           <a:prstGeom prst="rect">
             <a:avLst/>
@@ -2900,7 +3012,7 @@
           <a:bodyPr vert="horz" lIns="91440" tIns="45720" rIns="91440" bIns="45720" rtlCol="0" anchor="ctr"/>
           <a:lstStyle>
             <a:lvl1pPr algn="l">
-              <a:defRPr sz="1200">
+              <a:defRPr sz="2240">
                 <a:solidFill>
                   <a:schemeClr val="tx1">
                     <a:tint val="75000"/>
@@ -2912,7 +3024,7 @@
           <a:p>
             <a:fld id="{D0F1932F-1C99-447E-95F3-773EBA18C860}" type="datetimeFigureOut">
               <a:rPr lang="en-US" smtClean="0"/>
-              <a:t>8/17/22</a:t>
+              <a:t>10/17/22</a:t>
             </a:fld>
             <a:endParaRPr lang="en-US"/>
           </a:p>
@@ -2920,13 +3032,7 @@
       </p:sp>
       <p:sp>
         <p:nvSpPr>
-          <p:cNvPr id="5" name="Footer Placeholder 4">
-            <a:extLst>
-              <a:ext uri="{FF2B5EF4-FFF2-40B4-BE49-F238E27FC236}">
-                <a16:creationId xmlns:a16="http://schemas.microsoft.com/office/drawing/2014/main" id="{8D724AE5-D2E1-44F1-A658-AF9BB236C295}"/>
-              </a:ext>
-            </a:extLst>
-          </p:cNvPr>
+          <p:cNvPr id="5" name="Footer Placeholder 4"/>
           <p:cNvSpPr>
             <a:spLocks noGrp="1"/>
           </p:cNvSpPr>
@@ -2936,8 +3042,8 @@
         </p:nvSpPr>
         <p:spPr>
           <a:xfrm>
-            <a:off x="4038600" y="6356350"/>
-            <a:ext cx="4114800" cy="365125"/>
+            <a:off x="7538720" y="11865187"/>
+            <a:ext cx="7680960" cy="681567"/>
           </a:xfrm>
           <a:prstGeom prst="rect">
             <a:avLst/>
@@ -2947,7 +3053,7 @@
           <a:bodyPr vert="horz" lIns="91440" tIns="45720" rIns="91440" bIns="45720" rtlCol="0" anchor="ctr"/>
           <a:lstStyle>
             <a:lvl1pPr algn="ctr">
-              <a:defRPr sz="1200">
+              <a:defRPr sz="2240">
                 <a:solidFill>
                   <a:schemeClr val="tx1">
                     <a:tint val="75000"/>
@@ -2963,13 +3069,7 @@
       </p:sp>
       <p:sp>
         <p:nvSpPr>
-          <p:cNvPr id="6" name="Slide Number Placeholder 5">
-            <a:extLst>
-              <a:ext uri="{FF2B5EF4-FFF2-40B4-BE49-F238E27FC236}">
-                <a16:creationId xmlns:a16="http://schemas.microsoft.com/office/drawing/2014/main" id="{BBF3781E-B2D2-402D-9A4E-C6249636B677}"/>
-              </a:ext>
-            </a:extLst>
-          </p:cNvPr>
+          <p:cNvPr id="6" name="Slide Number Placeholder 5"/>
           <p:cNvSpPr>
             <a:spLocks noGrp="1"/>
           </p:cNvSpPr>
@@ -2979,8 +3079,8 @@
         </p:nvSpPr>
         <p:spPr>
           <a:xfrm>
-            <a:off x="8610600" y="6356350"/>
-            <a:ext cx="2743200" cy="365125"/>
+            <a:off x="16073120" y="11865187"/>
+            <a:ext cx="5120640" cy="681567"/>
           </a:xfrm>
           <a:prstGeom prst="rect">
             <a:avLst/>
@@ -2990,7 +3090,7 @@
           <a:bodyPr vert="horz" lIns="91440" tIns="45720" rIns="91440" bIns="45720" rtlCol="0" anchor="ctr"/>
           <a:lstStyle>
             <a:lvl1pPr algn="r">
-              <a:defRPr sz="1200">
+              <a:defRPr sz="2240">
                 <a:solidFill>
                   <a:schemeClr val="tx1">
                     <a:tint val="75000"/>
@@ -3011,27 +3111,27 @@
     </p:spTree>
     <p:extLst>
       <p:ext uri="{BB962C8B-B14F-4D97-AF65-F5344CB8AC3E}">
-        <p14:creationId xmlns:p14="http://schemas.microsoft.com/office/powerpoint/2010/main" val="3456951717"/>
+        <p14:creationId xmlns:p14="http://schemas.microsoft.com/office/powerpoint/2010/main" val="1749816157"/>
       </p:ext>
     </p:extLst>
   </p:cSld>
   <p:clrMap bg1="lt1" tx1="dk1" bg2="lt2" tx2="dk2" accent1="accent1" accent2="accent2" accent3="accent3" accent4="accent4" accent5="accent5" accent6="accent6" hlink="hlink" folHlink="folHlink"/>
   <p:sldLayoutIdLst>
-    <p:sldLayoutId id="2147483649" r:id="rId1"/>
-    <p:sldLayoutId id="2147483650" r:id="rId2"/>
-    <p:sldLayoutId id="2147483651" r:id="rId3"/>
-    <p:sldLayoutId id="2147483652" r:id="rId4"/>
-    <p:sldLayoutId id="2147483653" r:id="rId5"/>
-    <p:sldLayoutId id="2147483654" r:id="rId6"/>
-    <p:sldLayoutId id="2147483655" r:id="rId7"/>
-    <p:sldLayoutId id="2147483656" r:id="rId8"/>
-    <p:sldLayoutId id="2147483657" r:id="rId9"/>
-    <p:sldLayoutId id="2147483658" r:id="rId10"/>
-    <p:sldLayoutId id="2147483659" r:id="rId11"/>
+    <p:sldLayoutId id="2147483709" r:id="rId1"/>
+    <p:sldLayoutId id="2147483710" r:id="rId2"/>
+    <p:sldLayoutId id="2147483711" r:id="rId3"/>
+    <p:sldLayoutId id="2147483712" r:id="rId4"/>
+    <p:sldLayoutId id="2147483713" r:id="rId5"/>
+    <p:sldLayoutId id="2147483714" r:id="rId6"/>
+    <p:sldLayoutId id="2147483715" r:id="rId7"/>
+    <p:sldLayoutId id="2147483716" r:id="rId8"/>
+    <p:sldLayoutId id="2147483717" r:id="rId9"/>
+    <p:sldLayoutId id="2147483718" r:id="rId10"/>
+    <p:sldLayoutId id="2147483719" r:id="rId11"/>
   </p:sldLayoutIdLst>
   <p:txStyles>
     <p:titleStyle>
-      <a:lvl1pPr algn="l" defTabSz="914400" rtl="0" eaLnBrk="1" latinLnBrk="0" hangingPunct="1">
+      <a:lvl1pPr algn="l" defTabSz="1706910" rtl="0" eaLnBrk="1" latinLnBrk="0" hangingPunct="1">
         <a:lnSpc>
           <a:spcPct val="90000"/>
         </a:lnSpc>
@@ -3039,7 +3139,7 @@
           <a:spcPct val="0"/>
         </a:spcBef>
         <a:buNone/>
-        <a:defRPr sz="4400" kern="1200">
+        <a:defRPr sz="8213" kern="1200">
           <a:solidFill>
             <a:schemeClr val="tx1"/>
           </a:solidFill>
@@ -3050,16 +3150,16 @@
       </a:lvl1pPr>
     </p:titleStyle>
     <p:bodyStyle>
-      <a:lvl1pPr marL="228600" indent="-228600" algn="l" defTabSz="914400" rtl="0" eaLnBrk="1" latinLnBrk="0" hangingPunct="1">
+      <a:lvl1pPr marL="426728" indent="-426728" algn="l" defTabSz="1706910" rtl="0" eaLnBrk="1" latinLnBrk="0" hangingPunct="1">
         <a:lnSpc>
           <a:spcPct val="90000"/>
         </a:lnSpc>
         <a:spcBef>
-          <a:spcPts val="1000"/>
+          <a:spcPts val="1867"/>
         </a:spcBef>
         <a:buFont typeface="Arial" panose="020B0604020202020204" pitchFamily="34" charset="0"/>
         <a:buChar char="•"/>
-        <a:defRPr sz="2800" kern="1200">
+        <a:defRPr sz="5227" kern="1200">
           <a:solidFill>
             <a:schemeClr val="tx1"/>
           </a:solidFill>
@@ -3068,16 +3168,16 @@
           <a:cs typeface="+mn-cs"/>
         </a:defRPr>
       </a:lvl1pPr>
-      <a:lvl2pPr marL="685800" indent="-228600" algn="l" defTabSz="914400" rtl="0" eaLnBrk="1" latinLnBrk="0" hangingPunct="1">
+      <a:lvl2pPr marL="1280183" indent="-426728" algn="l" defTabSz="1706910" rtl="0" eaLnBrk="1" latinLnBrk="0" hangingPunct="1">
         <a:lnSpc>
           <a:spcPct val="90000"/>
         </a:lnSpc>
         <a:spcBef>
-          <a:spcPts val="500"/>
+          <a:spcPts val="933"/>
         </a:spcBef>
         <a:buFont typeface="Arial" panose="020B0604020202020204" pitchFamily="34" charset="0"/>
         <a:buChar char="•"/>
-        <a:defRPr sz="2400" kern="1200">
+        <a:defRPr sz="4480" kern="1200">
           <a:solidFill>
             <a:schemeClr val="tx1"/>
           </a:solidFill>
@@ -3086,16 +3186,16 @@
           <a:cs typeface="+mn-cs"/>
         </a:defRPr>
       </a:lvl2pPr>
-      <a:lvl3pPr marL="1143000" indent="-228600" algn="l" defTabSz="914400" rtl="0" eaLnBrk="1" latinLnBrk="0" hangingPunct="1">
+      <a:lvl3pPr marL="2133638" indent="-426728" algn="l" defTabSz="1706910" rtl="0" eaLnBrk="1" latinLnBrk="0" hangingPunct="1">
         <a:lnSpc>
           <a:spcPct val="90000"/>
         </a:lnSpc>
         <a:spcBef>
-          <a:spcPts val="500"/>
+          <a:spcPts val="933"/>
         </a:spcBef>
         <a:buFont typeface="Arial" panose="020B0604020202020204" pitchFamily="34" charset="0"/>
         <a:buChar char="•"/>
-        <a:defRPr sz="2000" kern="1200">
+        <a:defRPr sz="3733" kern="1200">
           <a:solidFill>
             <a:schemeClr val="tx1"/>
           </a:solidFill>
@@ -3104,16 +3204,16 @@
           <a:cs typeface="+mn-cs"/>
         </a:defRPr>
       </a:lvl3pPr>
-      <a:lvl4pPr marL="1600200" indent="-228600" algn="l" defTabSz="914400" rtl="0" eaLnBrk="1" latinLnBrk="0" hangingPunct="1">
+      <a:lvl4pPr marL="2987093" indent="-426728" algn="l" defTabSz="1706910" rtl="0" eaLnBrk="1" latinLnBrk="0" hangingPunct="1">
         <a:lnSpc>
           <a:spcPct val="90000"/>
         </a:lnSpc>
         <a:spcBef>
-          <a:spcPts val="500"/>
+          <a:spcPts val="933"/>
         </a:spcBef>
         <a:buFont typeface="Arial" panose="020B0604020202020204" pitchFamily="34" charset="0"/>
         <a:buChar char="•"/>
-        <a:defRPr sz="1800" kern="1200">
+        <a:defRPr sz="3360" kern="1200">
           <a:solidFill>
             <a:schemeClr val="tx1"/>
           </a:solidFill>
@@ -3122,16 +3222,16 @@
           <a:cs typeface="+mn-cs"/>
         </a:defRPr>
       </a:lvl4pPr>
-      <a:lvl5pPr marL="2057400" indent="-228600" algn="l" defTabSz="914400" rtl="0" eaLnBrk="1" latinLnBrk="0" hangingPunct="1">
+      <a:lvl5pPr marL="3840549" indent="-426728" algn="l" defTabSz="1706910" rtl="0" eaLnBrk="1" latinLnBrk="0" hangingPunct="1">
         <a:lnSpc>
           <a:spcPct val="90000"/>
         </a:lnSpc>
         <a:spcBef>
-          <a:spcPts val="500"/>
+          <a:spcPts val="933"/>
         </a:spcBef>
         <a:buFont typeface="Arial" panose="020B0604020202020204" pitchFamily="34" charset="0"/>
         <a:buChar char="•"/>
-        <a:defRPr sz="1800" kern="1200">
+        <a:defRPr sz="3360" kern="1200">
           <a:solidFill>
             <a:schemeClr val="tx1"/>
           </a:solidFill>
@@ -3140,16 +3240,16 @@
           <a:cs typeface="+mn-cs"/>
         </a:defRPr>
       </a:lvl5pPr>
-      <a:lvl6pPr marL="2514600" indent="-228600" algn="l" defTabSz="914400" rtl="0" eaLnBrk="1" latinLnBrk="0" hangingPunct="1">
+      <a:lvl6pPr marL="4694004" indent="-426728" algn="l" defTabSz="1706910" rtl="0" eaLnBrk="1" latinLnBrk="0" hangingPunct="1">
         <a:lnSpc>
           <a:spcPct val="90000"/>
         </a:lnSpc>
         <a:spcBef>
-          <a:spcPts val="500"/>
+          <a:spcPts val="933"/>
         </a:spcBef>
         <a:buFont typeface="Arial" panose="020B0604020202020204" pitchFamily="34" charset="0"/>
         <a:buChar char="•"/>
-        <a:defRPr sz="1800" kern="1200">
+        <a:defRPr sz="3360" kern="1200">
           <a:solidFill>
             <a:schemeClr val="tx1"/>
           </a:solidFill>
@@ -3158,16 +3258,16 @@
           <a:cs typeface="+mn-cs"/>
         </a:defRPr>
       </a:lvl6pPr>
-      <a:lvl7pPr marL="2971800" indent="-228600" algn="l" defTabSz="914400" rtl="0" eaLnBrk="1" latinLnBrk="0" hangingPunct="1">
+      <a:lvl7pPr marL="5547459" indent="-426728" algn="l" defTabSz="1706910" rtl="0" eaLnBrk="1" latinLnBrk="0" hangingPunct="1">
         <a:lnSpc>
           <a:spcPct val="90000"/>
         </a:lnSpc>
         <a:spcBef>
-          <a:spcPts val="500"/>
+          <a:spcPts val="933"/>
         </a:spcBef>
         <a:buFont typeface="Arial" panose="020B0604020202020204" pitchFamily="34" charset="0"/>
         <a:buChar char="•"/>
-        <a:defRPr sz="1800" kern="1200">
+        <a:defRPr sz="3360" kern="1200">
           <a:solidFill>
             <a:schemeClr val="tx1"/>
           </a:solidFill>
@@ -3176,16 +3276,16 @@
           <a:cs typeface="+mn-cs"/>
         </a:defRPr>
       </a:lvl7pPr>
-      <a:lvl8pPr marL="3429000" indent="-228600" algn="l" defTabSz="914400" rtl="0" eaLnBrk="1" latinLnBrk="0" hangingPunct="1">
+      <a:lvl8pPr marL="6400914" indent="-426728" algn="l" defTabSz="1706910" rtl="0" eaLnBrk="1" latinLnBrk="0" hangingPunct="1">
         <a:lnSpc>
           <a:spcPct val="90000"/>
         </a:lnSpc>
         <a:spcBef>
-          <a:spcPts val="500"/>
+          <a:spcPts val="933"/>
         </a:spcBef>
         <a:buFont typeface="Arial" panose="020B0604020202020204" pitchFamily="34" charset="0"/>
         <a:buChar char="•"/>
-        <a:defRPr sz="1800" kern="1200">
+        <a:defRPr sz="3360" kern="1200">
           <a:solidFill>
             <a:schemeClr val="tx1"/>
           </a:solidFill>
@@ -3194,16 +3294,16 @@
           <a:cs typeface="+mn-cs"/>
         </a:defRPr>
       </a:lvl8pPr>
-      <a:lvl9pPr marL="3886200" indent="-228600" algn="l" defTabSz="914400" rtl="0" eaLnBrk="1" latinLnBrk="0" hangingPunct="1">
+      <a:lvl9pPr marL="7254370" indent="-426728" algn="l" defTabSz="1706910" rtl="0" eaLnBrk="1" latinLnBrk="0" hangingPunct="1">
         <a:lnSpc>
           <a:spcPct val="90000"/>
         </a:lnSpc>
         <a:spcBef>
-          <a:spcPts val="500"/>
+          <a:spcPts val="933"/>
         </a:spcBef>
         <a:buFont typeface="Arial" panose="020B0604020202020204" pitchFamily="34" charset="0"/>
         <a:buChar char="•"/>
-        <a:defRPr sz="1800" kern="1200">
+        <a:defRPr sz="3360" kern="1200">
           <a:solidFill>
             <a:schemeClr val="tx1"/>
           </a:solidFill>
@@ -3217,8 +3317,8 @@
       <a:defPPr>
         <a:defRPr lang="en-US"/>
       </a:defPPr>
-      <a:lvl1pPr marL="0" algn="l" defTabSz="914400" rtl="0" eaLnBrk="1" latinLnBrk="0" hangingPunct="1">
-        <a:defRPr sz="1800" kern="1200">
+      <a:lvl1pPr marL="0" algn="l" defTabSz="1706910" rtl="0" eaLnBrk="1" latinLnBrk="0" hangingPunct="1">
+        <a:defRPr sz="3360" kern="1200">
           <a:solidFill>
             <a:schemeClr val="tx1"/>
           </a:solidFill>
@@ -3227,8 +3327,8 @@
           <a:cs typeface="+mn-cs"/>
         </a:defRPr>
       </a:lvl1pPr>
-      <a:lvl2pPr marL="457200" algn="l" defTabSz="914400" rtl="0" eaLnBrk="1" latinLnBrk="0" hangingPunct="1">
-        <a:defRPr sz="1800" kern="1200">
+      <a:lvl2pPr marL="853455" algn="l" defTabSz="1706910" rtl="0" eaLnBrk="1" latinLnBrk="0" hangingPunct="1">
+        <a:defRPr sz="3360" kern="1200">
           <a:solidFill>
             <a:schemeClr val="tx1"/>
           </a:solidFill>
@@ -3237,8 +3337,8 @@
           <a:cs typeface="+mn-cs"/>
         </a:defRPr>
       </a:lvl2pPr>
-      <a:lvl3pPr marL="914400" algn="l" defTabSz="914400" rtl="0" eaLnBrk="1" latinLnBrk="0" hangingPunct="1">
-        <a:defRPr sz="1800" kern="1200">
+      <a:lvl3pPr marL="1706910" algn="l" defTabSz="1706910" rtl="0" eaLnBrk="1" latinLnBrk="0" hangingPunct="1">
+        <a:defRPr sz="3360" kern="1200">
           <a:solidFill>
             <a:schemeClr val="tx1"/>
           </a:solidFill>
@@ -3247,8 +3347,8 @@
           <a:cs typeface="+mn-cs"/>
         </a:defRPr>
       </a:lvl3pPr>
-      <a:lvl4pPr marL="1371600" algn="l" defTabSz="914400" rtl="0" eaLnBrk="1" latinLnBrk="0" hangingPunct="1">
-        <a:defRPr sz="1800" kern="1200">
+      <a:lvl4pPr marL="2560366" algn="l" defTabSz="1706910" rtl="0" eaLnBrk="1" latinLnBrk="0" hangingPunct="1">
+        <a:defRPr sz="3360" kern="1200">
           <a:solidFill>
             <a:schemeClr val="tx1"/>
           </a:solidFill>
@@ -3257,8 +3357,8 @@
           <a:cs typeface="+mn-cs"/>
         </a:defRPr>
       </a:lvl4pPr>
-      <a:lvl5pPr marL="1828800" algn="l" defTabSz="914400" rtl="0" eaLnBrk="1" latinLnBrk="0" hangingPunct="1">
-        <a:defRPr sz="1800" kern="1200">
+      <a:lvl5pPr marL="3413821" algn="l" defTabSz="1706910" rtl="0" eaLnBrk="1" latinLnBrk="0" hangingPunct="1">
+        <a:defRPr sz="3360" kern="1200">
           <a:solidFill>
             <a:schemeClr val="tx1"/>
           </a:solidFill>
@@ -3267,8 +3367,8 @@
           <a:cs typeface="+mn-cs"/>
         </a:defRPr>
       </a:lvl5pPr>
-      <a:lvl6pPr marL="2286000" algn="l" defTabSz="914400" rtl="0" eaLnBrk="1" latinLnBrk="0" hangingPunct="1">
-        <a:defRPr sz="1800" kern="1200">
+      <a:lvl6pPr marL="4267276" algn="l" defTabSz="1706910" rtl="0" eaLnBrk="1" latinLnBrk="0" hangingPunct="1">
+        <a:defRPr sz="3360" kern="1200">
           <a:solidFill>
             <a:schemeClr val="tx1"/>
           </a:solidFill>
@@ -3277,8 +3377,8 @@
           <a:cs typeface="+mn-cs"/>
         </a:defRPr>
       </a:lvl6pPr>
-      <a:lvl7pPr marL="2743200" algn="l" defTabSz="914400" rtl="0" eaLnBrk="1" latinLnBrk="0" hangingPunct="1">
-        <a:defRPr sz="1800" kern="1200">
+      <a:lvl7pPr marL="5120731" algn="l" defTabSz="1706910" rtl="0" eaLnBrk="1" latinLnBrk="0" hangingPunct="1">
+        <a:defRPr sz="3360" kern="1200">
           <a:solidFill>
             <a:schemeClr val="tx1"/>
           </a:solidFill>
@@ -3287,8 +3387,8 @@
           <a:cs typeface="+mn-cs"/>
         </a:defRPr>
       </a:lvl7pPr>
-      <a:lvl8pPr marL="3200400" algn="l" defTabSz="914400" rtl="0" eaLnBrk="1" latinLnBrk="0" hangingPunct="1">
-        <a:defRPr sz="1800" kern="1200">
+      <a:lvl8pPr marL="5974187" algn="l" defTabSz="1706910" rtl="0" eaLnBrk="1" latinLnBrk="0" hangingPunct="1">
+        <a:defRPr sz="3360" kern="1200">
           <a:solidFill>
             <a:schemeClr val="tx1"/>
           </a:solidFill>
@@ -3297,8 +3397,8 @@
           <a:cs typeface="+mn-cs"/>
         </a:defRPr>
       </a:lvl8pPr>
-      <a:lvl9pPr marL="3657600" algn="l" defTabSz="914400" rtl="0" eaLnBrk="1" latinLnBrk="0" hangingPunct="1">
-        <a:defRPr sz="1800" kern="1200">
+      <a:lvl9pPr marL="6827642" algn="l" defTabSz="1706910" rtl="0" eaLnBrk="1" latinLnBrk="0" hangingPunct="1">
+        <a:defRPr sz="3360" kern="1200">
           <a:solidFill>
             <a:schemeClr val="tx1"/>
           </a:solidFill>
@@ -3329,12 +3429,48 @@
           <a:chExt cx="0" cy="0"/>
         </a:xfrm>
       </p:grpSpPr>
+      <p:pic>
+        <p:nvPicPr>
+          <p:cNvPr id="11" name="Picture 10">
+            <a:extLst>
+              <a:ext uri="{FF2B5EF4-FFF2-40B4-BE49-F238E27FC236}">
+                <a16:creationId xmlns:a16="http://schemas.microsoft.com/office/drawing/2014/main" id="{5238675F-2C41-B62A-C599-95DBACE6D039}"/>
+              </a:ext>
+            </a:extLst>
+          </p:cNvPr>
+          <p:cNvPicPr>
+            <a:picLocks noChangeAspect="1"/>
+          </p:cNvPicPr>
+          <p:nvPr/>
+        </p:nvPicPr>
+        <p:blipFill>
+          <a:blip r:embed="rId3">
+            <a:extLst>
+              <a:ext uri="{28A0092B-C50C-407E-A947-70E740481C1C}">
+                <a14:useLocalDpi xmlns:a14="http://schemas.microsoft.com/office/drawing/2010/main" val="0"/>
+              </a:ext>
+            </a:extLst>
+          </a:blip>
+          <a:stretch>
+            <a:fillRect/>
+          </a:stretch>
+        </p:blipFill>
+        <p:spPr>
+          <a:xfrm>
+            <a:off x="8696538" y="3776194"/>
+            <a:ext cx="5263734" cy="5274259"/>
+          </a:xfrm>
+          <a:prstGeom prst="ellipse">
+            <a:avLst/>
+          </a:prstGeom>
+        </p:spPr>
+      </p:pic>
       <p:grpSp>
         <p:nvGrpSpPr>
-          <p:cNvPr id="2" name="Group 1">
+          <p:cNvPr id="4" name="Group 3">
             <a:extLst>
               <a:ext uri="{FF2B5EF4-FFF2-40B4-BE49-F238E27FC236}">
-                <a16:creationId xmlns:a16="http://schemas.microsoft.com/office/drawing/2014/main" id="{DF11FC94-137D-4459-A404-58D67DF47E40}"/>
+                <a16:creationId xmlns:a16="http://schemas.microsoft.com/office/drawing/2014/main" id="{481066D3-DA33-5125-2503-6DA99840A285}"/>
               </a:ext>
             </a:extLst>
           </p:cNvPr>
@@ -3343,18 +3479,18 @@
         </p:nvGrpSpPr>
         <p:grpSpPr>
           <a:xfrm>
-            <a:off x="404746" y="149667"/>
-            <a:ext cx="11471456" cy="6558666"/>
-            <a:chOff x="720544" y="112263"/>
-            <a:chExt cx="11471456" cy="6558666"/>
+            <a:off x="288976" y="9181140"/>
+            <a:ext cx="10346202" cy="3242912"/>
+            <a:chOff x="154806" y="4862364"/>
+            <a:chExt cx="5363099" cy="1492794"/>
           </a:xfrm>
         </p:grpSpPr>
         <p:sp>
           <p:nvSpPr>
-            <p:cNvPr id="4" name="Rectangle: Rounded Corners 3">
+            <p:cNvPr id="5" name="Rectangle: Rounded Corners 4">
               <a:extLst>
                 <a:ext uri="{FF2B5EF4-FFF2-40B4-BE49-F238E27FC236}">
-                  <a16:creationId xmlns:a16="http://schemas.microsoft.com/office/drawing/2014/main" id="{7DDC64BD-8508-452A-AEB2-D69F8A0B982D}"/>
+                  <a16:creationId xmlns:a16="http://schemas.microsoft.com/office/drawing/2014/main" id="{0A89D17F-2F5B-4D52-A6E6-BF73C0E7748B}"/>
                 </a:ext>
               </a:extLst>
             </p:cNvPr>
@@ -3363,8 +3499,8 @@
           </p:nvSpPr>
           <p:spPr>
             <a:xfrm>
-              <a:off x="3827479" y="112263"/>
-              <a:ext cx="4288389" cy="2254216"/>
+              <a:off x="154806" y="4862364"/>
+              <a:ext cx="5363099" cy="1492794"/>
             </a:xfrm>
             <a:prstGeom prst="roundRect">
               <a:avLst/>
@@ -3393,26 +3529,39 @@
             <a:bodyPr rtlCol="0" anchor="ctr"/>
             <a:lstStyle/>
             <a:p>
-              <a:pPr algn="ctr"/>
+              <a:pPr algn="r"/>
               <a:r>
-                <a:rPr lang="en-US" sz="3600" dirty="0">
+                <a:rPr lang="en-US" sz="5974" dirty="0">
                   <a:solidFill>
                     <a:srgbClr val="780019"/>
                   </a:solidFill>
                   <a:latin typeface="Arial" panose="020B0604020202020204" pitchFamily="34" charset="0"/>
                   <a:cs typeface="Arial" panose="020B0604020202020204" pitchFamily="34" charset="0"/>
                 </a:rPr>
-                <a:t>Molecular Phenomena in Aqueous Systems</a:t>
+                <a:t>Molecular Simulations </a:t>
+              </a:r>
+            </a:p>
+            <a:p>
+              <a:pPr algn="r"/>
+              <a:r>
+                <a:rPr lang="en-US" sz="5974" dirty="0">
+                  <a:solidFill>
+                    <a:srgbClr val="780019"/>
+                  </a:solidFill>
+                  <a:latin typeface="Arial" panose="020B0604020202020204" pitchFamily="34" charset="0"/>
+                  <a:cs typeface="Arial" panose="020B0604020202020204" pitchFamily="34" charset="0"/>
+                </a:rPr>
+                <a:t>&amp; Machine Learning</a:t>
               </a:r>
             </a:p>
           </p:txBody>
         </p:sp>
         <p:sp>
           <p:nvSpPr>
-            <p:cNvPr id="5" name="Rectangle: Rounded Corners 4">
+            <p:cNvPr id="8" name="Graphic 13" descr="Wrench with solid fill">
               <a:extLst>
                 <a:ext uri="{FF2B5EF4-FFF2-40B4-BE49-F238E27FC236}">
-                  <a16:creationId xmlns:a16="http://schemas.microsoft.com/office/drawing/2014/main" id="{0A89D17F-2F5B-4D52-A6E6-BF73C0E7748B}"/>
+                  <a16:creationId xmlns:a16="http://schemas.microsoft.com/office/drawing/2014/main" id="{0E1665E4-18A1-B168-375D-8B423344C89C}"/>
                 </a:ext>
               </a:extLst>
             </p:cNvPr>
@@ -3421,8 +3570,245 @@
           </p:nvSpPr>
           <p:spPr>
             <a:xfrm>
-              <a:off x="720544" y="3974475"/>
-              <a:ext cx="4288389" cy="2254216"/>
+              <a:off x="354508" y="5210056"/>
+              <a:ext cx="875593" cy="799017"/>
+            </a:xfrm>
+            <a:custGeom>
+              <a:avLst/>
+              <a:gdLst>
+                <a:gd name="connsiteX0" fmla="*/ 743490 w 837374"/>
+                <a:gd name="connsiteY0" fmla="*/ 180766 h 839686"/>
+                <a:gd name="connsiteX1" fmla="*/ 675862 w 837374"/>
+                <a:gd name="connsiteY1" fmla="*/ 162668 h 839686"/>
+                <a:gd name="connsiteX2" fmla="*/ 657765 w 837374"/>
+                <a:gd name="connsiteY2" fmla="*/ 95041 h 839686"/>
+                <a:gd name="connsiteX3" fmla="*/ 743490 w 837374"/>
+                <a:gd name="connsiteY3" fmla="*/ 9316 h 839686"/>
+                <a:gd name="connsiteX4" fmla="*/ 593947 w 837374"/>
+                <a:gd name="connsiteY4" fmla="*/ 37891 h 839686"/>
+                <a:gd name="connsiteX5" fmla="*/ 552037 w 837374"/>
+                <a:gd name="connsiteY5" fmla="*/ 183623 h 839686"/>
+                <a:gd name="connsiteX6" fmla="*/ 182467 w 837374"/>
+                <a:gd name="connsiteY6" fmla="*/ 553194 h 839686"/>
+                <a:gd name="connsiteX7" fmla="*/ 37687 w 837374"/>
+                <a:gd name="connsiteY7" fmla="*/ 596056 h 839686"/>
+                <a:gd name="connsiteX8" fmla="*/ 9112 w 837374"/>
+                <a:gd name="connsiteY8" fmla="*/ 744646 h 839686"/>
+                <a:gd name="connsiteX9" fmla="*/ 94837 w 837374"/>
+                <a:gd name="connsiteY9" fmla="*/ 658921 h 839686"/>
+                <a:gd name="connsiteX10" fmla="*/ 161512 w 837374"/>
+                <a:gd name="connsiteY10" fmla="*/ 677019 h 839686"/>
+                <a:gd name="connsiteX11" fmla="*/ 179610 w 837374"/>
+                <a:gd name="connsiteY11" fmla="*/ 744646 h 839686"/>
+                <a:gd name="connsiteX12" fmla="*/ 93885 w 837374"/>
+                <a:gd name="connsiteY12" fmla="*/ 830371 h 839686"/>
+                <a:gd name="connsiteX13" fmla="*/ 243427 w 837374"/>
+                <a:gd name="connsiteY13" fmla="*/ 801796 h 839686"/>
+                <a:gd name="connsiteX14" fmla="*/ 285337 w 837374"/>
+                <a:gd name="connsiteY14" fmla="*/ 656064 h 839686"/>
+                <a:gd name="connsiteX15" fmla="*/ 654907 w 837374"/>
+                <a:gd name="connsiteY15" fmla="*/ 286493 h 839686"/>
+                <a:gd name="connsiteX16" fmla="*/ 799687 w 837374"/>
+                <a:gd name="connsiteY16" fmla="*/ 243631 h 839686"/>
+                <a:gd name="connsiteX17" fmla="*/ 828262 w 837374"/>
+                <a:gd name="connsiteY17" fmla="*/ 95041 h 839686"/>
+                <a:gd name="connsiteX18" fmla="*/ 743490 w 837374"/>
+                <a:gd name="connsiteY18" fmla="*/ 180766 h 839686"/>
+              </a:gdLst>
+              <a:ahLst/>
+              <a:cxnLst>
+                <a:cxn ang="0">
+                  <a:pos x="connsiteX0" y="connsiteY0"/>
+                </a:cxn>
+                <a:cxn ang="0">
+                  <a:pos x="connsiteX1" y="connsiteY1"/>
+                </a:cxn>
+                <a:cxn ang="0">
+                  <a:pos x="connsiteX2" y="connsiteY2"/>
+                </a:cxn>
+                <a:cxn ang="0">
+                  <a:pos x="connsiteX3" y="connsiteY3"/>
+                </a:cxn>
+                <a:cxn ang="0">
+                  <a:pos x="connsiteX4" y="connsiteY4"/>
+                </a:cxn>
+                <a:cxn ang="0">
+                  <a:pos x="connsiteX5" y="connsiteY5"/>
+                </a:cxn>
+                <a:cxn ang="0">
+                  <a:pos x="connsiteX6" y="connsiteY6"/>
+                </a:cxn>
+                <a:cxn ang="0">
+                  <a:pos x="connsiteX7" y="connsiteY7"/>
+                </a:cxn>
+                <a:cxn ang="0">
+                  <a:pos x="connsiteX8" y="connsiteY8"/>
+                </a:cxn>
+                <a:cxn ang="0">
+                  <a:pos x="connsiteX9" y="connsiteY9"/>
+                </a:cxn>
+                <a:cxn ang="0">
+                  <a:pos x="connsiteX10" y="connsiteY10"/>
+                </a:cxn>
+                <a:cxn ang="0">
+                  <a:pos x="connsiteX11" y="connsiteY11"/>
+                </a:cxn>
+                <a:cxn ang="0">
+                  <a:pos x="connsiteX12" y="connsiteY12"/>
+                </a:cxn>
+                <a:cxn ang="0">
+                  <a:pos x="connsiteX13" y="connsiteY13"/>
+                </a:cxn>
+                <a:cxn ang="0">
+                  <a:pos x="connsiteX14" y="connsiteY14"/>
+                </a:cxn>
+                <a:cxn ang="0">
+                  <a:pos x="connsiteX15" y="connsiteY15"/>
+                </a:cxn>
+                <a:cxn ang="0">
+                  <a:pos x="connsiteX16" y="connsiteY16"/>
+                </a:cxn>
+                <a:cxn ang="0">
+                  <a:pos x="connsiteX17" y="connsiteY17"/>
+                </a:cxn>
+                <a:cxn ang="0">
+                  <a:pos x="connsiteX18" y="connsiteY18"/>
+                </a:cxn>
+              </a:cxnLst>
+              <a:rect l="l" t="t" r="r" b="b"/>
+              <a:pathLst>
+                <a:path w="837374" h="839686">
+                  <a:moveTo>
+                    <a:pt x="743490" y="180766"/>
+                  </a:moveTo>
+                  <a:lnTo>
+                    <a:pt x="675862" y="162668"/>
+                  </a:lnTo>
+                  <a:lnTo>
+                    <a:pt x="657765" y="95041"/>
+                  </a:lnTo>
+                  <a:lnTo>
+                    <a:pt x="743490" y="9316"/>
+                  </a:lnTo>
+                  <a:cubicBezTo>
+                    <a:pt x="692055" y="-9734"/>
+                    <a:pt x="634905" y="743"/>
+                    <a:pt x="593947" y="37891"/>
+                  </a:cubicBezTo>
+                  <a:cubicBezTo>
+                    <a:pt x="553942" y="75038"/>
+                    <a:pt x="536797" y="131236"/>
+                    <a:pt x="552037" y="183623"/>
+                  </a:cubicBezTo>
+                  <a:lnTo>
+                    <a:pt x="182467" y="553194"/>
+                  </a:lnTo>
+                  <a:cubicBezTo>
+                    <a:pt x="130080" y="538906"/>
+                    <a:pt x="73882" y="556051"/>
+                    <a:pt x="37687" y="596056"/>
+                  </a:cubicBezTo>
+                  <a:cubicBezTo>
+                    <a:pt x="1492" y="636061"/>
+                    <a:pt x="-9938" y="693211"/>
+                    <a:pt x="9112" y="744646"/>
+                  </a:cubicBezTo>
+                  <a:lnTo>
+                    <a:pt x="94837" y="658921"/>
+                  </a:lnTo>
+                  <a:lnTo>
+                    <a:pt x="161512" y="677019"/>
+                  </a:lnTo>
+                  <a:lnTo>
+                    <a:pt x="179610" y="744646"/>
+                  </a:lnTo>
+                  <a:lnTo>
+                    <a:pt x="93885" y="830371"/>
+                  </a:lnTo>
+                  <a:cubicBezTo>
+                    <a:pt x="145320" y="849421"/>
+                    <a:pt x="202470" y="838944"/>
+                    <a:pt x="243427" y="801796"/>
+                  </a:cubicBezTo>
+                  <a:cubicBezTo>
+                    <a:pt x="283432" y="764648"/>
+                    <a:pt x="300577" y="708451"/>
+                    <a:pt x="285337" y="656064"/>
+                  </a:cubicBezTo>
+                  <a:lnTo>
+                    <a:pt x="654907" y="286493"/>
+                  </a:lnTo>
+                  <a:cubicBezTo>
+                    <a:pt x="707295" y="300781"/>
+                    <a:pt x="763492" y="283636"/>
+                    <a:pt x="799687" y="243631"/>
+                  </a:cubicBezTo>
+                  <a:cubicBezTo>
+                    <a:pt x="835882" y="203626"/>
+                    <a:pt x="847312" y="146476"/>
+                    <a:pt x="828262" y="95041"/>
+                  </a:cubicBezTo>
+                  <a:lnTo>
+                    <a:pt x="743490" y="180766"/>
+                  </a:lnTo>
+                  <a:close/>
+                </a:path>
+              </a:pathLst>
+            </a:custGeom>
+            <a:solidFill>
+              <a:srgbClr val="780019"/>
+            </a:solidFill>
+            <a:ln w="9525" cap="flat">
+              <a:noFill/>
+              <a:prstDash val="solid"/>
+              <a:miter/>
+            </a:ln>
+          </p:spPr>
+          <p:txBody>
+            <a:bodyPr rtlCol="0" anchor="ctr"/>
+            <a:lstStyle/>
+            <a:p>
+              <a:endParaRPr lang="en-US" sz="4516" dirty="0"/>
+            </a:p>
+          </p:txBody>
+        </p:sp>
+      </p:grpSp>
+      <p:grpSp>
+        <p:nvGrpSpPr>
+          <p:cNvPr id="12" name="Group 11">
+            <a:extLst>
+              <a:ext uri="{FF2B5EF4-FFF2-40B4-BE49-F238E27FC236}">
+                <a16:creationId xmlns:a16="http://schemas.microsoft.com/office/drawing/2014/main" id="{28C05CF4-520C-27FD-E3E2-6EBD3F07DFF3}"/>
+              </a:ext>
+            </a:extLst>
+          </p:cNvPr>
+          <p:cNvGrpSpPr/>
+          <p:nvPr/>
+        </p:nvGrpSpPr>
+        <p:grpSpPr>
+          <a:xfrm>
+            <a:off x="12123230" y="9181140"/>
+            <a:ext cx="10346202" cy="3242912"/>
+            <a:chOff x="6674094" y="4800141"/>
+            <a:chExt cx="5363100" cy="1562753"/>
+          </a:xfrm>
+        </p:grpSpPr>
+        <p:sp>
+          <p:nvSpPr>
+            <p:cNvPr id="6" name="Rectangle: Rounded Corners 5">
+              <a:extLst>
+                <a:ext uri="{FF2B5EF4-FFF2-40B4-BE49-F238E27FC236}">
+                  <a16:creationId xmlns:a16="http://schemas.microsoft.com/office/drawing/2014/main" id="{C5D43A14-59FA-41AE-86C5-18F6F4355354}"/>
+                </a:ext>
+              </a:extLst>
+            </p:cNvPr>
+            <p:cNvSpPr/>
+            <p:nvPr/>
+          </p:nvSpPr>
+          <p:spPr>
+            <a:xfrm>
+              <a:off x="6674094" y="4800141"/>
+              <a:ext cx="5363100" cy="1562753"/>
             </a:xfrm>
             <a:prstGeom prst="roundRect">
               <a:avLst/>
@@ -3451,26 +3837,275 @@
             <a:bodyPr rtlCol="0" anchor="ctr"/>
             <a:lstStyle/>
             <a:p>
-              <a:pPr algn="ctr"/>
+              <a:pPr algn="r"/>
               <a:r>
-                <a:rPr lang="en-US" sz="3600" dirty="0">
+                <a:rPr lang="en-US" sz="5974" dirty="0">
                   <a:solidFill>
                     <a:srgbClr val="780019"/>
                   </a:solidFill>
                   <a:latin typeface="Arial" panose="020B0604020202020204" pitchFamily="34" charset="0"/>
                   <a:cs typeface="Arial" panose="020B0604020202020204" pitchFamily="34" charset="0"/>
                 </a:rPr>
-                <a:t>Molecular Simulations &amp; Machine Learning</a:t>
+                <a:t>Advanced Sampling </a:t>
+              </a:r>
+            </a:p>
+            <a:p>
+              <a:pPr algn="r"/>
+              <a:r>
+                <a:rPr lang="en-US" sz="5974" dirty="0">
+                  <a:solidFill>
+                    <a:srgbClr val="780019"/>
+                  </a:solidFill>
+                  <a:latin typeface="Arial" panose="020B0604020202020204" pitchFamily="34" charset="0"/>
+                  <a:cs typeface="Arial" panose="020B0604020202020204" pitchFamily="34" charset="0"/>
+                </a:rPr>
+                <a:t>Methods &amp; Software</a:t>
               </a:r>
             </a:p>
           </p:txBody>
         </p:sp>
+        <p:pic>
+          <p:nvPicPr>
+            <p:cNvPr id="10" name="Graphic 9" descr="Lightbulb and gear with solid fill">
+              <a:extLst>
+                <a:ext uri="{FF2B5EF4-FFF2-40B4-BE49-F238E27FC236}">
+                  <a16:creationId xmlns:a16="http://schemas.microsoft.com/office/drawing/2014/main" id="{357942F7-DBBB-E6A8-116D-619A80FD7D60}"/>
+                </a:ext>
+              </a:extLst>
+            </p:cNvPr>
+            <p:cNvPicPr>
+              <a:picLocks noChangeAspect="1"/>
+            </p:cNvPicPr>
+            <p:nvPr/>
+          </p:nvPicPr>
+          <p:blipFill>
+            <a:blip r:embed="rId4">
+              <a:extLst>
+                <a:ext uri="{28A0092B-C50C-407E-A947-70E740481C1C}">
+                  <a14:useLocalDpi xmlns:a14="http://schemas.microsoft.com/office/drawing/2010/main" val="0"/>
+                </a:ext>
+                <a:ext uri="{96DAC541-7B7A-43D3-8B79-37D633B846F1}">
+                  <asvg:svgBlip xmlns:asvg="http://schemas.microsoft.com/office/drawing/2016/SVG/main" r:embed="rId5"/>
+                </a:ext>
+              </a:extLst>
+            </a:blip>
+            <a:stretch>
+              <a:fillRect/>
+            </a:stretch>
+          </p:blipFill>
+          <p:spPr>
+            <a:xfrm>
+              <a:off x="6986935" y="5037373"/>
+              <a:ext cx="1193211" cy="1088289"/>
+            </a:xfrm>
+            <a:prstGeom prst="rect">
+              <a:avLst/>
+            </a:prstGeom>
+          </p:spPr>
+        </p:pic>
+      </p:grpSp>
+      <p:sp>
+        <p:nvSpPr>
+          <p:cNvPr id="7" name="Rectangle: Rounded Corners 3">
+            <a:extLst>
+              <a:ext uri="{FF2B5EF4-FFF2-40B4-BE49-F238E27FC236}">
+                <a16:creationId xmlns:a16="http://schemas.microsoft.com/office/drawing/2014/main" id="{A3E6BA1B-8331-815D-F6A9-844077058F9A}"/>
+              </a:ext>
+            </a:extLst>
+          </p:cNvPr>
+          <p:cNvSpPr/>
+          <p:nvPr/>
+        </p:nvSpPr>
+        <p:spPr>
+          <a:xfrm>
+            <a:off x="5942906" y="289801"/>
+            <a:ext cx="10771000" cy="3242912"/>
+          </a:xfrm>
+          <a:prstGeom prst="roundRect">
+            <a:avLst/>
+          </a:prstGeom>
+          <a:solidFill>
+            <a:srgbClr val="FFCC33"/>
+          </a:solidFill>
+        </p:spPr>
+        <p:style>
+          <a:lnRef idx="2">
+            <a:schemeClr val="accent1">
+              <a:shade val="50000"/>
+            </a:schemeClr>
+          </a:lnRef>
+          <a:fillRef idx="1">
+            <a:schemeClr val="accent1"/>
+          </a:fillRef>
+          <a:effectRef idx="0">
+            <a:schemeClr val="accent1"/>
+          </a:effectRef>
+          <a:fontRef idx="minor">
+            <a:schemeClr val="lt1"/>
+          </a:fontRef>
+        </p:style>
+        <p:txBody>
+          <a:bodyPr rtlCol="0" anchor="ctr"/>
+          <a:lstStyle/>
+          <a:p>
+            <a:pPr algn="r"/>
+            <a:r>
+              <a:rPr lang="en-US" sz="5974" dirty="0">
+                <a:solidFill>
+                  <a:srgbClr val="780019"/>
+                </a:solidFill>
+                <a:latin typeface="Arial" panose="020B0604020202020204" pitchFamily="34" charset="0"/>
+                <a:cs typeface="Arial" panose="020B0604020202020204" pitchFamily="34" charset="0"/>
+              </a:rPr>
+              <a:t>Molecular Phenomena </a:t>
+            </a:r>
+          </a:p>
+          <a:p>
+            <a:pPr algn="r"/>
+            <a:r>
+              <a:rPr lang="en-US" sz="5974" dirty="0">
+                <a:solidFill>
+                  <a:srgbClr val="780019"/>
+                </a:solidFill>
+                <a:latin typeface="Arial" panose="020B0604020202020204" pitchFamily="34" charset="0"/>
+                <a:cs typeface="Arial" panose="020B0604020202020204" pitchFamily="34" charset="0"/>
+              </a:rPr>
+              <a:t>in Aqueous Systems</a:t>
+            </a:r>
+          </a:p>
+        </p:txBody>
+      </p:sp>
+      <p:pic>
+        <p:nvPicPr>
+          <p:cNvPr id="3" name="Graphic 2" descr="Search Inventory with solid fill">
+            <a:extLst>
+              <a:ext uri="{FF2B5EF4-FFF2-40B4-BE49-F238E27FC236}">
+                <a16:creationId xmlns:a16="http://schemas.microsoft.com/office/drawing/2014/main" id="{8A94A877-8A16-9110-7E84-E7D676901E98}"/>
+              </a:ext>
+            </a:extLst>
+          </p:cNvPr>
+          <p:cNvPicPr>
+            <a:picLocks noChangeAspect="1"/>
+          </p:cNvPicPr>
+          <p:nvPr/>
+        </p:nvPicPr>
+        <p:blipFill>
+          <a:blip r:embed="rId6">
+            <a:extLst>
+              <a:ext uri="{28A0092B-C50C-407E-A947-70E740481C1C}">
+                <a14:useLocalDpi xmlns:a14="http://schemas.microsoft.com/office/drawing/2010/main" val="0"/>
+              </a:ext>
+              <a:ext uri="{96DAC541-7B7A-43D3-8B79-37D633B846F1}">
+                <asvg:svgBlip xmlns:asvg="http://schemas.microsoft.com/office/drawing/2016/SVG/main" r:embed="rId7"/>
+              </a:ext>
+            </a:extLst>
+          </a:blip>
+          <a:stretch>
+            <a:fillRect/>
+          </a:stretch>
+        </p:blipFill>
+        <p:spPr>
+          <a:xfrm>
+            <a:off x="6314919" y="894181"/>
+            <a:ext cx="2034155" cy="2034155"/>
+          </a:xfrm>
+          <a:prstGeom prst="rect">
+            <a:avLst/>
+          </a:prstGeom>
+        </p:spPr>
+      </p:pic>
+    </p:spTree>
+    <p:extLst>
+      <p:ext uri="{BB962C8B-B14F-4D97-AF65-F5344CB8AC3E}">
+        <p14:creationId xmlns:p14="http://schemas.microsoft.com/office/powerpoint/2010/main" val="4147769947"/>
+      </p:ext>
+    </p:extLst>
+  </p:cSld>
+  <p:clrMapOvr>
+    <a:masterClrMapping/>
+  </p:clrMapOvr>
+</p:sld>
+</file>
+
+<file path=ppt/slides/slide2.xml><?xml version="1.0" encoding="utf-8"?>
+<p:sld xmlns:a="http://schemas.openxmlformats.org/drawingml/2006/main" xmlns:r="http://schemas.openxmlformats.org/officeDocument/2006/relationships" xmlns:p="http://schemas.openxmlformats.org/presentationml/2006/main">
+  <p:cSld>
+    <p:spTree>
+      <p:nvGrpSpPr>
+        <p:cNvPr id="1" name=""/>
+        <p:cNvGrpSpPr/>
+        <p:nvPr/>
+      </p:nvGrpSpPr>
+      <p:grpSpPr>
+        <a:xfrm>
+          <a:off x="0" y="0"/>
+          <a:ext cx="0" cy="0"/>
+          <a:chOff x="0" y="0"/>
+          <a:chExt cx="0" cy="0"/>
+        </a:xfrm>
+      </p:grpSpPr>
+      <p:pic>
+        <p:nvPicPr>
+          <p:cNvPr id="2" name="Picture 1">
+            <a:extLst>
+              <a:ext uri="{FF2B5EF4-FFF2-40B4-BE49-F238E27FC236}">
+                <a16:creationId xmlns:a16="http://schemas.microsoft.com/office/drawing/2014/main" id="{9F0F1CF7-46EC-D597-79BD-54FF2CE63E95}"/>
+              </a:ext>
+            </a:extLst>
+          </p:cNvPr>
+          <p:cNvPicPr>
+            <a:picLocks noChangeAspect="1"/>
+          </p:cNvPicPr>
+          <p:nvPr/>
+        </p:nvPicPr>
+        <p:blipFill>
+          <a:blip r:embed="rId2">
+            <a:extLst>
+              <a:ext uri="{28A0092B-C50C-407E-A947-70E740481C1C}">
+                <a14:useLocalDpi xmlns:a14="http://schemas.microsoft.com/office/drawing/2010/main" val="0"/>
+              </a:ext>
+            </a:extLst>
+          </a:blip>
+          <a:stretch>
+            <a:fillRect/>
+          </a:stretch>
+        </p:blipFill>
+        <p:spPr>
+          <a:xfrm>
+            <a:off x="8747336" y="2825868"/>
+            <a:ext cx="5263734" cy="5274259"/>
+          </a:xfrm>
+          <a:prstGeom prst="ellipse">
+            <a:avLst/>
+          </a:prstGeom>
+        </p:spPr>
+      </p:pic>
+      <p:grpSp>
+        <p:nvGrpSpPr>
+          <p:cNvPr id="3" name="Group 2">
+            <a:extLst>
+              <a:ext uri="{FF2B5EF4-FFF2-40B4-BE49-F238E27FC236}">
+                <a16:creationId xmlns:a16="http://schemas.microsoft.com/office/drawing/2014/main" id="{0F36149E-EF8D-03D8-DD8C-97F0151FDD33}"/>
+              </a:ext>
+            </a:extLst>
+          </p:cNvPr>
+          <p:cNvGrpSpPr/>
+          <p:nvPr/>
+        </p:nvGrpSpPr>
+        <p:grpSpPr>
+          <a:xfrm>
+            <a:off x="14448725" y="3027080"/>
+            <a:ext cx="7593434" cy="4084052"/>
+            <a:chOff x="3183699" y="155250"/>
+            <a:chExt cx="5770178" cy="1737274"/>
+          </a:xfrm>
+        </p:grpSpPr>
         <p:sp>
           <p:nvSpPr>
-            <p:cNvPr id="6" name="Rectangle: Rounded Corners 5">
+            <p:cNvPr id="4" name="Rectangle: Rounded Corners 3">
               <a:extLst>
                 <a:ext uri="{FF2B5EF4-FFF2-40B4-BE49-F238E27FC236}">
-                  <a16:creationId xmlns:a16="http://schemas.microsoft.com/office/drawing/2014/main" id="{C5D43A14-59FA-41AE-86C5-18F6F4355354}"/>
+                  <a16:creationId xmlns:a16="http://schemas.microsoft.com/office/drawing/2014/main" id="{0CF960E7-1A45-3428-1C53-FEBF4222AD36}"/>
                 </a:ext>
               </a:extLst>
             </p:cNvPr>
@@ -3479,8 +4114,8 @@
           </p:nvSpPr>
           <p:spPr>
             <a:xfrm>
-              <a:off x="7225617" y="3942391"/>
-              <a:ext cx="4288389" cy="2254216"/>
+              <a:off x="3183699" y="155250"/>
+              <a:ext cx="5770178" cy="1737274"/>
             </a:xfrm>
             <a:prstGeom prst="roundRect">
               <a:avLst/>
@@ -3509,26 +4144,99 @@
             <a:bodyPr rtlCol="0" anchor="ctr"/>
             <a:lstStyle/>
             <a:p>
-              <a:pPr algn="ctr"/>
+              <a:pPr algn="r"/>
               <a:r>
-                <a:rPr lang="en-US" sz="3600" dirty="0">
+                <a:rPr lang="en-US" sz="5974" dirty="0">
                   <a:solidFill>
                     <a:srgbClr val="780019"/>
                   </a:solidFill>
                   <a:latin typeface="Arial" panose="020B0604020202020204" pitchFamily="34" charset="0"/>
                   <a:cs typeface="Arial" panose="020B0604020202020204" pitchFamily="34" charset="0"/>
                 </a:rPr>
-                <a:t>Advanced Methods &amp; Software to Study Mechanisms</a:t>
+                <a:t>Molecular Phenomena </a:t>
+              </a:r>
+            </a:p>
+            <a:p>
+              <a:pPr algn="r"/>
+              <a:r>
+                <a:rPr lang="en-US" sz="5974" dirty="0">
+                  <a:solidFill>
+                    <a:srgbClr val="780019"/>
+                  </a:solidFill>
+                  <a:latin typeface="Arial" panose="020B0604020202020204" pitchFamily="34" charset="0"/>
+                  <a:cs typeface="Arial" panose="020B0604020202020204" pitchFamily="34" charset="0"/>
+                </a:rPr>
+                <a:t>in Aqueous Systems</a:t>
               </a:r>
             </a:p>
           </p:txBody>
         </p:sp>
+        <p:pic>
+          <p:nvPicPr>
+            <p:cNvPr id="5" name="Graphic 4" descr="Search Inventory with solid fill">
+              <a:extLst>
+                <a:ext uri="{FF2B5EF4-FFF2-40B4-BE49-F238E27FC236}">
+                  <a16:creationId xmlns:a16="http://schemas.microsoft.com/office/drawing/2014/main" id="{F7380487-FA7D-A019-6D17-44A97FB937F7}"/>
+                </a:ext>
+              </a:extLst>
+            </p:cNvPr>
+            <p:cNvPicPr>
+              <a:picLocks noChangeAspect="1"/>
+            </p:cNvPicPr>
+            <p:nvPr/>
+          </p:nvPicPr>
+          <p:blipFill>
+            <a:blip r:embed="rId3">
+              <a:extLst>
+                <a:ext uri="{28A0092B-C50C-407E-A947-70E740481C1C}">
+                  <a14:useLocalDpi xmlns:a14="http://schemas.microsoft.com/office/drawing/2010/main" val="0"/>
+                </a:ext>
+                <a:ext uri="{96DAC541-7B7A-43D3-8B79-37D633B846F1}">
+                  <asvg:svgBlip xmlns:asvg="http://schemas.microsoft.com/office/drawing/2016/SVG/main" r:embed="rId4"/>
+                </a:ext>
+              </a:extLst>
+            </a:blip>
+            <a:stretch>
+              <a:fillRect/>
+            </a:stretch>
+          </p:blipFill>
+          <p:spPr>
+            <a:xfrm>
+              <a:off x="3482763" y="439211"/>
+              <a:ext cx="1782944" cy="1015847"/>
+            </a:xfrm>
+            <a:prstGeom prst="rect">
+              <a:avLst/>
+            </a:prstGeom>
+          </p:spPr>
+        </p:pic>
+      </p:grpSp>
+      <p:grpSp>
+        <p:nvGrpSpPr>
+          <p:cNvPr id="6" name="Group 5">
+            <a:extLst>
+              <a:ext uri="{FF2B5EF4-FFF2-40B4-BE49-F238E27FC236}">
+                <a16:creationId xmlns:a16="http://schemas.microsoft.com/office/drawing/2014/main" id="{46A95563-08AA-1DB3-B43A-9E8EDDA3C01C}"/>
+              </a:ext>
+            </a:extLst>
+          </p:cNvPr>
+          <p:cNvGrpSpPr/>
+          <p:nvPr/>
+        </p:nvGrpSpPr>
+        <p:grpSpPr>
+          <a:xfrm>
+            <a:off x="3966735" y="8425860"/>
+            <a:ext cx="7593429" cy="4084052"/>
+            <a:chOff x="6674094" y="4800141"/>
+            <a:chExt cx="5363100" cy="1562753"/>
+          </a:xfrm>
+        </p:grpSpPr>
         <p:sp>
           <p:nvSpPr>
-            <p:cNvPr id="8" name="Rectangle 7">
+            <p:cNvPr id="7" name="Rectangle: Rounded Corners 5">
               <a:extLst>
                 <a:ext uri="{FF2B5EF4-FFF2-40B4-BE49-F238E27FC236}">
-                  <a16:creationId xmlns:a16="http://schemas.microsoft.com/office/drawing/2014/main" id="{6AF81367-D731-43AB-8913-54CC4B515938}"/>
+                  <a16:creationId xmlns:a16="http://schemas.microsoft.com/office/drawing/2014/main" id="{477792C6-82DD-69E7-99D4-C04DB70FC749}"/>
                 </a:ext>
               </a:extLst>
             </p:cNvPr>
@@ -3537,22 +4245,15 @@
           </p:nvSpPr>
           <p:spPr>
             <a:xfrm>
-              <a:off x="4796434" y="2720567"/>
-              <a:ext cx="2613426" cy="898314"/>
+              <a:off x="6674094" y="4800141"/>
+              <a:ext cx="5363100" cy="1562753"/>
             </a:xfrm>
-            <a:prstGeom prst="rect">
+            <a:prstGeom prst="roundRect">
               <a:avLst/>
             </a:prstGeom>
             <a:solidFill>
-              <a:srgbClr val="780019"/>
+              <a:srgbClr val="FFCC33"/>
             </a:solidFill>
-            <a:scene3d>
-              <a:camera prst="orthographicFront"/>
-              <a:lightRig rig="threePt" dir="t"/>
-            </a:scene3d>
-            <a:sp3d>
-              <a:bevelT/>
-            </a:sp3d>
           </p:spPr>
           <p:style>
             <a:lnRef idx="2">
@@ -3574,315 +4275,125 @@
             <a:bodyPr rtlCol="0" anchor="ctr"/>
             <a:lstStyle/>
             <a:p>
-              <a:pPr algn="ctr"/>
+              <a:pPr algn="r"/>
               <a:r>
-                <a:rPr lang="en-US" sz="3600" dirty="0">
+                <a:rPr lang="en-US" sz="5974" dirty="0">
                   <a:solidFill>
-                    <a:srgbClr val="FFCC33"/>
+                    <a:srgbClr val="780019"/>
                   </a:solidFill>
                   <a:latin typeface="Arial" panose="020B0604020202020204" pitchFamily="34" charset="0"/>
                   <a:cs typeface="Arial" panose="020B0604020202020204" pitchFamily="34" charset="0"/>
                 </a:rPr>
-                <a:t>SAMPEL</a:t>
+                <a:t>Advanced </a:t>
+              </a:r>
+            </a:p>
+            <a:p>
+              <a:pPr algn="r"/>
+              <a:r>
+                <a:rPr lang="en-US" sz="5974" dirty="0">
+                  <a:solidFill>
+                    <a:srgbClr val="780019"/>
+                  </a:solidFill>
+                  <a:latin typeface="Arial" panose="020B0604020202020204" pitchFamily="34" charset="0"/>
+                  <a:cs typeface="Arial" panose="020B0604020202020204" pitchFamily="34" charset="0"/>
+                </a:rPr>
+                <a:t>Sampling </a:t>
+              </a:r>
+            </a:p>
+            <a:p>
+              <a:pPr algn="r"/>
+              <a:r>
+                <a:rPr lang="en-US" sz="5974" dirty="0">
+                  <a:solidFill>
+                    <a:srgbClr val="780019"/>
+                  </a:solidFill>
+                  <a:latin typeface="Arial" panose="020B0604020202020204" pitchFamily="34" charset="0"/>
+                  <a:cs typeface="Arial" panose="020B0604020202020204" pitchFamily="34" charset="0"/>
+                </a:rPr>
+                <a:t>Methods </a:t>
+              </a:r>
+            </a:p>
+            <a:p>
+              <a:pPr algn="r"/>
+              <a:r>
+                <a:rPr lang="en-US" sz="5974" dirty="0">
+                  <a:solidFill>
+                    <a:srgbClr val="780019"/>
+                  </a:solidFill>
+                  <a:latin typeface="Arial" panose="020B0604020202020204" pitchFamily="34" charset="0"/>
+                  <a:cs typeface="Arial" panose="020B0604020202020204" pitchFamily="34" charset="0"/>
+                </a:rPr>
+                <a:t>&amp; Software</a:t>
               </a:r>
             </a:p>
           </p:txBody>
         </p:sp>
-        <p:grpSp>
-          <p:nvGrpSpPr>
-            <p:cNvPr id="23" name="Group 22">
+        <p:pic>
+          <p:nvPicPr>
+            <p:cNvPr id="8" name="Graphic 7" descr="Lightbulb and gear with solid fill">
               <a:extLst>
                 <a:ext uri="{FF2B5EF4-FFF2-40B4-BE49-F238E27FC236}">
-                  <a16:creationId xmlns:a16="http://schemas.microsoft.com/office/drawing/2014/main" id="{7490DF72-05C5-4870-9D2A-BB66D0BE1410}"/>
+                  <a16:creationId xmlns:a16="http://schemas.microsoft.com/office/drawing/2014/main" id="{DE46CBBA-8068-284B-35CB-BC471D3936D4}"/>
                 </a:ext>
               </a:extLst>
             </p:cNvPr>
-            <p:cNvGrpSpPr/>
+            <p:cNvPicPr>
+              <a:picLocks noChangeAspect="1"/>
+            </p:cNvPicPr>
             <p:nvPr/>
-          </p:nvGrpSpPr>
-          <p:grpSpPr>
+          </p:nvPicPr>
+          <p:blipFill>
+            <a:blip r:embed="rId5">
+              <a:extLst>
+                <a:ext uri="{28A0092B-C50C-407E-A947-70E740481C1C}">
+                  <a14:useLocalDpi xmlns:a14="http://schemas.microsoft.com/office/drawing/2010/main" val="0"/>
+                </a:ext>
+                <a:ext uri="{96DAC541-7B7A-43D3-8B79-37D633B846F1}">
+                  <asvg:svgBlip xmlns:asvg="http://schemas.microsoft.com/office/drawing/2016/SVG/main" r:embed="rId6"/>
+                </a:ext>
+              </a:extLst>
+            </a:blip>
+            <a:stretch>
+              <a:fillRect/>
+            </a:stretch>
+          </p:blipFill>
+          <p:spPr>
             <a:xfrm>
-              <a:off x="4727843" y="5708916"/>
-              <a:ext cx="974558" cy="962013"/>
-              <a:chOff x="4358875" y="3634049"/>
-              <a:chExt cx="974558" cy="962013"/>
+              <a:off x="7048756" y="5099010"/>
+              <a:ext cx="1862238" cy="965015"/>
             </a:xfrm>
-          </p:grpSpPr>
-          <p:sp>
-            <p:nvSpPr>
-              <p:cNvPr id="18" name="Graphic 13" descr="Wrench with solid fill">
-                <a:extLst>
-                  <a:ext uri="{FF2B5EF4-FFF2-40B4-BE49-F238E27FC236}">
-                    <a16:creationId xmlns:a16="http://schemas.microsoft.com/office/drawing/2014/main" id="{F9BB96D2-F97A-46A3-9398-19B18ADDA3E1}"/>
-                  </a:ext>
-                </a:extLst>
-              </p:cNvPr>
-              <p:cNvSpPr/>
-              <p:nvPr/>
-            </p:nvSpPr>
-            <p:spPr>
-              <a:xfrm>
-                <a:off x="4427466" y="3707031"/>
-                <a:ext cx="837374" cy="839686"/>
-              </a:xfrm>
-              <a:custGeom>
-                <a:avLst/>
-                <a:gdLst>
-                  <a:gd name="connsiteX0" fmla="*/ 743490 w 837374"/>
-                  <a:gd name="connsiteY0" fmla="*/ 180766 h 839686"/>
-                  <a:gd name="connsiteX1" fmla="*/ 675862 w 837374"/>
-                  <a:gd name="connsiteY1" fmla="*/ 162668 h 839686"/>
-                  <a:gd name="connsiteX2" fmla="*/ 657765 w 837374"/>
-                  <a:gd name="connsiteY2" fmla="*/ 95041 h 839686"/>
-                  <a:gd name="connsiteX3" fmla="*/ 743490 w 837374"/>
-                  <a:gd name="connsiteY3" fmla="*/ 9316 h 839686"/>
-                  <a:gd name="connsiteX4" fmla="*/ 593947 w 837374"/>
-                  <a:gd name="connsiteY4" fmla="*/ 37891 h 839686"/>
-                  <a:gd name="connsiteX5" fmla="*/ 552037 w 837374"/>
-                  <a:gd name="connsiteY5" fmla="*/ 183623 h 839686"/>
-                  <a:gd name="connsiteX6" fmla="*/ 182467 w 837374"/>
-                  <a:gd name="connsiteY6" fmla="*/ 553194 h 839686"/>
-                  <a:gd name="connsiteX7" fmla="*/ 37687 w 837374"/>
-                  <a:gd name="connsiteY7" fmla="*/ 596056 h 839686"/>
-                  <a:gd name="connsiteX8" fmla="*/ 9112 w 837374"/>
-                  <a:gd name="connsiteY8" fmla="*/ 744646 h 839686"/>
-                  <a:gd name="connsiteX9" fmla="*/ 94837 w 837374"/>
-                  <a:gd name="connsiteY9" fmla="*/ 658921 h 839686"/>
-                  <a:gd name="connsiteX10" fmla="*/ 161512 w 837374"/>
-                  <a:gd name="connsiteY10" fmla="*/ 677019 h 839686"/>
-                  <a:gd name="connsiteX11" fmla="*/ 179610 w 837374"/>
-                  <a:gd name="connsiteY11" fmla="*/ 744646 h 839686"/>
-                  <a:gd name="connsiteX12" fmla="*/ 93885 w 837374"/>
-                  <a:gd name="connsiteY12" fmla="*/ 830371 h 839686"/>
-                  <a:gd name="connsiteX13" fmla="*/ 243427 w 837374"/>
-                  <a:gd name="connsiteY13" fmla="*/ 801796 h 839686"/>
-                  <a:gd name="connsiteX14" fmla="*/ 285337 w 837374"/>
-                  <a:gd name="connsiteY14" fmla="*/ 656064 h 839686"/>
-                  <a:gd name="connsiteX15" fmla="*/ 654907 w 837374"/>
-                  <a:gd name="connsiteY15" fmla="*/ 286493 h 839686"/>
-                  <a:gd name="connsiteX16" fmla="*/ 799687 w 837374"/>
-                  <a:gd name="connsiteY16" fmla="*/ 243631 h 839686"/>
-                  <a:gd name="connsiteX17" fmla="*/ 828262 w 837374"/>
-                  <a:gd name="connsiteY17" fmla="*/ 95041 h 839686"/>
-                  <a:gd name="connsiteX18" fmla="*/ 743490 w 837374"/>
-                  <a:gd name="connsiteY18" fmla="*/ 180766 h 839686"/>
-                </a:gdLst>
-                <a:ahLst/>
-                <a:cxnLst>
-                  <a:cxn ang="0">
-                    <a:pos x="connsiteX0" y="connsiteY0"/>
-                  </a:cxn>
-                  <a:cxn ang="0">
-                    <a:pos x="connsiteX1" y="connsiteY1"/>
-                  </a:cxn>
-                  <a:cxn ang="0">
-                    <a:pos x="connsiteX2" y="connsiteY2"/>
-                  </a:cxn>
-                  <a:cxn ang="0">
-                    <a:pos x="connsiteX3" y="connsiteY3"/>
-                  </a:cxn>
-                  <a:cxn ang="0">
-                    <a:pos x="connsiteX4" y="connsiteY4"/>
-                  </a:cxn>
-                  <a:cxn ang="0">
-                    <a:pos x="connsiteX5" y="connsiteY5"/>
-                  </a:cxn>
-                  <a:cxn ang="0">
-                    <a:pos x="connsiteX6" y="connsiteY6"/>
-                  </a:cxn>
-                  <a:cxn ang="0">
-                    <a:pos x="connsiteX7" y="connsiteY7"/>
-                  </a:cxn>
-                  <a:cxn ang="0">
-                    <a:pos x="connsiteX8" y="connsiteY8"/>
-                  </a:cxn>
-                  <a:cxn ang="0">
-                    <a:pos x="connsiteX9" y="connsiteY9"/>
-                  </a:cxn>
-                  <a:cxn ang="0">
-                    <a:pos x="connsiteX10" y="connsiteY10"/>
-                  </a:cxn>
-                  <a:cxn ang="0">
-                    <a:pos x="connsiteX11" y="connsiteY11"/>
-                  </a:cxn>
-                  <a:cxn ang="0">
-                    <a:pos x="connsiteX12" y="connsiteY12"/>
-                  </a:cxn>
-                  <a:cxn ang="0">
-                    <a:pos x="connsiteX13" y="connsiteY13"/>
-                  </a:cxn>
-                  <a:cxn ang="0">
-                    <a:pos x="connsiteX14" y="connsiteY14"/>
-                  </a:cxn>
-                  <a:cxn ang="0">
-                    <a:pos x="connsiteX15" y="connsiteY15"/>
-                  </a:cxn>
-                  <a:cxn ang="0">
-                    <a:pos x="connsiteX16" y="connsiteY16"/>
-                  </a:cxn>
-                  <a:cxn ang="0">
-                    <a:pos x="connsiteX17" y="connsiteY17"/>
-                  </a:cxn>
-                  <a:cxn ang="0">
-                    <a:pos x="connsiteX18" y="connsiteY18"/>
-                  </a:cxn>
-                </a:cxnLst>
-                <a:rect l="l" t="t" r="r" b="b"/>
-                <a:pathLst>
-                  <a:path w="837374" h="839686">
-                    <a:moveTo>
-                      <a:pt x="743490" y="180766"/>
-                    </a:moveTo>
-                    <a:lnTo>
-                      <a:pt x="675862" y="162668"/>
-                    </a:lnTo>
-                    <a:lnTo>
-                      <a:pt x="657765" y="95041"/>
-                    </a:lnTo>
-                    <a:lnTo>
-                      <a:pt x="743490" y="9316"/>
-                    </a:lnTo>
-                    <a:cubicBezTo>
-                      <a:pt x="692055" y="-9734"/>
-                      <a:pt x="634905" y="743"/>
-                      <a:pt x="593947" y="37891"/>
-                    </a:cubicBezTo>
-                    <a:cubicBezTo>
-                      <a:pt x="553942" y="75038"/>
-                      <a:pt x="536797" y="131236"/>
-                      <a:pt x="552037" y="183623"/>
-                    </a:cubicBezTo>
-                    <a:lnTo>
-                      <a:pt x="182467" y="553194"/>
-                    </a:lnTo>
-                    <a:cubicBezTo>
-                      <a:pt x="130080" y="538906"/>
-                      <a:pt x="73882" y="556051"/>
-                      <a:pt x="37687" y="596056"/>
-                    </a:cubicBezTo>
-                    <a:cubicBezTo>
-                      <a:pt x="1492" y="636061"/>
-                      <a:pt x="-9938" y="693211"/>
-                      <a:pt x="9112" y="744646"/>
-                    </a:cubicBezTo>
-                    <a:lnTo>
-                      <a:pt x="94837" y="658921"/>
-                    </a:lnTo>
-                    <a:lnTo>
-                      <a:pt x="161512" y="677019"/>
-                    </a:lnTo>
-                    <a:lnTo>
-                      <a:pt x="179610" y="744646"/>
-                    </a:lnTo>
-                    <a:lnTo>
-                      <a:pt x="93885" y="830371"/>
-                    </a:lnTo>
-                    <a:cubicBezTo>
-                      <a:pt x="145320" y="849421"/>
-                      <a:pt x="202470" y="838944"/>
-                      <a:pt x="243427" y="801796"/>
-                    </a:cubicBezTo>
-                    <a:cubicBezTo>
-                      <a:pt x="283432" y="764648"/>
-                      <a:pt x="300577" y="708451"/>
-                      <a:pt x="285337" y="656064"/>
-                    </a:cubicBezTo>
-                    <a:lnTo>
-                      <a:pt x="654907" y="286493"/>
-                    </a:lnTo>
-                    <a:cubicBezTo>
-                      <a:pt x="707295" y="300781"/>
-                      <a:pt x="763492" y="283636"/>
-                      <a:pt x="799687" y="243631"/>
-                    </a:cubicBezTo>
-                    <a:cubicBezTo>
-                      <a:pt x="835882" y="203626"/>
-                      <a:pt x="847312" y="146476"/>
-                      <a:pt x="828262" y="95041"/>
-                    </a:cubicBezTo>
-                    <a:lnTo>
-                      <a:pt x="743490" y="180766"/>
-                    </a:lnTo>
-                    <a:close/>
-                  </a:path>
-                </a:pathLst>
-              </a:custGeom>
-              <a:solidFill>
-                <a:srgbClr val="780019"/>
-              </a:solidFill>
-              <a:ln w="9525" cap="flat">
-                <a:noFill/>
-                <a:prstDash val="solid"/>
-                <a:miter/>
-              </a:ln>
-            </p:spPr>
-            <p:txBody>
-              <a:bodyPr rtlCol="0" anchor="ctr"/>
-              <a:lstStyle/>
-              <a:p>
-                <a:endParaRPr lang="en-US"/>
-              </a:p>
-            </p:txBody>
-          </p:sp>
-          <p:sp>
-            <p:nvSpPr>
-              <p:cNvPr id="19" name="Rectangle 18">
-                <a:extLst>
-                  <a:ext uri="{FF2B5EF4-FFF2-40B4-BE49-F238E27FC236}">
-                    <a16:creationId xmlns:a16="http://schemas.microsoft.com/office/drawing/2014/main" id="{F9041E9E-8ACE-48AE-B4A8-A833BA179C80}"/>
-                  </a:ext>
-                </a:extLst>
-              </p:cNvPr>
-              <p:cNvSpPr/>
-              <p:nvPr/>
-            </p:nvSpPr>
-            <p:spPr>
-              <a:xfrm>
-                <a:off x="4358875" y="3634049"/>
-                <a:ext cx="974558" cy="962013"/>
-              </a:xfrm>
-              <a:prstGeom prst="rect">
-                <a:avLst/>
-              </a:prstGeom>
-              <a:noFill/>
-              <a:ln>
-                <a:solidFill>
-                  <a:schemeClr val="tx1"/>
-                </a:solidFill>
-              </a:ln>
-            </p:spPr>
-            <p:style>
-              <a:lnRef idx="2">
-                <a:schemeClr val="accent1">
-                  <a:shade val="50000"/>
-                </a:schemeClr>
-              </a:lnRef>
-              <a:fillRef idx="1">
-                <a:schemeClr val="accent1"/>
-              </a:fillRef>
-              <a:effectRef idx="0">
-                <a:schemeClr val="accent1"/>
-              </a:effectRef>
-              <a:fontRef idx="minor">
-                <a:schemeClr val="lt1"/>
-              </a:fontRef>
-            </p:style>
-            <p:txBody>
-              <a:bodyPr rtlCol="0" anchor="ctr"/>
-              <a:lstStyle/>
-              <a:p>
-                <a:pPr algn="ctr"/>
-                <a:endParaRPr lang="en-US"/>
-              </a:p>
-            </p:txBody>
-          </p:sp>
-        </p:grpSp>
+            <a:prstGeom prst="rect">
+              <a:avLst/>
+            </a:prstGeom>
+          </p:spPr>
+        </p:pic>
+      </p:grpSp>
+      <p:grpSp>
+        <p:nvGrpSpPr>
+          <p:cNvPr id="9" name="Group 8">
+            <a:extLst>
+              <a:ext uri="{FF2B5EF4-FFF2-40B4-BE49-F238E27FC236}">
+                <a16:creationId xmlns:a16="http://schemas.microsoft.com/office/drawing/2014/main" id="{247B23EE-8583-960A-4A7F-4A4B2D122948}"/>
+              </a:ext>
+            </a:extLst>
+          </p:cNvPr>
+          <p:cNvGrpSpPr/>
+          <p:nvPr/>
+        </p:nvGrpSpPr>
+        <p:grpSpPr>
+          <a:xfrm>
+            <a:off x="1153907" y="291692"/>
+            <a:ext cx="7593427" cy="4084052"/>
+            <a:chOff x="154806" y="4862364"/>
+            <a:chExt cx="5363099" cy="1492794"/>
+          </a:xfrm>
+        </p:grpSpPr>
         <p:sp>
           <p:nvSpPr>
-            <p:cNvPr id="21" name="Rectangle 20">
+            <p:cNvPr id="10" name="Rectangle: Rounded Corners 4">
               <a:extLst>
                 <a:ext uri="{FF2B5EF4-FFF2-40B4-BE49-F238E27FC236}">
-                  <a16:creationId xmlns:a16="http://schemas.microsoft.com/office/drawing/2014/main" id="{7049B988-0202-4671-8109-F45D4F7BAAFD}"/>
+                  <a16:creationId xmlns:a16="http://schemas.microsoft.com/office/drawing/2014/main" id="{1C1740FF-AEF3-AD10-5725-E7ADA7ED65CC}"/>
                 </a:ext>
               </a:extLst>
             </p:cNvPr>
@@ -3891,18 +4402,15 @@
           </p:nvSpPr>
           <p:spPr>
             <a:xfrm>
-              <a:off x="11217442" y="5700338"/>
-              <a:ext cx="974558" cy="962013"/>
+              <a:off x="154806" y="4862364"/>
+              <a:ext cx="5363099" cy="1492794"/>
             </a:xfrm>
-            <a:prstGeom prst="rect">
+            <a:prstGeom prst="roundRect">
               <a:avLst/>
             </a:prstGeom>
-            <a:noFill/>
-            <a:ln>
-              <a:solidFill>
-                <a:schemeClr val="tx1"/>
-              </a:solidFill>
-            </a:ln>
+            <a:solidFill>
+              <a:srgbClr val="FFCC33"/>
+            </a:solidFill>
           </p:spPr>
           <p:style>
             <a:lnRef idx="2">
@@ -3924,745 +4432,267 @@
             <a:bodyPr rtlCol="0" anchor="ctr"/>
             <a:lstStyle/>
             <a:p>
-              <a:pPr algn="ctr"/>
-              <a:endParaRPr lang="en-US"/>
+              <a:pPr algn="r"/>
+              <a:r>
+                <a:rPr lang="en-US" sz="5974" dirty="0">
+                  <a:solidFill>
+                    <a:srgbClr val="780019"/>
+                  </a:solidFill>
+                  <a:latin typeface="Arial" panose="020B0604020202020204" pitchFamily="34" charset="0"/>
+                  <a:cs typeface="Arial" panose="020B0604020202020204" pitchFamily="34" charset="0"/>
+                </a:rPr>
+                <a:t>Molecular Simulations </a:t>
+              </a:r>
+            </a:p>
+            <a:p>
+              <a:pPr algn="r"/>
+              <a:r>
+                <a:rPr lang="en-US" sz="5974" dirty="0">
+                  <a:solidFill>
+                    <a:srgbClr val="780019"/>
+                  </a:solidFill>
+                  <a:latin typeface="Arial" panose="020B0604020202020204" pitchFamily="34" charset="0"/>
+                  <a:cs typeface="Arial" panose="020B0604020202020204" pitchFamily="34" charset="0"/>
+                </a:rPr>
+                <a:t>&amp; Machine </a:t>
+              </a:r>
+            </a:p>
+            <a:p>
+              <a:pPr algn="r"/>
+              <a:r>
+                <a:rPr lang="en-US" sz="5974" dirty="0">
+                  <a:solidFill>
+                    <a:srgbClr val="780019"/>
+                  </a:solidFill>
+                  <a:latin typeface="Arial" panose="020B0604020202020204" pitchFamily="34" charset="0"/>
+                  <a:cs typeface="Arial" panose="020B0604020202020204" pitchFamily="34" charset="0"/>
+                </a:rPr>
+                <a:t>Learning</a:t>
+              </a:r>
             </a:p>
           </p:txBody>
         </p:sp>
-        <p:grpSp>
-          <p:nvGrpSpPr>
-            <p:cNvPr id="20" name="Group 19">
+        <p:sp>
+          <p:nvSpPr>
+            <p:cNvPr id="11" name="Graphic 13" descr="Wrench with solid fill">
               <a:extLst>
                 <a:ext uri="{FF2B5EF4-FFF2-40B4-BE49-F238E27FC236}">
-                  <a16:creationId xmlns:a16="http://schemas.microsoft.com/office/drawing/2014/main" id="{49629430-B553-45A5-90BC-9550C43D53E6}"/>
+                  <a16:creationId xmlns:a16="http://schemas.microsoft.com/office/drawing/2014/main" id="{93E579CF-E1E0-F794-0E4A-A8DF6E560117}"/>
                 </a:ext>
               </a:extLst>
             </p:cNvPr>
-            <p:cNvGrpSpPr/>
+            <p:cNvSpPr/>
             <p:nvPr/>
-          </p:nvGrpSpPr>
-          <p:grpSpPr>
-            <a:xfrm>
-              <a:off x="7693905" y="2004212"/>
-              <a:ext cx="974558" cy="962013"/>
-              <a:chOff x="7715395" y="2064875"/>
-              <a:chExt cx="974558" cy="962013"/>
-            </a:xfrm>
-          </p:grpSpPr>
-          <p:pic>
-            <p:nvPicPr>
-              <p:cNvPr id="12" name="Graphic 11" descr="Search Inventory with solid fill">
-                <a:extLst>
-                  <a:ext uri="{FF2B5EF4-FFF2-40B4-BE49-F238E27FC236}">
-                    <a16:creationId xmlns:a16="http://schemas.microsoft.com/office/drawing/2014/main" id="{98FCCB3A-2319-4271-B6AE-E9B1F4AF54B5}"/>
-                  </a:ext>
-                </a:extLst>
-              </p:cNvPr>
-              <p:cNvPicPr>
-                <a:picLocks noChangeAspect="1"/>
-              </p:cNvPicPr>
-              <p:nvPr/>
-            </p:nvPicPr>
-            <p:blipFill>
-              <a:blip r:embed="rId2">
-                <a:extLst>
-                  <a:ext uri="{28A0092B-C50C-407E-A947-70E740481C1C}">
-                    <a14:useLocalDpi xmlns:a14="http://schemas.microsoft.com/office/drawing/2010/main" val="0"/>
-                  </a:ext>
-                  <a:ext uri="{96DAC541-7B7A-43D3-8B79-37D633B846F1}">
-                    <asvg:svgBlip xmlns:asvg="http://schemas.microsoft.com/office/drawing/2016/SVG/main" r:embed="rId3"/>
-                  </a:ext>
-                </a:extLst>
-              </a:blip>
-              <a:stretch>
-                <a:fillRect/>
-              </a:stretch>
-            </p:blipFill>
-            <p:spPr>
-              <a:xfrm>
-                <a:off x="7742500" y="2085707"/>
-                <a:ext cx="920347" cy="920347"/>
-              </a:xfrm>
-              <a:prstGeom prst="rect">
-                <a:avLst/>
-              </a:prstGeom>
-            </p:spPr>
-          </p:pic>
-          <p:sp>
-            <p:nvSpPr>
-              <p:cNvPr id="22" name="Rectangle 21">
-                <a:extLst>
-                  <a:ext uri="{FF2B5EF4-FFF2-40B4-BE49-F238E27FC236}">
-                    <a16:creationId xmlns:a16="http://schemas.microsoft.com/office/drawing/2014/main" id="{4C227C38-F164-4E77-B726-65E40DACBB8B}"/>
-                  </a:ext>
-                </a:extLst>
-              </p:cNvPr>
-              <p:cNvSpPr/>
-              <p:nvPr/>
-            </p:nvSpPr>
-            <p:spPr>
-              <a:xfrm>
-                <a:off x="7715395" y="2064875"/>
-                <a:ext cx="974558" cy="962013"/>
-              </a:xfrm>
-              <a:prstGeom prst="rect">
-                <a:avLst/>
-              </a:prstGeom>
-              <a:noFill/>
-              <a:ln>
-                <a:solidFill>
-                  <a:schemeClr val="tx1"/>
-                </a:solidFill>
-              </a:ln>
-            </p:spPr>
-            <p:style>
-              <a:lnRef idx="2">
-                <a:schemeClr val="accent1">
-                  <a:shade val="50000"/>
-                </a:schemeClr>
-              </a:lnRef>
-              <a:fillRef idx="1">
-                <a:schemeClr val="accent1"/>
-              </a:fillRef>
-              <a:effectRef idx="0">
-                <a:schemeClr val="accent1"/>
-              </a:effectRef>
-              <a:fontRef idx="minor">
-                <a:schemeClr val="lt1"/>
-              </a:fontRef>
-            </p:style>
-            <p:txBody>
-              <a:bodyPr rtlCol="0" anchor="ctr"/>
-              <a:lstStyle/>
-              <a:p>
-                <a:pPr algn="ctr"/>
-                <a:endParaRPr lang="en-US"/>
-              </a:p>
-            </p:txBody>
-          </p:sp>
-        </p:grpSp>
-        <p:pic>
-          <p:nvPicPr>
-            <p:cNvPr id="26" name="Graphic 25" descr="Lightbulb and gear with solid fill">
-              <a:extLst>
-                <a:ext uri="{FF2B5EF4-FFF2-40B4-BE49-F238E27FC236}">
-                  <a16:creationId xmlns:a16="http://schemas.microsoft.com/office/drawing/2014/main" id="{0DBB2E0F-D9E7-4497-8B64-FD61226F89DC}"/>
-                </a:ext>
-              </a:extLst>
-            </p:cNvPr>
-            <p:cNvPicPr>
-              <a:picLocks noChangeAspect="1"/>
-            </p:cNvPicPr>
-            <p:nvPr/>
-          </p:nvPicPr>
-          <p:blipFill>
-            <a:blip r:embed="rId4">
-              <a:extLst>
-                <a:ext uri="{28A0092B-C50C-407E-A947-70E740481C1C}">
-                  <a14:useLocalDpi xmlns:a14="http://schemas.microsoft.com/office/drawing/2010/main" val="0"/>
-                </a:ext>
-                <a:ext uri="{96DAC541-7B7A-43D3-8B79-37D633B846F1}">
-                  <asvg:svgBlip xmlns:asvg="http://schemas.microsoft.com/office/drawing/2016/SVG/main" r:embed="rId5"/>
-                </a:ext>
-              </a:extLst>
-            </a:blip>
-            <a:stretch>
-              <a:fillRect/>
-            </a:stretch>
-          </p:blipFill>
+          </p:nvSpPr>
           <p:spPr>
             <a:xfrm>
-              <a:off x="11277600" y="5708916"/>
-              <a:ext cx="914400" cy="914400"/>
+              <a:off x="602048" y="5230540"/>
+              <a:ext cx="1410628" cy="756441"/>
             </a:xfrm>
-            <a:prstGeom prst="rect">
+            <a:custGeom>
               <a:avLst/>
-            </a:prstGeom>
+              <a:gdLst>
+                <a:gd name="connsiteX0" fmla="*/ 743490 w 837374"/>
+                <a:gd name="connsiteY0" fmla="*/ 180766 h 839686"/>
+                <a:gd name="connsiteX1" fmla="*/ 675862 w 837374"/>
+                <a:gd name="connsiteY1" fmla="*/ 162668 h 839686"/>
+                <a:gd name="connsiteX2" fmla="*/ 657765 w 837374"/>
+                <a:gd name="connsiteY2" fmla="*/ 95041 h 839686"/>
+                <a:gd name="connsiteX3" fmla="*/ 743490 w 837374"/>
+                <a:gd name="connsiteY3" fmla="*/ 9316 h 839686"/>
+                <a:gd name="connsiteX4" fmla="*/ 593947 w 837374"/>
+                <a:gd name="connsiteY4" fmla="*/ 37891 h 839686"/>
+                <a:gd name="connsiteX5" fmla="*/ 552037 w 837374"/>
+                <a:gd name="connsiteY5" fmla="*/ 183623 h 839686"/>
+                <a:gd name="connsiteX6" fmla="*/ 182467 w 837374"/>
+                <a:gd name="connsiteY6" fmla="*/ 553194 h 839686"/>
+                <a:gd name="connsiteX7" fmla="*/ 37687 w 837374"/>
+                <a:gd name="connsiteY7" fmla="*/ 596056 h 839686"/>
+                <a:gd name="connsiteX8" fmla="*/ 9112 w 837374"/>
+                <a:gd name="connsiteY8" fmla="*/ 744646 h 839686"/>
+                <a:gd name="connsiteX9" fmla="*/ 94837 w 837374"/>
+                <a:gd name="connsiteY9" fmla="*/ 658921 h 839686"/>
+                <a:gd name="connsiteX10" fmla="*/ 161512 w 837374"/>
+                <a:gd name="connsiteY10" fmla="*/ 677019 h 839686"/>
+                <a:gd name="connsiteX11" fmla="*/ 179610 w 837374"/>
+                <a:gd name="connsiteY11" fmla="*/ 744646 h 839686"/>
+                <a:gd name="connsiteX12" fmla="*/ 93885 w 837374"/>
+                <a:gd name="connsiteY12" fmla="*/ 830371 h 839686"/>
+                <a:gd name="connsiteX13" fmla="*/ 243427 w 837374"/>
+                <a:gd name="connsiteY13" fmla="*/ 801796 h 839686"/>
+                <a:gd name="connsiteX14" fmla="*/ 285337 w 837374"/>
+                <a:gd name="connsiteY14" fmla="*/ 656064 h 839686"/>
+                <a:gd name="connsiteX15" fmla="*/ 654907 w 837374"/>
+                <a:gd name="connsiteY15" fmla="*/ 286493 h 839686"/>
+                <a:gd name="connsiteX16" fmla="*/ 799687 w 837374"/>
+                <a:gd name="connsiteY16" fmla="*/ 243631 h 839686"/>
+                <a:gd name="connsiteX17" fmla="*/ 828262 w 837374"/>
+                <a:gd name="connsiteY17" fmla="*/ 95041 h 839686"/>
+                <a:gd name="connsiteX18" fmla="*/ 743490 w 837374"/>
+                <a:gd name="connsiteY18" fmla="*/ 180766 h 839686"/>
+              </a:gdLst>
+              <a:ahLst/>
+              <a:cxnLst>
+                <a:cxn ang="0">
+                  <a:pos x="connsiteX0" y="connsiteY0"/>
+                </a:cxn>
+                <a:cxn ang="0">
+                  <a:pos x="connsiteX1" y="connsiteY1"/>
+                </a:cxn>
+                <a:cxn ang="0">
+                  <a:pos x="connsiteX2" y="connsiteY2"/>
+                </a:cxn>
+                <a:cxn ang="0">
+                  <a:pos x="connsiteX3" y="connsiteY3"/>
+                </a:cxn>
+                <a:cxn ang="0">
+                  <a:pos x="connsiteX4" y="connsiteY4"/>
+                </a:cxn>
+                <a:cxn ang="0">
+                  <a:pos x="connsiteX5" y="connsiteY5"/>
+                </a:cxn>
+                <a:cxn ang="0">
+                  <a:pos x="connsiteX6" y="connsiteY6"/>
+                </a:cxn>
+                <a:cxn ang="0">
+                  <a:pos x="connsiteX7" y="connsiteY7"/>
+                </a:cxn>
+                <a:cxn ang="0">
+                  <a:pos x="connsiteX8" y="connsiteY8"/>
+                </a:cxn>
+                <a:cxn ang="0">
+                  <a:pos x="connsiteX9" y="connsiteY9"/>
+                </a:cxn>
+                <a:cxn ang="0">
+                  <a:pos x="connsiteX10" y="connsiteY10"/>
+                </a:cxn>
+                <a:cxn ang="0">
+                  <a:pos x="connsiteX11" y="connsiteY11"/>
+                </a:cxn>
+                <a:cxn ang="0">
+                  <a:pos x="connsiteX12" y="connsiteY12"/>
+                </a:cxn>
+                <a:cxn ang="0">
+                  <a:pos x="connsiteX13" y="connsiteY13"/>
+                </a:cxn>
+                <a:cxn ang="0">
+                  <a:pos x="connsiteX14" y="connsiteY14"/>
+                </a:cxn>
+                <a:cxn ang="0">
+                  <a:pos x="connsiteX15" y="connsiteY15"/>
+                </a:cxn>
+                <a:cxn ang="0">
+                  <a:pos x="connsiteX16" y="connsiteY16"/>
+                </a:cxn>
+                <a:cxn ang="0">
+                  <a:pos x="connsiteX17" y="connsiteY17"/>
+                </a:cxn>
+                <a:cxn ang="0">
+                  <a:pos x="connsiteX18" y="connsiteY18"/>
+                </a:cxn>
+              </a:cxnLst>
+              <a:rect l="l" t="t" r="r" b="b"/>
+              <a:pathLst>
+                <a:path w="837374" h="839686">
+                  <a:moveTo>
+                    <a:pt x="743490" y="180766"/>
+                  </a:moveTo>
+                  <a:lnTo>
+                    <a:pt x="675862" y="162668"/>
+                  </a:lnTo>
+                  <a:lnTo>
+                    <a:pt x="657765" y="95041"/>
+                  </a:lnTo>
+                  <a:lnTo>
+                    <a:pt x="743490" y="9316"/>
+                  </a:lnTo>
+                  <a:cubicBezTo>
+                    <a:pt x="692055" y="-9734"/>
+                    <a:pt x="634905" y="743"/>
+                    <a:pt x="593947" y="37891"/>
+                  </a:cubicBezTo>
+                  <a:cubicBezTo>
+                    <a:pt x="553942" y="75038"/>
+                    <a:pt x="536797" y="131236"/>
+                    <a:pt x="552037" y="183623"/>
+                  </a:cubicBezTo>
+                  <a:lnTo>
+                    <a:pt x="182467" y="553194"/>
+                  </a:lnTo>
+                  <a:cubicBezTo>
+                    <a:pt x="130080" y="538906"/>
+                    <a:pt x="73882" y="556051"/>
+                    <a:pt x="37687" y="596056"/>
+                  </a:cubicBezTo>
+                  <a:cubicBezTo>
+                    <a:pt x="1492" y="636061"/>
+                    <a:pt x="-9938" y="693211"/>
+                    <a:pt x="9112" y="744646"/>
+                  </a:cubicBezTo>
+                  <a:lnTo>
+                    <a:pt x="94837" y="658921"/>
+                  </a:lnTo>
+                  <a:lnTo>
+                    <a:pt x="161512" y="677019"/>
+                  </a:lnTo>
+                  <a:lnTo>
+                    <a:pt x="179610" y="744646"/>
+                  </a:lnTo>
+                  <a:lnTo>
+                    <a:pt x="93885" y="830371"/>
+                  </a:lnTo>
+                  <a:cubicBezTo>
+                    <a:pt x="145320" y="849421"/>
+                    <a:pt x="202470" y="838944"/>
+                    <a:pt x="243427" y="801796"/>
+                  </a:cubicBezTo>
+                  <a:cubicBezTo>
+                    <a:pt x="283432" y="764648"/>
+                    <a:pt x="300577" y="708451"/>
+                    <a:pt x="285337" y="656064"/>
+                  </a:cubicBezTo>
+                  <a:lnTo>
+                    <a:pt x="654907" y="286493"/>
+                  </a:lnTo>
+                  <a:cubicBezTo>
+                    <a:pt x="707295" y="300781"/>
+                    <a:pt x="763492" y="283636"/>
+                    <a:pt x="799687" y="243631"/>
+                  </a:cubicBezTo>
+                  <a:cubicBezTo>
+                    <a:pt x="835882" y="203626"/>
+                    <a:pt x="847312" y="146476"/>
+                    <a:pt x="828262" y="95041"/>
+                  </a:cubicBezTo>
+                  <a:lnTo>
+                    <a:pt x="743490" y="180766"/>
+                  </a:lnTo>
+                  <a:close/>
+                </a:path>
+              </a:pathLst>
+            </a:custGeom>
+            <a:solidFill>
+              <a:srgbClr val="780019"/>
+            </a:solidFill>
+            <a:ln w="9525" cap="flat">
+              <a:noFill/>
+              <a:prstDash val="solid"/>
+              <a:miter/>
+            </a:ln>
           </p:spPr>
-        </p:pic>
+          <p:txBody>
+            <a:bodyPr rtlCol="0" anchor="ctr"/>
+            <a:lstStyle/>
+            <a:p>
+              <a:endParaRPr lang="en-US" sz="4516" dirty="0"/>
+            </a:p>
+          </p:txBody>
+        </p:sp>
       </p:grpSp>
     </p:spTree>
     <p:extLst>
       <p:ext uri="{BB962C8B-B14F-4D97-AF65-F5344CB8AC3E}">
-        <p14:creationId xmlns:p14="http://schemas.microsoft.com/office/powerpoint/2010/main" val="3156295848"/>
-      </p:ext>
-    </p:extLst>
-  </p:cSld>
-  <p:clrMapOvr>
-    <a:masterClrMapping/>
-  </p:clrMapOvr>
-</p:sld>
-</file>
-
-<file path=ppt/slides/slide2.xml><?xml version="1.0" encoding="utf-8"?>
-<p:sld xmlns:a="http://schemas.openxmlformats.org/drawingml/2006/main" xmlns:r="http://schemas.openxmlformats.org/officeDocument/2006/relationships" xmlns:p="http://schemas.openxmlformats.org/presentationml/2006/main">
-  <p:cSld>
-    <p:spTree>
-      <p:nvGrpSpPr>
-        <p:cNvPr id="1" name=""/>
-        <p:cNvGrpSpPr/>
-        <p:nvPr/>
-      </p:nvGrpSpPr>
-      <p:grpSpPr>
-        <a:xfrm>
-          <a:off x="0" y="0"/>
-          <a:ext cx="0" cy="0"/>
-          <a:chOff x="0" y="0"/>
-          <a:chExt cx="0" cy="0"/>
-        </a:xfrm>
-      </p:grpSpPr>
-      <p:grpSp>
-        <p:nvGrpSpPr>
-          <p:cNvPr id="9" name="Group 8">
-            <a:extLst>
-              <a:ext uri="{FF2B5EF4-FFF2-40B4-BE49-F238E27FC236}">
-                <a16:creationId xmlns:a16="http://schemas.microsoft.com/office/drawing/2014/main" id="{4F3CCB9E-A603-ABD1-3B1A-7828CBDC88D2}"/>
-              </a:ext>
-            </a:extLst>
-          </p:cNvPr>
-          <p:cNvGrpSpPr/>
-          <p:nvPr/>
-        </p:nvGrpSpPr>
-        <p:grpSpPr>
-          <a:xfrm>
-            <a:off x="35595" y="-50676"/>
-            <a:ext cx="12150310" cy="6879180"/>
-            <a:chOff x="-258928" y="-286041"/>
-            <a:chExt cx="12150310" cy="6879180"/>
-          </a:xfrm>
-        </p:grpSpPr>
-        <p:grpSp>
-          <p:nvGrpSpPr>
-            <p:cNvPr id="2" name="Group 1">
-              <a:extLst>
-                <a:ext uri="{FF2B5EF4-FFF2-40B4-BE49-F238E27FC236}">
-                  <a16:creationId xmlns:a16="http://schemas.microsoft.com/office/drawing/2014/main" id="{DF11FC94-137D-4459-A404-58D67DF47E40}"/>
-                </a:ext>
-              </a:extLst>
-            </p:cNvPr>
-            <p:cNvGrpSpPr/>
-            <p:nvPr/>
-          </p:nvGrpSpPr>
-          <p:grpSpPr>
-            <a:xfrm>
-              <a:off x="-258928" y="-286041"/>
-              <a:ext cx="12150310" cy="6879180"/>
-              <a:chOff x="56870" y="-323445"/>
-              <a:chExt cx="12150310" cy="6879180"/>
-            </a:xfrm>
-          </p:grpSpPr>
-          <p:sp>
-            <p:nvSpPr>
-              <p:cNvPr id="4" name="Rectangle: Rounded Corners 3">
-                <a:extLst>
-                  <a:ext uri="{FF2B5EF4-FFF2-40B4-BE49-F238E27FC236}">
-                    <a16:creationId xmlns:a16="http://schemas.microsoft.com/office/drawing/2014/main" id="{7DDC64BD-8508-452A-AEB2-D69F8A0B982D}"/>
-                  </a:ext>
-                </a:extLst>
-              </p:cNvPr>
-              <p:cNvSpPr/>
-              <p:nvPr/>
-            </p:nvSpPr>
-            <p:spPr>
-              <a:xfrm>
-                <a:off x="3827477" y="-235961"/>
-                <a:ext cx="4288389" cy="2254216"/>
-              </a:xfrm>
-              <a:prstGeom prst="roundRect">
-                <a:avLst/>
-              </a:prstGeom>
-              <a:solidFill>
-                <a:srgbClr val="FFCC33"/>
-              </a:solidFill>
-            </p:spPr>
-            <p:style>
-              <a:lnRef idx="2">
-                <a:schemeClr val="accent1">
-                  <a:shade val="50000"/>
-                </a:schemeClr>
-              </a:lnRef>
-              <a:fillRef idx="1">
-                <a:schemeClr val="accent1"/>
-              </a:fillRef>
-              <a:effectRef idx="0">
-                <a:schemeClr val="accent1"/>
-              </a:effectRef>
-              <a:fontRef idx="minor">
-                <a:schemeClr val="lt1"/>
-              </a:fontRef>
-            </p:style>
-            <p:txBody>
-              <a:bodyPr rtlCol="0" anchor="ctr"/>
-              <a:lstStyle/>
-              <a:p>
-                <a:pPr algn="ctr"/>
-                <a:r>
-                  <a:rPr lang="en-US" sz="3600" dirty="0">
-                    <a:solidFill>
-                      <a:srgbClr val="780019"/>
-                    </a:solidFill>
-                    <a:latin typeface="Arial" panose="020B0604020202020204" pitchFamily="34" charset="0"/>
-                    <a:cs typeface="Arial" panose="020B0604020202020204" pitchFamily="34" charset="0"/>
-                  </a:rPr>
-                  <a:t>Molecular Phenomena in Aqueous Systems</a:t>
-                </a:r>
-              </a:p>
-            </p:txBody>
-          </p:sp>
-          <p:sp>
-            <p:nvSpPr>
-              <p:cNvPr id="5" name="Rectangle: Rounded Corners 4">
-                <a:extLst>
-                  <a:ext uri="{FF2B5EF4-FFF2-40B4-BE49-F238E27FC236}">
-                    <a16:creationId xmlns:a16="http://schemas.microsoft.com/office/drawing/2014/main" id="{0A89D17F-2F5B-4D52-A6E6-BF73C0E7748B}"/>
-                  </a:ext>
-                </a:extLst>
-              </p:cNvPr>
-              <p:cNvSpPr/>
-              <p:nvPr/>
-            </p:nvSpPr>
-            <p:spPr>
-              <a:xfrm>
-                <a:off x="56870" y="4269438"/>
-                <a:ext cx="4288389" cy="2254216"/>
-              </a:xfrm>
-              <a:prstGeom prst="roundRect">
-                <a:avLst/>
-              </a:prstGeom>
-              <a:solidFill>
-                <a:srgbClr val="FFCC33"/>
-              </a:solidFill>
-            </p:spPr>
-            <p:style>
-              <a:lnRef idx="2">
-                <a:schemeClr val="accent1">
-                  <a:shade val="50000"/>
-                </a:schemeClr>
-              </a:lnRef>
-              <a:fillRef idx="1">
-                <a:schemeClr val="accent1"/>
-              </a:fillRef>
-              <a:effectRef idx="0">
-                <a:schemeClr val="accent1"/>
-              </a:effectRef>
-              <a:fontRef idx="minor">
-                <a:schemeClr val="lt1"/>
-              </a:fontRef>
-            </p:style>
-            <p:txBody>
-              <a:bodyPr rtlCol="0" anchor="ctr"/>
-              <a:lstStyle/>
-              <a:p>
-                <a:pPr algn="ctr"/>
-                <a:r>
-                  <a:rPr lang="en-US" sz="3600" dirty="0">
-                    <a:solidFill>
-                      <a:srgbClr val="780019"/>
-                    </a:solidFill>
-                    <a:latin typeface="Arial" panose="020B0604020202020204" pitchFamily="34" charset="0"/>
-                    <a:cs typeface="Arial" panose="020B0604020202020204" pitchFamily="34" charset="0"/>
-                  </a:rPr>
-                  <a:t>Molecular Simulations &amp; Machine Learning</a:t>
-                </a:r>
-              </a:p>
-            </p:txBody>
-          </p:sp>
-          <p:sp>
-            <p:nvSpPr>
-              <p:cNvPr id="6" name="Rectangle: Rounded Corners 5">
-                <a:extLst>
-                  <a:ext uri="{FF2B5EF4-FFF2-40B4-BE49-F238E27FC236}">
-                    <a16:creationId xmlns:a16="http://schemas.microsoft.com/office/drawing/2014/main" id="{C5D43A14-59FA-41AE-86C5-18F6F4355354}"/>
-                  </a:ext>
-                </a:extLst>
-              </p:cNvPr>
-              <p:cNvSpPr/>
-              <p:nvPr/>
-            </p:nvSpPr>
-            <p:spPr>
-              <a:xfrm>
-                <a:off x="7918791" y="4281599"/>
-                <a:ext cx="4288389" cy="2254216"/>
-              </a:xfrm>
-              <a:prstGeom prst="roundRect">
-                <a:avLst/>
-              </a:prstGeom>
-              <a:solidFill>
-                <a:srgbClr val="FFCC33"/>
-              </a:solidFill>
-            </p:spPr>
-            <p:style>
-              <a:lnRef idx="2">
-                <a:schemeClr val="accent1">
-                  <a:shade val="50000"/>
-                </a:schemeClr>
-              </a:lnRef>
-              <a:fillRef idx="1">
-                <a:schemeClr val="accent1"/>
-              </a:fillRef>
-              <a:effectRef idx="0">
-                <a:schemeClr val="accent1"/>
-              </a:effectRef>
-              <a:fontRef idx="minor">
-                <a:schemeClr val="lt1"/>
-              </a:fontRef>
-            </p:style>
-            <p:txBody>
-              <a:bodyPr rtlCol="0" anchor="ctr"/>
-              <a:lstStyle/>
-              <a:p>
-                <a:pPr algn="ctr"/>
-                <a:r>
-                  <a:rPr lang="en-US" sz="3600" dirty="0">
-                    <a:solidFill>
-                      <a:srgbClr val="780019"/>
-                    </a:solidFill>
-                    <a:latin typeface="Arial" panose="020B0604020202020204" pitchFamily="34" charset="0"/>
-                    <a:cs typeface="Arial" panose="020B0604020202020204" pitchFamily="34" charset="0"/>
-                  </a:rPr>
-                  <a:t>Advanced Methods &amp; Software to Study Mechanisms</a:t>
-                </a:r>
-              </a:p>
-            </p:txBody>
-          </p:sp>
-          <p:sp>
-            <p:nvSpPr>
-              <p:cNvPr id="18" name="Graphic 13" descr="Wrench with solid fill">
-                <a:extLst>
-                  <a:ext uri="{FF2B5EF4-FFF2-40B4-BE49-F238E27FC236}">
-                    <a16:creationId xmlns:a16="http://schemas.microsoft.com/office/drawing/2014/main" id="{F9BB96D2-F97A-46A3-9398-19B18ADDA3E1}"/>
-                  </a:ext>
-                </a:extLst>
-              </p:cNvPr>
-              <p:cNvSpPr/>
-              <p:nvPr/>
-            </p:nvSpPr>
-            <p:spPr>
-              <a:xfrm>
-                <a:off x="1170026" y="4389799"/>
-                <a:ext cx="2062075" cy="2067768"/>
-              </a:xfrm>
-              <a:custGeom>
-                <a:avLst/>
-                <a:gdLst>
-                  <a:gd name="connsiteX0" fmla="*/ 743490 w 837374"/>
-                  <a:gd name="connsiteY0" fmla="*/ 180766 h 839686"/>
-                  <a:gd name="connsiteX1" fmla="*/ 675862 w 837374"/>
-                  <a:gd name="connsiteY1" fmla="*/ 162668 h 839686"/>
-                  <a:gd name="connsiteX2" fmla="*/ 657765 w 837374"/>
-                  <a:gd name="connsiteY2" fmla="*/ 95041 h 839686"/>
-                  <a:gd name="connsiteX3" fmla="*/ 743490 w 837374"/>
-                  <a:gd name="connsiteY3" fmla="*/ 9316 h 839686"/>
-                  <a:gd name="connsiteX4" fmla="*/ 593947 w 837374"/>
-                  <a:gd name="connsiteY4" fmla="*/ 37891 h 839686"/>
-                  <a:gd name="connsiteX5" fmla="*/ 552037 w 837374"/>
-                  <a:gd name="connsiteY5" fmla="*/ 183623 h 839686"/>
-                  <a:gd name="connsiteX6" fmla="*/ 182467 w 837374"/>
-                  <a:gd name="connsiteY6" fmla="*/ 553194 h 839686"/>
-                  <a:gd name="connsiteX7" fmla="*/ 37687 w 837374"/>
-                  <a:gd name="connsiteY7" fmla="*/ 596056 h 839686"/>
-                  <a:gd name="connsiteX8" fmla="*/ 9112 w 837374"/>
-                  <a:gd name="connsiteY8" fmla="*/ 744646 h 839686"/>
-                  <a:gd name="connsiteX9" fmla="*/ 94837 w 837374"/>
-                  <a:gd name="connsiteY9" fmla="*/ 658921 h 839686"/>
-                  <a:gd name="connsiteX10" fmla="*/ 161512 w 837374"/>
-                  <a:gd name="connsiteY10" fmla="*/ 677019 h 839686"/>
-                  <a:gd name="connsiteX11" fmla="*/ 179610 w 837374"/>
-                  <a:gd name="connsiteY11" fmla="*/ 744646 h 839686"/>
-                  <a:gd name="connsiteX12" fmla="*/ 93885 w 837374"/>
-                  <a:gd name="connsiteY12" fmla="*/ 830371 h 839686"/>
-                  <a:gd name="connsiteX13" fmla="*/ 243427 w 837374"/>
-                  <a:gd name="connsiteY13" fmla="*/ 801796 h 839686"/>
-                  <a:gd name="connsiteX14" fmla="*/ 285337 w 837374"/>
-                  <a:gd name="connsiteY14" fmla="*/ 656064 h 839686"/>
-                  <a:gd name="connsiteX15" fmla="*/ 654907 w 837374"/>
-                  <a:gd name="connsiteY15" fmla="*/ 286493 h 839686"/>
-                  <a:gd name="connsiteX16" fmla="*/ 799687 w 837374"/>
-                  <a:gd name="connsiteY16" fmla="*/ 243631 h 839686"/>
-                  <a:gd name="connsiteX17" fmla="*/ 828262 w 837374"/>
-                  <a:gd name="connsiteY17" fmla="*/ 95041 h 839686"/>
-                  <a:gd name="connsiteX18" fmla="*/ 743490 w 837374"/>
-                  <a:gd name="connsiteY18" fmla="*/ 180766 h 839686"/>
-                </a:gdLst>
-                <a:ahLst/>
-                <a:cxnLst>
-                  <a:cxn ang="0">
-                    <a:pos x="connsiteX0" y="connsiteY0"/>
-                  </a:cxn>
-                  <a:cxn ang="0">
-                    <a:pos x="connsiteX1" y="connsiteY1"/>
-                  </a:cxn>
-                  <a:cxn ang="0">
-                    <a:pos x="connsiteX2" y="connsiteY2"/>
-                  </a:cxn>
-                  <a:cxn ang="0">
-                    <a:pos x="connsiteX3" y="connsiteY3"/>
-                  </a:cxn>
-                  <a:cxn ang="0">
-                    <a:pos x="connsiteX4" y="connsiteY4"/>
-                  </a:cxn>
-                  <a:cxn ang="0">
-                    <a:pos x="connsiteX5" y="connsiteY5"/>
-                  </a:cxn>
-                  <a:cxn ang="0">
-                    <a:pos x="connsiteX6" y="connsiteY6"/>
-                  </a:cxn>
-                  <a:cxn ang="0">
-                    <a:pos x="connsiteX7" y="connsiteY7"/>
-                  </a:cxn>
-                  <a:cxn ang="0">
-                    <a:pos x="connsiteX8" y="connsiteY8"/>
-                  </a:cxn>
-                  <a:cxn ang="0">
-                    <a:pos x="connsiteX9" y="connsiteY9"/>
-                  </a:cxn>
-                  <a:cxn ang="0">
-                    <a:pos x="connsiteX10" y="connsiteY10"/>
-                  </a:cxn>
-                  <a:cxn ang="0">
-                    <a:pos x="connsiteX11" y="connsiteY11"/>
-                  </a:cxn>
-                  <a:cxn ang="0">
-                    <a:pos x="connsiteX12" y="connsiteY12"/>
-                  </a:cxn>
-                  <a:cxn ang="0">
-                    <a:pos x="connsiteX13" y="connsiteY13"/>
-                  </a:cxn>
-                  <a:cxn ang="0">
-                    <a:pos x="connsiteX14" y="connsiteY14"/>
-                  </a:cxn>
-                  <a:cxn ang="0">
-                    <a:pos x="connsiteX15" y="connsiteY15"/>
-                  </a:cxn>
-                  <a:cxn ang="0">
-                    <a:pos x="connsiteX16" y="connsiteY16"/>
-                  </a:cxn>
-                  <a:cxn ang="0">
-                    <a:pos x="connsiteX17" y="connsiteY17"/>
-                  </a:cxn>
-                  <a:cxn ang="0">
-                    <a:pos x="connsiteX18" y="connsiteY18"/>
-                  </a:cxn>
-                </a:cxnLst>
-                <a:rect l="l" t="t" r="r" b="b"/>
-                <a:pathLst>
-                  <a:path w="837374" h="839686">
-                    <a:moveTo>
-                      <a:pt x="743490" y="180766"/>
-                    </a:moveTo>
-                    <a:lnTo>
-                      <a:pt x="675862" y="162668"/>
-                    </a:lnTo>
-                    <a:lnTo>
-                      <a:pt x="657765" y="95041"/>
-                    </a:lnTo>
-                    <a:lnTo>
-                      <a:pt x="743490" y="9316"/>
-                    </a:lnTo>
-                    <a:cubicBezTo>
-                      <a:pt x="692055" y="-9734"/>
-                      <a:pt x="634905" y="743"/>
-                      <a:pt x="593947" y="37891"/>
-                    </a:cubicBezTo>
-                    <a:cubicBezTo>
-                      <a:pt x="553942" y="75038"/>
-                      <a:pt x="536797" y="131236"/>
-                      <a:pt x="552037" y="183623"/>
-                    </a:cubicBezTo>
-                    <a:lnTo>
-                      <a:pt x="182467" y="553194"/>
-                    </a:lnTo>
-                    <a:cubicBezTo>
-                      <a:pt x="130080" y="538906"/>
-                      <a:pt x="73882" y="556051"/>
-                      <a:pt x="37687" y="596056"/>
-                    </a:cubicBezTo>
-                    <a:cubicBezTo>
-                      <a:pt x="1492" y="636061"/>
-                      <a:pt x="-9938" y="693211"/>
-                      <a:pt x="9112" y="744646"/>
-                    </a:cubicBezTo>
-                    <a:lnTo>
-                      <a:pt x="94837" y="658921"/>
-                    </a:lnTo>
-                    <a:lnTo>
-                      <a:pt x="161512" y="677019"/>
-                    </a:lnTo>
-                    <a:lnTo>
-                      <a:pt x="179610" y="744646"/>
-                    </a:lnTo>
-                    <a:lnTo>
-                      <a:pt x="93885" y="830371"/>
-                    </a:lnTo>
-                    <a:cubicBezTo>
-                      <a:pt x="145320" y="849421"/>
-                      <a:pt x="202470" y="838944"/>
-                      <a:pt x="243427" y="801796"/>
-                    </a:cubicBezTo>
-                    <a:cubicBezTo>
-                      <a:pt x="283432" y="764648"/>
-                      <a:pt x="300577" y="708451"/>
-                      <a:pt x="285337" y="656064"/>
-                    </a:cubicBezTo>
-                    <a:lnTo>
-                      <a:pt x="654907" y="286493"/>
-                    </a:lnTo>
-                    <a:cubicBezTo>
-                      <a:pt x="707295" y="300781"/>
-                      <a:pt x="763492" y="283636"/>
-                      <a:pt x="799687" y="243631"/>
-                    </a:cubicBezTo>
-                    <a:cubicBezTo>
-                      <a:pt x="835882" y="203626"/>
-                      <a:pt x="847312" y="146476"/>
-                      <a:pt x="828262" y="95041"/>
-                    </a:cubicBezTo>
-                    <a:lnTo>
-                      <a:pt x="743490" y="180766"/>
-                    </a:lnTo>
-                    <a:close/>
-                  </a:path>
-                </a:pathLst>
-              </a:custGeom>
-              <a:solidFill>
-                <a:srgbClr val="0D0D0D">
-                  <a:alpha val="9804"/>
-                </a:srgbClr>
-              </a:solidFill>
-              <a:ln w="9525" cap="flat">
-                <a:noFill/>
-                <a:prstDash val="solid"/>
-                <a:miter/>
-              </a:ln>
-            </p:spPr>
-            <p:txBody>
-              <a:bodyPr rtlCol="0" anchor="ctr"/>
-              <a:lstStyle/>
-              <a:p>
-                <a:endParaRPr lang="en-US"/>
-              </a:p>
-            </p:txBody>
-          </p:sp>
-          <p:pic>
-            <p:nvPicPr>
-              <p:cNvPr id="12" name="Graphic 11" descr="Search Inventory with solid fill">
-                <a:extLst>
-                  <a:ext uri="{FF2B5EF4-FFF2-40B4-BE49-F238E27FC236}">
-                    <a16:creationId xmlns:a16="http://schemas.microsoft.com/office/drawing/2014/main" id="{98FCCB3A-2319-4271-B6AE-E9B1F4AF54B5}"/>
-                  </a:ext>
-                </a:extLst>
-              </p:cNvPr>
-              <p:cNvPicPr>
-                <a:picLocks noChangeAspect="1"/>
-              </p:cNvPicPr>
-              <p:nvPr/>
-            </p:nvPicPr>
-            <p:blipFill>
-              <a:blip r:embed="rId2">
-                <a:extLst>
-                  <a:ext uri="{28A0092B-C50C-407E-A947-70E740481C1C}">
-                    <a14:useLocalDpi xmlns:a14="http://schemas.microsoft.com/office/drawing/2010/main" val="0"/>
-                  </a:ext>
-                  <a:ext uri="{96DAC541-7B7A-43D3-8B79-37D633B846F1}">
-                    <asvg:svgBlip xmlns:asvg="http://schemas.microsoft.com/office/drawing/2016/SVG/main" r:embed="rId3"/>
-                  </a:ext>
-                </a:extLst>
-              </a:blip>
-              <a:stretch>
-                <a:fillRect/>
-              </a:stretch>
-            </p:blipFill>
-            <p:spPr>
-              <a:xfrm>
-                <a:off x="4757079" y="-323445"/>
-                <a:ext cx="2429183" cy="2429183"/>
-              </a:xfrm>
-              <a:prstGeom prst="rect">
-                <a:avLst/>
-              </a:prstGeom>
-            </p:spPr>
-          </p:pic>
-          <p:pic>
-            <p:nvPicPr>
-              <p:cNvPr id="26" name="Graphic 25" descr="Lightbulb and gear with solid fill">
-                <a:extLst>
-                  <a:ext uri="{FF2B5EF4-FFF2-40B4-BE49-F238E27FC236}">
-                    <a16:creationId xmlns:a16="http://schemas.microsoft.com/office/drawing/2014/main" id="{0DBB2E0F-D9E7-4497-8B64-FD61226F89DC}"/>
-                  </a:ext>
-                </a:extLst>
-              </p:cNvPr>
-              <p:cNvPicPr>
-                <a:picLocks noChangeAspect="1"/>
-              </p:cNvPicPr>
-              <p:nvPr/>
-            </p:nvPicPr>
-            <p:blipFill>
-              <a:blip r:embed="rId4">
-                <a:extLst>
-                  <a:ext uri="{28A0092B-C50C-407E-A947-70E740481C1C}">
-                    <a14:useLocalDpi xmlns:a14="http://schemas.microsoft.com/office/drawing/2010/main" val="0"/>
-                  </a:ext>
-                  <a:ext uri="{96DAC541-7B7A-43D3-8B79-37D633B846F1}">
-                    <asvg:svgBlip xmlns:asvg="http://schemas.microsoft.com/office/drawing/2016/SVG/main" r:embed="rId5"/>
-                  </a:ext>
-                </a:extLst>
-              </a:blip>
-              <a:stretch>
-                <a:fillRect/>
-              </a:stretch>
-            </p:blipFill>
-            <p:spPr>
-              <a:xfrm>
-                <a:off x="8955673" y="4341112"/>
-                <a:ext cx="2214623" cy="2214623"/>
-              </a:xfrm>
-              <a:prstGeom prst="rect">
-                <a:avLst/>
-              </a:prstGeom>
-            </p:spPr>
-          </p:pic>
-        </p:grpSp>
-        <p:pic>
-          <p:nvPicPr>
-            <p:cNvPr id="7" name="Picture 6">
-              <a:extLst>
-                <a:ext uri="{FF2B5EF4-FFF2-40B4-BE49-F238E27FC236}">
-                  <a16:creationId xmlns:a16="http://schemas.microsoft.com/office/drawing/2014/main" id="{58C6BE8E-2A42-86E1-2B4A-76027763CE7A}"/>
-                </a:ext>
-              </a:extLst>
-            </p:cNvPr>
-            <p:cNvPicPr>
-              <a:picLocks noChangeAspect="1"/>
-            </p:cNvPicPr>
-            <p:nvPr/>
-          </p:nvPicPr>
-          <p:blipFill>
-            <a:blip r:embed="rId6">
-              <a:extLst>
-                <a:ext uri="{28A0092B-C50C-407E-A947-70E740481C1C}">
-                  <a14:useLocalDpi xmlns:a14="http://schemas.microsoft.com/office/drawing/2010/main" val="0"/>
-                </a:ext>
-              </a:extLst>
-            </a:blip>
-            <a:stretch>
-              <a:fillRect/>
-            </a:stretch>
-          </p:blipFill>
-          <p:spPr>
-            <a:xfrm>
-              <a:off x="4159989" y="2230626"/>
-              <a:ext cx="3312475" cy="3319099"/>
-            </a:xfrm>
-            <a:prstGeom prst="rect">
-              <a:avLst/>
-            </a:prstGeom>
-          </p:spPr>
-        </p:pic>
-      </p:grpSp>
-    </p:spTree>
-    <p:extLst>
-      <p:ext uri="{BB962C8B-B14F-4D97-AF65-F5344CB8AC3E}">
-        <p14:creationId xmlns:p14="http://schemas.microsoft.com/office/powerpoint/2010/main" val="2084953141"/>
+        <p14:creationId xmlns:p14="http://schemas.microsoft.com/office/powerpoint/2010/main" val="3269662740"/>
       </p:ext>
     </p:extLst>
   </p:cSld>
@@ -4691,10 +4721,10 @@
       </p:grpSpPr>
       <p:grpSp>
         <p:nvGrpSpPr>
-          <p:cNvPr id="9" name="Group 8">
+          <p:cNvPr id="6" name="Group 5">
             <a:extLst>
               <a:ext uri="{FF2B5EF4-FFF2-40B4-BE49-F238E27FC236}">
-                <a16:creationId xmlns:a16="http://schemas.microsoft.com/office/drawing/2014/main" id="{4F3CCB9E-A603-ABD1-3B1A-7828CBDC88D2}"/>
+                <a16:creationId xmlns:a16="http://schemas.microsoft.com/office/drawing/2014/main" id="{68D06400-1F41-1ECC-EF17-8190AA45E36D}"/>
               </a:ext>
             </a:extLst>
           </p:cNvPr>
@@ -4703,18 +4733,18 @@
         </p:nvGrpSpPr>
         <p:grpSpPr>
           <a:xfrm>
-            <a:off x="-22012" y="0"/>
-            <a:ext cx="12214013" cy="6858001"/>
-            <a:chOff x="-316535" y="-264861"/>
-            <a:chExt cx="12214013" cy="6858001"/>
+            <a:off x="7493000" y="2514600"/>
+            <a:ext cx="7772400" cy="7772400"/>
+            <a:chOff x="7493000" y="2514600"/>
+            <a:chExt cx="7772400" cy="7772400"/>
           </a:xfrm>
         </p:grpSpPr>
         <p:pic>
           <p:nvPicPr>
-            <p:cNvPr id="7" name="Picture 6">
+            <p:cNvPr id="3" name="Picture 2" descr="Diagram&#10;&#10;Description automatically generated">
               <a:extLst>
                 <a:ext uri="{FF2B5EF4-FFF2-40B4-BE49-F238E27FC236}">
-                  <a16:creationId xmlns:a16="http://schemas.microsoft.com/office/drawing/2014/main" id="{58C6BE8E-2A42-86E1-2B4A-76027763CE7A}"/>
+                  <a16:creationId xmlns:a16="http://schemas.microsoft.com/office/drawing/2014/main" id="{12C5892C-7498-61E8-1E6E-639CC2C02EBB}"/>
                 </a:ext>
               </a:extLst>
             </p:cNvPr>
@@ -4737,305 +4767,330 @@
           </p:blipFill>
           <p:spPr>
             <a:xfrm>
-              <a:off x="4938217" y="2754014"/>
-              <a:ext cx="1726520" cy="1729973"/>
+              <a:off x="7493000" y="2514600"/>
+              <a:ext cx="7772400" cy="7772400"/>
             </a:xfrm>
             <a:prstGeom prst="rect">
               <a:avLst/>
             </a:prstGeom>
           </p:spPr>
         </p:pic>
-        <p:grpSp>
-          <p:nvGrpSpPr>
-            <p:cNvPr id="2" name="Group 1">
+        <p:sp>
+          <p:nvSpPr>
+            <p:cNvPr id="4" name="Rectangle 3">
               <a:extLst>
                 <a:ext uri="{FF2B5EF4-FFF2-40B4-BE49-F238E27FC236}">
-                  <a16:creationId xmlns:a16="http://schemas.microsoft.com/office/drawing/2014/main" id="{DF11FC94-137D-4459-A404-58D67DF47E40}"/>
+                  <a16:creationId xmlns:a16="http://schemas.microsoft.com/office/drawing/2014/main" id="{4E296352-8E0D-7D06-B619-43987A723C1C}"/>
                 </a:ext>
               </a:extLst>
             </p:cNvPr>
-            <p:cNvGrpSpPr/>
+            <p:cNvSpPr/>
             <p:nvPr/>
-          </p:nvGrpSpPr>
-          <p:grpSpPr>
-            <a:xfrm>
-              <a:off x="-316535" y="-264861"/>
-              <a:ext cx="12214013" cy="6858001"/>
-              <a:chOff x="-737" y="-302265"/>
-              <a:chExt cx="12214013" cy="6858001"/>
+          </p:nvSpPr>
+          <p:spPr>
+            <a:xfrm rot="155493">
+              <a:off x="8264469" y="4477702"/>
+              <a:ext cx="6587852" cy="3517100"/>
             </a:xfrm>
-          </p:grpSpPr>
-          <p:sp>
-            <p:nvSpPr>
-              <p:cNvPr id="4" name="Rectangle: Rounded Corners 3">
-                <a:extLst>
-                  <a:ext uri="{FF2B5EF4-FFF2-40B4-BE49-F238E27FC236}">
-                    <a16:creationId xmlns:a16="http://schemas.microsoft.com/office/drawing/2014/main" id="{7DDC64BD-8508-452A-AEB2-D69F8A0B982D}"/>
-                  </a:ext>
-                </a:extLst>
-              </p:cNvPr>
-              <p:cNvSpPr/>
-              <p:nvPr/>
-            </p:nvSpPr>
-            <p:spPr>
-              <a:xfrm>
-                <a:off x="3659837" y="-302265"/>
-                <a:ext cx="4914876" cy="2995125"/>
-              </a:xfrm>
-              <a:prstGeom prst="roundRect">
-                <a:avLst/>
-              </a:prstGeom>
-              <a:solidFill>
-                <a:srgbClr val="FFCC33"/>
-              </a:solidFill>
-            </p:spPr>
-            <p:style>
-              <a:lnRef idx="2">
-                <a:schemeClr val="accent1">
-                  <a:shade val="50000"/>
-                </a:schemeClr>
-              </a:lnRef>
-              <a:fillRef idx="1">
-                <a:schemeClr val="accent1"/>
-              </a:fillRef>
-              <a:effectRef idx="0">
-                <a:schemeClr val="accent1"/>
-              </a:effectRef>
-              <a:fontRef idx="minor">
-                <a:schemeClr val="lt1"/>
-              </a:fontRef>
-            </p:style>
-            <p:txBody>
-              <a:bodyPr rtlCol="0" anchor="ctr"/>
-              <a:lstStyle/>
-              <a:p>
-                <a:pPr algn="ctr"/>
-                <a:endParaRPr lang="en-US" sz="3600" dirty="0">
-                  <a:solidFill>
-                    <a:srgbClr val="780019"/>
-                  </a:solidFill>
-                  <a:latin typeface="Arial" panose="020B0604020202020204" pitchFamily="34" charset="0"/>
-                  <a:cs typeface="Arial" panose="020B0604020202020204" pitchFamily="34" charset="0"/>
-                </a:endParaRPr>
-              </a:p>
-              <a:p>
-                <a:pPr algn="r"/>
-                <a:r>
-                  <a:rPr lang="en-US" sz="3600" dirty="0">
-                    <a:solidFill>
-                      <a:srgbClr val="780019"/>
-                    </a:solidFill>
-                    <a:latin typeface="Arial" panose="020B0604020202020204" pitchFamily="34" charset="0"/>
-                    <a:cs typeface="Arial" panose="020B0604020202020204" pitchFamily="34" charset="0"/>
-                  </a:rPr>
-                  <a:t>Molecular Phenomena in Aqueous Systems</a:t>
-                </a:r>
-              </a:p>
-            </p:txBody>
-          </p:sp>
-          <p:sp>
-            <p:nvSpPr>
-              <p:cNvPr id="5" name="Rectangle: Rounded Corners 4">
-                <a:extLst>
-                  <a:ext uri="{FF2B5EF4-FFF2-40B4-BE49-F238E27FC236}">
-                    <a16:creationId xmlns:a16="http://schemas.microsoft.com/office/drawing/2014/main" id="{0A89D17F-2F5B-4D52-A6E6-BF73C0E7748B}"/>
-                  </a:ext>
-                </a:extLst>
-              </p:cNvPr>
-              <p:cNvSpPr/>
-              <p:nvPr/>
-            </p:nvSpPr>
-            <p:spPr>
-              <a:xfrm>
-                <a:off x="-737" y="3353489"/>
-                <a:ext cx="5254752" cy="3202246"/>
-              </a:xfrm>
-              <a:prstGeom prst="roundRect">
-                <a:avLst/>
-              </a:prstGeom>
-              <a:solidFill>
-                <a:srgbClr val="FFCC33"/>
-              </a:solidFill>
-            </p:spPr>
-            <p:style>
-              <a:lnRef idx="2">
-                <a:schemeClr val="accent1">
-                  <a:shade val="50000"/>
-                </a:schemeClr>
-              </a:lnRef>
-              <a:fillRef idx="1">
-                <a:schemeClr val="accent1"/>
-              </a:fillRef>
-              <a:effectRef idx="0">
-                <a:schemeClr val="accent1"/>
-              </a:effectRef>
-              <a:fontRef idx="minor">
-                <a:schemeClr val="lt1"/>
-              </a:fontRef>
-            </p:style>
-            <p:txBody>
-              <a:bodyPr rtlCol="0" anchor="ctr"/>
-              <a:lstStyle/>
-              <a:p>
-                <a:pPr algn="ctr"/>
-                <a:endParaRPr lang="en-US" sz="3600" dirty="0">
-                  <a:solidFill>
-                    <a:srgbClr val="780019"/>
-                  </a:solidFill>
-                  <a:latin typeface="Arial" panose="020B0604020202020204" pitchFamily="34" charset="0"/>
-                  <a:cs typeface="Arial" panose="020B0604020202020204" pitchFamily="34" charset="0"/>
-                </a:endParaRPr>
-              </a:p>
-              <a:p>
-                <a:pPr algn="ctr"/>
-                <a:endParaRPr lang="en-US" sz="3600" dirty="0">
-                  <a:solidFill>
-                    <a:srgbClr val="780019"/>
-                  </a:solidFill>
-                  <a:latin typeface="Arial" panose="020B0604020202020204" pitchFamily="34" charset="0"/>
-                  <a:cs typeface="Arial" panose="020B0604020202020204" pitchFamily="34" charset="0"/>
-                </a:endParaRPr>
-              </a:p>
-              <a:p>
-                <a:pPr algn="r"/>
-                <a:r>
-                  <a:rPr lang="en-US" sz="3600" dirty="0">
-                    <a:solidFill>
-                      <a:srgbClr val="780019"/>
-                    </a:solidFill>
-                    <a:latin typeface="Arial" panose="020B0604020202020204" pitchFamily="34" charset="0"/>
-                    <a:cs typeface="Arial" panose="020B0604020202020204" pitchFamily="34" charset="0"/>
-                  </a:rPr>
-                  <a:t>Molecular Simulations &amp; Machine Learning</a:t>
-                </a:r>
-              </a:p>
-            </p:txBody>
-          </p:sp>
-          <p:sp>
-            <p:nvSpPr>
-              <p:cNvPr id="6" name="Rectangle: Rounded Corners 5">
-                <a:extLst>
-                  <a:ext uri="{FF2B5EF4-FFF2-40B4-BE49-F238E27FC236}">
-                    <a16:creationId xmlns:a16="http://schemas.microsoft.com/office/drawing/2014/main" id="{C5D43A14-59FA-41AE-86C5-18F6F4355354}"/>
-                  </a:ext>
-                </a:extLst>
-              </p:cNvPr>
-              <p:cNvSpPr/>
-              <p:nvPr/>
-            </p:nvSpPr>
-            <p:spPr>
-              <a:xfrm>
-                <a:off x="6980536" y="3366904"/>
-                <a:ext cx="5232740" cy="3188832"/>
-              </a:xfrm>
-              <a:prstGeom prst="roundRect">
-                <a:avLst/>
-              </a:prstGeom>
-              <a:solidFill>
-                <a:srgbClr val="FFCC33"/>
-              </a:solidFill>
-            </p:spPr>
-            <p:style>
-              <a:lnRef idx="2">
-                <a:schemeClr val="accent1">
-                  <a:shade val="50000"/>
-                </a:schemeClr>
-              </a:lnRef>
-              <a:fillRef idx="1">
-                <a:schemeClr val="accent1"/>
-              </a:fillRef>
-              <a:effectRef idx="0">
-                <a:schemeClr val="accent1"/>
-              </a:effectRef>
-              <a:fontRef idx="minor">
-                <a:schemeClr val="lt1"/>
-              </a:fontRef>
-            </p:style>
-            <p:txBody>
-              <a:bodyPr rtlCol="0" anchor="ctr"/>
-              <a:lstStyle/>
-              <a:p>
-                <a:pPr algn="ctr"/>
-                <a:endParaRPr lang="en-US" sz="3600" dirty="0">
-                  <a:solidFill>
-                    <a:srgbClr val="780019"/>
-                  </a:solidFill>
-                  <a:latin typeface="Arial" panose="020B0604020202020204" pitchFamily="34" charset="0"/>
-                  <a:cs typeface="Arial" panose="020B0604020202020204" pitchFamily="34" charset="0"/>
-                </a:endParaRPr>
-              </a:p>
-              <a:p>
-                <a:pPr algn="ctr"/>
-                <a:endParaRPr lang="en-US" sz="3600" dirty="0">
-                  <a:solidFill>
-                    <a:srgbClr val="780019"/>
-                  </a:solidFill>
-                  <a:latin typeface="Arial" panose="020B0604020202020204" pitchFamily="34" charset="0"/>
-                  <a:cs typeface="Arial" panose="020B0604020202020204" pitchFamily="34" charset="0"/>
-                </a:endParaRPr>
-              </a:p>
-              <a:p>
-                <a:pPr algn="r"/>
-                <a:r>
-                  <a:rPr lang="en-US" sz="3600" dirty="0">
-                    <a:solidFill>
-                      <a:srgbClr val="780019"/>
-                    </a:solidFill>
-                    <a:latin typeface="Arial" panose="020B0604020202020204" pitchFamily="34" charset="0"/>
-                    <a:cs typeface="Arial" panose="020B0604020202020204" pitchFamily="34" charset="0"/>
-                  </a:rPr>
-                  <a:t>Advanced Methods &amp; Software to Study Mechanisms</a:t>
-                </a:r>
-              </a:p>
-            </p:txBody>
-          </p:sp>
-        </p:grpSp>
+            <a:prstGeom prst="rect">
+              <a:avLst/>
+            </a:prstGeom>
+            <a:noFill/>
+          </p:spPr>
+          <p:txBody>
+            <a:bodyPr wrap="none" lIns="91440" tIns="45720" rIns="91440" bIns="45720">
+              <a:prstTxWarp prst="textArchUp">
+                <a:avLst>
+                  <a:gd name="adj" fmla="val 13368903"/>
+                </a:avLst>
+              </a:prstTxWarp>
+              <a:spAutoFit/>
+            </a:bodyPr>
+            <a:lstStyle/>
+            <a:p>
+              <a:pPr algn="ctr"/>
+              <a:r>
+                <a:rPr lang="en-US" sz="13800" dirty="0">
+                  <a:ln w="0"/>
+                  <a:effectLst>
+                    <a:outerShdw blurRad="38100" dist="19050" dir="2700000" algn="tl" rotWithShape="0">
+                      <a:schemeClr val="dk1">
+                        <a:alpha val="40000"/>
+                      </a:schemeClr>
+                    </a:outerShdw>
+                  </a:effectLst>
+                  <a:latin typeface="Nordique Inline" pitchFamily="2" charset="77"/>
+                </a:rPr>
+                <a:t>SAMPEL</a:t>
+              </a:r>
+            </a:p>
+          </p:txBody>
+        </p:sp>
       </p:grpSp>
-      <p:pic>
-        <p:nvPicPr>
-          <p:cNvPr id="3" name="Graphic 2" descr="Search Inventory with solid fill">
+    </p:spTree>
+    <p:extLst>
+      <p:ext uri="{BB962C8B-B14F-4D97-AF65-F5344CB8AC3E}">
+        <p14:creationId xmlns:p14="http://schemas.microsoft.com/office/powerpoint/2010/main" val="4201038613"/>
+      </p:ext>
+    </p:extLst>
+  </p:cSld>
+  <p:clrMapOvr>
+    <a:masterClrMapping/>
+  </p:clrMapOvr>
+</p:sld>
+</file>
+
+<file path=ppt/slides/slide4.xml><?xml version="1.0" encoding="utf-8"?>
+<p:sld xmlns:a="http://schemas.openxmlformats.org/drawingml/2006/main" xmlns:r="http://schemas.openxmlformats.org/officeDocument/2006/relationships" xmlns:p="http://schemas.openxmlformats.org/presentationml/2006/main">
+  <p:cSld>
+    <p:spTree>
+      <p:nvGrpSpPr>
+        <p:cNvPr id="1" name=""/>
+        <p:cNvGrpSpPr/>
+        <p:nvPr/>
+      </p:nvGrpSpPr>
+      <p:grpSpPr>
+        <a:xfrm>
+          <a:off x="0" y="0"/>
+          <a:ext cx="0" cy="0"/>
+          <a:chOff x="0" y="0"/>
+          <a:chExt cx="0" cy="0"/>
+        </a:xfrm>
+      </p:grpSpPr>
+      <p:grpSp>
+        <p:nvGrpSpPr>
+          <p:cNvPr id="2" name="Group 1">
             <a:extLst>
               <a:ext uri="{FF2B5EF4-FFF2-40B4-BE49-F238E27FC236}">
-                <a16:creationId xmlns:a16="http://schemas.microsoft.com/office/drawing/2014/main" id="{8A94A877-8A16-9110-7E84-E7D676901E98}"/>
+                <a16:creationId xmlns:a16="http://schemas.microsoft.com/office/drawing/2014/main" id="{4322FBCA-DFE4-7DC7-505B-2CC416B46D7C}"/>
               </a:ext>
             </a:extLst>
           </p:cNvPr>
-          <p:cNvPicPr>
-            <a:picLocks noChangeAspect="1"/>
-          </p:cNvPicPr>
+          <p:cNvGrpSpPr/>
           <p:nvPr/>
-        </p:nvPicPr>
-        <p:blipFill>
-          <a:blip r:embed="rId3">
+        </p:nvGrpSpPr>
+        <p:grpSpPr>
+          <a:xfrm>
+            <a:off x="7188200" y="2413000"/>
+            <a:ext cx="8128000" cy="8128000"/>
+            <a:chOff x="7493000" y="2514600"/>
+            <a:chExt cx="7772400" cy="7772400"/>
+          </a:xfrm>
+        </p:grpSpPr>
+        <p:pic>
+          <p:nvPicPr>
+            <p:cNvPr id="5" name="Picture 4" descr="Diagram&#10;&#10;Description automatically generated">
+              <a:extLst>
+                <a:ext uri="{FF2B5EF4-FFF2-40B4-BE49-F238E27FC236}">
+                  <a16:creationId xmlns:a16="http://schemas.microsoft.com/office/drawing/2014/main" id="{6C31D26C-37DD-D043-4324-2802C420D8BA}"/>
+                </a:ext>
+              </a:extLst>
+            </p:cNvPr>
+            <p:cNvPicPr>
+              <a:picLocks noChangeAspect="1"/>
+            </p:cNvPicPr>
+            <p:nvPr/>
+          </p:nvPicPr>
+          <p:blipFill>
+            <a:blip r:embed="rId2">
+              <a:extLst>
+                <a:ext uri="{28A0092B-C50C-407E-A947-70E740481C1C}">
+                  <a14:useLocalDpi xmlns:a14="http://schemas.microsoft.com/office/drawing/2010/main" val="0"/>
+                </a:ext>
+              </a:extLst>
+            </a:blip>
+            <a:stretch>
+              <a:fillRect/>
+            </a:stretch>
+          </p:blipFill>
+          <p:spPr>
+            <a:xfrm>
+              <a:off x="7493000" y="2514600"/>
+              <a:ext cx="7772400" cy="7772400"/>
+            </a:xfrm>
+            <a:prstGeom prst="rect">
+              <a:avLst/>
+            </a:prstGeom>
+          </p:spPr>
+        </p:pic>
+        <p:sp>
+          <p:nvSpPr>
+            <p:cNvPr id="6" name="Rectangle 5">
+              <a:extLst>
+                <a:ext uri="{FF2B5EF4-FFF2-40B4-BE49-F238E27FC236}">
+                  <a16:creationId xmlns:a16="http://schemas.microsoft.com/office/drawing/2014/main" id="{5C2416A4-143D-8A7F-FC27-DEE586F618CF}"/>
+                </a:ext>
+              </a:extLst>
+            </p:cNvPr>
+            <p:cNvSpPr/>
+            <p:nvPr/>
+          </p:nvSpPr>
+          <p:spPr>
+            <a:xfrm>
+              <a:off x="8290973" y="4464450"/>
+              <a:ext cx="6587852" cy="3517100"/>
+            </a:xfrm>
+            <a:prstGeom prst="rect">
+              <a:avLst/>
+            </a:prstGeom>
+            <a:noFill/>
+          </p:spPr>
+          <p:txBody>
+            <a:bodyPr wrap="none" lIns="91440" tIns="45720" rIns="91440" bIns="45720">
+              <a:prstTxWarp prst="textArchUp">
+                <a:avLst>
+                  <a:gd name="adj" fmla="val 13368903"/>
+                </a:avLst>
+              </a:prstTxWarp>
+              <a:spAutoFit/>
+            </a:bodyPr>
+            <a:lstStyle/>
+            <a:p>
+              <a:pPr algn="ctr"/>
+              <a:r>
+                <a:rPr lang="en-US" sz="13800" dirty="0">
+                  <a:ln w="0"/>
+                  <a:effectLst>
+                    <a:outerShdw blurRad="38100" dist="19050" dir="2700000" algn="tl" rotWithShape="0">
+                      <a:schemeClr val="dk1">
+                        <a:alpha val="40000"/>
+                      </a:schemeClr>
+                    </a:outerShdw>
+                  </a:effectLst>
+                  <a:latin typeface="Nordique Inline" pitchFamily="2" charset="77"/>
+                </a:rPr>
+                <a:t>SAMPEL</a:t>
+              </a:r>
+            </a:p>
+          </p:txBody>
+        </p:sp>
+      </p:grpSp>
+      <p:sp>
+        <p:nvSpPr>
+          <p:cNvPr id="31" name="TextBox 30">
             <a:extLst>
-              <a:ext uri="{28A0092B-C50C-407E-A947-70E740481C1C}">
-                <a14:useLocalDpi xmlns:a14="http://schemas.microsoft.com/office/drawing/2010/main" val="0"/>
-              </a:ext>
-              <a:ext uri="{96DAC541-7B7A-43D3-8B79-37D633B846F1}">
-                <asvg:svgBlip xmlns:asvg="http://schemas.microsoft.com/office/drawing/2016/SVG/main" r:embed="rId4"/>
+              <a:ext uri="{FF2B5EF4-FFF2-40B4-BE49-F238E27FC236}">
+                <a16:creationId xmlns:a16="http://schemas.microsoft.com/office/drawing/2014/main" id="{A324253B-3079-DB80-31CE-BED279E26648}"/>
               </a:ext>
             </a:extLst>
-          </a:blip>
-          <a:stretch>
-            <a:fillRect/>
-          </a:stretch>
-        </p:blipFill>
+          </p:cNvPr>
+          <p:cNvSpPr txBox="1"/>
+          <p:nvPr/>
+        </p:nvSpPr>
         <p:spPr>
-          <a:xfrm>
-            <a:off x="3638562" y="0"/>
-            <a:ext cx="1286563" cy="1286563"/>
+          <a:xfrm rot="3859121">
+            <a:off x="2268776" y="13847"/>
+            <a:ext cx="11509921" cy="16082584"/>
           </a:xfrm>
           <a:prstGeom prst="rect">
             <a:avLst/>
           </a:prstGeom>
+          <a:noFill/>
         </p:spPr>
-      </p:pic>
-      <p:sp>
-        <p:nvSpPr>
-          <p:cNvPr id="8" name="Graphic 13" descr="Wrench with solid fill">
+        <p:txBody>
+          <a:bodyPr wrap="square">
+            <a:prstTxWarp prst="textArchUp">
+              <a:avLst>
+                <a:gd name="adj" fmla="val 11065984"/>
+              </a:avLst>
+            </a:prstTxWarp>
+            <a:spAutoFit/>
+          </a:bodyPr>
+          <a:lstStyle/>
+          <a:p>
+            <a:pPr algn="ctr"/>
+            <a:r>
+              <a:rPr lang="en-US" sz="5400" b="1" dirty="0">
+                <a:solidFill>
+                  <a:srgbClr val="780019"/>
+                </a:solidFill>
+                <a:latin typeface="Trebuchet MS" panose="020B0703020202090204" pitchFamily="34" charset="0"/>
+                <a:cs typeface="Arial" panose="020B0604020202020204" pitchFamily="34" charset="0"/>
+              </a:rPr>
+              <a:t>Advanced Sampling </a:t>
+            </a:r>
+          </a:p>
+          <a:p>
+            <a:pPr algn="ctr"/>
+            <a:r>
+              <a:rPr lang="en-US" sz="5400" b="1" dirty="0">
+                <a:solidFill>
+                  <a:srgbClr val="780019"/>
+                </a:solidFill>
+                <a:latin typeface="Trebuchet MS" panose="020B0703020202090204" pitchFamily="34" charset="0"/>
+                <a:cs typeface="Arial" panose="020B0604020202020204" pitchFamily="34" charset="0"/>
+              </a:rPr>
+              <a:t>Methods &amp; Software</a:t>
+            </a:r>
+          </a:p>
+        </p:txBody>
+      </p:sp>
+      <p:sp>
+        <p:nvSpPr>
+          <p:cNvPr id="33" name="TextBox 32">
             <a:extLst>
               <a:ext uri="{FF2B5EF4-FFF2-40B4-BE49-F238E27FC236}">
-                <a16:creationId xmlns:a16="http://schemas.microsoft.com/office/drawing/2014/main" id="{0E1665E4-18A1-B168-375D-8B423344C89C}"/>
+                <a16:creationId xmlns:a16="http://schemas.microsoft.com/office/drawing/2014/main" id="{E1E80B9A-0038-21E7-34A0-0493C3E1EE87}"/>
+              </a:ext>
+            </a:extLst>
+          </p:cNvPr>
+          <p:cNvSpPr txBox="1"/>
+          <p:nvPr/>
+        </p:nvSpPr>
+        <p:spPr>
+          <a:xfrm rot="21423233">
+            <a:off x="5751331" y="570816"/>
+            <a:ext cx="11592857" cy="10340062"/>
+          </a:xfrm>
+          <a:prstGeom prst="rect">
+            <a:avLst/>
+          </a:prstGeom>
+          <a:noFill/>
+        </p:spPr>
+        <p:txBody>
+          <a:bodyPr wrap="square">
+            <a:prstTxWarp prst="textArchDown">
+              <a:avLst>
+                <a:gd name="adj" fmla="val 21388171"/>
+              </a:avLst>
+            </a:prstTxWarp>
+            <a:spAutoFit/>
+          </a:bodyPr>
+          <a:lstStyle/>
+          <a:p>
+            <a:pPr algn="ctr"/>
+            <a:r>
+              <a:rPr lang="en-US" sz="5400" b="1" dirty="0">
+                <a:solidFill>
+                  <a:srgbClr val="780019"/>
+                </a:solidFill>
+                <a:latin typeface="Trebuchet MS" panose="020B0703020202090204" pitchFamily="34" charset="0"/>
+                <a:cs typeface="Arial" panose="020B0604020202020204" pitchFamily="34" charset="0"/>
+              </a:rPr>
+              <a:t>Molecular Simulations </a:t>
+            </a:r>
+          </a:p>
+          <a:p>
+            <a:pPr algn="ctr"/>
+            <a:r>
+              <a:rPr lang="en-US" sz="5400" b="1" dirty="0">
+                <a:solidFill>
+                  <a:srgbClr val="780019"/>
+                </a:solidFill>
+                <a:latin typeface="Trebuchet MS" panose="020B0703020202090204" pitchFamily="34" charset="0"/>
+                <a:cs typeface="Arial" panose="020B0604020202020204" pitchFamily="34" charset="0"/>
+              </a:rPr>
+              <a:t>&amp; Machine Learning</a:t>
+            </a:r>
+          </a:p>
+        </p:txBody>
+      </p:sp>
+      <p:sp>
+        <p:nvSpPr>
+          <p:cNvPr id="4" name="Oval 3">
+            <a:extLst>
+              <a:ext uri="{FF2B5EF4-FFF2-40B4-BE49-F238E27FC236}">
+                <a16:creationId xmlns:a16="http://schemas.microsoft.com/office/drawing/2014/main" id="{E5EA3ADA-1396-9DFE-E58E-E82FB3039D58}"/>
               </a:ext>
             </a:extLst>
           </p:cNvPr>
@@ -5044,8 +5099,246 @@
         </p:nvSpPr>
         <p:spPr>
           <a:xfrm>
-            <a:off x="186871" y="3811673"/>
-            <a:ext cx="1202542" cy="1205862"/>
+            <a:off x="5202254" y="214464"/>
+            <a:ext cx="12314339" cy="12338967"/>
+          </a:xfrm>
+          <a:prstGeom prst="ellipse">
+            <a:avLst/>
+          </a:prstGeom>
+          <a:noFill/>
+          <a:ln w="254000">
+            <a:solidFill>
+              <a:srgbClr val="FFCC33"/>
+            </a:solidFill>
+          </a:ln>
+        </p:spPr>
+        <p:style>
+          <a:lnRef idx="0">
+            <a:scrgbClr r="0" g="0" b="0"/>
+          </a:lnRef>
+          <a:fillRef idx="0">
+            <a:scrgbClr r="0" g="0" b="0"/>
+          </a:fillRef>
+          <a:effectRef idx="0">
+            <a:scrgbClr r="0" g="0" b="0"/>
+          </a:effectRef>
+          <a:fontRef idx="minor">
+            <a:schemeClr val="accent1"/>
+          </a:fontRef>
+        </p:style>
+        <p:txBody>
+          <a:bodyPr rtlCol="0" anchor="ctr"/>
+          <a:lstStyle/>
+          <a:p>
+            <a:pPr algn="ctr"/>
+            <a:endParaRPr lang="en-US" dirty="0"/>
+          </a:p>
+        </p:txBody>
+      </p:sp>
+      <p:cxnSp>
+        <p:nvCxnSpPr>
+          <p:cNvPr id="16" name="Straight Connector 15">
+            <a:extLst>
+              <a:ext uri="{FF2B5EF4-FFF2-40B4-BE49-F238E27FC236}">
+                <a16:creationId xmlns:a16="http://schemas.microsoft.com/office/drawing/2014/main" id="{C805818F-6D78-E32A-AE6A-3C2DDE9E9D77}"/>
+              </a:ext>
+            </a:extLst>
+          </p:cNvPr>
+          <p:cNvCxnSpPr>
+            <a:cxnSpLocks/>
+            <a:endCxn id="4" idx="0"/>
+          </p:cNvCxnSpPr>
+          <p:nvPr/>
+        </p:nvCxnSpPr>
+        <p:spPr>
+          <a:xfrm flipV="1">
+            <a:off x="11359424" y="214464"/>
+            <a:ext cx="0" cy="2563015"/>
+          </a:xfrm>
+          <a:prstGeom prst="line">
+            <a:avLst/>
+          </a:prstGeom>
+          <a:ln w="317500">
+            <a:solidFill>
+              <a:srgbClr val="FFCC33"/>
+            </a:solidFill>
+          </a:ln>
+        </p:spPr>
+        <p:style>
+          <a:lnRef idx="1">
+            <a:schemeClr val="accent1"/>
+          </a:lnRef>
+          <a:fillRef idx="0">
+            <a:schemeClr val="accent1"/>
+          </a:fillRef>
+          <a:effectRef idx="0">
+            <a:schemeClr val="accent1"/>
+          </a:effectRef>
+          <a:fontRef idx="minor">
+            <a:schemeClr val="tx1"/>
+          </a:fontRef>
+        </p:style>
+      </p:cxnSp>
+      <p:cxnSp>
+        <p:nvCxnSpPr>
+          <p:cNvPr id="18" name="Straight Connector 17">
+            <a:extLst>
+              <a:ext uri="{FF2B5EF4-FFF2-40B4-BE49-F238E27FC236}">
+                <a16:creationId xmlns:a16="http://schemas.microsoft.com/office/drawing/2014/main" id="{9AB4E515-415A-29C4-7E07-2AE784781A03}"/>
+              </a:ext>
+            </a:extLst>
+          </p:cNvPr>
+          <p:cNvCxnSpPr>
+            <a:cxnSpLocks/>
+          </p:cNvCxnSpPr>
+          <p:nvPr/>
+        </p:nvCxnSpPr>
+        <p:spPr>
+          <a:xfrm flipV="1">
+            <a:off x="6200828" y="8363415"/>
+            <a:ext cx="2028772" cy="1477195"/>
+          </a:xfrm>
+          <a:prstGeom prst="line">
+            <a:avLst/>
+          </a:prstGeom>
+          <a:ln w="317500">
+            <a:solidFill>
+              <a:srgbClr val="FFCC33"/>
+            </a:solidFill>
+          </a:ln>
+        </p:spPr>
+        <p:style>
+          <a:lnRef idx="1">
+            <a:schemeClr val="accent1"/>
+          </a:lnRef>
+          <a:fillRef idx="0">
+            <a:schemeClr val="accent1"/>
+          </a:fillRef>
+          <a:effectRef idx="0">
+            <a:schemeClr val="accent1"/>
+          </a:effectRef>
+          <a:fontRef idx="minor">
+            <a:schemeClr val="tx1"/>
+          </a:fontRef>
+        </p:style>
+      </p:cxnSp>
+      <p:cxnSp>
+        <p:nvCxnSpPr>
+          <p:cNvPr id="20" name="Straight Connector 19">
+            <a:extLst>
+              <a:ext uri="{FF2B5EF4-FFF2-40B4-BE49-F238E27FC236}">
+                <a16:creationId xmlns:a16="http://schemas.microsoft.com/office/drawing/2014/main" id="{F519B408-7CB2-18A4-6EE8-BB75E702A55B}"/>
+              </a:ext>
+            </a:extLst>
+          </p:cNvPr>
+          <p:cNvCxnSpPr>
+            <a:cxnSpLocks/>
+          </p:cNvCxnSpPr>
+          <p:nvPr/>
+        </p:nvCxnSpPr>
+        <p:spPr>
+          <a:xfrm>
+            <a:off x="14528802" y="8363415"/>
+            <a:ext cx="2141413" cy="1212899"/>
+          </a:xfrm>
+          <a:prstGeom prst="line">
+            <a:avLst/>
+          </a:prstGeom>
+          <a:ln w="317500">
+            <a:solidFill>
+              <a:srgbClr val="FFCC33"/>
+            </a:solidFill>
+          </a:ln>
+        </p:spPr>
+        <p:style>
+          <a:lnRef idx="1">
+            <a:schemeClr val="accent1"/>
+          </a:lnRef>
+          <a:fillRef idx="0">
+            <a:schemeClr val="accent1"/>
+          </a:fillRef>
+          <a:effectRef idx="0">
+            <a:schemeClr val="accent1"/>
+          </a:effectRef>
+          <a:fontRef idx="minor">
+            <a:schemeClr val="tx1"/>
+          </a:fontRef>
+        </p:style>
+      </p:cxnSp>
+      <p:sp>
+        <p:nvSpPr>
+          <p:cNvPr id="29" name="Rectangle 28">
+            <a:extLst>
+              <a:ext uri="{FF2B5EF4-FFF2-40B4-BE49-F238E27FC236}">
+                <a16:creationId xmlns:a16="http://schemas.microsoft.com/office/drawing/2014/main" id="{4B0514B0-1D29-BC70-5DC5-6F39D603B6AC}"/>
+              </a:ext>
+            </a:extLst>
+          </p:cNvPr>
+          <p:cNvSpPr/>
+          <p:nvPr/>
+        </p:nvSpPr>
+        <p:spPr>
+          <a:xfrm rot="20272484">
+            <a:off x="6703752" y="968476"/>
+            <a:ext cx="13425285" cy="11214757"/>
+          </a:xfrm>
+          <a:prstGeom prst="rect">
+            <a:avLst/>
+          </a:prstGeom>
+          <a:noFill/>
+        </p:spPr>
+        <p:txBody>
+          <a:bodyPr wrap="none" lIns="91440" tIns="45720" rIns="91440" bIns="45720">
+            <a:prstTxWarp prst="textArchUp">
+              <a:avLst>
+                <a:gd name="adj" fmla="val 11957388"/>
+              </a:avLst>
+            </a:prstTxWarp>
+            <a:spAutoFit/>
+          </a:bodyPr>
+          <a:lstStyle/>
+          <a:p>
+            <a:r>
+              <a:rPr lang="en-US" sz="5400" b="1" dirty="0">
+                <a:solidFill>
+                  <a:srgbClr val="780019"/>
+                </a:solidFill>
+                <a:latin typeface="Trebuchet MS" panose="020B0703020202090204" pitchFamily="34" charset="0"/>
+                <a:cs typeface="Aharoni" panose="02010803020104030203" pitchFamily="2" charset="-79"/>
+              </a:rPr>
+              <a:t>Molecular Phenomena </a:t>
+            </a:r>
+          </a:p>
+          <a:p>
+            <a:r>
+              <a:rPr lang="en-US" sz="5400" b="1" dirty="0">
+                <a:solidFill>
+                  <a:srgbClr val="780019"/>
+                </a:solidFill>
+                <a:latin typeface="Trebuchet MS" panose="020B0703020202090204" pitchFamily="34" charset="0"/>
+                <a:cs typeface="Aharoni" panose="02010803020104030203" pitchFamily="2" charset="-79"/>
+              </a:rPr>
+              <a:t>in Aqueous Systems</a:t>
+            </a:r>
+          </a:p>
+        </p:txBody>
+      </p:sp>
+      <p:sp>
+        <p:nvSpPr>
+          <p:cNvPr id="34" name="Graphic 13" descr="Wrench with solid fill">
+            <a:extLst>
+              <a:ext uri="{FF2B5EF4-FFF2-40B4-BE49-F238E27FC236}">
+                <a16:creationId xmlns:a16="http://schemas.microsoft.com/office/drawing/2014/main" id="{24B74F1D-77F8-D831-A62B-93F054CD3918}"/>
+              </a:ext>
+            </a:extLst>
+          </p:cNvPr>
+          <p:cNvSpPr/>
+          <p:nvPr/>
+        </p:nvSpPr>
+        <p:spPr>
+          <a:xfrm rot="225578">
+            <a:off x="7250145" y="9364160"/>
+            <a:ext cx="919635" cy="952900"/>
           </a:xfrm>
           <a:custGeom>
             <a:avLst/>
@@ -5242,426 +5535,16 @@
           <a:bodyPr rtlCol="0" anchor="ctr"/>
           <a:lstStyle/>
           <a:p>
-            <a:endParaRPr lang="en-US"/>
-          </a:p>
-        </p:txBody>
-      </p:sp>
-      <p:pic>
-        <p:nvPicPr>
-          <p:cNvPr id="10" name="Graphic 9" descr="Lightbulb and gear with solid fill">
+            <a:endParaRPr lang="en-US" sz="4516" dirty="0"/>
+          </a:p>
+        </p:txBody>
+      </p:sp>
+      <p:sp>
+        <p:nvSpPr>
+          <p:cNvPr id="35" name="Graphic 13" descr="Wrench with solid fill">
             <a:extLst>
               <a:ext uri="{FF2B5EF4-FFF2-40B4-BE49-F238E27FC236}">
-                <a16:creationId xmlns:a16="http://schemas.microsoft.com/office/drawing/2014/main" id="{357942F7-DBBB-E6A8-116D-619A80FD7D60}"/>
-              </a:ext>
-            </a:extLst>
-          </p:cNvPr>
-          <p:cNvPicPr>
-            <a:picLocks noChangeAspect="1"/>
-          </p:cNvPicPr>
-          <p:nvPr/>
-        </p:nvPicPr>
-        <p:blipFill>
-          <a:blip r:embed="rId5">
-            <a:extLst>
-              <a:ext uri="{28A0092B-C50C-407E-A947-70E740481C1C}">
-                <a14:useLocalDpi xmlns:a14="http://schemas.microsoft.com/office/drawing/2010/main" val="0"/>
-              </a:ext>
-              <a:ext uri="{96DAC541-7B7A-43D3-8B79-37D633B846F1}">
-                <asvg:svgBlip xmlns:asvg="http://schemas.microsoft.com/office/drawing/2016/SVG/main" r:embed="rId6"/>
-              </a:ext>
-            </a:extLst>
-          </a:blip>
-          <a:stretch>
-            <a:fillRect/>
-          </a:stretch>
-        </p:blipFill>
-        <p:spPr>
-          <a:xfrm>
-            <a:off x="7141970" y="3669169"/>
-            <a:ext cx="1348366" cy="1348366"/>
-          </a:xfrm>
-          <a:prstGeom prst="rect">
-            <a:avLst/>
-          </a:prstGeom>
-        </p:spPr>
-      </p:pic>
-    </p:spTree>
-    <p:extLst>
-      <p:ext uri="{BB962C8B-B14F-4D97-AF65-F5344CB8AC3E}">
-        <p14:creationId xmlns:p14="http://schemas.microsoft.com/office/powerpoint/2010/main" val="3578679167"/>
-      </p:ext>
-    </p:extLst>
-  </p:cSld>
-  <p:clrMapOvr>
-    <a:masterClrMapping/>
-  </p:clrMapOvr>
-</p:sld>
-</file>
-
-<file path=ppt/slides/slide4.xml><?xml version="1.0" encoding="utf-8"?>
-<p:sld xmlns:a="http://schemas.openxmlformats.org/drawingml/2006/main" xmlns:r="http://schemas.openxmlformats.org/officeDocument/2006/relationships" xmlns:p="http://schemas.openxmlformats.org/presentationml/2006/main">
-  <p:cSld>
-    <p:spTree>
-      <p:nvGrpSpPr>
-        <p:cNvPr id="1" name=""/>
-        <p:cNvGrpSpPr/>
-        <p:nvPr/>
-      </p:nvGrpSpPr>
-      <p:grpSpPr>
-        <a:xfrm>
-          <a:off x="0" y="0"/>
-          <a:ext cx="0" cy="0"/>
-          <a:chOff x="0" y="0"/>
-          <a:chExt cx="0" cy="0"/>
-        </a:xfrm>
-      </p:grpSpPr>
-      <p:grpSp>
-        <p:nvGrpSpPr>
-          <p:cNvPr id="9" name="Group 8">
-            <a:extLst>
-              <a:ext uri="{FF2B5EF4-FFF2-40B4-BE49-F238E27FC236}">
-                <a16:creationId xmlns:a16="http://schemas.microsoft.com/office/drawing/2014/main" id="{4F3CCB9E-A603-ABD1-3B1A-7828CBDC88D2}"/>
-              </a:ext>
-            </a:extLst>
-          </p:cNvPr>
-          <p:cNvGrpSpPr/>
-          <p:nvPr/>
-        </p:nvGrpSpPr>
-        <p:grpSpPr>
-          <a:xfrm>
-            <a:off x="-22012" y="1"/>
-            <a:ext cx="12214013" cy="6858000"/>
-            <a:chOff x="-316535" y="-264860"/>
-            <a:chExt cx="12214013" cy="6858000"/>
-          </a:xfrm>
-        </p:grpSpPr>
-        <p:grpSp>
-          <p:nvGrpSpPr>
-            <p:cNvPr id="2" name="Group 1">
-              <a:extLst>
-                <a:ext uri="{FF2B5EF4-FFF2-40B4-BE49-F238E27FC236}">
-                  <a16:creationId xmlns:a16="http://schemas.microsoft.com/office/drawing/2014/main" id="{DF11FC94-137D-4459-A404-58D67DF47E40}"/>
-                </a:ext>
-              </a:extLst>
-            </p:cNvPr>
-            <p:cNvGrpSpPr/>
-            <p:nvPr/>
-          </p:nvGrpSpPr>
-          <p:grpSpPr>
-            <a:xfrm>
-              <a:off x="-316535" y="-264860"/>
-              <a:ext cx="12214013" cy="6858000"/>
-              <a:chOff x="-737" y="-302264"/>
-              <a:chExt cx="12214013" cy="6858000"/>
-            </a:xfrm>
-          </p:grpSpPr>
-          <p:sp>
-            <p:nvSpPr>
-              <p:cNvPr id="4" name="Rectangle: Rounded Corners 3">
-                <a:extLst>
-                  <a:ext uri="{FF2B5EF4-FFF2-40B4-BE49-F238E27FC236}">
-                    <a16:creationId xmlns:a16="http://schemas.microsoft.com/office/drawing/2014/main" id="{7DDC64BD-8508-452A-AEB2-D69F8A0B982D}"/>
-                  </a:ext>
-                </a:extLst>
-              </p:cNvPr>
-              <p:cNvSpPr/>
-              <p:nvPr/>
-            </p:nvSpPr>
-            <p:spPr>
-              <a:xfrm>
-                <a:off x="4128183" y="-302264"/>
-                <a:ext cx="4446529" cy="2709714"/>
-              </a:xfrm>
-              <a:prstGeom prst="roundRect">
-                <a:avLst/>
-              </a:prstGeom>
-              <a:solidFill>
-                <a:srgbClr val="FFCC33"/>
-              </a:solidFill>
-            </p:spPr>
-            <p:style>
-              <a:lnRef idx="2">
-                <a:schemeClr val="accent1">
-                  <a:shade val="50000"/>
-                </a:schemeClr>
-              </a:lnRef>
-              <a:fillRef idx="1">
-                <a:schemeClr val="accent1"/>
-              </a:fillRef>
-              <a:effectRef idx="0">
-                <a:schemeClr val="accent1"/>
-              </a:effectRef>
-              <a:fontRef idx="minor">
-                <a:schemeClr val="lt1"/>
-              </a:fontRef>
-            </p:style>
-            <p:txBody>
-              <a:bodyPr rtlCol="0" anchor="ctr"/>
-              <a:lstStyle/>
-              <a:p>
-                <a:pPr algn="ctr"/>
-                <a:endParaRPr lang="en-US" sz="3600" dirty="0">
-                  <a:solidFill>
-                    <a:srgbClr val="780019"/>
-                  </a:solidFill>
-                  <a:latin typeface="Arial" panose="020B0604020202020204" pitchFamily="34" charset="0"/>
-                  <a:cs typeface="Arial" panose="020B0604020202020204" pitchFamily="34" charset="0"/>
-                </a:endParaRPr>
-              </a:p>
-              <a:p>
-                <a:pPr algn="r"/>
-                <a:r>
-                  <a:rPr lang="en-US" sz="3600" dirty="0">
-                    <a:solidFill>
-                      <a:srgbClr val="780019"/>
-                    </a:solidFill>
-                    <a:latin typeface="Arial" panose="020B0604020202020204" pitchFamily="34" charset="0"/>
-                    <a:cs typeface="Arial" panose="020B0604020202020204" pitchFamily="34" charset="0"/>
-                  </a:rPr>
-                  <a:t>Molecular Phenomena in Aqueous Systems</a:t>
-                </a:r>
-              </a:p>
-            </p:txBody>
-          </p:sp>
-          <p:sp>
-            <p:nvSpPr>
-              <p:cNvPr id="5" name="Rectangle: Rounded Corners 4">
-                <a:extLst>
-                  <a:ext uri="{FF2B5EF4-FFF2-40B4-BE49-F238E27FC236}">
-                    <a16:creationId xmlns:a16="http://schemas.microsoft.com/office/drawing/2014/main" id="{0A89D17F-2F5B-4D52-A6E6-BF73C0E7748B}"/>
-                  </a:ext>
-                </a:extLst>
-              </p:cNvPr>
-              <p:cNvSpPr/>
-              <p:nvPr/>
-            </p:nvSpPr>
-            <p:spPr>
-              <a:xfrm>
-                <a:off x="-737" y="3846021"/>
-                <a:ext cx="4446528" cy="2709714"/>
-              </a:xfrm>
-              <a:prstGeom prst="roundRect">
-                <a:avLst/>
-              </a:prstGeom>
-              <a:solidFill>
-                <a:srgbClr val="FFCC33"/>
-              </a:solidFill>
-            </p:spPr>
-            <p:style>
-              <a:lnRef idx="2">
-                <a:schemeClr val="accent1">
-                  <a:shade val="50000"/>
-                </a:schemeClr>
-              </a:lnRef>
-              <a:fillRef idx="1">
-                <a:schemeClr val="accent1"/>
-              </a:fillRef>
-              <a:effectRef idx="0">
-                <a:schemeClr val="accent1"/>
-              </a:effectRef>
-              <a:fontRef idx="minor">
-                <a:schemeClr val="lt1"/>
-              </a:fontRef>
-            </p:style>
-            <p:txBody>
-              <a:bodyPr rtlCol="0" anchor="ctr"/>
-              <a:lstStyle/>
-              <a:p>
-                <a:pPr algn="ctr"/>
-                <a:endParaRPr lang="en-US" sz="3600" dirty="0">
-                  <a:solidFill>
-                    <a:srgbClr val="780019"/>
-                  </a:solidFill>
-                  <a:latin typeface="Arial" panose="020B0604020202020204" pitchFamily="34" charset="0"/>
-                  <a:cs typeface="Arial" panose="020B0604020202020204" pitchFamily="34" charset="0"/>
-                </a:endParaRPr>
-              </a:p>
-              <a:p>
-                <a:pPr algn="ctr"/>
-                <a:endParaRPr lang="en-US" sz="3600" dirty="0">
-                  <a:solidFill>
-                    <a:srgbClr val="780019"/>
-                  </a:solidFill>
-                  <a:latin typeface="Arial" panose="020B0604020202020204" pitchFamily="34" charset="0"/>
-                  <a:cs typeface="Arial" panose="020B0604020202020204" pitchFamily="34" charset="0"/>
-                </a:endParaRPr>
-              </a:p>
-              <a:p>
-                <a:pPr algn="r"/>
-                <a:r>
-                  <a:rPr lang="en-US" sz="3600" dirty="0">
-                    <a:solidFill>
-                      <a:srgbClr val="780019"/>
-                    </a:solidFill>
-                    <a:latin typeface="Arial" panose="020B0604020202020204" pitchFamily="34" charset="0"/>
-                    <a:cs typeface="Arial" panose="020B0604020202020204" pitchFamily="34" charset="0"/>
-                  </a:rPr>
-                  <a:t>Molecular Simulations &amp; Machine Learning</a:t>
-                </a:r>
-              </a:p>
-            </p:txBody>
-          </p:sp>
-          <p:sp>
-            <p:nvSpPr>
-              <p:cNvPr id="6" name="Rectangle: Rounded Corners 5">
-                <a:extLst>
-                  <a:ext uri="{FF2B5EF4-FFF2-40B4-BE49-F238E27FC236}">
-                    <a16:creationId xmlns:a16="http://schemas.microsoft.com/office/drawing/2014/main" id="{C5D43A14-59FA-41AE-86C5-18F6F4355354}"/>
-                  </a:ext>
-                </a:extLst>
-              </p:cNvPr>
-              <p:cNvSpPr/>
-              <p:nvPr/>
-            </p:nvSpPr>
-            <p:spPr>
-              <a:xfrm>
-                <a:off x="7766748" y="3846022"/>
-                <a:ext cx="4446528" cy="2709714"/>
-              </a:xfrm>
-              <a:prstGeom prst="roundRect">
-                <a:avLst/>
-              </a:prstGeom>
-              <a:solidFill>
-                <a:srgbClr val="FFCC33"/>
-              </a:solidFill>
-            </p:spPr>
-            <p:style>
-              <a:lnRef idx="2">
-                <a:schemeClr val="accent1">
-                  <a:shade val="50000"/>
-                </a:schemeClr>
-              </a:lnRef>
-              <a:fillRef idx="1">
-                <a:schemeClr val="accent1"/>
-              </a:fillRef>
-              <a:effectRef idx="0">
-                <a:schemeClr val="accent1"/>
-              </a:effectRef>
-              <a:fontRef idx="minor">
-                <a:schemeClr val="lt1"/>
-              </a:fontRef>
-            </p:style>
-            <p:txBody>
-              <a:bodyPr rtlCol="0" anchor="ctr"/>
-              <a:lstStyle/>
-              <a:p>
-                <a:pPr algn="ctr"/>
-                <a:endParaRPr lang="en-US" sz="3200" dirty="0">
-                  <a:solidFill>
-                    <a:srgbClr val="780019"/>
-                  </a:solidFill>
-                  <a:latin typeface="Arial" panose="020B0604020202020204" pitchFamily="34" charset="0"/>
-                  <a:cs typeface="Arial" panose="020B0604020202020204" pitchFamily="34" charset="0"/>
-                </a:endParaRPr>
-              </a:p>
-              <a:p>
-                <a:pPr algn="ctr"/>
-                <a:endParaRPr lang="en-US" sz="3200" dirty="0">
-                  <a:solidFill>
-                    <a:srgbClr val="780019"/>
-                  </a:solidFill>
-                  <a:latin typeface="Arial" panose="020B0604020202020204" pitchFamily="34" charset="0"/>
-                  <a:cs typeface="Arial" panose="020B0604020202020204" pitchFamily="34" charset="0"/>
-                </a:endParaRPr>
-              </a:p>
-              <a:p>
-                <a:pPr algn="r"/>
-                <a:r>
-                  <a:rPr lang="en-US" sz="3200" dirty="0">
-                    <a:solidFill>
-                      <a:srgbClr val="780019"/>
-                    </a:solidFill>
-                    <a:latin typeface="Arial" panose="020B0604020202020204" pitchFamily="34" charset="0"/>
-                    <a:cs typeface="Arial" panose="020B0604020202020204" pitchFamily="34" charset="0"/>
-                  </a:rPr>
-                  <a:t>Advanced Methods &amp; Software to Study Mechanisms</a:t>
-                </a:r>
-              </a:p>
-            </p:txBody>
-          </p:sp>
-        </p:grpSp>
-        <p:pic>
-          <p:nvPicPr>
-            <p:cNvPr id="11" name="Picture 10">
-              <a:extLst>
-                <a:ext uri="{FF2B5EF4-FFF2-40B4-BE49-F238E27FC236}">
-                  <a16:creationId xmlns:a16="http://schemas.microsoft.com/office/drawing/2014/main" id="{5238675F-2C41-B62A-C599-95DBACE6D039}"/>
-                </a:ext>
-              </a:extLst>
-            </p:cNvPr>
-            <p:cNvPicPr>
-              <a:picLocks noChangeAspect="1"/>
-            </p:cNvPicPr>
-            <p:nvPr/>
-          </p:nvPicPr>
-          <p:blipFill>
-            <a:blip r:embed="rId2">
-              <a:extLst>
-                <a:ext uri="{28A0092B-C50C-407E-A947-70E740481C1C}">
-                  <a14:useLocalDpi xmlns:a14="http://schemas.microsoft.com/office/drawing/2010/main" val="0"/>
-                </a:ext>
-              </a:extLst>
-            </a:blip>
-            <a:stretch>
-              <a:fillRect/>
-            </a:stretch>
-          </p:blipFill>
-          <p:spPr>
-            <a:xfrm>
-              <a:off x="4389705" y="2617825"/>
-              <a:ext cx="2823544" cy="2829190"/>
-            </a:xfrm>
-            <a:prstGeom prst="rect">
-              <a:avLst/>
-            </a:prstGeom>
-          </p:spPr>
-        </p:pic>
-      </p:grpSp>
-      <p:pic>
-        <p:nvPicPr>
-          <p:cNvPr id="3" name="Graphic 2" descr="Search Inventory with solid fill">
-            <a:extLst>
-              <a:ext uri="{FF2B5EF4-FFF2-40B4-BE49-F238E27FC236}">
-                <a16:creationId xmlns:a16="http://schemas.microsoft.com/office/drawing/2014/main" id="{8A94A877-8A16-9110-7E84-E7D676901E98}"/>
-              </a:ext>
-            </a:extLst>
-          </p:cNvPr>
-          <p:cNvPicPr>
-            <a:picLocks noChangeAspect="1"/>
-          </p:cNvPicPr>
-          <p:nvPr/>
-        </p:nvPicPr>
-        <p:blipFill>
-          <a:blip r:embed="rId3">
-            <a:extLst>
-              <a:ext uri="{28A0092B-C50C-407E-A947-70E740481C1C}">
-                <a14:useLocalDpi xmlns:a14="http://schemas.microsoft.com/office/drawing/2010/main" val="0"/>
-              </a:ext>
-              <a:ext uri="{96DAC541-7B7A-43D3-8B79-37D633B846F1}">
-                <asvg:svgBlip xmlns:asvg="http://schemas.microsoft.com/office/drawing/2016/SVG/main" r:embed="rId4"/>
-              </a:ext>
-            </a:extLst>
-          </a:blip>
-          <a:stretch>
-            <a:fillRect/>
-          </a:stretch>
-        </p:blipFill>
-        <p:spPr>
-          <a:xfrm>
-            <a:off x="4106908" y="0"/>
-            <a:ext cx="1286563" cy="1286563"/>
-          </a:xfrm>
-          <a:prstGeom prst="rect">
-            <a:avLst/>
-          </a:prstGeom>
-        </p:spPr>
-      </p:pic>
-      <p:sp>
-        <p:nvSpPr>
-          <p:cNvPr id="8" name="Graphic 13" descr="Wrench with solid fill">
-            <a:extLst>
-              <a:ext uri="{FF2B5EF4-FFF2-40B4-BE49-F238E27FC236}">
-                <a16:creationId xmlns:a16="http://schemas.microsoft.com/office/drawing/2014/main" id="{0E1665E4-18A1-B168-375D-8B423344C89C}"/>
+                <a16:creationId xmlns:a16="http://schemas.microsoft.com/office/drawing/2014/main" id="{627D092C-315D-66E2-8C6D-03AAA49B1D19}"/>
               </a:ext>
             </a:extLst>
           </p:cNvPr>
@@ -5669,9 +5552,9 @@
           <p:nvPr/>
         </p:nvSpPr>
         <p:spPr>
-          <a:xfrm>
-            <a:off x="142626" y="4297281"/>
-            <a:ext cx="1202542" cy="1205862"/>
+          <a:xfrm rot="20822122" flipH="1">
+            <a:off x="14851981" y="9193679"/>
+            <a:ext cx="919634" cy="952900"/>
           </a:xfrm>
           <a:custGeom>
             <a:avLst/>
@@ -5868,16 +5751,55 @@
           <a:bodyPr rtlCol="0" anchor="ctr"/>
           <a:lstStyle/>
           <a:p>
-            <a:endParaRPr lang="en-US"/>
+            <a:endParaRPr lang="en-US" sz="4516" dirty="0"/>
           </a:p>
         </p:txBody>
       </p:sp>
       <p:pic>
         <p:nvPicPr>
-          <p:cNvPr id="10" name="Graphic 9" descr="Lightbulb and gear with solid fill">
+          <p:cNvPr id="36" name="Graphic 35" descr="Lightbulb and gear with solid fill">
             <a:extLst>
               <a:ext uri="{FF2B5EF4-FFF2-40B4-BE49-F238E27FC236}">
-                <a16:creationId xmlns:a16="http://schemas.microsoft.com/office/drawing/2014/main" id="{357942F7-DBBB-E6A8-116D-619A80FD7D60}"/>
+                <a16:creationId xmlns:a16="http://schemas.microsoft.com/office/drawing/2014/main" id="{9DFB0AB6-418A-4CF3-8DD6-CCE64CCE9FD3}"/>
+              </a:ext>
+            </a:extLst>
+          </p:cNvPr>
+          <p:cNvPicPr>
+            <a:picLocks noChangeAspect="1"/>
+          </p:cNvPicPr>
+          <p:nvPr/>
+        </p:nvPicPr>
+        <p:blipFill>
+          <a:blip r:embed="rId3">
+            <a:extLst>
+              <a:ext uri="{28A0092B-C50C-407E-A947-70E740481C1C}">
+                <a14:useLocalDpi xmlns:a14="http://schemas.microsoft.com/office/drawing/2010/main" val="0"/>
+              </a:ext>
+              <a:ext uri="{96DAC541-7B7A-43D3-8B79-37D633B846F1}">
+                <asvg:svgBlip xmlns:asvg="http://schemas.microsoft.com/office/drawing/2016/SVG/main" r:embed="rId4"/>
+              </a:ext>
+            </a:extLst>
+          </a:blip>
+          <a:stretch>
+            <a:fillRect/>
+          </a:stretch>
+        </p:blipFill>
+        <p:spPr>
+          <a:xfrm rot="2342030">
+            <a:off x="12371291" y="786971"/>
+            <a:ext cx="1194390" cy="1235417"/>
+          </a:xfrm>
+          <a:prstGeom prst="rect">
+            <a:avLst/>
+          </a:prstGeom>
+        </p:spPr>
+      </p:pic>
+      <p:pic>
+        <p:nvPicPr>
+          <p:cNvPr id="37" name="Graphic 36" descr="Search Inventory with solid fill">
+            <a:extLst>
+              <a:ext uri="{FF2B5EF4-FFF2-40B4-BE49-F238E27FC236}">
+                <a16:creationId xmlns:a16="http://schemas.microsoft.com/office/drawing/2014/main" id="{4498F449-5431-4E6C-CDB0-FB66FC04305C}"/>
               </a:ext>
             </a:extLst>
           </p:cNvPr>
@@ -5902,9 +5824,87 @@
           </a:stretch>
         </p:blipFill>
         <p:spPr>
-          <a:xfrm>
-            <a:off x="7950747" y="4148286"/>
-            <a:ext cx="1205379" cy="1205379"/>
+          <a:xfrm rot="19319675">
+            <a:off x="9867565" y="905105"/>
+            <a:ext cx="1015370" cy="1033448"/>
+          </a:xfrm>
+          <a:prstGeom prst="rect">
+            <a:avLst/>
+          </a:prstGeom>
+        </p:spPr>
+      </p:pic>
+      <p:pic>
+        <p:nvPicPr>
+          <p:cNvPr id="38" name="Graphic 37" descr="Lightbulb and gear with solid fill">
+            <a:extLst>
+              <a:ext uri="{FF2B5EF4-FFF2-40B4-BE49-F238E27FC236}">
+                <a16:creationId xmlns:a16="http://schemas.microsoft.com/office/drawing/2014/main" id="{F646B456-BA47-072D-EEAF-9F4F0ADF06DC}"/>
+              </a:ext>
+            </a:extLst>
+          </p:cNvPr>
+          <p:cNvPicPr>
+            <a:picLocks noChangeAspect="1"/>
+          </p:cNvPicPr>
+          <p:nvPr/>
+        </p:nvPicPr>
+        <p:blipFill>
+          <a:blip r:embed="rId3">
+            <a:extLst>
+              <a:ext uri="{28A0092B-C50C-407E-A947-70E740481C1C}">
+                <a14:useLocalDpi xmlns:a14="http://schemas.microsoft.com/office/drawing/2010/main" val="0"/>
+              </a:ext>
+              <a:ext uri="{96DAC541-7B7A-43D3-8B79-37D633B846F1}">
+                <asvg:svgBlip xmlns:asvg="http://schemas.microsoft.com/office/drawing/2016/SVG/main" r:embed="rId4"/>
+              </a:ext>
+            </a:extLst>
+          </a:blip>
+          <a:stretch>
+            <a:fillRect/>
+          </a:stretch>
+        </p:blipFill>
+        <p:spPr>
+          <a:xfrm rot="6712092">
+            <a:off x="15888316" y="7421731"/>
+            <a:ext cx="1194390" cy="1235417"/>
+          </a:xfrm>
+          <a:prstGeom prst="rect">
+            <a:avLst/>
+          </a:prstGeom>
+        </p:spPr>
+      </p:pic>
+      <p:pic>
+        <p:nvPicPr>
+          <p:cNvPr id="39" name="Graphic 38" descr="Search Inventory with solid fill">
+            <a:extLst>
+              <a:ext uri="{FF2B5EF4-FFF2-40B4-BE49-F238E27FC236}">
+                <a16:creationId xmlns:a16="http://schemas.microsoft.com/office/drawing/2014/main" id="{96B0A644-19A4-23A3-A5F6-4780404E835F}"/>
+              </a:ext>
+            </a:extLst>
+          </p:cNvPr>
+          <p:cNvPicPr>
+            <a:picLocks noChangeAspect="1"/>
+          </p:cNvPicPr>
+          <p:nvPr/>
+        </p:nvPicPr>
+        <p:blipFill>
+          <a:blip r:embed="rId5">
+            <a:extLst>
+              <a:ext uri="{28A0092B-C50C-407E-A947-70E740481C1C}">
+                <a14:useLocalDpi xmlns:a14="http://schemas.microsoft.com/office/drawing/2010/main" val="0"/>
+              </a:ext>
+              <a:ext uri="{96DAC541-7B7A-43D3-8B79-37D633B846F1}">
+                <asvg:svgBlip xmlns:asvg="http://schemas.microsoft.com/office/drawing/2016/SVG/main" r:embed="rId6"/>
+              </a:ext>
+            </a:extLst>
+          </a:blip>
+          <a:stretch>
+            <a:fillRect/>
+          </a:stretch>
+        </p:blipFill>
+        <p:spPr>
+          <a:xfrm rot="17107660">
+            <a:off x="6147313" y="7540418"/>
+            <a:ext cx="1015370" cy="1033448"/>
           </a:xfrm>
           <a:prstGeom prst="rect">
             <a:avLst/>
@@ -5914,7 +5914,1091 @@
     </p:spTree>
     <p:extLst>
       <p:ext uri="{BB962C8B-B14F-4D97-AF65-F5344CB8AC3E}">
-        <p14:creationId xmlns:p14="http://schemas.microsoft.com/office/powerpoint/2010/main" val="4147769947"/>
+        <p14:creationId xmlns:p14="http://schemas.microsoft.com/office/powerpoint/2010/main" val="23599507"/>
+      </p:ext>
+    </p:extLst>
+  </p:cSld>
+  <p:clrMapOvr>
+    <a:masterClrMapping/>
+  </p:clrMapOvr>
+</p:sld>
+</file>
+
+<file path=ppt/slides/slide5.xml><?xml version="1.0" encoding="utf-8"?>
+<p:sld xmlns:a="http://schemas.openxmlformats.org/drawingml/2006/main" xmlns:r="http://schemas.openxmlformats.org/officeDocument/2006/relationships" xmlns:p="http://schemas.openxmlformats.org/presentationml/2006/main">
+  <p:cSld>
+    <p:spTree>
+      <p:nvGrpSpPr>
+        <p:cNvPr id="1" name=""/>
+        <p:cNvGrpSpPr/>
+        <p:nvPr/>
+      </p:nvGrpSpPr>
+      <p:grpSpPr>
+        <a:xfrm>
+          <a:off x="0" y="0"/>
+          <a:ext cx="0" cy="0"/>
+          <a:chOff x="0" y="0"/>
+          <a:chExt cx="0" cy="0"/>
+        </a:xfrm>
+      </p:grpSpPr>
+      <p:grpSp>
+        <p:nvGrpSpPr>
+          <p:cNvPr id="2" name="Group 1">
+            <a:extLst>
+              <a:ext uri="{FF2B5EF4-FFF2-40B4-BE49-F238E27FC236}">
+                <a16:creationId xmlns:a16="http://schemas.microsoft.com/office/drawing/2014/main" id="{4322FBCA-DFE4-7DC7-505B-2CC416B46D7C}"/>
+              </a:ext>
+            </a:extLst>
+          </p:cNvPr>
+          <p:cNvGrpSpPr/>
+          <p:nvPr/>
+        </p:nvGrpSpPr>
+        <p:grpSpPr>
+          <a:xfrm>
+            <a:off x="7188200" y="2413000"/>
+            <a:ext cx="8128000" cy="8128000"/>
+            <a:chOff x="7493000" y="2514600"/>
+            <a:chExt cx="7772400" cy="7772400"/>
+          </a:xfrm>
+        </p:grpSpPr>
+        <p:pic>
+          <p:nvPicPr>
+            <p:cNvPr id="5" name="Picture 4" descr="Diagram&#10;&#10;Description automatically generated">
+              <a:extLst>
+                <a:ext uri="{FF2B5EF4-FFF2-40B4-BE49-F238E27FC236}">
+                  <a16:creationId xmlns:a16="http://schemas.microsoft.com/office/drawing/2014/main" id="{6C31D26C-37DD-D043-4324-2802C420D8BA}"/>
+                </a:ext>
+              </a:extLst>
+            </p:cNvPr>
+            <p:cNvPicPr>
+              <a:picLocks noChangeAspect="1"/>
+            </p:cNvPicPr>
+            <p:nvPr/>
+          </p:nvPicPr>
+          <p:blipFill>
+            <a:blip r:embed="rId2">
+              <a:extLst>
+                <a:ext uri="{28A0092B-C50C-407E-A947-70E740481C1C}">
+                  <a14:useLocalDpi xmlns:a14="http://schemas.microsoft.com/office/drawing/2010/main" val="0"/>
+                </a:ext>
+              </a:extLst>
+            </a:blip>
+            <a:stretch>
+              <a:fillRect/>
+            </a:stretch>
+          </p:blipFill>
+          <p:spPr>
+            <a:xfrm>
+              <a:off x="7493000" y="2514600"/>
+              <a:ext cx="7772400" cy="7772400"/>
+            </a:xfrm>
+            <a:prstGeom prst="rect">
+              <a:avLst/>
+            </a:prstGeom>
+          </p:spPr>
+        </p:pic>
+        <p:sp>
+          <p:nvSpPr>
+            <p:cNvPr id="6" name="Rectangle 5">
+              <a:extLst>
+                <a:ext uri="{FF2B5EF4-FFF2-40B4-BE49-F238E27FC236}">
+                  <a16:creationId xmlns:a16="http://schemas.microsoft.com/office/drawing/2014/main" id="{5C2416A4-143D-8A7F-FC27-DEE586F618CF}"/>
+                </a:ext>
+              </a:extLst>
+            </p:cNvPr>
+            <p:cNvSpPr/>
+            <p:nvPr/>
+          </p:nvSpPr>
+          <p:spPr>
+            <a:xfrm>
+              <a:off x="8290973" y="4464450"/>
+              <a:ext cx="6587852" cy="3517100"/>
+            </a:xfrm>
+            <a:prstGeom prst="rect">
+              <a:avLst/>
+            </a:prstGeom>
+            <a:noFill/>
+          </p:spPr>
+          <p:txBody>
+            <a:bodyPr wrap="none" lIns="91440" tIns="45720" rIns="91440" bIns="45720">
+              <a:prstTxWarp prst="textArchUp">
+                <a:avLst>
+                  <a:gd name="adj" fmla="val 13368903"/>
+                </a:avLst>
+              </a:prstTxWarp>
+              <a:spAutoFit/>
+            </a:bodyPr>
+            <a:lstStyle/>
+            <a:p>
+              <a:pPr algn="ctr"/>
+              <a:r>
+                <a:rPr lang="en-US" sz="13800" dirty="0">
+                  <a:ln w="0"/>
+                  <a:effectLst>
+                    <a:outerShdw blurRad="38100" dist="19050" dir="2700000" algn="tl" rotWithShape="0">
+                      <a:schemeClr val="dk1">
+                        <a:alpha val="40000"/>
+                      </a:schemeClr>
+                    </a:outerShdw>
+                  </a:effectLst>
+                  <a:latin typeface="Nordique Inline" pitchFamily="2" charset="77"/>
+                </a:rPr>
+                <a:t>SAMPEL</a:t>
+              </a:r>
+            </a:p>
+          </p:txBody>
+        </p:sp>
+      </p:grpSp>
+      <p:sp>
+        <p:nvSpPr>
+          <p:cNvPr id="31" name="TextBox 30">
+            <a:extLst>
+              <a:ext uri="{FF2B5EF4-FFF2-40B4-BE49-F238E27FC236}">
+                <a16:creationId xmlns:a16="http://schemas.microsoft.com/office/drawing/2014/main" id="{A324253B-3079-DB80-31CE-BED279E26648}"/>
+              </a:ext>
+            </a:extLst>
+          </p:cNvPr>
+          <p:cNvSpPr txBox="1"/>
+          <p:nvPr/>
+        </p:nvSpPr>
+        <p:spPr>
+          <a:xfrm rot="3859121">
+            <a:off x="2397834" y="-85009"/>
+            <a:ext cx="11509921" cy="16082584"/>
+          </a:xfrm>
+          <a:prstGeom prst="rect">
+            <a:avLst/>
+          </a:prstGeom>
+          <a:noFill/>
+        </p:spPr>
+        <p:txBody>
+          <a:bodyPr wrap="square">
+            <a:prstTxWarp prst="textArchUp">
+              <a:avLst>
+                <a:gd name="adj" fmla="val 11065984"/>
+              </a:avLst>
+            </a:prstTxWarp>
+            <a:spAutoFit/>
+          </a:bodyPr>
+          <a:lstStyle/>
+          <a:p>
+            <a:pPr algn="ctr"/>
+            <a:r>
+              <a:rPr lang="en-US" sz="5400" b="1" dirty="0">
+                <a:solidFill>
+                  <a:srgbClr val="780019"/>
+                </a:solidFill>
+                <a:latin typeface="Trebuchet MS" panose="020B0703020202090204" pitchFamily="34" charset="0"/>
+                <a:cs typeface="Arial" panose="020B0604020202020204" pitchFamily="34" charset="0"/>
+              </a:rPr>
+              <a:t>Advanced Sampling</a:t>
+            </a:r>
+          </a:p>
+          <a:p>
+            <a:pPr algn="ctr"/>
+            <a:r>
+              <a:rPr lang="en-US" sz="5400" b="1" dirty="0">
+                <a:solidFill>
+                  <a:srgbClr val="780019"/>
+                </a:solidFill>
+                <a:latin typeface="Trebuchet MS" panose="020B0703020202090204" pitchFamily="34" charset="0"/>
+                <a:cs typeface="Arial" panose="020B0604020202020204" pitchFamily="34" charset="0"/>
+              </a:rPr>
+              <a:t>Methods &amp; Software</a:t>
+            </a:r>
+          </a:p>
+        </p:txBody>
+      </p:sp>
+      <p:sp>
+        <p:nvSpPr>
+          <p:cNvPr id="33" name="TextBox 32">
+            <a:extLst>
+              <a:ext uri="{FF2B5EF4-FFF2-40B4-BE49-F238E27FC236}">
+                <a16:creationId xmlns:a16="http://schemas.microsoft.com/office/drawing/2014/main" id="{E1E80B9A-0038-21E7-34A0-0493C3E1EE87}"/>
+              </a:ext>
+            </a:extLst>
+          </p:cNvPr>
+          <p:cNvSpPr txBox="1"/>
+          <p:nvPr/>
+        </p:nvSpPr>
+        <p:spPr>
+          <a:xfrm rot="21423233">
+            <a:off x="5742455" y="716564"/>
+            <a:ext cx="11592857" cy="10340062"/>
+          </a:xfrm>
+          <a:prstGeom prst="rect">
+            <a:avLst/>
+          </a:prstGeom>
+          <a:noFill/>
+        </p:spPr>
+        <p:txBody>
+          <a:bodyPr wrap="square">
+            <a:prstTxWarp prst="textArchDown">
+              <a:avLst>
+                <a:gd name="adj" fmla="val 21388171"/>
+              </a:avLst>
+            </a:prstTxWarp>
+            <a:spAutoFit/>
+          </a:bodyPr>
+          <a:lstStyle/>
+          <a:p>
+            <a:pPr algn="ctr"/>
+            <a:r>
+              <a:rPr lang="en-US" sz="5400" b="1" dirty="0">
+                <a:solidFill>
+                  <a:srgbClr val="780019"/>
+                </a:solidFill>
+                <a:latin typeface="Trebuchet MS" panose="020B0703020202090204" pitchFamily="34" charset="0"/>
+                <a:cs typeface="Arial" panose="020B0604020202020204" pitchFamily="34" charset="0"/>
+              </a:rPr>
+              <a:t>Molecular Simulations </a:t>
+            </a:r>
+          </a:p>
+          <a:p>
+            <a:pPr algn="ctr"/>
+            <a:r>
+              <a:rPr lang="en-US" sz="5400" b="1" dirty="0">
+                <a:solidFill>
+                  <a:srgbClr val="780019"/>
+                </a:solidFill>
+                <a:latin typeface="Trebuchet MS" panose="020B0703020202090204" pitchFamily="34" charset="0"/>
+                <a:cs typeface="Arial" panose="020B0604020202020204" pitchFamily="34" charset="0"/>
+              </a:rPr>
+              <a:t>&amp; Machine Learning</a:t>
+            </a:r>
+          </a:p>
+        </p:txBody>
+      </p:sp>
+      <p:sp>
+        <p:nvSpPr>
+          <p:cNvPr id="4" name="Oval 3">
+            <a:extLst>
+              <a:ext uri="{FF2B5EF4-FFF2-40B4-BE49-F238E27FC236}">
+                <a16:creationId xmlns:a16="http://schemas.microsoft.com/office/drawing/2014/main" id="{E5EA3ADA-1396-9DFE-E58E-E82FB3039D58}"/>
+              </a:ext>
+            </a:extLst>
+          </p:cNvPr>
+          <p:cNvSpPr/>
+          <p:nvPr/>
+        </p:nvSpPr>
+        <p:spPr>
+          <a:xfrm>
+            <a:off x="5028254" y="37154"/>
+            <a:ext cx="12701889" cy="12727292"/>
+          </a:xfrm>
+          <a:prstGeom prst="ellipse">
+            <a:avLst/>
+          </a:prstGeom>
+          <a:noFill/>
+          <a:ln w="254000">
+            <a:solidFill>
+              <a:srgbClr val="FFCC33"/>
+            </a:solidFill>
+          </a:ln>
+        </p:spPr>
+        <p:style>
+          <a:lnRef idx="0">
+            <a:scrgbClr r="0" g="0" b="0"/>
+          </a:lnRef>
+          <a:fillRef idx="0">
+            <a:scrgbClr r="0" g="0" b="0"/>
+          </a:fillRef>
+          <a:effectRef idx="0">
+            <a:scrgbClr r="0" g="0" b="0"/>
+          </a:effectRef>
+          <a:fontRef idx="minor">
+            <a:schemeClr val="accent1"/>
+          </a:fontRef>
+        </p:style>
+        <p:txBody>
+          <a:bodyPr rtlCol="0" anchor="ctr"/>
+          <a:lstStyle/>
+          <a:p>
+            <a:pPr algn="ctr"/>
+            <a:endParaRPr lang="en-US" dirty="0"/>
+          </a:p>
+        </p:txBody>
+      </p:sp>
+      <p:cxnSp>
+        <p:nvCxnSpPr>
+          <p:cNvPr id="16" name="Straight Connector 15">
+            <a:extLst>
+              <a:ext uri="{FF2B5EF4-FFF2-40B4-BE49-F238E27FC236}">
+                <a16:creationId xmlns:a16="http://schemas.microsoft.com/office/drawing/2014/main" id="{C805818F-6D78-E32A-AE6A-3C2DDE9E9D77}"/>
+              </a:ext>
+            </a:extLst>
+          </p:cNvPr>
+          <p:cNvCxnSpPr>
+            <a:cxnSpLocks/>
+            <a:endCxn id="4" idx="0"/>
+          </p:cNvCxnSpPr>
+          <p:nvPr/>
+        </p:nvCxnSpPr>
+        <p:spPr>
+          <a:xfrm flipV="1">
+            <a:off x="11356898" y="37154"/>
+            <a:ext cx="22301" cy="2711710"/>
+          </a:xfrm>
+          <a:prstGeom prst="line">
+            <a:avLst/>
+          </a:prstGeom>
+          <a:ln w="317500">
+            <a:solidFill>
+              <a:srgbClr val="FFCC33"/>
+            </a:solidFill>
+          </a:ln>
+        </p:spPr>
+        <p:style>
+          <a:lnRef idx="1">
+            <a:schemeClr val="accent1"/>
+          </a:lnRef>
+          <a:fillRef idx="0">
+            <a:schemeClr val="accent1"/>
+          </a:fillRef>
+          <a:effectRef idx="0">
+            <a:schemeClr val="accent1"/>
+          </a:effectRef>
+          <a:fontRef idx="minor">
+            <a:schemeClr val="tx1"/>
+          </a:fontRef>
+        </p:style>
+      </p:cxnSp>
+      <p:cxnSp>
+        <p:nvCxnSpPr>
+          <p:cNvPr id="18" name="Straight Connector 17">
+            <a:extLst>
+              <a:ext uri="{FF2B5EF4-FFF2-40B4-BE49-F238E27FC236}">
+                <a16:creationId xmlns:a16="http://schemas.microsoft.com/office/drawing/2014/main" id="{9AB4E515-415A-29C4-7E07-2AE784781A03}"/>
+              </a:ext>
+            </a:extLst>
+          </p:cNvPr>
+          <p:cNvCxnSpPr>
+            <a:cxnSpLocks/>
+          </p:cNvCxnSpPr>
+          <p:nvPr/>
+        </p:nvCxnSpPr>
+        <p:spPr>
+          <a:xfrm flipV="1">
+            <a:off x="6177776" y="8363415"/>
+            <a:ext cx="2051824" cy="1689321"/>
+          </a:xfrm>
+          <a:prstGeom prst="line">
+            <a:avLst/>
+          </a:prstGeom>
+          <a:ln w="317500">
+            <a:solidFill>
+              <a:srgbClr val="FFCC33"/>
+            </a:solidFill>
+          </a:ln>
+        </p:spPr>
+        <p:style>
+          <a:lnRef idx="1">
+            <a:schemeClr val="accent1"/>
+          </a:lnRef>
+          <a:fillRef idx="0">
+            <a:schemeClr val="accent1"/>
+          </a:fillRef>
+          <a:effectRef idx="0">
+            <a:schemeClr val="accent1"/>
+          </a:effectRef>
+          <a:fontRef idx="minor">
+            <a:schemeClr val="tx1"/>
+          </a:fontRef>
+        </p:style>
+      </p:cxnSp>
+      <p:cxnSp>
+        <p:nvCxnSpPr>
+          <p:cNvPr id="20" name="Straight Connector 19">
+            <a:extLst>
+              <a:ext uri="{FF2B5EF4-FFF2-40B4-BE49-F238E27FC236}">
+                <a16:creationId xmlns:a16="http://schemas.microsoft.com/office/drawing/2014/main" id="{F519B408-7CB2-18A4-6EE8-BB75E702A55B}"/>
+              </a:ext>
+            </a:extLst>
+          </p:cNvPr>
+          <p:cNvCxnSpPr>
+            <a:cxnSpLocks/>
+          </p:cNvCxnSpPr>
+          <p:nvPr/>
+        </p:nvCxnSpPr>
+        <p:spPr>
+          <a:xfrm>
+            <a:off x="14528802" y="8363415"/>
+            <a:ext cx="2252547" cy="1427356"/>
+          </a:xfrm>
+          <a:prstGeom prst="line">
+            <a:avLst/>
+          </a:prstGeom>
+          <a:ln w="317500">
+            <a:solidFill>
+              <a:srgbClr val="FFCC33"/>
+            </a:solidFill>
+          </a:ln>
+        </p:spPr>
+        <p:style>
+          <a:lnRef idx="1">
+            <a:schemeClr val="accent1"/>
+          </a:lnRef>
+          <a:fillRef idx="0">
+            <a:schemeClr val="accent1"/>
+          </a:fillRef>
+          <a:effectRef idx="0">
+            <a:schemeClr val="accent1"/>
+          </a:effectRef>
+          <a:fontRef idx="minor">
+            <a:schemeClr val="tx1"/>
+          </a:fontRef>
+        </p:style>
+      </p:cxnSp>
+      <p:sp>
+        <p:nvSpPr>
+          <p:cNvPr id="29" name="Rectangle 28">
+            <a:extLst>
+              <a:ext uri="{FF2B5EF4-FFF2-40B4-BE49-F238E27FC236}">
+                <a16:creationId xmlns:a16="http://schemas.microsoft.com/office/drawing/2014/main" id="{4B0514B0-1D29-BC70-5DC5-6F39D603B6AC}"/>
+              </a:ext>
+            </a:extLst>
+          </p:cNvPr>
+          <p:cNvSpPr/>
+          <p:nvPr/>
+        </p:nvSpPr>
+        <p:spPr>
+          <a:xfrm rot="20182751">
+            <a:off x="6623417" y="793421"/>
+            <a:ext cx="13425285" cy="11214757"/>
+          </a:xfrm>
+          <a:prstGeom prst="rect">
+            <a:avLst/>
+          </a:prstGeom>
+          <a:noFill/>
+        </p:spPr>
+        <p:txBody>
+          <a:bodyPr wrap="none" lIns="91440" tIns="45720" rIns="91440" bIns="45720">
+            <a:prstTxWarp prst="textArchUp">
+              <a:avLst>
+                <a:gd name="adj" fmla="val 11957388"/>
+              </a:avLst>
+            </a:prstTxWarp>
+            <a:spAutoFit/>
+          </a:bodyPr>
+          <a:lstStyle/>
+          <a:p>
+            <a:r>
+              <a:rPr lang="en-US" sz="5400" b="1" dirty="0">
+                <a:solidFill>
+                  <a:srgbClr val="5F0116"/>
+                </a:solidFill>
+                <a:latin typeface="Trebuchet MS" panose="020B0703020202090204" pitchFamily="34" charset="0"/>
+                <a:cs typeface="Aharoni" panose="02010803020104030203" pitchFamily="2" charset="-79"/>
+              </a:rPr>
+              <a:t>Molecular Phenomena </a:t>
+            </a:r>
+          </a:p>
+          <a:p>
+            <a:r>
+              <a:rPr lang="en-US" sz="5400" b="1" dirty="0">
+                <a:solidFill>
+                  <a:srgbClr val="5F0116"/>
+                </a:solidFill>
+                <a:latin typeface="Trebuchet MS" panose="020B0703020202090204" pitchFamily="34" charset="0"/>
+                <a:cs typeface="Aharoni" panose="02010803020104030203" pitchFamily="2" charset="-79"/>
+              </a:rPr>
+              <a:t>in Aqueous Systems</a:t>
+            </a:r>
+          </a:p>
+        </p:txBody>
+      </p:sp>
+      <p:sp>
+        <p:nvSpPr>
+          <p:cNvPr id="34" name="Graphic 13" descr="Wrench with solid fill">
+            <a:extLst>
+              <a:ext uri="{FF2B5EF4-FFF2-40B4-BE49-F238E27FC236}">
+                <a16:creationId xmlns:a16="http://schemas.microsoft.com/office/drawing/2014/main" id="{24B74F1D-77F8-D831-A62B-93F054CD3918}"/>
+              </a:ext>
+            </a:extLst>
+          </p:cNvPr>
+          <p:cNvSpPr/>
+          <p:nvPr/>
+        </p:nvSpPr>
+        <p:spPr>
+          <a:xfrm rot="225578">
+            <a:off x="7297037" y="9364160"/>
+            <a:ext cx="919635" cy="952900"/>
+          </a:xfrm>
+          <a:custGeom>
+            <a:avLst/>
+            <a:gdLst>
+              <a:gd name="connsiteX0" fmla="*/ 743490 w 837374"/>
+              <a:gd name="connsiteY0" fmla="*/ 180766 h 839686"/>
+              <a:gd name="connsiteX1" fmla="*/ 675862 w 837374"/>
+              <a:gd name="connsiteY1" fmla="*/ 162668 h 839686"/>
+              <a:gd name="connsiteX2" fmla="*/ 657765 w 837374"/>
+              <a:gd name="connsiteY2" fmla="*/ 95041 h 839686"/>
+              <a:gd name="connsiteX3" fmla="*/ 743490 w 837374"/>
+              <a:gd name="connsiteY3" fmla="*/ 9316 h 839686"/>
+              <a:gd name="connsiteX4" fmla="*/ 593947 w 837374"/>
+              <a:gd name="connsiteY4" fmla="*/ 37891 h 839686"/>
+              <a:gd name="connsiteX5" fmla="*/ 552037 w 837374"/>
+              <a:gd name="connsiteY5" fmla="*/ 183623 h 839686"/>
+              <a:gd name="connsiteX6" fmla="*/ 182467 w 837374"/>
+              <a:gd name="connsiteY6" fmla="*/ 553194 h 839686"/>
+              <a:gd name="connsiteX7" fmla="*/ 37687 w 837374"/>
+              <a:gd name="connsiteY7" fmla="*/ 596056 h 839686"/>
+              <a:gd name="connsiteX8" fmla="*/ 9112 w 837374"/>
+              <a:gd name="connsiteY8" fmla="*/ 744646 h 839686"/>
+              <a:gd name="connsiteX9" fmla="*/ 94837 w 837374"/>
+              <a:gd name="connsiteY9" fmla="*/ 658921 h 839686"/>
+              <a:gd name="connsiteX10" fmla="*/ 161512 w 837374"/>
+              <a:gd name="connsiteY10" fmla="*/ 677019 h 839686"/>
+              <a:gd name="connsiteX11" fmla="*/ 179610 w 837374"/>
+              <a:gd name="connsiteY11" fmla="*/ 744646 h 839686"/>
+              <a:gd name="connsiteX12" fmla="*/ 93885 w 837374"/>
+              <a:gd name="connsiteY12" fmla="*/ 830371 h 839686"/>
+              <a:gd name="connsiteX13" fmla="*/ 243427 w 837374"/>
+              <a:gd name="connsiteY13" fmla="*/ 801796 h 839686"/>
+              <a:gd name="connsiteX14" fmla="*/ 285337 w 837374"/>
+              <a:gd name="connsiteY14" fmla="*/ 656064 h 839686"/>
+              <a:gd name="connsiteX15" fmla="*/ 654907 w 837374"/>
+              <a:gd name="connsiteY15" fmla="*/ 286493 h 839686"/>
+              <a:gd name="connsiteX16" fmla="*/ 799687 w 837374"/>
+              <a:gd name="connsiteY16" fmla="*/ 243631 h 839686"/>
+              <a:gd name="connsiteX17" fmla="*/ 828262 w 837374"/>
+              <a:gd name="connsiteY17" fmla="*/ 95041 h 839686"/>
+              <a:gd name="connsiteX18" fmla="*/ 743490 w 837374"/>
+              <a:gd name="connsiteY18" fmla="*/ 180766 h 839686"/>
+            </a:gdLst>
+            <a:ahLst/>
+            <a:cxnLst>
+              <a:cxn ang="0">
+                <a:pos x="connsiteX0" y="connsiteY0"/>
+              </a:cxn>
+              <a:cxn ang="0">
+                <a:pos x="connsiteX1" y="connsiteY1"/>
+              </a:cxn>
+              <a:cxn ang="0">
+                <a:pos x="connsiteX2" y="connsiteY2"/>
+              </a:cxn>
+              <a:cxn ang="0">
+                <a:pos x="connsiteX3" y="connsiteY3"/>
+              </a:cxn>
+              <a:cxn ang="0">
+                <a:pos x="connsiteX4" y="connsiteY4"/>
+              </a:cxn>
+              <a:cxn ang="0">
+                <a:pos x="connsiteX5" y="connsiteY5"/>
+              </a:cxn>
+              <a:cxn ang="0">
+                <a:pos x="connsiteX6" y="connsiteY6"/>
+              </a:cxn>
+              <a:cxn ang="0">
+                <a:pos x="connsiteX7" y="connsiteY7"/>
+              </a:cxn>
+              <a:cxn ang="0">
+                <a:pos x="connsiteX8" y="connsiteY8"/>
+              </a:cxn>
+              <a:cxn ang="0">
+                <a:pos x="connsiteX9" y="connsiteY9"/>
+              </a:cxn>
+              <a:cxn ang="0">
+                <a:pos x="connsiteX10" y="connsiteY10"/>
+              </a:cxn>
+              <a:cxn ang="0">
+                <a:pos x="connsiteX11" y="connsiteY11"/>
+              </a:cxn>
+              <a:cxn ang="0">
+                <a:pos x="connsiteX12" y="connsiteY12"/>
+              </a:cxn>
+              <a:cxn ang="0">
+                <a:pos x="connsiteX13" y="connsiteY13"/>
+              </a:cxn>
+              <a:cxn ang="0">
+                <a:pos x="connsiteX14" y="connsiteY14"/>
+              </a:cxn>
+              <a:cxn ang="0">
+                <a:pos x="connsiteX15" y="connsiteY15"/>
+              </a:cxn>
+              <a:cxn ang="0">
+                <a:pos x="connsiteX16" y="connsiteY16"/>
+              </a:cxn>
+              <a:cxn ang="0">
+                <a:pos x="connsiteX17" y="connsiteY17"/>
+              </a:cxn>
+              <a:cxn ang="0">
+                <a:pos x="connsiteX18" y="connsiteY18"/>
+              </a:cxn>
+            </a:cxnLst>
+            <a:rect l="l" t="t" r="r" b="b"/>
+            <a:pathLst>
+              <a:path w="837374" h="839686">
+                <a:moveTo>
+                  <a:pt x="743490" y="180766"/>
+                </a:moveTo>
+                <a:lnTo>
+                  <a:pt x="675862" y="162668"/>
+                </a:lnTo>
+                <a:lnTo>
+                  <a:pt x="657765" y="95041"/>
+                </a:lnTo>
+                <a:lnTo>
+                  <a:pt x="743490" y="9316"/>
+                </a:lnTo>
+                <a:cubicBezTo>
+                  <a:pt x="692055" y="-9734"/>
+                  <a:pt x="634905" y="743"/>
+                  <a:pt x="593947" y="37891"/>
+                </a:cubicBezTo>
+                <a:cubicBezTo>
+                  <a:pt x="553942" y="75038"/>
+                  <a:pt x="536797" y="131236"/>
+                  <a:pt x="552037" y="183623"/>
+                </a:cubicBezTo>
+                <a:lnTo>
+                  <a:pt x="182467" y="553194"/>
+                </a:lnTo>
+                <a:cubicBezTo>
+                  <a:pt x="130080" y="538906"/>
+                  <a:pt x="73882" y="556051"/>
+                  <a:pt x="37687" y="596056"/>
+                </a:cubicBezTo>
+                <a:cubicBezTo>
+                  <a:pt x="1492" y="636061"/>
+                  <a:pt x="-9938" y="693211"/>
+                  <a:pt x="9112" y="744646"/>
+                </a:cubicBezTo>
+                <a:lnTo>
+                  <a:pt x="94837" y="658921"/>
+                </a:lnTo>
+                <a:lnTo>
+                  <a:pt x="161512" y="677019"/>
+                </a:lnTo>
+                <a:lnTo>
+                  <a:pt x="179610" y="744646"/>
+                </a:lnTo>
+                <a:lnTo>
+                  <a:pt x="93885" y="830371"/>
+                </a:lnTo>
+                <a:cubicBezTo>
+                  <a:pt x="145320" y="849421"/>
+                  <a:pt x="202470" y="838944"/>
+                  <a:pt x="243427" y="801796"/>
+                </a:cubicBezTo>
+                <a:cubicBezTo>
+                  <a:pt x="283432" y="764648"/>
+                  <a:pt x="300577" y="708451"/>
+                  <a:pt x="285337" y="656064"/>
+                </a:cubicBezTo>
+                <a:lnTo>
+                  <a:pt x="654907" y="286493"/>
+                </a:lnTo>
+                <a:cubicBezTo>
+                  <a:pt x="707295" y="300781"/>
+                  <a:pt x="763492" y="283636"/>
+                  <a:pt x="799687" y="243631"/>
+                </a:cubicBezTo>
+                <a:cubicBezTo>
+                  <a:pt x="835882" y="203626"/>
+                  <a:pt x="847312" y="146476"/>
+                  <a:pt x="828262" y="95041"/>
+                </a:cubicBezTo>
+                <a:lnTo>
+                  <a:pt x="743490" y="180766"/>
+                </a:lnTo>
+                <a:close/>
+              </a:path>
+            </a:pathLst>
+          </a:custGeom>
+          <a:solidFill>
+            <a:srgbClr val="780019"/>
+          </a:solidFill>
+          <a:ln w="9525" cap="flat">
+            <a:noFill/>
+            <a:prstDash val="solid"/>
+            <a:miter/>
+          </a:ln>
+        </p:spPr>
+        <p:txBody>
+          <a:bodyPr rtlCol="0" anchor="ctr"/>
+          <a:lstStyle/>
+          <a:p>
+            <a:endParaRPr lang="en-US" sz="4516" dirty="0"/>
+          </a:p>
+        </p:txBody>
+      </p:sp>
+      <p:sp>
+        <p:nvSpPr>
+          <p:cNvPr id="35" name="Graphic 13" descr="Wrench with solid fill">
+            <a:extLst>
+              <a:ext uri="{FF2B5EF4-FFF2-40B4-BE49-F238E27FC236}">
+                <a16:creationId xmlns:a16="http://schemas.microsoft.com/office/drawing/2014/main" id="{627D092C-315D-66E2-8C6D-03AAA49B1D19}"/>
+              </a:ext>
+            </a:extLst>
+          </p:cNvPr>
+          <p:cNvSpPr/>
+          <p:nvPr/>
+        </p:nvSpPr>
+        <p:spPr>
+          <a:xfrm rot="20822122" flipH="1">
+            <a:off x="14851981" y="9193679"/>
+            <a:ext cx="919634" cy="952900"/>
+          </a:xfrm>
+          <a:custGeom>
+            <a:avLst/>
+            <a:gdLst>
+              <a:gd name="connsiteX0" fmla="*/ 743490 w 837374"/>
+              <a:gd name="connsiteY0" fmla="*/ 180766 h 839686"/>
+              <a:gd name="connsiteX1" fmla="*/ 675862 w 837374"/>
+              <a:gd name="connsiteY1" fmla="*/ 162668 h 839686"/>
+              <a:gd name="connsiteX2" fmla="*/ 657765 w 837374"/>
+              <a:gd name="connsiteY2" fmla="*/ 95041 h 839686"/>
+              <a:gd name="connsiteX3" fmla="*/ 743490 w 837374"/>
+              <a:gd name="connsiteY3" fmla="*/ 9316 h 839686"/>
+              <a:gd name="connsiteX4" fmla="*/ 593947 w 837374"/>
+              <a:gd name="connsiteY4" fmla="*/ 37891 h 839686"/>
+              <a:gd name="connsiteX5" fmla="*/ 552037 w 837374"/>
+              <a:gd name="connsiteY5" fmla="*/ 183623 h 839686"/>
+              <a:gd name="connsiteX6" fmla="*/ 182467 w 837374"/>
+              <a:gd name="connsiteY6" fmla="*/ 553194 h 839686"/>
+              <a:gd name="connsiteX7" fmla="*/ 37687 w 837374"/>
+              <a:gd name="connsiteY7" fmla="*/ 596056 h 839686"/>
+              <a:gd name="connsiteX8" fmla="*/ 9112 w 837374"/>
+              <a:gd name="connsiteY8" fmla="*/ 744646 h 839686"/>
+              <a:gd name="connsiteX9" fmla="*/ 94837 w 837374"/>
+              <a:gd name="connsiteY9" fmla="*/ 658921 h 839686"/>
+              <a:gd name="connsiteX10" fmla="*/ 161512 w 837374"/>
+              <a:gd name="connsiteY10" fmla="*/ 677019 h 839686"/>
+              <a:gd name="connsiteX11" fmla="*/ 179610 w 837374"/>
+              <a:gd name="connsiteY11" fmla="*/ 744646 h 839686"/>
+              <a:gd name="connsiteX12" fmla="*/ 93885 w 837374"/>
+              <a:gd name="connsiteY12" fmla="*/ 830371 h 839686"/>
+              <a:gd name="connsiteX13" fmla="*/ 243427 w 837374"/>
+              <a:gd name="connsiteY13" fmla="*/ 801796 h 839686"/>
+              <a:gd name="connsiteX14" fmla="*/ 285337 w 837374"/>
+              <a:gd name="connsiteY14" fmla="*/ 656064 h 839686"/>
+              <a:gd name="connsiteX15" fmla="*/ 654907 w 837374"/>
+              <a:gd name="connsiteY15" fmla="*/ 286493 h 839686"/>
+              <a:gd name="connsiteX16" fmla="*/ 799687 w 837374"/>
+              <a:gd name="connsiteY16" fmla="*/ 243631 h 839686"/>
+              <a:gd name="connsiteX17" fmla="*/ 828262 w 837374"/>
+              <a:gd name="connsiteY17" fmla="*/ 95041 h 839686"/>
+              <a:gd name="connsiteX18" fmla="*/ 743490 w 837374"/>
+              <a:gd name="connsiteY18" fmla="*/ 180766 h 839686"/>
+            </a:gdLst>
+            <a:ahLst/>
+            <a:cxnLst>
+              <a:cxn ang="0">
+                <a:pos x="connsiteX0" y="connsiteY0"/>
+              </a:cxn>
+              <a:cxn ang="0">
+                <a:pos x="connsiteX1" y="connsiteY1"/>
+              </a:cxn>
+              <a:cxn ang="0">
+                <a:pos x="connsiteX2" y="connsiteY2"/>
+              </a:cxn>
+              <a:cxn ang="0">
+                <a:pos x="connsiteX3" y="connsiteY3"/>
+              </a:cxn>
+              <a:cxn ang="0">
+                <a:pos x="connsiteX4" y="connsiteY4"/>
+              </a:cxn>
+              <a:cxn ang="0">
+                <a:pos x="connsiteX5" y="connsiteY5"/>
+              </a:cxn>
+              <a:cxn ang="0">
+                <a:pos x="connsiteX6" y="connsiteY6"/>
+              </a:cxn>
+              <a:cxn ang="0">
+                <a:pos x="connsiteX7" y="connsiteY7"/>
+              </a:cxn>
+              <a:cxn ang="0">
+                <a:pos x="connsiteX8" y="connsiteY8"/>
+              </a:cxn>
+              <a:cxn ang="0">
+                <a:pos x="connsiteX9" y="connsiteY9"/>
+              </a:cxn>
+              <a:cxn ang="0">
+                <a:pos x="connsiteX10" y="connsiteY10"/>
+              </a:cxn>
+              <a:cxn ang="0">
+                <a:pos x="connsiteX11" y="connsiteY11"/>
+              </a:cxn>
+              <a:cxn ang="0">
+                <a:pos x="connsiteX12" y="connsiteY12"/>
+              </a:cxn>
+              <a:cxn ang="0">
+                <a:pos x="connsiteX13" y="connsiteY13"/>
+              </a:cxn>
+              <a:cxn ang="0">
+                <a:pos x="connsiteX14" y="connsiteY14"/>
+              </a:cxn>
+              <a:cxn ang="0">
+                <a:pos x="connsiteX15" y="connsiteY15"/>
+              </a:cxn>
+              <a:cxn ang="0">
+                <a:pos x="connsiteX16" y="connsiteY16"/>
+              </a:cxn>
+              <a:cxn ang="0">
+                <a:pos x="connsiteX17" y="connsiteY17"/>
+              </a:cxn>
+              <a:cxn ang="0">
+                <a:pos x="connsiteX18" y="connsiteY18"/>
+              </a:cxn>
+            </a:cxnLst>
+            <a:rect l="l" t="t" r="r" b="b"/>
+            <a:pathLst>
+              <a:path w="837374" h="839686">
+                <a:moveTo>
+                  <a:pt x="743490" y="180766"/>
+                </a:moveTo>
+                <a:lnTo>
+                  <a:pt x="675862" y="162668"/>
+                </a:lnTo>
+                <a:lnTo>
+                  <a:pt x="657765" y="95041"/>
+                </a:lnTo>
+                <a:lnTo>
+                  <a:pt x="743490" y="9316"/>
+                </a:lnTo>
+                <a:cubicBezTo>
+                  <a:pt x="692055" y="-9734"/>
+                  <a:pt x="634905" y="743"/>
+                  <a:pt x="593947" y="37891"/>
+                </a:cubicBezTo>
+                <a:cubicBezTo>
+                  <a:pt x="553942" y="75038"/>
+                  <a:pt x="536797" y="131236"/>
+                  <a:pt x="552037" y="183623"/>
+                </a:cubicBezTo>
+                <a:lnTo>
+                  <a:pt x="182467" y="553194"/>
+                </a:lnTo>
+                <a:cubicBezTo>
+                  <a:pt x="130080" y="538906"/>
+                  <a:pt x="73882" y="556051"/>
+                  <a:pt x="37687" y="596056"/>
+                </a:cubicBezTo>
+                <a:cubicBezTo>
+                  <a:pt x="1492" y="636061"/>
+                  <a:pt x="-9938" y="693211"/>
+                  <a:pt x="9112" y="744646"/>
+                </a:cubicBezTo>
+                <a:lnTo>
+                  <a:pt x="94837" y="658921"/>
+                </a:lnTo>
+                <a:lnTo>
+                  <a:pt x="161512" y="677019"/>
+                </a:lnTo>
+                <a:lnTo>
+                  <a:pt x="179610" y="744646"/>
+                </a:lnTo>
+                <a:lnTo>
+                  <a:pt x="93885" y="830371"/>
+                </a:lnTo>
+                <a:cubicBezTo>
+                  <a:pt x="145320" y="849421"/>
+                  <a:pt x="202470" y="838944"/>
+                  <a:pt x="243427" y="801796"/>
+                </a:cubicBezTo>
+                <a:cubicBezTo>
+                  <a:pt x="283432" y="764648"/>
+                  <a:pt x="300577" y="708451"/>
+                  <a:pt x="285337" y="656064"/>
+                </a:cubicBezTo>
+                <a:lnTo>
+                  <a:pt x="654907" y="286493"/>
+                </a:lnTo>
+                <a:cubicBezTo>
+                  <a:pt x="707295" y="300781"/>
+                  <a:pt x="763492" y="283636"/>
+                  <a:pt x="799687" y="243631"/>
+                </a:cubicBezTo>
+                <a:cubicBezTo>
+                  <a:pt x="835882" y="203626"/>
+                  <a:pt x="847312" y="146476"/>
+                  <a:pt x="828262" y="95041"/>
+                </a:cubicBezTo>
+                <a:lnTo>
+                  <a:pt x="743490" y="180766"/>
+                </a:lnTo>
+                <a:close/>
+              </a:path>
+            </a:pathLst>
+          </a:custGeom>
+          <a:solidFill>
+            <a:srgbClr val="780019"/>
+          </a:solidFill>
+          <a:ln w="9525" cap="flat">
+            <a:noFill/>
+            <a:prstDash val="solid"/>
+            <a:miter/>
+          </a:ln>
+        </p:spPr>
+        <p:txBody>
+          <a:bodyPr rtlCol="0" anchor="ctr"/>
+          <a:lstStyle/>
+          <a:p>
+            <a:endParaRPr lang="en-US" sz="4516" dirty="0"/>
+          </a:p>
+        </p:txBody>
+      </p:sp>
+      <p:pic>
+        <p:nvPicPr>
+          <p:cNvPr id="36" name="Graphic 35" descr="Lightbulb and gear with solid fill">
+            <a:extLst>
+              <a:ext uri="{FF2B5EF4-FFF2-40B4-BE49-F238E27FC236}">
+                <a16:creationId xmlns:a16="http://schemas.microsoft.com/office/drawing/2014/main" id="{9DFB0AB6-418A-4CF3-8DD6-CCE64CCE9FD3}"/>
+              </a:ext>
+            </a:extLst>
+          </p:cNvPr>
+          <p:cNvPicPr>
+            <a:picLocks noChangeAspect="1"/>
+          </p:cNvPicPr>
+          <p:nvPr/>
+        </p:nvPicPr>
+        <p:blipFill>
+          <a:blip r:embed="rId3">
+            <a:extLst>
+              <a:ext uri="{28A0092B-C50C-407E-A947-70E740481C1C}">
+                <a14:useLocalDpi xmlns:a14="http://schemas.microsoft.com/office/drawing/2010/main" val="0"/>
+              </a:ext>
+              <a:ext uri="{96DAC541-7B7A-43D3-8B79-37D633B846F1}">
+                <asvg:svgBlip xmlns:asvg="http://schemas.microsoft.com/office/drawing/2016/SVG/main" r:embed="rId4"/>
+              </a:ext>
+            </a:extLst>
+          </a:blip>
+          <a:stretch>
+            <a:fillRect/>
+          </a:stretch>
+        </p:blipFill>
+        <p:spPr>
+          <a:xfrm rot="2342030">
+            <a:off x="13078702" y="771306"/>
+            <a:ext cx="1194390" cy="1235417"/>
+          </a:xfrm>
+          <a:prstGeom prst="rect">
+            <a:avLst/>
+          </a:prstGeom>
+        </p:spPr>
+      </p:pic>
+      <p:pic>
+        <p:nvPicPr>
+          <p:cNvPr id="37" name="Graphic 36" descr="Search Inventory with solid fill">
+            <a:extLst>
+              <a:ext uri="{FF2B5EF4-FFF2-40B4-BE49-F238E27FC236}">
+                <a16:creationId xmlns:a16="http://schemas.microsoft.com/office/drawing/2014/main" id="{4498F449-5431-4E6C-CDB0-FB66FC04305C}"/>
+              </a:ext>
+            </a:extLst>
+          </p:cNvPr>
+          <p:cNvPicPr>
+            <a:picLocks noChangeAspect="1"/>
+          </p:cNvPicPr>
+          <p:nvPr/>
+        </p:nvPicPr>
+        <p:blipFill>
+          <a:blip r:embed="rId5">
+            <a:extLst>
+              <a:ext uri="{28A0092B-C50C-407E-A947-70E740481C1C}">
+                <a14:useLocalDpi xmlns:a14="http://schemas.microsoft.com/office/drawing/2010/main" val="0"/>
+              </a:ext>
+              <a:ext uri="{96DAC541-7B7A-43D3-8B79-37D633B846F1}">
+                <asvg:svgBlip xmlns:asvg="http://schemas.microsoft.com/office/drawing/2016/SVG/main" r:embed="rId6"/>
+              </a:ext>
+            </a:extLst>
+          </a:blip>
+          <a:stretch>
+            <a:fillRect/>
+          </a:stretch>
+        </p:blipFill>
+        <p:spPr>
+          <a:xfrm rot="19319675">
+            <a:off x="9516926" y="724043"/>
+            <a:ext cx="1015370" cy="1033448"/>
+          </a:xfrm>
+          <a:prstGeom prst="rect">
+            <a:avLst/>
+          </a:prstGeom>
+        </p:spPr>
+      </p:pic>
+      <p:pic>
+        <p:nvPicPr>
+          <p:cNvPr id="38" name="Graphic 37" descr="Lightbulb and gear with solid fill">
+            <a:extLst>
+              <a:ext uri="{FF2B5EF4-FFF2-40B4-BE49-F238E27FC236}">
+                <a16:creationId xmlns:a16="http://schemas.microsoft.com/office/drawing/2014/main" id="{F646B456-BA47-072D-EEAF-9F4F0ADF06DC}"/>
+              </a:ext>
+            </a:extLst>
+          </p:cNvPr>
+          <p:cNvPicPr>
+            <a:picLocks noChangeAspect="1"/>
+          </p:cNvPicPr>
+          <p:nvPr/>
+        </p:nvPicPr>
+        <p:blipFill>
+          <a:blip r:embed="rId3">
+            <a:extLst>
+              <a:ext uri="{28A0092B-C50C-407E-A947-70E740481C1C}">
+                <a14:useLocalDpi xmlns:a14="http://schemas.microsoft.com/office/drawing/2010/main" val="0"/>
+              </a:ext>
+              <a:ext uri="{96DAC541-7B7A-43D3-8B79-37D633B846F1}">
+                <asvg:svgBlip xmlns:asvg="http://schemas.microsoft.com/office/drawing/2016/SVG/main" r:embed="rId4"/>
+              </a:ext>
+            </a:extLst>
+          </a:blip>
+          <a:stretch>
+            <a:fillRect/>
+          </a:stretch>
+        </p:blipFill>
+        <p:spPr>
+          <a:xfrm rot="6712092">
+            <a:off x="16065291" y="7201711"/>
+            <a:ext cx="1194390" cy="1235417"/>
+          </a:xfrm>
+          <a:prstGeom prst="rect">
+            <a:avLst/>
+          </a:prstGeom>
+        </p:spPr>
+      </p:pic>
+      <p:pic>
+        <p:nvPicPr>
+          <p:cNvPr id="39" name="Graphic 38" descr="Search Inventory with solid fill">
+            <a:extLst>
+              <a:ext uri="{FF2B5EF4-FFF2-40B4-BE49-F238E27FC236}">
+                <a16:creationId xmlns:a16="http://schemas.microsoft.com/office/drawing/2014/main" id="{96B0A644-19A4-23A3-A5F6-4780404E835F}"/>
+              </a:ext>
+            </a:extLst>
+          </p:cNvPr>
+          <p:cNvPicPr>
+            <a:picLocks noChangeAspect="1"/>
+          </p:cNvPicPr>
+          <p:nvPr/>
+        </p:nvPicPr>
+        <p:blipFill>
+          <a:blip r:embed="rId5">
+            <a:extLst>
+              <a:ext uri="{28A0092B-C50C-407E-A947-70E740481C1C}">
+                <a14:useLocalDpi xmlns:a14="http://schemas.microsoft.com/office/drawing/2010/main" val="0"/>
+              </a:ext>
+              <a:ext uri="{96DAC541-7B7A-43D3-8B79-37D633B846F1}">
+                <asvg:svgBlip xmlns:asvg="http://schemas.microsoft.com/office/drawing/2016/SVG/main" r:embed="rId6"/>
+              </a:ext>
+            </a:extLst>
+          </a:blip>
+          <a:stretch>
+            <a:fillRect/>
+          </a:stretch>
+        </p:blipFill>
+        <p:spPr>
+          <a:xfrm rot="17107660">
+            <a:off x="5761233" y="7490990"/>
+            <a:ext cx="1015370" cy="1033448"/>
+          </a:xfrm>
+          <a:prstGeom prst="rect">
+            <a:avLst/>
+          </a:prstGeom>
+        </p:spPr>
+      </p:pic>
+    </p:spTree>
+    <p:extLst>
+      <p:ext uri="{BB962C8B-B14F-4D97-AF65-F5344CB8AC3E}">
+        <p14:creationId xmlns:p14="http://schemas.microsoft.com/office/powerpoint/2010/main" val="863781374"/>
       </p:ext>
     </p:extLst>
   </p:cSld>
@@ -5925,6 +7009,267 @@
 </file>
 
 <file path=ppt/theme/theme1.xml><?xml version="1.0" encoding="utf-8"?>
+<a:theme xmlns:a="http://schemas.openxmlformats.org/drawingml/2006/main" name="Office Theme">
+  <a:themeElements>
+    <a:clrScheme name="Office Theme">
+      <a:dk1>
+        <a:sysClr val="windowText" lastClr="000000"/>
+      </a:dk1>
+      <a:lt1>
+        <a:sysClr val="window" lastClr="FFFFFF"/>
+      </a:lt1>
+      <a:dk2>
+        <a:srgbClr val="44546A"/>
+      </a:dk2>
+      <a:lt2>
+        <a:srgbClr val="E7E6E6"/>
+      </a:lt2>
+      <a:accent1>
+        <a:srgbClr val="4472C4"/>
+      </a:accent1>
+      <a:accent2>
+        <a:srgbClr val="ED7D31"/>
+      </a:accent2>
+      <a:accent3>
+        <a:srgbClr val="A5A5A5"/>
+      </a:accent3>
+      <a:accent4>
+        <a:srgbClr val="FFC000"/>
+      </a:accent4>
+      <a:accent5>
+        <a:srgbClr val="5B9BD5"/>
+      </a:accent5>
+      <a:accent6>
+        <a:srgbClr val="70AD47"/>
+      </a:accent6>
+      <a:hlink>
+        <a:srgbClr val="0563C1"/>
+      </a:hlink>
+      <a:folHlink>
+        <a:srgbClr val="954F72"/>
+      </a:folHlink>
+    </a:clrScheme>
+    <a:fontScheme name="Office Theme">
+      <a:majorFont>
+        <a:latin typeface="Calibri Light" panose="020F0302020204030204"/>
+        <a:ea typeface=""/>
+        <a:cs typeface=""/>
+        <a:font script="Jpan" typeface="游ゴシック Light"/>
+        <a:font script="Hang" typeface="맑은 고딕"/>
+        <a:font script="Hans" typeface="等线 Light"/>
+        <a:font script="Hant" typeface="新細明體"/>
+        <a:font script="Arab" typeface="Times New Roman"/>
+        <a:font script="Hebr" typeface="Times New Roman"/>
+        <a:font script="Thai" typeface="Angsana New"/>
+        <a:font script="Ethi" typeface="Nyala"/>
+        <a:font script="Beng" typeface="Vrinda"/>
+        <a:font script="Gujr" typeface="Shruti"/>
+        <a:font script="Khmr" typeface="MoolBoran"/>
+        <a:font script="Knda" typeface="Tunga"/>
+        <a:font script="Guru" typeface="Raavi"/>
+        <a:font script="Cans" typeface="Euphemia"/>
+        <a:font script="Cher" typeface="Plantagenet Cherokee"/>
+        <a:font script="Yiii" typeface="Microsoft Yi Baiti"/>
+        <a:font script="Tibt" typeface="Microsoft Himalaya"/>
+        <a:font script="Thaa" typeface="MV Boli"/>
+        <a:font script="Deva" typeface="Mangal"/>
+        <a:font script="Telu" typeface="Gautami"/>
+        <a:font script="Taml" typeface="Latha"/>
+        <a:font script="Syrc" typeface="Estrangelo Edessa"/>
+        <a:font script="Orya" typeface="Kalinga"/>
+        <a:font script="Mlym" typeface="Kartika"/>
+        <a:font script="Laoo" typeface="DokChampa"/>
+        <a:font script="Sinh" typeface="Iskoola Pota"/>
+        <a:font script="Mong" typeface="Mongolian Baiti"/>
+        <a:font script="Viet" typeface="Times New Roman"/>
+        <a:font script="Uigh" typeface="Microsoft Uighur"/>
+        <a:font script="Geor" typeface="Sylfaen"/>
+      </a:majorFont>
+      <a:minorFont>
+        <a:latin typeface="Calibri" panose="020F0502020204030204"/>
+        <a:ea typeface=""/>
+        <a:cs typeface=""/>
+        <a:font script="Jpan" typeface="游ゴシック"/>
+        <a:font script="Hang" typeface="맑은 고딕"/>
+        <a:font script="Hans" typeface="等线"/>
+        <a:font script="Hant" typeface="新細明體"/>
+        <a:font script="Arab" typeface="Arial"/>
+        <a:font script="Hebr" typeface="Arial"/>
+        <a:font script="Thai" typeface="Cordia New"/>
+        <a:font script="Ethi" typeface="Nyala"/>
+        <a:font script="Beng" typeface="Vrinda"/>
+        <a:font script="Gujr" typeface="Shruti"/>
+        <a:font script="Khmr" typeface="DaunPenh"/>
+        <a:font script="Knda" typeface="Tunga"/>
+        <a:font script="Guru" typeface="Raavi"/>
+        <a:font script="Cans" typeface="Euphemia"/>
+        <a:font script="Cher" typeface="Plantagenet Cherokee"/>
+        <a:font script="Yiii" typeface="Microsoft Yi Baiti"/>
+        <a:font script="Tibt" typeface="Microsoft Himalaya"/>
+        <a:font script="Thaa" typeface="MV Boli"/>
+        <a:font script="Deva" typeface="Mangal"/>
+        <a:font script="Telu" typeface="Gautami"/>
+        <a:font script="Taml" typeface="Latha"/>
+        <a:font script="Syrc" typeface="Estrangelo Edessa"/>
+        <a:font script="Orya" typeface="Kalinga"/>
+        <a:font script="Mlym" typeface="Kartika"/>
+        <a:font script="Laoo" typeface="DokChampa"/>
+        <a:font script="Sinh" typeface="Iskoola Pota"/>
+        <a:font script="Mong" typeface="Mongolian Baiti"/>
+        <a:font script="Viet" typeface="Arial"/>
+        <a:font script="Uigh" typeface="Microsoft Uighur"/>
+        <a:font script="Geor" typeface="Sylfaen"/>
+      </a:minorFont>
+    </a:fontScheme>
+    <a:fmtScheme name="Office Theme">
+      <a:fillStyleLst>
+        <a:solidFill>
+          <a:schemeClr val="phClr"/>
+        </a:solidFill>
+        <a:gradFill rotWithShape="1">
+          <a:gsLst>
+            <a:gs pos="0">
+              <a:schemeClr val="phClr">
+                <a:lumMod val="110000"/>
+                <a:satMod val="105000"/>
+                <a:tint val="67000"/>
+              </a:schemeClr>
+            </a:gs>
+            <a:gs pos="50000">
+              <a:schemeClr val="phClr">
+                <a:lumMod val="105000"/>
+                <a:satMod val="103000"/>
+                <a:tint val="73000"/>
+              </a:schemeClr>
+            </a:gs>
+            <a:gs pos="100000">
+              <a:schemeClr val="phClr">
+                <a:lumMod val="105000"/>
+                <a:satMod val="109000"/>
+                <a:tint val="81000"/>
+              </a:schemeClr>
+            </a:gs>
+          </a:gsLst>
+          <a:lin ang="5400000" scaled="0"/>
+        </a:gradFill>
+        <a:gradFill rotWithShape="1">
+          <a:gsLst>
+            <a:gs pos="0">
+              <a:schemeClr val="phClr">
+                <a:satMod val="103000"/>
+                <a:lumMod val="102000"/>
+                <a:tint val="94000"/>
+              </a:schemeClr>
+            </a:gs>
+            <a:gs pos="50000">
+              <a:schemeClr val="phClr">
+                <a:satMod val="110000"/>
+                <a:lumMod val="100000"/>
+                <a:shade val="100000"/>
+              </a:schemeClr>
+            </a:gs>
+            <a:gs pos="100000">
+              <a:schemeClr val="phClr">
+                <a:lumMod val="99000"/>
+                <a:satMod val="120000"/>
+                <a:shade val="78000"/>
+              </a:schemeClr>
+            </a:gs>
+          </a:gsLst>
+          <a:lin ang="5400000" scaled="0"/>
+        </a:gradFill>
+      </a:fillStyleLst>
+      <a:lnStyleLst>
+        <a:ln w="6350" cap="flat" cmpd="sng" algn="ctr">
+          <a:solidFill>
+            <a:schemeClr val="phClr"/>
+          </a:solidFill>
+          <a:prstDash val="solid"/>
+          <a:miter lim="800000"/>
+        </a:ln>
+        <a:ln w="12700" cap="flat" cmpd="sng" algn="ctr">
+          <a:solidFill>
+            <a:schemeClr val="phClr"/>
+          </a:solidFill>
+          <a:prstDash val="solid"/>
+          <a:miter lim="800000"/>
+        </a:ln>
+        <a:ln w="19050" cap="flat" cmpd="sng" algn="ctr">
+          <a:solidFill>
+            <a:schemeClr val="phClr"/>
+          </a:solidFill>
+          <a:prstDash val="solid"/>
+          <a:miter lim="800000"/>
+        </a:ln>
+      </a:lnStyleLst>
+      <a:effectStyleLst>
+        <a:effectStyle>
+          <a:effectLst/>
+        </a:effectStyle>
+        <a:effectStyle>
+          <a:effectLst/>
+        </a:effectStyle>
+        <a:effectStyle>
+          <a:effectLst>
+            <a:outerShdw blurRad="57150" dist="19050" dir="5400000" algn="ctr" rotWithShape="0">
+              <a:srgbClr val="000000">
+                <a:alpha val="63000"/>
+              </a:srgbClr>
+            </a:outerShdw>
+          </a:effectLst>
+        </a:effectStyle>
+      </a:effectStyleLst>
+      <a:bgFillStyleLst>
+        <a:solidFill>
+          <a:schemeClr val="phClr"/>
+        </a:solidFill>
+        <a:solidFill>
+          <a:schemeClr val="phClr">
+            <a:tint val="95000"/>
+            <a:satMod val="170000"/>
+          </a:schemeClr>
+        </a:solidFill>
+        <a:gradFill rotWithShape="1">
+          <a:gsLst>
+            <a:gs pos="0">
+              <a:schemeClr val="phClr">
+                <a:tint val="93000"/>
+                <a:satMod val="150000"/>
+                <a:shade val="98000"/>
+                <a:lumMod val="102000"/>
+              </a:schemeClr>
+            </a:gs>
+            <a:gs pos="50000">
+              <a:schemeClr val="phClr">
+                <a:tint val="98000"/>
+                <a:satMod val="130000"/>
+                <a:shade val="90000"/>
+                <a:lumMod val="103000"/>
+              </a:schemeClr>
+            </a:gs>
+            <a:gs pos="100000">
+              <a:schemeClr val="phClr">
+                <a:shade val="63000"/>
+                <a:satMod val="120000"/>
+              </a:schemeClr>
+            </a:gs>
+          </a:gsLst>
+          <a:lin ang="5400000" scaled="0"/>
+        </a:gradFill>
+      </a:bgFillStyleLst>
+    </a:fmtScheme>
+  </a:themeElements>
+  <a:objectDefaults/>
+  <a:extraClrSchemeLst/>
+  <a:extLst>
+    <a:ext uri="{05A4C25C-085E-4340-85A3-A5531E510DB2}">
+      <thm15:themeFamily xmlns:thm15="http://schemas.microsoft.com/office/thememl/2012/main" name="Office Theme" id="{62F939B6-93AF-4DB8-9C6B-D6C7DFDC589F}" vid="{4A3C46E8-61CC-4603-A589-7422A47A8E4A}"/>
+    </a:ext>
+  </a:extLst>
+</a:theme>
+</file>
+
+<file path=ppt/theme/theme2.xml><?xml version="1.0" encoding="utf-8"?>
 <a:theme xmlns:a="http://schemas.openxmlformats.org/drawingml/2006/main" name="Office Theme">
   <a:themeElements>
     <a:clrScheme name="Office">

--- a/Data/cover_image.pptx
+++ b/Data/cover_image.pptx
@@ -5,14 +5,16 @@
     <p:sldMasterId id="2147483708" r:id="rId1"/>
   </p:sldMasterIdLst>
   <p:notesMasterIdLst>
-    <p:notesMasterId r:id="rId7"/>
+    <p:notesMasterId r:id="rId9"/>
   </p:notesMasterIdLst>
   <p:sldIdLst>
     <p:sldId id="260" r:id="rId2"/>
     <p:sldId id="263" r:id="rId3"/>
     <p:sldId id="269" r:id="rId4"/>
-    <p:sldId id="272" r:id="rId5"/>
-    <p:sldId id="271" r:id="rId6"/>
+    <p:sldId id="273" r:id="rId5"/>
+    <p:sldId id="272" r:id="rId6"/>
+    <p:sldId id="274" r:id="rId7"/>
+    <p:sldId id="271" r:id="rId8"/>
   </p:sldIdLst>
   <p:sldSz cx="22758400" cy="12801600"/>
   <p:notesSz cx="6858000" cy="9144000"/>
@@ -212,7 +214,7 @@
           <a:p>
             <a:fld id="{D6EBDCDB-5C13-8D41-86D7-695E06C502A8}" type="datetimeFigureOut">
               <a:rPr lang="en-US" smtClean="0"/>
-              <a:t>10/17/22</a:t>
+              <a:t>3/8/23</a:t>
             </a:fld>
             <a:endParaRPr lang="en-US"/>
           </a:p>
@@ -699,7 +701,7 @@
           <a:p>
             <a:fld id="{D0F1932F-1C99-447E-95F3-773EBA18C860}" type="datetimeFigureOut">
               <a:rPr lang="en-US" smtClean="0"/>
-              <a:t>10/17/22</a:t>
+              <a:t>3/8/23</a:t>
             </a:fld>
             <a:endParaRPr lang="en-US"/>
           </a:p>
@@ -869,7 +871,7 @@
           <a:p>
             <a:fld id="{D0F1932F-1C99-447E-95F3-773EBA18C860}" type="datetimeFigureOut">
               <a:rPr lang="en-US" smtClean="0"/>
-              <a:t>10/17/22</a:t>
+              <a:t>3/8/23</a:t>
             </a:fld>
             <a:endParaRPr lang="en-US"/>
           </a:p>
@@ -1049,7 +1051,7 @@
           <a:p>
             <a:fld id="{D0F1932F-1C99-447E-95F3-773EBA18C860}" type="datetimeFigureOut">
               <a:rPr lang="en-US" smtClean="0"/>
-              <a:t>10/17/22</a:t>
+              <a:t>3/8/23</a:t>
             </a:fld>
             <a:endParaRPr lang="en-US"/>
           </a:p>
@@ -1219,7 +1221,7 @@
           <a:p>
             <a:fld id="{D0F1932F-1C99-447E-95F3-773EBA18C860}" type="datetimeFigureOut">
               <a:rPr lang="en-US" smtClean="0"/>
-              <a:t>10/17/22</a:t>
+              <a:t>3/8/23</a:t>
             </a:fld>
             <a:endParaRPr lang="en-US"/>
           </a:p>
@@ -1465,7 +1467,7 @@
           <a:p>
             <a:fld id="{D0F1932F-1C99-447E-95F3-773EBA18C860}" type="datetimeFigureOut">
               <a:rPr lang="en-US" smtClean="0"/>
-              <a:t>10/17/22</a:t>
+              <a:t>3/8/23</a:t>
             </a:fld>
             <a:endParaRPr lang="en-US"/>
           </a:p>
@@ -1697,7 +1699,7 @@
           <a:p>
             <a:fld id="{D0F1932F-1C99-447E-95F3-773EBA18C860}" type="datetimeFigureOut">
               <a:rPr lang="en-US" smtClean="0"/>
-              <a:t>10/17/22</a:t>
+              <a:t>3/8/23</a:t>
             </a:fld>
             <a:endParaRPr lang="en-US"/>
           </a:p>
@@ -2064,7 +2066,7 @@
           <a:p>
             <a:fld id="{D0F1932F-1C99-447E-95F3-773EBA18C860}" type="datetimeFigureOut">
               <a:rPr lang="en-US" smtClean="0"/>
-              <a:t>10/17/22</a:t>
+              <a:t>3/8/23</a:t>
             </a:fld>
             <a:endParaRPr lang="en-US"/>
           </a:p>
@@ -2182,7 +2184,7 @@
           <a:p>
             <a:fld id="{D0F1932F-1C99-447E-95F3-773EBA18C860}" type="datetimeFigureOut">
               <a:rPr lang="en-US" smtClean="0"/>
-              <a:t>10/17/22</a:t>
+              <a:t>3/8/23</a:t>
             </a:fld>
             <a:endParaRPr lang="en-US"/>
           </a:p>
@@ -2277,7 +2279,7 @@
           <a:p>
             <a:fld id="{D0F1932F-1C99-447E-95F3-773EBA18C860}" type="datetimeFigureOut">
               <a:rPr lang="en-US" smtClean="0"/>
-              <a:t>10/17/22</a:t>
+              <a:t>3/8/23</a:t>
             </a:fld>
             <a:endParaRPr lang="en-US"/>
           </a:p>
@@ -2554,7 +2556,7 @@
           <a:p>
             <a:fld id="{D0F1932F-1C99-447E-95F3-773EBA18C860}" type="datetimeFigureOut">
               <a:rPr lang="en-US" smtClean="0"/>
-              <a:t>10/17/22</a:t>
+              <a:t>3/8/23</a:t>
             </a:fld>
             <a:endParaRPr lang="en-US"/>
           </a:p>
@@ -2811,7 +2813,7 @@
           <a:p>
             <a:fld id="{D0F1932F-1C99-447E-95F3-773EBA18C860}" type="datetimeFigureOut">
               <a:rPr lang="en-US" smtClean="0"/>
-              <a:t>10/17/22</a:t>
+              <a:t>3/8/23</a:t>
             </a:fld>
             <a:endParaRPr lang="en-US"/>
           </a:p>
@@ -3024,7 +3026,7 @@
           <a:p>
             <a:fld id="{D0F1932F-1C99-447E-95F3-773EBA18C860}" type="datetimeFigureOut">
               <a:rPr lang="en-US" smtClean="0"/>
-              <a:t>10/17/22</a:t>
+              <a:t>3/8/23</a:t>
             </a:fld>
             <a:endParaRPr lang="en-US"/>
           </a:p>
@@ -4859,6 +4861,208 @@
       </p:grpSpPr>
       <p:grpSp>
         <p:nvGrpSpPr>
+          <p:cNvPr id="5" name="Group 4">
+            <a:extLst>
+              <a:ext uri="{FF2B5EF4-FFF2-40B4-BE49-F238E27FC236}">
+                <a16:creationId xmlns:a16="http://schemas.microsoft.com/office/drawing/2014/main" id="{D9B378D7-43DB-5748-4C90-525B8F34C2EC}"/>
+              </a:ext>
+            </a:extLst>
+          </p:cNvPr>
+          <p:cNvGrpSpPr/>
+          <p:nvPr/>
+        </p:nvGrpSpPr>
+        <p:grpSpPr>
+          <a:xfrm>
+            <a:off x="7493000" y="2514600"/>
+            <a:ext cx="7772400" cy="7772400"/>
+            <a:chOff x="7493000" y="2514600"/>
+            <a:chExt cx="7772400" cy="7772400"/>
+          </a:xfrm>
+        </p:grpSpPr>
+        <p:grpSp>
+          <p:nvGrpSpPr>
+            <p:cNvPr id="6" name="Group 5">
+              <a:extLst>
+                <a:ext uri="{FF2B5EF4-FFF2-40B4-BE49-F238E27FC236}">
+                  <a16:creationId xmlns:a16="http://schemas.microsoft.com/office/drawing/2014/main" id="{68D06400-1F41-1ECC-EF17-8190AA45E36D}"/>
+                </a:ext>
+              </a:extLst>
+            </p:cNvPr>
+            <p:cNvGrpSpPr/>
+            <p:nvPr/>
+          </p:nvGrpSpPr>
+          <p:grpSpPr>
+            <a:xfrm>
+              <a:off x="7493000" y="2514600"/>
+              <a:ext cx="7772400" cy="7772400"/>
+              <a:chOff x="7493000" y="2514600"/>
+              <a:chExt cx="7772400" cy="7772400"/>
+            </a:xfrm>
+          </p:grpSpPr>
+          <p:pic>
+            <p:nvPicPr>
+              <p:cNvPr id="3" name="Picture 2" descr="Diagram&#10;&#10;Description automatically generated">
+                <a:extLst>
+                  <a:ext uri="{FF2B5EF4-FFF2-40B4-BE49-F238E27FC236}">
+                    <a16:creationId xmlns:a16="http://schemas.microsoft.com/office/drawing/2014/main" id="{12C5892C-7498-61E8-1E6E-639CC2C02EBB}"/>
+                  </a:ext>
+                </a:extLst>
+              </p:cNvPr>
+              <p:cNvPicPr>
+                <a:picLocks noChangeAspect="1"/>
+              </p:cNvPicPr>
+              <p:nvPr/>
+            </p:nvPicPr>
+            <p:blipFill>
+              <a:blip r:embed="rId2">
+                <a:extLst>
+                  <a:ext uri="{28A0092B-C50C-407E-A947-70E740481C1C}">
+                    <a14:useLocalDpi xmlns:a14="http://schemas.microsoft.com/office/drawing/2010/main" val="0"/>
+                  </a:ext>
+                </a:extLst>
+              </a:blip>
+              <a:stretch>
+                <a:fillRect/>
+              </a:stretch>
+            </p:blipFill>
+            <p:spPr>
+              <a:xfrm>
+                <a:off x="7493000" y="2514600"/>
+                <a:ext cx="7772400" cy="7772400"/>
+              </a:xfrm>
+              <a:prstGeom prst="rect">
+                <a:avLst/>
+              </a:prstGeom>
+            </p:spPr>
+          </p:pic>
+          <p:sp>
+            <p:nvSpPr>
+              <p:cNvPr id="4" name="Rectangle 3">
+                <a:extLst>
+                  <a:ext uri="{FF2B5EF4-FFF2-40B4-BE49-F238E27FC236}">
+                    <a16:creationId xmlns:a16="http://schemas.microsoft.com/office/drawing/2014/main" id="{4E296352-8E0D-7D06-B619-43987A723C1C}"/>
+                  </a:ext>
+                </a:extLst>
+              </p:cNvPr>
+              <p:cNvSpPr/>
+              <p:nvPr/>
+            </p:nvSpPr>
+            <p:spPr>
+              <a:xfrm rot="155493">
+                <a:off x="8264469" y="4477702"/>
+                <a:ext cx="6587852" cy="3517100"/>
+              </a:xfrm>
+              <a:prstGeom prst="rect">
+                <a:avLst/>
+              </a:prstGeom>
+              <a:noFill/>
+            </p:spPr>
+            <p:txBody>
+              <a:bodyPr wrap="none" lIns="91440" tIns="45720" rIns="91440" bIns="45720">
+                <a:prstTxWarp prst="textArchUp">
+                  <a:avLst>
+                    <a:gd name="adj" fmla="val 13368903"/>
+                  </a:avLst>
+                </a:prstTxWarp>
+                <a:spAutoFit/>
+              </a:bodyPr>
+              <a:lstStyle/>
+              <a:p>
+                <a:pPr algn="ctr"/>
+                <a:r>
+                  <a:rPr lang="en-US" sz="13800" dirty="0">
+                    <a:ln w="0"/>
+                    <a:effectLst>
+                      <a:outerShdw blurRad="38100" dist="19050" dir="2700000" algn="tl" rotWithShape="0">
+                        <a:schemeClr val="dk1">
+                          <a:alpha val="40000"/>
+                        </a:schemeClr>
+                      </a:outerShdw>
+                    </a:effectLst>
+                    <a:latin typeface="Nordique Inline" pitchFamily="2" charset="77"/>
+                  </a:rPr>
+                  <a:t>SAMPEL</a:t>
+                </a:r>
+              </a:p>
+            </p:txBody>
+          </p:sp>
+        </p:grpSp>
+        <p:sp>
+          <p:nvSpPr>
+            <p:cNvPr id="2" name="TextBox 1">
+              <a:extLst>
+                <a:ext uri="{FF2B5EF4-FFF2-40B4-BE49-F238E27FC236}">
+                  <a16:creationId xmlns:a16="http://schemas.microsoft.com/office/drawing/2014/main" id="{30EAAE46-838A-ADE6-8B2D-788951EE2963}"/>
+                </a:ext>
+              </a:extLst>
+            </p:cNvPr>
+            <p:cNvSpPr txBox="1"/>
+            <p:nvPr/>
+          </p:nvSpPr>
+          <p:spPr>
+            <a:xfrm rot="21249662">
+              <a:off x="9080638" y="5714756"/>
+              <a:ext cx="4151322" cy="667512"/>
+            </a:xfrm>
+            <a:prstGeom prst="rect">
+              <a:avLst/>
+            </a:prstGeom>
+            <a:noFill/>
+          </p:spPr>
+          <p:txBody>
+            <a:bodyPr wrap="square" rtlCol="0">
+              <a:prstTxWarp prst="textArchUp">
+                <a:avLst>
+                  <a:gd name="adj" fmla="val 10872908"/>
+                </a:avLst>
+              </a:prstTxWarp>
+              <a:spAutoFit/>
+            </a:bodyPr>
+            <a:lstStyle/>
+            <a:p>
+              <a:r>
+                <a:rPr lang="en-US" sz="2800" b="1" dirty="0">
+                  <a:latin typeface="Abadi MT Condensed Extra Bold" panose="020B0306030101010103" pitchFamily="34" charset="77"/>
+                  <a:cs typeface="Amasis MT Pro Medium" panose="020F0502020204030204" pitchFamily="34" charset="0"/>
+                </a:rPr>
+                <a:t>sarupriagroup.github.io</a:t>
+              </a:r>
+            </a:p>
+          </p:txBody>
+        </p:sp>
+      </p:grpSp>
+    </p:spTree>
+    <p:extLst>
+      <p:ext uri="{BB962C8B-B14F-4D97-AF65-F5344CB8AC3E}">
+        <p14:creationId xmlns:p14="http://schemas.microsoft.com/office/powerpoint/2010/main" val="2519616292"/>
+      </p:ext>
+    </p:extLst>
+  </p:cSld>
+  <p:clrMapOvr>
+    <a:masterClrMapping/>
+  </p:clrMapOvr>
+</p:sld>
+</file>
+
+<file path=ppt/slides/slide5.xml><?xml version="1.0" encoding="utf-8"?>
+<p:sld xmlns:a="http://schemas.openxmlformats.org/drawingml/2006/main" xmlns:r="http://schemas.openxmlformats.org/officeDocument/2006/relationships" xmlns:p="http://schemas.openxmlformats.org/presentationml/2006/main">
+  <p:cSld>
+    <p:spTree>
+      <p:nvGrpSpPr>
+        <p:cNvPr id="1" name=""/>
+        <p:cNvGrpSpPr/>
+        <p:nvPr/>
+      </p:nvGrpSpPr>
+      <p:grpSpPr>
+        <a:xfrm>
+          <a:off x="0" y="0"/>
+          <a:ext cx="0" cy="0"/>
+          <a:chOff x="0" y="0"/>
+          <a:chExt cx="0" cy="0"/>
+        </a:xfrm>
+      </p:grpSpPr>
+      <p:grpSp>
+        <p:nvGrpSpPr>
           <p:cNvPr id="2" name="Group 1">
             <a:extLst>
               <a:ext uri="{FF2B5EF4-FFF2-40B4-BE49-F238E27FC236}">
@@ -5924,7 +6128,1155 @@
 </p:sld>
 </file>
 
-<file path=ppt/slides/slide5.xml><?xml version="1.0" encoding="utf-8"?>
+<file path=ppt/slides/slide6.xml><?xml version="1.0" encoding="utf-8"?>
+<p:sld xmlns:a="http://schemas.openxmlformats.org/drawingml/2006/main" xmlns:r="http://schemas.openxmlformats.org/officeDocument/2006/relationships" xmlns:p="http://schemas.openxmlformats.org/presentationml/2006/main">
+  <p:cSld>
+    <p:spTree>
+      <p:nvGrpSpPr>
+        <p:cNvPr id="1" name=""/>
+        <p:cNvGrpSpPr/>
+        <p:nvPr/>
+      </p:nvGrpSpPr>
+      <p:grpSpPr>
+        <a:xfrm>
+          <a:off x="0" y="0"/>
+          <a:ext cx="0" cy="0"/>
+          <a:chOff x="0" y="0"/>
+          <a:chExt cx="0" cy="0"/>
+        </a:xfrm>
+      </p:grpSpPr>
+      <p:grpSp>
+        <p:nvGrpSpPr>
+          <p:cNvPr id="2" name="Group 1">
+            <a:extLst>
+              <a:ext uri="{FF2B5EF4-FFF2-40B4-BE49-F238E27FC236}">
+                <a16:creationId xmlns:a16="http://schemas.microsoft.com/office/drawing/2014/main" id="{9F18E17C-DBAE-CFB5-6675-3F8BD57CDAED}"/>
+              </a:ext>
+            </a:extLst>
+          </p:cNvPr>
+          <p:cNvGrpSpPr/>
+          <p:nvPr/>
+        </p:nvGrpSpPr>
+        <p:grpSpPr>
+          <a:xfrm>
+            <a:off x="7210612" y="2460812"/>
+            <a:ext cx="8081682" cy="8081682"/>
+            <a:chOff x="7493000" y="2514600"/>
+            <a:chExt cx="7772400" cy="7772400"/>
+          </a:xfrm>
+        </p:grpSpPr>
+        <p:grpSp>
+          <p:nvGrpSpPr>
+            <p:cNvPr id="3" name="Group 2">
+              <a:extLst>
+                <a:ext uri="{FF2B5EF4-FFF2-40B4-BE49-F238E27FC236}">
+                  <a16:creationId xmlns:a16="http://schemas.microsoft.com/office/drawing/2014/main" id="{959A54FD-E5E3-3DE3-9DF3-44799FEE8107}"/>
+                </a:ext>
+              </a:extLst>
+            </p:cNvPr>
+            <p:cNvGrpSpPr/>
+            <p:nvPr/>
+          </p:nvGrpSpPr>
+          <p:grpSpPr>
+            <a:xfrm>
+              <a:off x="7493000" y="2514600"/>
+              <a:ext cx="7772400" cy="7772400"/>
+              <a:chOff x="7493000" y="2514600"/>
+              <a:chExt cx="7772400" cy="7772400"/>
+            </a:xfrm>
+          </p:grpSpPr>
+          <p:pic>
+            <p:nvPicPr>
+              <p:cNvPr id="6" name="Picture 5" descr="Diagram&#10;&#10;Description automatically generated">
+                <a:extLst>
+                  <a:ext uri="{FF2B5EF4-FFF2-40B4-BE49-F238E27FC236}">
+                    <a16:creationId xmlns:a16="http://schemas.microsoft.com/office/drawing/2014/main" id="{736D3E21-682F-B78E-C3DC-AD25A42D829A}"/>
+                  </a:ext>
+                </a:extLst>
+              </p:cNvPr>
+              <p:cNvPicPr>
+                <a:picLocks noChangeAspect="1"/>
+              </p:cNvPicPr>
+              <p:nvPr/>
+            </p:nvPicPr>
+            <p:blipFill>
+              <a:blip r:embed="rId2">
+                <a:extLst>
+                  <a:ext uri="{28A0092B-C50C-407E-A947-70E740481C1C}">
+                    <a14:useLocalDpi xmlns:a14="http://schemas.microsoft.com/office/drawing/2010/main" val="0"/>
+                  </a:ext>
+                </a:extLst>
+              </a:blip>
+              <a:stretch>
+                <a:fillRect/>
+              </a:stretch>
+            </p:blipFill>
+            <p:spPr>
+              <a:xfrm>
+                <a:off x="7493000" y="2514600"/>
+                <a:ext cx="7772400" cy="7772400"/>
+              </a:xfrm>
+              <a:prstGeom prst="rect">
+                <a:avLst/>
+              </a:prstGeom>
+            </p:spPr>
+          </p:pic>
+          <p:sp>
+            <p:nvSpPr>
+              <p:cNvPr id="7" name="Rectangle 6">
+                <a:extLst>
+                  <a:ext uri="{FF2B5EF4-FFF2-40B4-BE49-F238E27FC236}">
+                    <a16:creationId xmlns:a16="http://schemas.microsoft.com/office/drawing/2014/main" id="{B5A0B7B4-B62D-387F-B146-FCAFBF866611}"/>
+                  </a:ext>
+                </a:extLst>
+              </p:cNvPr>
+              <p:cNvSpPr/>
+              <p:nvPr/>
+            </p:nvSpPr>
+            <p:spPr>
+              <a:xfrm rot="155493">
+                <a:off x="8264469" y="4477702"/>
+                <a:ext cx="6587852" cy="3517100"/>
+              </a:xfrm>
+              <a:prstGeom prst="rect">
+                <a:avLst/>
+              </a:prstGeom>
+              <a:noFill/>
+            </p:spPr>
+            <p:txBody>
+              <a:bodyPr wrap="none" lIns="91440" tIns="45720" rIns="91440" bIns="45720">
+                <a:prstTxWarp prst="textArchUp">
+                  <a:avLst>
+                    <a:gd name="adj" fmla="val 13368903"/>
+                  </a:avLst>
+                </a:prstTxWarp>
+                <a:spAutoFit/>
+              </a:bodyPr>
+              <a:lstStyle/>
+              <a:p>
+                <a:pPr algn="ctr"/>
+                <a:r>
+                  <a:rPr lang="en-US" sz="13800" dirty="0">
+                    <a:ln w="0"/>
+                    <a:effectLst>
+                      <a:outerShdw blurRad="38100" dist="19050" dir="2700000" algn="tl" rotWithShape="0">
+                        <a:schemeClr val="dk1">
+                          <a:alpha val="40000"/>
+                        </a:schemeClr>
+                      </a:outerShdw>
+                    </a:effectLst>
+                    <a:latin typeface="Nordique Inline" pitchFamily="2" charset="77"/>
+                  </a:rPr>
+                  <a:t>SAMPEL</a:t>
+                </a:r>
+              </a:p>
+            </p:txBody>
+          </p:sp>
+        </p:grpSp>
+        <p:sp>
+          <p:nvSpPr>
+            <p:cNvPr id="5" name="TextBox 4">
+              <a:extLst>
+                <a:ext uri="{FF2B5EF4-FFF2-40B4-BE49-F238E27FC236}">
+                  <a16:creationId xmlns:a16="http://schemas.microsoft.com/office/drawing/2014/main" id="{B70D3FBB-AFE2-6B8A-37B5-B1F1422C2D6C}"/>
+                </a:ext>
+              </a:extLst>
+            </p:cNvPr>
+            <p:cNvSpPr txBox="1"/>
+            <p:nvPr/>
+          </p:nvSpPr>
+          <p:spPr>
+            <a:xfrm rot="21249662">
+              <a:off x="9080638" y="5714756"/>
+              <a:ext cx="4151322" cy="667512"/>
+            </a:xfrm>
+            <a:prstGeom prst="rect">
+              <a:avLst/>
+            </a:prstGeom>
+            <a:noFill/>
+          </p:spPr>
+          <p:txBody>
+            <a:bodyPr wrap="square" rtlCol="0">
+              <a:prstTxWarp prst="textArchUp">
+                <a:avLst>
+                  <a:gd name="adj" fmla="val 10872908"/>
+                </a:avLst>
+              </a:prstTxWarp>
+              <a:spAutoFit/>
+            </a:bodyPr>
+            <a:lstStyle/>
+            <a:p>
+              <a:r>
+                <a:rPr lang="en-US" sz="2800" b="1" dirty="0">
+                  <a:latin typeface="Abadi MT Condensed Extra Bold" panose="020B0306030101010103" pitchFamily="34" charset="77"/>
+                  <a:cs typeface="Amasis MT Pro Medium" panose="020F0502020204030204" pitchFamily="34" charset="0"/>
+                </a:rPr>
+                <a:t>sarupriagroup.github.io</a:t>
+              </a:r>
+            </a:p>
+          </p:txBody>
+        </p:sp>
+      </p:grpSp>
+      <p:sp>
+        <p:nvSpPr>
+          <p:cNvPr id="31" name="TextBox 30">
+            <a:extLst>
+              <a:ext uri="{FF2B5EF4-FFF2-40B4-BE49-F238E27FC236}">
+                <a16:creationId xmlns:a16="http://schemas.microsoft.com/office/drawing/2014/main" id="{A324253B-3079-DB80-31CE-BED279E26648}"/>
+              </a:ext>
+            </a:extLst>
+          </p:cNvPr>
+          <p:cNvSpPr txBox="1"/>
+          <p:nvPr/>
+        </p:nvSpPr>
+        <p:spPr>
+          <a:xfrm rot="3859121">
+            <a:off x="2268776" y="13847"/>
+            <a:ext cx="11509921" cy="16082584"/>
+          </a:xfrm>
+          <a:prstGeom prst="rect">
+            <a:avLst/>
+          </a:prstGeom>
+          <a:noFill/>
+        </p:spPr>
+        <p:txBody>
+          <a:bodyPr wrap="square">
+            <a:prstTxWarp prst="textArchUp">
+              <a:avLst>
+                <a:gd name="adj" fmla="val 11065984"/>
+              </a:avLst>
+            </a:prstTxWarp>
+            <a:spAutoFit/>
+          </a:bodyPr>
+          <a:lstStyle/>
+          <a:p>
+            <a:pPr algn="ctr"/>
+            <a:r>
+              <a:rPr lang="en-US" sz="5400" b="1" dirty="0">
+                <a:solidFill>
+                  <a:srgbClr val="780019"/>
+                </a:solidFill>
+                <a:latin typeface="Trebuchet MS" panose="020B0703020202090204" pitchFamily="34" charset="0"/>
+                <a:cs typeface="Arial" panose="020B0604020202020204" pitchFamily="34" charset="0"/>
+              </a:rPr>
+              <a:t>Advanced Sampling </a:t>
+            </a:r>
+          </a:p>
+          <a:p>
+            <a:pPr algn="ctr"/>
+            <a:r>
+              <a:rPr lang="en-US" sz="5400" b="1" dirty="0">
+                <a:solidFill>
+                  <a:srgbClr val="780019"/>
+                </a:solidFill>
+                <a:latin typeface="Trebuchet MS" panose="020B0703020202090204" pitchFamily="34" charset="0"/>
+                <a:cs typeface="Arial" panose="020B0604020202020204" pitchFamily="34" charset="0"/>
+              </a:rPr>
+              <a:t>Methods &amp; Software</a:t>
+            </a:r>
+          </a:p>
+        </p:txBody>
+      </p:sp>
+      <p:sp>
+        <p:nvSpPr>
+          <p:cNvPr id="33" name="TextBox 32">
+            <a:extLst>
+              <a:ext uri="{FF2B5EF4-FFF2-40B4-BE49-F238E27FC236}">
+                <a16:creationId xmlns:a16="http://schemas.microsoft.com/office/drawing/2014/main" id="{E1E80B9A-0038-21E7-34A0-0493C3E1EE87}"/>
+              </a:ext>
+            </a:extLst>
+          </p:cNvPr>
+          <p:cNvSpPr txBox="1"/>
+          <p:nvPr/>
+        </p:nvSpPr>
+        <p:spPr>
+          <a:xfrm rot="21423233">
+            <a:off x="5751331" y="570816"/>
+            <a:ext cx="11592857" cy="10340062"/>
+          </a:xfrm>
+          <a:prstGeom prst="rect">
+            <a:avLst/>
+          </a:prstGeom>
+          <a:noFill/>
+        </p:spPr>
+        <p:txBody>
+          <a:bodyPr wrap="square">
+            <a:prstTxWarp prst="textArchDown">
+              <a:avLst>
+                <a:gd name="adj" fmla="val 21388171"/>
+              </a:avLst>
+            </a:prstTxWarp>
+            <a:spAutoFit/>
+          </a:bodyPr>
+          <a:lstStyle/>
+          <a:p>
+            <a:pPr algn="ctr"/>
+            <a:r>
+              <a:rPr lang="en-US" sz="5400" b="1" dirty="0">
+                <a:solidFill>
+                  <a:srgbClr val="780019"/>
+                </a:solidFill>
+                <a:latin typeface="Trebuchet MS" panose="020B0703020202090204" pitchFamily="34" charset="0"/>
+                <a:cs typeface="Arial" panose="020B0604020202020204" pitchFamily="34" charset="0"/>
+              </a:rPr>
+              <a:t>Molecular Simulations </a:t>
+            </a:r>
+          </a:p>
+          <a:p>
+            <a:pPr algn="ctr"/>
+            <a:r>
+              <a:rPr lang="en-US" sz="5400" b="1" dirty="0">
+                <a:solidFill>
+                  <a:srgbClr val="780019"/>
+                </a:solidFill>
+                <a:latin typeface="Trebuchet MS" panose="020B0703020202090204" pitchFamily="34" charset="0"/>
+                <a:cs typeface="Arial" panose="020B0604020202020204" pitchFamily="34" charset="0"/>
+              </a:rPr>
+              <a:t>&amp; Machine Learning</a:t>
+            </a:r>
+          </a:p>
+        </p:txBody>
+      </p:sp>
+      <p:sp>
+        <p:nvSpPr>
+          <p:cNvPr id="4" name="Oval 3">
+            <a:extLst>
+              <a:ext uri="{FF2B5EF4-FFF2-40B4-BE49-F238E27FC236}">
+                <a16:creationId xmlns:a16="http://schemas.microsoft.com/office/drawing/2014/main" id="{E5EA3ADA-1396-9DFE-E58E-E82FB3039D58}"/>
+              </a:ext>
+            </a:extLst>
+          </p:cNvPr>
+          <p:cNvSpPr/>
+          <p:nvPr/>
+        </p:nvSpPr>
+        <p:spPr>
+          <a:xfrm>
+            <a:off x="5202254" y="214464"/>
+            <a:ext cx="12314339" cy="12338967"/>
+          </a:xfrm>
+          <a:prstGeom prst="ellipse">
+            <a:avLst/>
+          </a:prstGeom>
+          <a:noFill/>
+          <a:ln w="254000">
+            <a:solidFill>
+              <a:srgbClr val="FFCC33"/>
+            </a:solidFill>
+          </a:ln>
+        </p:spPr>
+        <p:style>
+          <a:lnRef idx="0">
+            <a:scrgbClr r="0" g="0" b="0"/>
+          </a:lnRef>
+          <a:fillRef idx="0">
+            <a:scrgbClr r="0" g="0" b="0"/>
+          </a:fillRef>
+          <a:effectRef idx="0">
+            <a:scrgbClr r="0" g="0" b="0"/>
+          </a:effectRef>
+          <a:fontRef idx="minor">
+            <a:schemeClr val="accent1"/>
+          </a:fontRef>
+        </p:style>
+        <p:txBody>
+          <a:bodyPr rtlCol="0" anchor="ctr"/>
+          <a:lstStyle/>
+          <a:p>
+            <a:pPr algn="ctr"/>
+            <a:endParaRPr lang="en-US" dirty="0"/>
+          </a:p>
+        </p:txBody>
+      </p:sp>
+      <p:cxnSp>
+        <p:nvCxnSpPr>
+          <p:cNvPr id="16" name="Straight Connector 15">
+            <a:extLst>
+              <a:ext uri="{FF2B5EF4-FFF2-40B4-BE49-F238E27FC236}">
+                <a16:creationId xmlns:a16="http://schemas.microsoft.com/office/drawing/2014/main" id="{C805818F-6D78-E32A-AE6A-3C2DDE9E9D77}"/>
+              </a:ext>
+            </a:extLst>
+          </p:cNvPr>
+          <p:cNvCxnSpPr>
+            <a:cxnSpLocks/>
+            <a:endCxn id="4" idx="0"/>
+          </p:cNvCxnSpPr>
+          <p:nvPr/>
+        </p:nvCxnSpPr>
+        <p:spPr>
+          <a:xfrm flipV="1">
+            <a:off x="11359424" y="214464"/>
+            <a:ext cx="0" cy="2563015"/>
+          </a:xfrm>
+          <a:prstGeom prst="line">
+            <a:avLst/>
+          </a:prstGeom>
+          <a:ln w="317500">
+            <a:solidFill>
+              <a:srgbClr val="FFCC33"/>
+            </a:solidFill>
+          </a:ln>
+        </p:spPr>
+        <p:style>
+          <a:lnRef idx="1">
+            <a:schemeClr val="accent1"/>
+          </a:lnRef>
+          <a:fillRef idx="0">
+            <a:schemeClr val="accent1"/>
+          </a:fillRef>
+          <a:effectRef idx="0">
+            <a:schemeClr val="accent1"/>
+          </a:effectRef>
+          <a:fontRef idx="minor">
+            <a:schemeClr val="tx1"/>
+          </a:fontRef>
+        </p:style>
+      </p:cxnSp>
+      <p:cxnSp>
+        <p:nvCxnSpPr>
+          <p:cNvPr id="18" name="Straight Connector 17">
+            <a:extLst>
+              <a:ext uri="{FF2B5EF4-FFF2-40B4-BE49-F238E27FC236}">
+                <a16:creationId xmlns:a16="http://schemas.microsoft.com/office/drawing/2014/main" id="{9AB4E515-415A-29C4-7E07-2AE784781A03}"/>
+              </a:ext>
+            </a:extLst>
+          </p:cNvPr>
+          <p:cNvCxnSpPr>
+            <a:cxnSpLocks/>
+          </p:cNvCxnSpPr>
+          <p:nvPr/>
+        </p:nvCxnSpPr>
+        <p:spPr>
+          <a:xfrm flipV="1">
+            <a:off x="6200828" y="8363415"/>
+            <a:ext cx="2028772" cy="1477195"/>
+          </a:xfrm>
+          <a:prstGeom prst="line">
+            <a:avLst/>
+          </a:prstGeom>
+          <a:ln w="317500">
+            <a:solidFill>
+              <a:srgbClr val="FFCC33"/>
+            </a:solidFill>
+          </a:ln>
+        </p:spPr>
+        <p:style>
+          <a:lnRef idx="1">
+            <a:schemeClr val="accent1"/>
+          </a:lnRef>
+          <a:fillRef idx="0">
+            <a:schemeClr val="accent1"/>
+          </a:fillRef>
+          <a:effectRef idx="0">
+            <a:schemeClr val="accent1"/>
+          </a:effectRef>
+          <a:fontRef idx="minor">
+            <a:schemeClr val="tx1"/>
+          </a:fontRef>
+        </p:style>
+      </p:cxnSp>
+      <p:cxnSp>
+        <p:nvCxnSpPr>
+          <p:cNvPr id="20" name="Straight Connector 19">
+            <a:extLst>
+              <a:ext uri="{FF2B5EF4-FFF2-40B4-BE49-F238E27FC236}">
+                <a16:creationId xmlns:a16="http://schemas.microsoft.com/office/drawing/2014/main" id="{F519B408-7CB2-18A4-6EE8-BB75E702A55B}"/>
+              </a:ext>
+            </a:extLst>
+          </p:cNvPr>
+          <p:cNvCxnSpPr>
+            <a:cxnSpLocks/>
+          </p:cNvCxnSpPr>
+          <p:nvPr/>
+        </p:nvCxnSpPr>
+        <p:spPr>
+          <a:xfrm>
+            <a:off x="14528802" y="8363415"/>
+            <a:ext cx="2141413" cy="1212899"/>
+          </a:xfrm>
+          <a:prstGeom prst="line">
+            <a:avLst/>
+          </a:prstGeom>
+          <a:ln w="317500">
+            <a:solidFill>
+              <a:srgbClr val="FFCC33"/>
+            </a:solidFill>
+          </a:ln>
+        </p:spPr>
+        <p:style>
+          <a:lnRef idx="1">
+            <a:schemeClr val="accent1"/>
+          </a:lnRef>
+          <a:fillRef idx="0">
+            <a:schemeClr val="accent1"/>
+          </a:fillRef>
+          <a:effectRef idx="0">
+            <a:schemeClr val="accent1"/>
+          </a:effectRef>
+          <a:fontRef idx="minor">
+            <a:schemeClr val="tx1"/>
+          </a:fontRef>
+        </p:style>
+      </p:cxnSp>
+      <p:sp>
+        <p:nvSpPr>
+          <p:cNvPr id="29" name="Rectangle 28">
+            <a:extLst>
+              <a:ext uri="{FF2B5EF4-FFF2-40B4-BE49-F238E27FC236}">
+                <a16:creationId xmlns:a16="http://schemas.microsoft.com/office/drawing/2014/main" id="{4B0514B0-1D29-BC70-5DC5-6F39D603B6AC}"/>
+              </a:ext>
+            </a:extLst>
+          </p:cNvPr>
+          <p:cNvSpPr/>
+          <p:nvPr/>
+        </p:nvSpPr>
+        <p:spPr>
+          <a:xfrm rot="20272484">
+            <a:off x="6703752" y="968476"/>
+            <a:ext cx="13425285" cy="11214757"/>
+          </a:xfrm>
+          <a:prstGeom prst="rect">
+            <a:avLst/>
+          </a:prstGeom>
+          <a:noFill/>
+        </p:spPr>
+        <p:txBody>
+          <a:bodyPr wrap="none" lIns="91440" tIns="45720" rIns="91440" bIns="45720">
+            <a:prstTxWarp prst="textArchUp">
+              <a:avLst>
+                <a:gd name="adj" fmla="val 11957388"/>
+              </a:avLst>
+            </a:prstTxWarp>
+            <a:spAutoFit/>
+          </a:bodyPr>
+          <a:lstStyle/>
+          <a:p>
+            <a:r>
+              <a:rPr lang="en-US" sz="5400" b="1" dirty="0">
+                <a:solidFill>
+                  <a:srgbClr val="780019"/>
+                </a:solidFill>
+                <a:latin typeface="Trebuchet MS" panose="020B0703020202090204" pitchFamily="34" charset="0"/>
+                <a:cs typeface="Aharoni" panose="02010803020104030203" pitchFamily="2" charset="-79"/>
+              </a:rPr>
+              <a:t>Molecular Phenomena </a:t>
+            </a:r>
+          </a:p>
+          <a:p>
+            <a:r>
+              <a:rPr lang="en-US" sz="5400" b="1" dirty="0">
+                <a:solidFill>
+                  <a:srgbClr val="780019"/>
+                </a:solidFill>
+                <a:latin typeface="Trebuchet MS" panose="020B0703020202090204" pitchFamily="34" charset="0"/>
+                <a:cs typeface="Aharoni" panose="02010803020104030203" pitchFamily="2" charset="-79"/>
+              </a:rPr>
+              <a:t>in Aqueous Systems</a:t>
+            </a:r>
+          </a:p>
+        </p:txBody>
+      </p:sp>
+      <p:sp>
+        <p:nvSpPr>
+          <p:cNvPr id="34" name="Graphic 13" descr="Wrench with solid fill">
+            <a:extLst>
+              <a:ext uri="{FF2B5EF4-FFF2-40B4-BE49-F238E27FC236}">
+                <a16:creationId xmlns:a16="http://schemas.microsoft.com/office/drawing/2014/main" id="{24B74F1D-77F8-D831-A62B-93F054CD3918}"/>
+              </a:ext>
+            </a:extLst>
+          </p:cNvPr>
+          <p:cNvSpPr/>
+          <p:nvPr/>
+        </p:nvSpPr>
+        <p:spPr>
+          <a:xfrm rot="225578">
+            <a:off x="7250145" y="9364160"/>
+            <a:ext cx="919635" cy="952900"/>
+          </a:xfrm>
+          <a:custGeom>
+            <a:avLst/>
+            <a:gdLst>
+              <a:gd name="connsiteX0" fmla="*/ 743490 w 837374"/>
+              <a:gd name="connsiteY0" fmla="*/ 180766 h 839686"/>
+              <a:gd name="connsiteX1" fmla="*/ 675862 w 837374"/>
+              <a:gd name="connsiteY1" fmla="*/ 162668 h 839686"/>
+              <a:gd name="connsiteX2" fmla="*/ 657765 w 837374"/>
+              <a:gd name="connsiteY2" fmla="*/ 95041 h 839686"/>
+              <a:gd name="connsiteX3" fmla="*/ 743490 w 837374"/>
+              <a:gd name="connsiteY3" fmla="*/ 9316 h 839686"/>
+              <a:gd name="connsiteX4" fmla="*/ 593947 w 837374"/>
+              <a:gd name="connsiteY4" fmla="*/ 37891 h 839686"/>
+              <a:gd name="connsiteX5" fmla="*/ 552037 w 837374"/>
+              <a:gd name="connsiteY5" fmla="*/ 183623 h 839686"/>
+              <a:gd name="connsiteX6" fmla="*/ 182467 w 837374"/>
+              <a:gd name="connsiteY6" fmla="*/ 553194 h 839686"/>
+              <a:gd name="connsiteX7" fmla="*/ 37687 w 837374"/>
+              <a:gd name="connsiteY7" fmla="*/ 596056 h 839686"/>
+              <a:gd name="connsiteX8" fmla="*/ 9112 w 837374"/>
+              <a:gd name="connsiteY8" fmla="*/ 744646 h 839686"/>
+              <a:gd name="connsiteX9" fmla="*/ 94837 w 837374"/>
+              <a:gd name="connsiteY9" fmla="*/ 658921 h 839686"/>
+              <a:gd name="connsiteX10" fmla="*/ 161512 w 837374"/>
+              <a:gd name="connsiteY10" fmla="*/ 677019 h 839686"/>
+              <a:gd name="connsiteX11" fmla="*/ 179610 w 837374"/>
+              <a:gd name="connsiteY11" fmla="*/ 744646 h 839686"/>
+              <a:gd name="connsiteX12" fmla="*/ 93885 w 837374"/>
+              <a:gd name="connsiteY12" fmla="*/ 830371 h 839686"/>
+              <a:gd name="connsiteX13" fmla="*/ 243427 w 837374"/>
+              <a:gd name="connsiteY13" fmla="*/ 801796 h 839686"/>
+              <a:gd name="connsiteX14" fmla="*/ 285337 w 837374"/>
+              <a:gd name="connsiteY14" fmla="*/ 656064 h 839686"/>
+              <a:gd name="connsiteX15" fmla="*/ 654907 w 837374"/>
+              <a:gd name="connsiteY15" fmla="*/ 286493 h 839686"/>
+              <a:gd name="connsiteX16" fmla="*/ 799687 w 837374"/>
+              <a:gd name="connsiteY16" fmla="*/ 243631 h 839686"/>
+              <a:gd name="connsiteX17" fmla="*/ 828262 w 837374"/>
+              <a:gd name="connsiteY17" fmla="*/ 95041 h 839686"/>
+              <a:gd name="connsiteX18" fmla="*/ 743490 w 837374"/>
+              <a:gd name="connsiteY18" fmla="*/ 180766 h 839686"/>
+            </a:gdLst>
+            <a:ahLst/>
+            <a:cxnLst>
+              <a:cxn ang="0">
+                <a:pos x="connsiteX0" y="connsiteY0"/>
+              </a:cxn>
+              <a:cxn ang="0">
+                <a:pos x="connsiteX1" y="connsiteY1"/>
+              </a:cxn>
+              <a:cxn ang="0">
+                <a:pos x="connsiteX2" y="connsiteY2"/>
+              </a:cxn>
+              <a:cxn ang="0">
+                <a:pos x="connsiteX3" y="connsiteY3"/>
+              </a:cxn>
+              <a:cxn ang="0">
+                <a:pos x="connsiteX4" y="connsiteY4"/>
+              </a:cxn>
+              <a:cxn ang="0">
+                <a:pos x="connsiteX5" y="connsiteY5"/>
+              </a:cxn>
+              <a:cxn ang="0">
+                <a:pos x="connsiteX6" y="connsiteY6"/>
+              </a:cxn>
+              <a:cxn ang="0">
+                <a:pos x="connsiteX7" y="connsiteY7"/>
+              </a:cxn>
+              <a:cxn ang="0">
+                <a:pos x="connsiteX8" y="connsiteY8"/>
+              </a:cxn>
+              <a:cxn ang="0">
+                <a:pos x="connsiteX9" y="connsiteY9"/>
+              </a:cxn>
+              <a:cxn ang="0">
+                <a:pos x="connsiteX10" y="connsiteY10"/>
+              </a:cxn>
+              <a:cxn ang="0">
+                <a:pos x="connsiteX11" y="connsiteY11"/>
+              </a:cxn>
+              <a:cxn ang="0">
+                <a:pos x="connsiteX12" y="connsiteY12"/>
+              </a:cxn>
+              <a:cxn ang="0">
+                <a:pos x="connsiteX13" y="connsiteY13"/>
+              </a:cxn>
+              <a:cxn ang="0">
+                <a:pos x="connsiteX14" y="connsiteY14"/>
+              </a:cxn>
+              <a:cxn ang="0">
+                <a:pos x="connsiteX15" y="connsiteY15"/>
+              </a:cxn>
+              <a:cxn ang="0">
+                <a:pos x="connsiteX16" y="connsiteY16"/>
+              </a:cxn>
+              <a:cxn ang="0">
+                <a:pos x="connsiteX17" y="connsiteY17"/>
+              </a:cxn>
+              <a:cxn ang="0">
+                <a:pos x="connsiteX18" y="connsiteY18"/>
+              </a:cxn>
+            </a:cxnLst>
+            <a:rect l="l" t="t" r="r" b="b"/>
+            <a:pathLst>
+              <a:path w="837374" h="839686">
+                <a:moveTo>
+                  <a:pt x="743490" y="180766"/>
+                </a:moveTo>
+                <a:lnTo>
+                  <a:pt x="675862" y="162668"/>
+                </a:lnTo>
+                <a:lnTo>
+                  <a:pt x="657765" y="95041"/>
+                </a:lnTo>
+                <a:lnTo>
+                  <a:pt x="743490" y="9316"/>
+                </a:lnTo>
+                <a:cubicBezTo>
+                  <a:pt x="692055" y="-9734"/>
+                  <a:pt x="634905" y="743"/>
+                  <a:pt x="593947" y="37891"/>
+                </a:cubicBezTo>
+                <a:cubicBezTo>
+                  <a:pt x="553942" y="75038"/>
+                  <a:pt x="536797" y="131236"/>
+                  <a:pt x="552037" y="183623"/>
+                </a:cubicBezTo>
+                <a:lnTo>
+                  <a:pt x="182467" y="553194"/>
+                </a:lnTo>
+                <a:cubicBezTo>
+                  <a:pt x="130080" y="538906"/>
+                  <a:pt x="73882" y="556051"/>
+                  <a:pt x="37687" y="596056"/>
+                </a:cubicBezTo>
+                <a:cubicBezTo>
+                  <a:pt x="1492" y="636061"/>
+                  <a:pt x="-9938" y="693211"/>
+                  <a:pt x="9112" y="744646"/>
+                </a:cubicBezTo>
+                <a:lnTo>
+                  <a:pt x="94837" y="658921"/>
+                </a:lnTo>
+                <a:lnTo>
+                  <a:pt x="161512" y="677019"/>
+                </a:lnTo>
+                <a:lnTo>
+                  <a:pt x="179610" y="744646"/>
+                </a:lnTo>
+                <a:lnTo>
+                  <a:pt x="93885" y="830371"/>
+                </a:lnTo>
+                <a:cubicBezTo>
+                  <a:pt x="145320" y="849421"/>
+                  <a:pt x="202470" y="838944"/>
+                  <a:pt x="243427" y="801796"/>
+                </a:cubicBezTo>
+                <a:cubicBezTo>
+                  <a:pt x="283432" y="764648"/>
+                  <a:pt x="300577" y="708451"/>
+                  <a:pt x="285337" y="656064"/>
+                </a:cubicBezTo>
+                <a:lnTo>
+                  <a:pt x="654907" y="286493"/>
+                </a:lnTo>
+                <a:cubicBezTo>
+                  <a:pt x="707295" y="300781"/>
+                  <a:pt x="763492" y="283636"/>
+                  <a:pt x="799687" y="243631"/>
+                </a:cubicBezTo>
+                <a:cubicBezTo>
+                  <a:pt x="835882" y="203626"/>
+                  <a:pt x="847312" y="146476"/>
+                  <a:pt x="828262" y="95041"/>
+                </a:cubicBezTo>
+                <a:lnTo>
+                  <a:pt x="743490" y="180766"/>
+                </a:lnTo>
+                <a:close/>
+              </a:path>
+            </a:pathLst>
+          </a:custGeom>
+          <a:solidFill>
+            <a:srgbClr val="780019"/>
+          </a:solidFill>
+          <a:ln w="9525" cap="flat">
+            <a:noFill/>
+            <a:prstDash val="solid"/>
+            <a:miter/>
+          </a:ln>
+        </p:spPr>
+        <p:txBody>
+          <a:bodyPr rtlCol="0" anchor="ctr"/>
+          <a:lstStyle/>
+          <a:p>
+            <a:endParaRPr lang="en-US" sz="4516" dirty="0"/>
+          </a:p>
+        </p:txBody>
+      </p:sp>
+      <p:sp>
+        <p:nvSpPr>
+          <p:cNvPr id="35" name="Graphic 13" descr="Wrench with solid fill">
+            <a:extLst>
+              <a:ext uri="{FF2B5EF4-FFF2-40B4-BE49-F238E27FC236}">
+                <a16:creationId xmlns:a16="http://schemas.microsoft.com/office/drawing/2014/main" id="{627D092C-315D-66E2-8C6D-03AAA49B1D19}"/>
+              </a:ext>
+            </a:extLst>
+          </p:cNvPr>
+          <p:cNvSpPr/>
+          <p:nvPr/>
+        </p:nvSpPr>
+        <p:spPr>
+          <a:xfrm rot="20822122" flipH="1">
+            <a:off x="14851981" y="9193679"/>
+            <a:ext cx="919634" cy="952900"/>
+          </a:xfrm>
+          <a:custGeom>
+            <a:avLst/>
+            <a:gdLst>
+              <a:gd name="connsiteX0" fmla="*/ 743490 w 837374"/>
+              <a:gd name="connsiteY0" fmla="*/ 180766 h 839686"/>
+              <a:gd name="connsiteX1" fmla="*/ 675862 w 837374"/>
+              <a:gd name="connsiteY1" fmla="*/ 162668 h 839686"/>
+              <a:gd name="connsiteX2" fmla="*/ 657765 w 837374"/>
+              <a:gd name="connsiteY2" fmla="*/ 95041 h 839686"/>
+              <a:gd name="connsiteX3" fmla="*/ 743490 w 837374"/>
+              <a:gd name="connsiteY3" fmla="*/ 9316 h 839686"/>
+              <a:gd name="connsiteX4" fmla="*/ 593947 w 837374"/>
+              <a:gd name="connsiteY4" fmla="*/ 37891 h 839686"/>
+              <a:gd name="connsiteX5" fmla="*/ 552037 w 837374"/>
+              <a:gd name="connsiteY5" fmla="*/ 183623 h 839686"/>
+              <a:gd name="connsiteX6" fmla="*/ 182467 w 837374"/>
+              <a:gd name="connsiteY6" fmla="*/ 553194 h 839686"/>
+              <a:gd name="connsiteX7" fmla="*/ 37687 w 837374"/>
+              <a:gd name="connsiteY7" fmla="*/ 596056 h 839686"/>
+              <a:gd name="connsiteX8" fmla="*/ 9112 w 837374"/>
+              <a:gd name="connsiteY8" fmla="*/ 744646 h 839686"/>
+              <a:gd name="connsiteX9" fmla="*/ 94837 w 837374"/>
+              <a:gd name="connsiteY9" fmla="*/ 658921 h 839686"/>
+              <a:gd name="connsiteX10" fmla="*/ 161512 w 837374"/>
+              <a:gd name="connsiteY10" fmla="*/ 677019 h 839686"/>
+              <a:gd name="connsiteX11" fmla="*/ 179610 w 837374"/>
+              <a:gd name="connsiteY11" fmla="*/ 744646 h 839686"/>
+              <a:gd name="connsiteX12" fmla="*/ 93885 w 837374"/>
+              <a:gd name="connsiteY12" fmla="*/ 830371 h 839686"/>
+              <a:gd name="connsiteX13" fmla="*/ 243427 w 837374"/>
+              <a:gd name="connsiteY13" fmla="*/ 801796 h 839686"/>
+              <a:gd name="connsiteX14" fmla="*/ 285337 w 837374"/>
+              <a:gd name="connsiteY14" fmla="*/ 656064 h 839686"/>
+              <a:gd name="connsiteX15" fmla="*/ 654907 w 837374"/>
+              <a:gd name="connsiteY15" fmla="*/ 286493 h 839686"/>
+              <a:gd name="connsiteX16" fmla="*/ 799687 w 837374"/>
+              <a:gd name="connsiteY16" fmla="*/ 243631 h 839686"/>
+              <a:gd name="connsiteX17" fmla="*/ 828262 w 837374"/>
+              <a:gd name="connsiteY17" fmla="*/ 95041 h 839686"/>
+              <a:gd name="connsiteX18" fmla="*/ 743490 w 837374"/>
+              <a:gd name="connsiteY18" fmla="*/ 180766 h 839686"/>
+            </a:gdLst>
+            <a:ahLst/>
+            <a:cxnLst>
+              <a:cxn ang="0">
+                <a:pos x="connsiteX0" y="connsiteY0"/>
+              </a:cxn>
+              <a:cxn ang="0">
+                <a:pos x="connsiteX1" y="connsiteY1"/>
+              </a:cxn>
+              <a:cxn ang="0">
+                <a:pos x="connsiteX2" y="connsiteY2"/>
+              </a:cxn>
+              <a:cxn ang="0">
+                <a:pos x="connsiteX3" y="connsiteY3"/>
+              </a:cxn>
+              <a:cxn ang="0">
+                <a:pos x="connsiteX4" y="connsiteY4"/>
+              </a:cxn>
+              <a:cxn ang="0">
+                <a:pos x="connsiteX5" y="connsiteY5"/>
+              </a:cxn>
+              <a:cxn ang="0">
+                <a:pos x="connsiteX6" y="connsiteY6"/>
+              </a:cxn>
+              <a:cxn ang="0">
+                <a:pos x="connsiteX7" y="connsiteY7"/>
+              </a:cxn>
+              <a:cxn ang="0">
+                <a:pos x="connsiteX8" y="connsiteY8"/>
+              </a:cxn>
+              <a:cxn ang="0">
+                <a:pos x="connsiteX9" y="connsiteY9"/>
+              </a:cxn>
+              <a:cxn ang="0">
+                <a:pos x="connsiteX10" y="connsiteY10"/>
+              </a:cxn>
+              <a:cxn ang="0">
+                <a:pos x="connsiteX11" y="connsiteY11"/>
+              </a:cxn>
+              <a:cxn ang="0">
+                <a:pos x="connsiteX12" y="connsiteY12"/>
+              </a:cxn>
+              <a:cxn ang="0">
+                <a:pos x="connsiteX13" y="connsiteY13"/>
+              </a:cxn>
+              <a:cxn ang="0">
+                <a:pos x="connsiteX14" y="connsiteY14"/>
+              </a:cxn>
+              <a:cxn ang="0">
+                <a:pos x="connsiteX15" y="connsiteY15"/>
+              </a:cxn>
+              <a:cxn ang="0">
+                <a:pos x="connsiteX16" y="connsiteY16"/>
+              </a:cxn>
+              <a:cxn ang="0">
+                <a:pos x="connsiteX17" y="connsiteY17"/>
+              </a:cxn>
+              <a:cxn ang="0">
+                <a:pos x="connsiteX18" y="connsiteY18"/>
+              </a:cxn>
+            </a:cxnLst>
+            <a:rect l="l" t="t" r="r" b="b"/>
+            <a:pathLst>
+              <a:path w="837374" h="839686">
+                <a:moveTo>
+                  <a:pt x="743490" y="180766"/>
+                </a:moveTo>
+                <a:lnTo>
+                  <a:pt x="675862" y="162668"/>
+                </a:lnTo>
+                <a:lnTo>
+                  <a:pt x="657765" y="95041"/>
+                </a:lnTo>
+                <a:lnTo>
+                  <a:pt x="743490" y="9316"/>
+                </a:lnTo>
+                <a:cubicBezTo>
+                  <a:pt x="692055" y="-9734"/>
+                  <a:pt x="634905" y="743"/>
+                  <a:pt x="593947" y="37891"/>
+                </a:cubicBezTo>
+                <a:cubicBezTo>
+                  <a:pt x="553942" y="75038"/>
+                  <a:pt x="536797" y="131236"/>
+                  <a:pt x="552037" y="183623"/>
+                </a:cubicBezTo>
+                <a:lnTo>
+                  <a:pt x="182467" y="553194"/>
+                </a:lnTo>
+                <a:cubicBezTo>
+                  <a:pt x="130080" y="538906"/>
+                  <a:pt x="73882" y="556051"/>
+                  <a:pt x="37687" y="596056"/>
+                </a:cubicBezTo>
+                <a:cubicBezTo>
+                  <a:pt x="1492" y="636061"/>
+                  <a:pt x="-9938" y="693211"/>
+                  <a:pt x="9112" y="744646"/>
+                </a:cubicBezTo>
+                <a:lnTo>
+                  <a:pt x="94837" y="658921"/>
+                </a:lnTo>
+                <a:lnTo>
+                  <a:pt x="161512" y="677019"/>
+                </a:lnTo>
+                <a:lnTo>
+                  <a:pt x="179610" y="744646"/>
+                </a:lnTo>
+                <a:lnTo>
+                  <a:pt x="93885" y="830371"/>
+                </a:lnTo>
+                <a:cubicBezTo>
+                  <a:pt x="145320" y="849421"/>
+                  <a:pt x="202470" y="838944"/>
+                  <a:pt x="243427" y="801796"/>
+                </a:cubicBezTo>
+                <a:cubicBezTo>
+                  <a:pt x="283432" y="764648"/>
+                  <a:pt x="300577" y="708451"/>
+                  <a:pt x="285337" y="656064"/>
+                </a:cubicBezTo>
+                <a:lnTo>
+                  <a:pt x="654907" y="286493"/>
+                </a:lnTo>
+                <a:cubicBezTo>
+                  <a:pt x="707295" y="300781"/>
+                  <a:pt x="763492" y="283636"/>
+                  <a:pt x="799687" y="243631"/>
+                </a:cubicBezTo>
+                <a:cubicBezTo>
+                  <a:pt x="835882" y="203626"/>
+                  <a:pt x="847312" y="146476"/>
+                  <a:pt x="828262" y="95041"/>
+                </a:cubicBezTo>
+                <a:lnTo>
+                  <a:pt x="743490" y="180766"/>
+                </a:lnTo>
+                <a:close/>
+              </a:path>
+            </a:pathLst>
+          </a:custGeom>
+          <a:solidFill>
+            <a:srgbClr val="780019"/>
+          </a:solidFill>
+          <a:ln w="9525" cap="flat">
+            <a:noFill/>
+            <a:prstDash val="solid"/>
+            <a:miter/>
+          </a:ln>
+        </p:spPr>
+        <p:txBody>
+          <a:bodyPr rtlCol="0" anchor="ctr"/>
+          <a:lstStyle/>
+          <a:p>
+            <a:endParaRPr lang="en-US" sz="4516" dirty="0"/>
+          </a:p>
+        </p:txBody>
+      </p:sp>
+      <p:pic>
+        <p:nvPicPr>
+          <p:cNvPr id="36" name="Graphic 35" descr="Lightbulb and gear with solid fill">
+            <a:extLst>
+              <a:ext uri="{FF2B5EF4-FFF2-40B4-BE49-F238E27FC236}">
+                <a16:creationId xmlns:a16="http://schemas.microsoft.com/office/drawing/2014/main" id="{9DFB0AB6-418A-4CF3-8DD6-CCE64CCE9FD3}"/>
+              </a:ext>
+            </a:extLst>
+          </p:cNvPr>
+          <p:cNvPicPr>
+            <a:picLocks noChangeAspect="1"/>
+          </p:cNvPicPr>
+          <p:nvPr/>
+        </p:nvPicPr>
+        <p:blipFill>
+          <a:blip r:embed="rId3">
+            <a:extLst>
+              <a:ext uri="{28A0092B-C50C-407E-A947-70E740481C1C}">
+                <a14:useLocalDpi xmlns:a14="http://schemas.microsoft.com/office/drawing/2010/main" val="0"/>
+              </a:ext>
+              <a:ext uri="{96DAC541-7B7A-43D3-8B79-37D633B846F1}">
+                <asvg:svgBlip xmlns:asvg="http://schemas.microsoft.com/office/drawing/2016/SVG/main" r:embed="rId4"/>
+              </a:ext>
+            </a:extLst>
+          </a:blip>
+          <a:stretch>
+            <a:fillRect/>
+          </a:stretch>
+        </p:blipFill>
+        <p:spPr>
+          <a:xfrm rot="2342030">
+            <a:off x="12371291" y="786971"/>
+            <a:ext cx="1194390" cy="1235417"/>
+          </a:xfrm>
+          <a:prstGeom prst="rect">
+            <a:avLst/>
+          </a:prstGeom>
+        </p:spPr>
+      </p:pic>
+      <p:pic>
+        <p:nvPicPr>
+          <p:cNvPr id="37" name="Graphic 36" descr="Search Inventory with solid fill">
+            <a:extLst>
+              <a:ext uri="{FF2B5EF4-FFF2-40B4-BE49-F238E27FC236}">
+                <a16:creationId xmlns:a16="http://schemas.microsoft.com/office/drawing/2014/main" id="{4498F449-5431-4E6C-CDB0-FB66FC04305C}"/>
+              </a:ext>
+            </a:extLst>
+          </p:cNvPr>
+          <p:cNvPicPr>
+            <a:picLocks noChangeAspect="1"/>
+          </p:cNvPicPr>
+          <p:nvPr/>
+        </p:nvPicPr>
+        <p:blipFill>
+          <a:blip r:embed="rId5">
+            <a:extLst>
+              <a:ext uri="{28A0092B-C50C-407E-A947-70E740481C1C}">
+                <a14:useLocalDpi xmlns:a14="http://schemas.microsoft.com/office/drawing/2010/main" val="0"/>
+              </a:ext>
+              <a:ext uri="{96DAC541-7B7A-43D3-8B79-37D633B846F1}">
+                <asvg:svgBlip xmlns:asvg="http://schemas.microsoft.com/office/drawing/2016/SVG/main" r:embed="rId6"/>
+              </a:ext>
+            </a:extLst>
+          </a:blip>
+          <a:stretch>
+            <a:fillRect/>
+          </a:stretch>
+        </p:blipFill>
+        <p:spPr>
+          <a:xfrm rot="19319675">
+            <a:off x="9867565" y="905105"/>
+            <a:ext cx="1015370" cy="1033448"/>
+          </a:xfrm>
+          <a:prstGeom prst="rect">
+            <a:avLst/>
+          </a:prstGeom>
+        </p:spPr>
+      </p:pic>
+      <p:pic>
+        <p:nvPicPr>
+          <p:cNvPr id="38" name="Graphic 37" descr="Lightbulb and gear with solid fill">
+            <a:extLst>
+              <a:ext uri="{FF2B5EF4-FFF2-40B4-BE49-F238E27FC236}">
+                <a16:creationId xmlns:a16="http://schemas.microsoft.com/office/drawing/2014/main" id="{F646B456-BA47-072D-EEAF-9F4F0ADF06DC}"/>
+              </a:ext>
+            </a:extLst>
+          </p:cNvPr>
+          <p:cNvPicPr>
+            <a:picLocks noChangeAspect="1"/>
+          </p:cNvPicPr>
+          <p:nvPr/>
+        </p:nvPicPr>
+        <p:blipFill>
+          <a:blip r:embed="rId3">
+            <a:extLst>
+              <a:ext uri="{28A0092B-C50C-407E-A947-70E740481C1C}">
+                <a14:useLocalDpi xmlns:a14="http://schemas.microsoft.com/office/drawing/2010/main" val="0"/>
+              </a:ext>
+              <a:ext uri="{96DAC541-7B7A-43D3-8B79-37D633B846F1}">
+                <asvg:svgBlip xmlns:asvg="http://schemas.microsoft.com/office/drawing/2016/SVG/main" r:embed="rId4"/>
+              </a:ext>
+            </a:extLst>
+          </a:blip>
+          <a:stretch>
+            <a:fillRect/>
+          </a:stretch>
+        </p:blipFill>
+        <p:spPr>
+          <a:xfrm rot="6712092">
+            <a:off x="15888316" y="7421731"/>
+            <a:ext cx="1194390" cy="1235417"/>
+          </a:xfrm>
+          <a:prstGeom prst="rect">
+            <a:avLst/>
+          </a:prstGeom>
+        </p:spPr>
+      </p:pic>
+      <p:pic>
+        <p:nvPicPr>
+          <p:cNvPr id="39" name="Graphic 38" descr="Search Inventory with solid fill">
+            <a:extLst>
+              <a:ext uri="{FF2B5EF4-FFF2-40B4-BE49-F238E27FC236}">
+                <a16:creationId xmlns:a16="http://schemas.microsoft.com/office/drawing/2014/main" id="{96B0A644-19A4-23A3-A5F6-4780404E835F}"/>
+              </a:ext>
+            </a:extLst>
+          </p:cNvPr>
+          <p:cNvPicPr>
+            <a:picLocks noChangeAspect="1"/>
+          </p:cNvPicPr>
+          <p:nvPr/>
+        </p:nvPicPr>
+        <p:blipFill>
+          <a:blip r:embed="rId5">
+            <a:extLst>
+              <a:ext uri="{28A0092B-C50C-407E-A947-70E740481C1C}">
+                <a14:useLocalDpi xmlns:a14="http://schemas.microsoft.com/office/drawing/2010/main" val="0"/>
+              </a:ext>
+              <a:ext uri="{96DAC541-7B7A-43D3-8B79-37D633B846F1}">
+                <asvg:svgBlip xmlns:asvg="http://schemas.microsoft.com/office/drawing/2016/SVG/main" r:embed="rId6"/>
+              </a:ext>
+            </a:extLst>
+          </a:blip>
+          <a:stretch>
+            <a:fillRect/>
+          </a:stretch>
+        </p:blipFill>
+        <p:spPr>
+          <a:xfrm rot="17107660">
+            <a:off x="6147313" y="7540418"/>
+            <a:ext cx="1015370" cy="1033448"/>
+          </a:xfrm>
+          <a:prstGeom prst="rect">
+            <a:avLst/>
+          </a:prstGeom>
+        </p:spPr>
+      </p:pic>
+    </p:spTree>
+    <p:extLst>
+      <p:ext uri="{BB962C8B-B14F-4D97-AF65-F5344CB8AC3E}">
+        <p14:creationId xmlns:p14="http://schemas.microsoft.com/office/powerpoint/2010/main" val="1761162257"/>
+      </p:ext>
+    </p:extLst>
+  </p:cSld>
+  <p:clrMapOvr>
+    <a:masterClrMapping/>
+  </p:clrMapOvr>
+</p:sld>
+</file>
+
+<file path=ppt/slides/slide7.xml><?xml version="1.0" encoding="utf-8"?>
 <p:sld xmlns:a="http://schemas.openxmlformats.org/drawingml/2006/main" xmlns:r="http://schemas.openxmlformats.org/officeDocument/2006/relationships" xmlns:p="http://schemas.openxmlformats.org/presentationml/2006/main">
   <p:cSld>
     <p:spTree>
